--- a/fraud_detection.pptx
+++ b/fraud_detection.pptx
@@ -5,7 +5,7 @@
     <p:sldMasterId id="2147483648" r:id="rId1"/>
   </p:sldMasterIdLst>
   <p:notesMasterIdLst>
-    <p:notesMasterId r:id="rId32"/>
+    <p:notesMasterId r:id="rId33"/>
   </p:notesMasterIdLst>
   <p:sldIdLst>
     <p:sldId id="273" r:id="rId2"/>
@@ -25,36 +25,37 @@
     <p:sldId id="268" r:id="rId16"/>
     <p:sldId id="270" r:id="rId17"/>
     <p:sldId id="272" r:id="rId18"/>
-    <p:sldId id="258" r:id="rId19"/>
-    <p:sldId id="259" r:id="rId20"/>
-    <p:sldId id="262" r:id="rId21"/>
-    <p:sldId id="261" r:id="rId22"/>
-    <p:sldId id="286" r:id="rId23"/>
-    <p:sldId id="287" r:id="rId24"/>
-    <p:sldId id="264" r:id="rId25"/>
-    <p:sldId id="263" r:id="rId26"/>
-    <p:sldId id="288" r:id="rId27"/>
-    <p:sldId id="285" r:id="rId28"/>
-    <p:sldId id="289" r:id="rId29"/>
-    <p:sldId id="274" r:id="rId30"/>
-    <p:sldId id="275" r:id="rId31"/>
+    <p:sldId id="290" r:id="rId19"/>
+    <p:sldId id="258" r:id="rId20"/>
+    <p:sldId id="259" r:id="rId21"/>
+    <p:sldId id="262" r:id="rId22"/>
+    <p:sldId id="261" r:id="rId23"/>
+    <p:sldId id="286" r:id="rId24"/>
+    <p:sldId id="287" r:id="rId25"/>
+    <p:sldId id="264" r:id="rId26"/>
+    <p:sldId id="263" r:id="rId27"/>
+    <p:sldId id="288" r:id="rId28"/>
+    <p:sldId id="285" r:id="rId29"/>
+    <p:sldId id="289" r:id="rId30"/>
+    <p:sldId id="274" r:id="rId31"/>
+    <p:sldId id="275" r:id="rId32"/>
   </p:sldIdLst>
   <p:sldSz cx="12192000" cy="6858000"/>
   <p:notesSz cx="6858000" cy="9144000"/>
   <p:embeddedFontLst>
     <p:embeddedFont>
-      <p:font typeface="함초롬바탕" panose="02030604000101010101" pitchFamily="18" charset="-127"/>
-      <p:regular r:id="rId33"/>
-      <p:bold r:id="rId34"/>
-    </p:embeddedFont>
-    <p:embeddedFont>
       <p:font typeface="Cambria Math" panose="02040503050406030204" pitchFamily="18" charset="0"/>
-      <p:regular r:id="rId35"/>
+      <p:regular r:id="rId34"/>
     </p:embeddedFont>
     <p:embeddedFont>
       <p:font typeface="맑은 고딕" panose="020B0503020000020004" pitchFamily="50" charset="-127"/>
-      <p:regular r:id="rId36"/>
-      <p:bold r:id="rId37"/>
+      <p:regular r:id="rId35"/>
+      <p:bold r:id="rId36"/>
+    </p:embeddedFont>
+    <p:embeddedFont>
+      <p:font typeface="함초롬바탕" panose="02030604000101010101" pitchFamily="18" charset="-127"/>
+      <p:regular r:id="rId37"/>
+      <p:bold r:id="rId38"/>
     </p:embeddedFont>
   </p:embeddedFontLst>
   <p:defaultTextStyle>
@@ -190,6 +191,7 @@
         <p14:section name="model" id="{4B045A72-7D46-47D1-BEE9-996C122A12A2}">
           <p14:sldIdLst>
             <p14:sldId id="272"/>
+            <p14:sldId id="290"/>
             <p14:sldId id="258"/>
             <p14:sldId id="259"/>
             <p14:sldId id="262"/>
@@ -218,7 +220,7 @@
             <a:srgbClr val="A4A3A4"/>
           </p15:clr>
         </p15:guide>
-        <p15:guide id="2" pos="3840" userDrawn="1">
+        <p15:guide id="2" pos="529" userDrawn="1">
           <p15:clr>
             <a:srgbClr val="A4A3A4"/>
           </p15:clr>
@@ -311,7 +313,7 @@
           <a:p>
             <a:fld id="{715AD8CD-6691-495D-AC2D-541786E0C2FF}" type="datetimeFigureOut">
               <a:rPr lang="ko-KR" altLang="en-US" smtClean="0"/>
-              <a:t>2021-04-26</a:t>
+              <a:t>2021-04-28</a:t>
             </a:fld>
             <a:endParaRPr lang="ko-KR" altLang="en-US"/>
           </a:p>
@@ -895,7 +897,7 @@
           <a:p>
             <a:fld id="{C8F4F73D-04D1-4494-8B6B-0D3706A919E6}" type="slidenum">
               <a:rPr lang="ko-KR" altLang="en-US" smtClean="0"/>
-              <a:t>19</a:t>
+              <a:t>18</a:t>
             </a:fld>
             <a:endParaRPr lang="ko-KR" altLang="en-US"/>
           </a:p>
@@ -904,7 +906,7 @@
     </p:spTree>
     <p:extLst>
       <p:ext uri="{BB962C8B-B14F-4D97-AF65-F5344CB8AC3E}">
-        <p14:creationId xmlns:p14="http://schemas.microsoft.com/office/powerpoint/2010/main" val="69007495"/>
+        <p14:creationId xmlns:p14="http://schemas.microsoft.com/office/powerpoint/2010/main" val="4102662591"/>
       </p:ext>
     </p:extLst>
   </p:cSld>
@@ -979,7 +981,7 @@
           <a:p>
             <a:fld id="{C8F4F73D-04D1-4494-8B6B-0D3706A919E6}" type="slidenum">
               <a:rPr lang="ko-KR" altLang="en-US" smtClean="0"/>
-              <a:t>22</a:t>
+              <a:t>20</a:t>
             </a:fld>
             <a:endParaRPr lang="ko-KR" altLang="en-US"/>
           </a:p>
@@ -988,7 +990,7 @@
     </p:spTree>
     <p:extLst>
       <p:ext uri="{BB962C8B-B14F-4D97-AF65-F5344CB8AC3E}">
-        <p14:creationId xmlns:p14="http://schemas.microsoft.com/office/powerpoint/2010/main" val="1997878793"/>
+        <p14:creationId xmlns:p14="http://schemas.microsoft.com/office/powerpoint/2010/main" val="69007495"/>
       </p:ext>
     </p:extLst>
   </p:cSld>
@@ -1063,7 +1065,91 @@
           <a:p>
             <a:fld id="{C8F4F73D-04D1-4494-8B6B-0D3706A919E6}" type="slidenum">
               <a:rPr lang="ko-KR" altLang="en-US" smtClean="0"/>
-              <a:t>26</a:t>
+              <a:t>23</a:t>
+            </a:fld>
+            <a:endParaRPr lang="ko-KR" altLang="en-US"/>
+          </a:p>
+        </p:txBody>
+      </p:sp>
+    </p:spTree>
+    <p:extLst>
+      <p:ext uri="{BB962C8B-B14F-4D97-AF65-F5344CB8AC3E}">
+        <p14:creationId xmlns:p14="http://schemas.microsoft.com/office/powerpoint/2010/main" val="1997878793"/>
+      </p:ext>
+    </p:extLst>
+  </p:cSld>
+  <p:clrMapOvr>
+    <a:masterClrMapping/>
+  </p:clrMapOvr>
+</p:notes>
+</file>
+
+<file path=ppt/notesSlides/notesSlide15.xml><?xml version="1.0" encoding="utf-8"?>
+<p:notes xmlns:a="http://schemas.openxmlformats.org/drawingml/2006/main" xmlns:r="http://schemas.openxmlformats.org/officeDocument/2006/relationships" xmlns:p="http://schemas.openxmlformats.org/presentationml/2006/main">
+  <p:cSld>
+    <p:spTree>
+      <p:nvGrpSpPr>
+        <p:cNvPr id="1" name=""/>
+        <p:cNvGrpSpPr/>
+        <p:nvPr/>
+      </p:nvGrpSpPr>
+      <p:grpSpPr>
+        <a:xfrm>
+          <a:off x="0" y="0"/>
+          <a:ext cx="0" cy="0"/>
+          <a:chOff x="0" y="0"/>
+          <a:chExt cx="0" cy="0"/>
+        </a:xfrm>
+      </p:grpSpPr>
+      <p:sp>
+        <p:nvSpPr>
+          <p:cNvPr id="2" name="슬라이드 이미지 개체 틀 1"/>
+          <p:cNvSpPr>
+            <a:spLocks noGrp="1" noRot="1" noChangeAspect="1"/>
+          </p:cNvSpPr>
+          <p:nvPr>
+            <p:ph type="sldImg"/>
+          </p:nvPr>
+        </p:nvSpPr>
+        <p:spPr/>
+      </p:sp>
+      <p:sp>
+        <p:nvSpPr>
+          <p:cNvPr id="3" name="슬라이드 노트 개체 틀 2"/>
+          <p:cNvSpPr>
+            <a:spLocks noGrp="1"/>
+          </p:cNvSpPr>
+          <p:nvPr>
+            <p:ph type="body" idx="1"/>
+          </p:nvPr>
+        </p:nvSpPr>
+        <p:spPr/>
+        <p:txBody>
+          <a:bodyPr/>
+          <a:lstStyle/>
+          <a:p>
+            <a:endParaRPr lang="ko-KR" altLang="en-US" dirty="0"/>
+          </a:p>
+        </p:txBody>
+      </p:sp>
+      <p:sp>
+        <p:nvSpPr>
+          <p:cNvPr id="4" name="슬라이드 번호 개체 틀 3"/>
+          <p:cNvSpPr>
+            <a:spLocks noGrp="1"/>
+          </p:cNvSpPr>
+          <p:nvPr>
+            <p:ph type="sldNum" sz="quarter" idx="5"/>
+          </p:nvPr>
+        </p:nvSpPr>
+        <p:spPr/>
+        <p:txBody>
+          <a:bodyPr/>
+          <a:lstStyle/>
+          <a:p>
+            <a:fld id="{C8F4F73D-04D1-4494-8B6B-0D3706A919E6}" type="slidenum">
+              <a:rPr lang="ko-KR" altLang="en-US" smtClean="0"/>
+              <a:t>27</a:t>
             </a:fld>
             <a:endParaRPr lang="ko-KR" altLang="en-US"/>
           </a:p>
@@ -1901,7 +1987,7 @@
           <a:p>
             <a:fld id="{91A9BE5D-4D41-4829-98B5-BC5151BE6106}" type="datetimeFigureOut">
               <a:rPr lang="ko-KR" altLang="en-US" smtClean="0"/>
-              <a:t>2021-04-26</a:t>
+              <a:t>2021-04-28</a:t>
             </a:fld>
             <a:endParaRPr lang="ko-KR" altLang="en-US"/>
           </a:p>
@@ -2099,7 +2185,7 @@
           <a:p>
             <a:fld id="{91A9BE5D-4D41-4829-98B5-BC5151BE6106}" type="datetimeFigureOut">
               <a:rPr lang="ko-KR" altLang="en-US" smtClean="0"/>
-              <a:t>2021-04-26</a:t>
+              <a:t>2021-04-28</a:t>
             </a:fld>
             <a:endParaRPr lang="ko-KR" altLang="en-US"/>
           </a:p>
@@ -2307,7 +2393,7 @@
           <a:p>
             <a:fld id="{91A9BE5D-4D41-4829-98B5-BC5151BE6106}" type="datetimeFigureOut">
               <a:rPr lang="ko-KR" altLang="en-US" smtClean="0"/>
-              <a:t>2021-04-26</a:t>
+              <a:t>2021-04-28</a:t>
             </a:fld>
             <a:endParaRPr lang="ko-KR" altLang="en-US"/>
           </a:p>
@@ -2505,7 +2591,7 @@
           <a:p>
             <a:fld id="{91A9BE5D-4D41-4829-98B5-BC5151BE6106}" type="datetimeFigureOut">
               <a:rPr lang="ko-KR" altLang="en-US" smtClean="0"/>
-              <a:t>2021-04-26</a:t>
+              <a:t>2021-04-28</a:t>
             </a:fld>
             <a:endParaRPr lang="ko-KR" altLang="en-US"/>
           </a:p>
@@ -2780,7 +2866,7 @@
           <a:p>
             <a:fld id="{91A9BE5D-4D41-4829-98B5-BC5151BE6106}" type="datetimeFigureOut">
               <a:rPr lang="ko-KR" altLang="en-US" smtClean="0"/>
-              <a:t>2021-04-26</a:t>
+              <a:t>2021-04-28</a:t>
             </a:fld>
             <a:endParaRPr lang="ko-KR" altLang="en-US"/>
           </a:p>
@@ -3045,7 +3131,7 @@
           <a:p>
             <a:fld id="{91A9BE5D-4D41-4829-98B5-BC5151BE6106}" type="datetimeFigureOut">
               <a:rPr lang="ko-KR" altLang="en-US" smtClean="0"/>
-              <a:t>2021-04-26</a:t>
+              <a:t>2021-04-28</a:t>
             </a:fld>
             <a:endParaRPr lang="ko-KR" altLang="en-US"/>
           </a:p>
@@ -3457,7 +3543,7 @@
           <a:p>
             <a:fld id="{91A9BE5D-4D41-4829-98B5-BC5151BE6106}" type="datetimeFigureOut">
               <a:rPr lang="ko-KR" altLang="en-US" smtClean="0"/>
-              <a:t>2021-04-26</a:t>
+              <a:t>2021-04-28</a:t>
             </a:fld>
             <a:endParaRPr lang="ko-KR" altLang="en-US"/>
           </a:p>
@@ -3598,7 +3684,7 @@
           <a:p>
             <a:fld id="{91A9BE5D-4D41-4829-98B5-BC5151BE6106}" type="datetimeFigureOut">
               <a:rPr lang="ko-KR" altLang="en-US" smtClean="0"/>
-              <a:t>2021-04-26</a:t>
+              <a:t>2021-04-28</a:t>
             </a:fld>
             <a:endParaRPr lang="ko-KR" altLang="en-US"/>
           </a:p>
@@ -3711,7 +3797,7 @@
           <a:p>
             <a:fld id="{91A9BE5D-4D41-4829-98B5-BC5151BE6106}" type="datetimeFigureOut">
               <a:rPr lang="ko-KR" altLang="en-US" smtClean="0"/>
-              <a:t>2021-04-26</a:t>
+              <a:t>2021-04-28</a:t>
             </a:fld>
             <a:endParaRPr lang="ko-KR" altLang="en-US"/>
           </a:p>
@@ -4022,7 +4108,7 @@
           <a:p>
             <a:fld id="{91A9BE5D-4D41-4829-98B5-BC5151BE6106}" type="datetimeFigureOut">
               <a:rPr lang="ko-KR" altLang="en-US" smtClean="0"/>
-              <a:t>2021-04-26</a:t>
+              <a:t>2021-04-28</a:t>
             </a:fld>
             <a:endParaRPr lang="ko-KR" altLang="en-US"/>
           </a:p>
@@ -4310,7 +4396,7 @@
           <a:p>
             <a:fld id="{91A9BE5D-4D41-4829-98B5-BC5151BE6106}" type="datetimeFigureOut">
               <a:rPr lang="ko-KR" altLang="en-US" smtClean="0"/>
-              <a:t>2021-04-26</a:t>
+              <a:t>2021-04-28</a:t>
             </a:fld>
             <a:endParaRPr lang="ko-KR" altLang="en-US"/>
           </a:p>
@@ -4551,7 +4637,7 @@
           <a:p>
             <a:fld id="{91A9BE5D-4D41-4829-98B5-BC5151BE6106}" type="datetimeFigureOut">
               <a:rPr lang="ko-KR" altLang="en-US" smtClean="0"/>
-              <a:t>2021-04-26</a:t>
+              <a:t>2021-04-28</a:t>
             </a:fld>
             <a:endParaRPr lang="ko-KR" altLang="en-US"/>
           </a:p>
@@ -5217,19 +5303,37 @@
               <a:rPr lang="ko-KR" altLang="en-US" sz="2500" dirty="0">
                 <a:latin typeface="+mn-ea"/>
               </a:rPr>
-              <a:t>데이터 중 일부의 </a:t>
-            </a:r>
-            <a:r>
-              <a:rPr lang="en-US" altLang="ko-KR" sz="2500" dirty="0">
+              <a:t>데이터 중 </a:t>
+            </a:r>
+            <a:r>
+              <a:rPr lang="ko-KR" altLang="en-US" sz="2500" b="1" dirty="0">
+                <a:latin typeface="+mn-ea"/>
+              </a:rPr>
+              <a:t>일부</a:t>
+            </a:r>
+            <a:r>
+              <a:rPr lang="ko-KR" altLang="en-US" sz="2500" dirty="0">
+                <a:latin typeface="+mn-ea"/>
+              </a:rPr>
+              <a:t>의 </a:t>
+            </a:r>
+            <a:r>
+              <a:rPr lang="en-US" altLang="ko-KR" sz="2500" b="1" dirty="0">
                 <a:latin typeface="+mn-ea"/>
               </a:rPr>
               <a:t>label</a:t>
             </a:r>
             <a:r>
+              <a:rPr lang="ko-KR" altLang="en-US" sz="2500" b="1" dirty="0">
+                <a:latin typeface="+mn-ea"/>
+              </a:rPr>
+              <a:t>이 제공</a:t>
+            </a:r>
+            <a:r>
               <a:rPr lang="ko-KR" altLang="en-US" sz="2500" dirty="0">
                 <a:latin typeface="+mn-ea"/>
               </a:rPr>
-              <a:t>이 제공되는 경우</a:t>
+              <a:t>되는 경우</a:t>
             </a:r>
             <a:endParaRPr lang="en-US" altLang="ko-KR" sz="2500" dirty="0">
               <a:latin typeface="+mn-ea"/>
@@ -5486,16 +5590,34 @@
               <a:buChar char="-"/>
             </a:pPr>
             <a:r>
+              <a:rPr lang="en-US" altLang="ko-KR" sz="2500" b="1" dirty="0">
+                <a:latin typeface="+mn-ea"/>
+              </a:rPr>
+              <a:t>Binary classification</a:t>
+            </a:r>
+            <a:r>
               <a:rPr lang="en-US" altLang="ko-KR" sz="2500" dirty="0">
                 <a:latin typeface="+mn-ea"/>
               </a:rPr>
-              <a:t>Binary classification </a:t>
+              <a:t> </a:t>
             </a:r>
             <a:r>
               <a:rPr lang="ko-KR" altLang="en-US" sz="2500" dirty="0">
                 <a:latin typeface="+mn-ea"/>
               </a:rPr>
-              <a:t>문제로 환원됨</a:t>
+              <a:t>문제로 </a:t>
+            </a:r>
+            <a:r>
+              <a:rPr lang="ko-KR" altLang="en-US" sz="2500" b="1" dirty="0">
+                <a:latin typeface="+mn-ea"/>
+              </a:rPr>
+              <a:t>환원</a:t>
+            </a:r>
+            <a:r>
+              <a:rPr lang="ko-KR" altLang="en-US" sz="2500" dirty="0">
+                <a:latin typeface="+mn-ea"/>
+              </a:rPr>
+              <a:t>됨</a:t>
             </a:r>
             <a:endParaRPr lang="en-US" altLang="ko-KR" sz="2500" dirty="0">
               <a:latin typeface="+mn-ea"/>
@@ -6690,10 +6812,10 @@
       </p:grpSpPr>
       <p:sp>
         <p:nvSpPr>
-          <p:cNvPr id="10" name="TextBox 9">
-            <a:extLst>
-              <a:ext uri="{FF2B5EF4-FFF2-40B4-BE49-F238E27FC236}">
-                <a16:creationId xmlns:a16="http://schemas.microsoft.com/office/drawing/2014/main" id="{26D67EAD-4F54-4DC8-A78A-8F0C5D927463}"/>
+          <p:cNvPr id="4" name="TextBox 3">
+            <a:extLst>
+              <a:ext uri="{FF2B5EF4-FFF2-40B4-BE49-F238E27FC236}">
+                <a16:creationId xmlns:a16="http://schemas.microsoft.com/office/drawing/2014/main" id="{CCF2CAB1-2ADB-4BF5-A48D-5053B8B3BABC}"/>
               </a:ext>
             </a:extLst>
           </p:cNvPr>
@@ -6702,8 +6824,8 @@
         </p:nvSpPr>
         <p:spPr>
           <a:xfrm>
-            <a:off x="878888" y="2269515"/>
-            <a:ext cx="9522411" cy="3939540"/>
+            <a:off x="9525740" y="186432"/>
+            <a:ext cx="4802820" cy="477054"/>
           </a:xfrm>
           <a:prstGeom prst="rect">
             <a:avLst/>
@@ -6716,92 +6838,133 @@
           </a:bodyPr>
           <a:lstStyle/>
           <a:p>
-            <a:pPr marL="342900" indent="-342900">
-              <a:buFontTx/>
-              <a:buChar char="-"/>
-            </a:pPr>
             <a:r>
               <a:rPr lang="en-US" altLang="ko-KR" sz="2500" dirty="0"/>
-              <a:t>One class SVM (or SVDD) with feature selected by human</a:t>
-            </a:r>
-          </a:p>
-          <a:p>
-            <a:endParaRPr lang="en-US" altLang="ko-KR" sz="2500" dirty="0"/>
-          </a:p>
-          <a:p>
-            <a:pPr marL="342900" indent="-342900">
-              <a:buFontTx/>
-              <a:buChar char="-"/>
-            </a:pPr>
-            <a:r>
-              <a:rPr lang="en-US" altLang="ko-KR" sz="2500" dirty="0"/>
-              <a:t>Deep SVDD</a:t>
-            </a:r>
-          </a:p>
-          <a:p>
-            <a:pPr marL="342900" indent="-342900">
-              <a:buFontTx/>
-              <a:buChar char="-"/>
-            </a:pPr>
-            <a:endParaRPr lang="en-US" altLang="ko-KR" sz="2500" dirty="0"/>
-          </a:p>
-          <a:p>
-            <a:pPr marL="342900" indent="-342900">
-              <a:buFontTx/>
-              <a:buChar char="-"/>
-            </a:pPr>
+              <a:t>Anomaly based</a:t>
+            </a:r>
+            <a:endParaRPr lang="ko-KR" altLang="en-US" sz="2500" dirty="0"/>
+          </a:p>
+        </p:txBody>
+      </p:sp>
+      <p:sp>
+        <p:nvSpPr>
+          <p:cNvPr id="10" name="TextBox 9">
+            <a:extLst>
+              <a:ext uri="{FF2B5EF4-FFF2-40B4-BE49-F238E27FC236}">
+                <a16:creationId xmlns:a16="http://schemas.microsoft.com/office/drawing/2014/main" id="{26D67EAD-4F54-4DC8-A78A-8F0C5D927463}"/>
+              </a:ext>
+            </a:extLst>
+          </p:cNvPr>
+          <p:cNvSpPr txBox="1"/>
+          <p:nvPr/>
+        </p:nvSpPr>
+        <p:spPr>
+          <a:xfrm>
+            <a:off x="446784" y="1026312"/>
+            <a:ext cx="9268716" cy="477054"/>
+          </a:xfrm>
+          <a:prstGeom prst="rect">
+            <a:avLst/>
+          </a:prstGeom>
+          <a:noFill/>
+        </p:spPr>
+        <p:txBody>
+          <a:bodyPr wrap="square" rtlCol="0">
+            <a:spAutoFit/>
+          </a:bodyPr>
+          <a:lstStyle/>
+          <a:p>
             <a:r>
               <a:rPr lang="en-US" altLang="ko-KR" sz="2500" b="1" dirty="0"/>
-              <a:t>Deep SAD (Deep SVDD with semi-supervised manner)</a:t>
-            </a:r>
-          </a:p>
-          <a:p>
-            <a:pPr marL="342900" indent="-342900">
-              <a:buFontTx/>
-              <a:buChar char="-"/>
-            </a:pPr>
-            <a:endParaRPr lang="en-US" altLang="ko-KR" sz="2500" dirty="0"/>
-          </a:p>
-          <a:p>
-            <a:pPr marL="342900" indent="-342900">
-              <a:buFontTx/>
-              <a:buChar char="-"/>
-            </a:pPr>
-            <a:r>
-              <a:rPr lang="en-US" altLang="ko-KR" sz="2500" dirty="0"/>
-              <a:t>One class Neural Net</a:t>
-            </a:r>
-            <a:endParaRPr lang="ko-KR" altLang="en-US" sz="2500" dirty="0"/>
-          </a:p>
-          <a:p>
-            <a:pPr marL="342900" indent="-342900">
-              <a:buFontTx/>
-              <a:buChar char="-"/>
-            </a:pPr>
-            <a:endParaRPr lang="ko-KR" altLang="en-US" sz="2500" dirty="0"/>
-          </a:p>
-          <a:p>
-            <a:pPr marL="342900" indent="-342900">
-              <a:buFontTx/>
-              <a:buChar char="-"/>
-            </a:pPr>
-            <a:endParaRPr lang="ko-KR" altLang="en-US" sz="2500" dirty="0"/>
-          </a:p>
-          <a:p>
-            <a:pPr marL="342900" indent="-342900">
-              <a:buFontTx/>
-              <a:buChar char="-"/>
-            </a:pPr>
-            <a:endParaRPr lang="ko-KR" altLang="en-US" sz="2500" dirty="0"/>
-          </a:p>
-        </p:txBody>
-      </p:sp>
-      <p:sp>
-        <p:nvSpPr>
-          <p:cNvPr id="6" name="오른쪽 중괄호 5">
-            <a:extLst>
-              <a:ext uri="{FF2B5EF4-FFF2-40B4-BE49-F238E27FC236}">
-                <a16:creationId xmlns:a16="http://schemas.microsoft.com/office/drawing/2014/main" id="{A6177CCF-4FB5-4C02-B9A9-5ED2D71182E0}"/>
+              <a:t>One class SVM</a:t>
+            </a:r>
+            <a:endParaRPr lang="ko-KR" altLang="en-US" sz="2500" b="1" dirty="0"/>
+          </a:p>
+        </p:txBody>
+      </p:sp>
+      <p:pic>
+        <p:nvPicPr>
+          <p:cNvPr id="1028" name="Picture 4" descr="scikit learn one class svm cheap online">
+            <a:extLst>
+              <a:ext uri="{FF2B5EF4-FFF2-40B4-BE49-F238E27FC236}">
+                <a16:creationId xmlns:a16="http://schemas.microsoft.com/office/drawing/2014/main" id="{5500BD8C-DBD6-4221-A7AE-C52EB0D6C14D}"/>
+              </a:ext>
+            </a:extLst>
+          </p:cNvPr>
+          <p:cNvPicPr>
+            <a:picLocks noChangeAspect="1" noChangeArrowheads="1"/>
+          </p:cNvPicPr>
+          <p:nvPr/>
+        </p:nvPicPr>
+        <p:blipFill>
+          <a:blip r:embed="rId3">
+            <a:extLst>
+              <a:ext uri="{28A0092B-C50C-407E-A947-70E740481C1C}">
+                <a14:useLocalDpi xmlns:a14="http://schemas.microsoft.com/office/drawing/2010/main" val="0"/>
+              </a:ext>
+            </a:extLst>
+          </a:blip>
+          <a:srcRect/>
+          <a:stretch>
+            <a:fillRect/>
+          </a:stretch>
+        </p:blipFill>
+        <p:spPr bwMode="auto">
+          <a:xfrm>
+            <a:off x="446784" y="1866192"/>
+            <a:ext cx="5276850" cy="3571875"/>
+          </a:xfrm>
+          <a:prstGeom prst="rect">
+            <a:avLst/>
+          </a:prstGeom>
+          <a:noFill/>
+          <a:extLst>
+            <a:ext uri="{909E8E84-426E-40DD-AFC4-6F175D3DCCD1}">
+              <a14:hiddenFill xmlns:a14="http://schemas.microsoft.com/office/drawing/2010/main">
+                <a:solidFill>
+                  <a:srgbClr val="FFFFFF"/>
+                </a:solidFill>
+              </a14:hiddenFill>
+            </a:ext>
+          </a:extLst>
+        </p:spPr>
+      </p:pic>
+      <p:pic>
+        <p:nvPicPr>
+          <p:cNvPr id="19" name="그림 18">
+            <a:extLst>
+              <a:ext uri="{FF2B5EF4-FFF2-40B4-BE49-F238E27FC236}">
+                <a16:creationId xmlns:a16="http://schemas.microsoft.com/office/drawing/2014/main" id="{0C19EB49-0585-4E0E-9718-4A8FCC1D329B}"/>
+              </a:ext>
+            </a:extLst>
+          </p:cNvPr>
+          <p:cNvPicPr>
+            <a:picLocks noChangeAspect="1"/>
+          </p:cNvPicPr>
+          <p:nvPr/>
+        </p:nvPicPr>
+        <p:blipFill>
+          <a:blip r:embed="rId4"/>
+          <a:stretch>
+            <a:fillRect/>
+          </a:stretch>
+        </p:blipFill>
+        <p:spPr>
+          <a:xfrm>
+            <a:off x="6096000" y="1623107"/>
+            <a:ext cx="4055978" cy="939047"/>
+          </a:xfrm>
+          <a:prstGeom prst="rect">
+            <a:avLst/>
+          </a:prstGeom>
+        </p:spPr>
+      </p:pic>
+      <p:sp>
+        <p:nvSpPr>
+          <p:cNvPr id="2" name="화살표: 아래쪽 1">
+            <a:extLst>
+              <a:ext uri="{FF2B5EF4-FFF2-40B4-BE49-F238E27FC236}">
+                <a16:creationId xmlns:a16="http://schemas.microsoft.com/office/drawing/2014/main" id="{7DB6F786-0433-494A-8CDE-92E9D37C1627}"/>
               </a:ext>
             </a:extLst>
           </p:cNvPr>
@@ -6810,30 +6973,27 @@
         </p:nvSpPr>
         <p:spPr>
           <a:xfrm>
-            <a:off x="10077449" y="2105025"/>
-            <a:ext cx="66675" cy="609600"/>
-          </a:xfrm>
-          <a:prstGeom prst="rightBrace">
-            <a:avLst/>
-          </a:prstGeom>
-          <a:ln w="28575">
-            <a:solidFill>
-              <a:srgbClr val="FF0000"/>
-            </a:solidFill>
-          </a:ln>
+            <a:off x="7634404" y="2935161"/>
+            <a:ext cx="795528" cy="813879"/>
+          </a:xfrm>
+          <a:prstGeom prst="downArrow">
+            <a:avLst/>
+          </a:prstGeom>
         </p:spPr>
         <p:style>
-          <a:lnRef idx="1">
-            <a:schemeClr val="accent1"/>
+          <a:lnRef idx="2">
+            <a:schemeClr val="accent1">
+              <a:shade val="50000"/>
+            </a:schemeClr>
           </a:lnRef>
-          <a:fillRef idx="0">
+          <a:fillRef idx="1">
             <a:schemeClr val="accent1"/>
           </a:fillRef>
           <a:effectRef idx="0">
             <a:schemeClr val="accent1"/>
           </a:effectRef>
           <a:fontRef idx="minor">
-            <a:schemeClr val="tx1"/>
+            <a:schemeClr val="lt1"/>
           </a:fontRef>
         </p:style>
         <p:txBody>
@@ -6845,203 +7005,457 @@
           </a:p>
         </p:txBody>
       </p:sp>
-      <p:sp>
-        <p:nvSpPr>
-          <p:cNvPr id="11" name="오른쪽 중괄호 10">
-            <a:extLst>
-              <a:ext uri="{FF2B5EF4-FFF2-40B4-BE49-F238E27FC236}">
-                <a16:creationId xmlns:a16="http://schemas.microsoft.com/office/drawing/2014/main" id="{D3D68216-79E0-4BF2-B1B5-A044EC5C18A0}"/>
-              </a:ext>
-            </a:extLst>
-          </p:cNvPr>
-          <p:cNvSpPr/>
-          <p:nvPr/>
-        </p:nvSpPr>
-        <p:spPr>
-          <a:xfrm>
-            <a:off x="10077449" y="2905126"/>
-            <a:ext cx="66675" cy="2069210"/>
-          </a:xfrm>
-          <a:prstGeom prst="rightBrace">
-            <a:avLst/>
-          </a:prstGeom>
-          <a:ln w="28575">
-            <a:solidFill>
-              <a:srgbClr val="FF0000"/>
-            </a:solidFill>
-          </a:ln>
-        </p:spPr>
-        <p:style>
-          <a:lnRef idx="1">
-            <a:schemeClr val="accent1"/>
-          </a:lnRef>
-          <a:fillRef idx="0">
-            <a:schemeClr val="accent1"/>
-          </a:fillRef>
-          <a:effectRef idx="0">
-            <a:schemeClr val="accent1"/>
-          </a:effectRef>
-          <a:fontRef idx="minor">
-            <a:schemeClr val="tx1"/>
-          </a:fontRef>
-        </p:style>
-        <p:txBody>
-          <a:bodyPr rtlCol="0" anchor="ctr"/>
-          <a:lstStyle/>
-          <a:p>
-            <a:pPr algn="ctr"/>
-            <a:endParaRPr lang="ko-KR" altLang="en-US"/>
-          </a:p>
-        </p:txBody>
-      </p:sp>
-      <p:sp>
-        <p:nvSpPr>
-          <p:cNvPr id="12" name="TextBox 11">
-            <a:extLst>
-              <a:ext uri="{FF2B5EF4-FFF2-40B4-BE49-F238E27FC236}">
-                <a16:creationId xmlns:a16="http://schemas.microsoft.com/office/drawing/2014/main" id="{975906D1-DC62-45F7-A3F4-3B6092FBAFA3}"/>
-              </a:ext>
-            </a:extLst>
-          </p:cNvPr>
-          <p:cNvSpPr txBox="1"/>
-          <p:nvPr/>
-        </p:nvSpPr>
-        <p:spPr>
-          <a:xfrm>
-            <a:off x="10401299" y="2269515"/>
-            <a:ext cx="1028700" cy="369332"/>
-          </a:xfrm>
-          <a:prstGeom prst="rect">
-            <a:avLst/>
-          </a:prstGeom>
-          <a:noFill/>
-        </p:spPr>
-        <p:txBody>
-          <a:bodyPr wrap="square" rtlCol="0">
-            <a:spAutoFit/>
-          </a:bodyPr>
-          <a:lstStyle/>
-          <a:p>
-            <a:r>
-              <a:rPr lang="en-US" altLang="ko-KR"/>
-              <a:t>Shallow</a:t>
-            </a:r>
-            <a:endParaRPr lang="ko-KR" altLang="en-US" dirty="0"/>
-          </a:p>
-        </p:txBody>
-      </p:sp>
-      <p:sp>
-        <p:nvSpPr>
-          <p:cNvPr id="13" name="TextBox 12">
-            <a:extLst>
-              <a:ext uri="{FF2B5EF4-FFF2-40B4-BE49-F238E27FC236}">
-                <a16:creationId xmlns:a16="http://schemas.microsoft.com/office/drawing/2014/main" id="{514CA2C4-E095-4AB9-AF02-D11B0F7A51D9}"/>
-              </a:ext>
-            </a:extLst>
-          </p:cNvPr>
-          <p:cNvSpPr txBox="1"/>
-          <p:nvPr/>
-        </p:nvSpPr>
-        <p:spPr>
-          <a:xfrm>
-            <a:off x="10401299" y="3750097"/>
-            <a:ext cx="1028700" cy="369332"/>
-          </a:xfrm>
-          <a:prstGeom prst="rect">
-            <a:avLst/>
-          </a:prstGeom>
-          <a:noFill/>
-        </p:spPr>
-        <p:txBody>
-          <a:bodyPr wrap="square" rtlCol="0">
-            <a:spAutoFit/>
-          </a:bodyPr>
-          <a:lstStyle/>
-          <a:p>
-            <a:r>
-              <a:rPr lang="en-US" altLang="ko-KR" dirty="0"/>
-              <a:t>Deep</a:t>
-            </a:r>
-            <a:endParaRPr lang="ko-KR" altLang="en-US" dirty="0"/>
-          </a:p>
-        </p:txBody>
-      </p:sp>
-      <p:sp>
-        <p:nvSpPr>
-          <p:cNvPr id="14" name="TextBox 13">
-            <a:extLst>
-              <a:ext uri="{FF2B5EF4-FFF2-40B4-BE49-F238E27FC236}">
-                <a16:creationId xmlns:a16="http://schemas.microsoft.com/office/drawing/2014/main" id="{5740C825-FFDD-4624-A811-CD77AC46C81E}"/>
-              </a:ext>
-            </a:extLst>
-          </p:cNvPr>
-          <p:cNvSpPr txBox="1"/>
-          <p:nvPr/>
-        </p:nvSpPr>
-        <p:spPr>
-          <a:xfrm>
-            <a:off x="9525740" y="186432"/>
-            <a:ext cx="4802820" cy="477054"/>
-          </a:xfrm>
-          <a:prstGeom prst="rect">
-            <a:avLst/>
-          </a:prstGeom>
-          <a:noFill/>
-        </p:spPr>
-        <p:txBody>
-          <a:bodyPr wrap="square" rtlCol="0">
-            <a:spAutoFit/>
-          </a:bodyPr>
-          <a:lstStyle/>
-          <a:p>
-            <a:r>
-              <a:rPr lang="en-US" altLang="ko-KR" sz="2500" dirty="0"/>
-              <a:t>Anomaly based</a:t>
-            </a:r>
-            <a:endParaRPr lang="ko-KR" altLang="en-US" sz="2500" dirty="0"/>
-          </a:p>
-        </p:txBody>
-      </p:sp>
-      <p:sp>
-        <p:nvSpPr>
-          <p:cNvPr id="15" name="TextBox 14">
-            <a:extLst>
-              <a:ext uri="{FF2B5EF4-FFF2-40B4-BE49-F238E27FC236}">
-                <a16:creationId xmlns:a16="http://schemas.microsoft.com/office/drawing/2014/main" id="{AAFC30DE-CED1-4C2B-A89B-E21DE27A602A}"/>
-              </a:ext>
-            </a:extLst>
-          </p:cNvPr>
-          <p:cNvSpPr txBox="1"/>
-          <p:nvPr/>
-        </p:nvSpPr>
-        <p:spPr>
-          <a:xfrm>
-            <a:off x="878888" y="905523"/>
-            <a:ext cx="5350461" cy="477054"/>
-          </a:xfrm>
-          <a:prstGeom prst="rect">
-            <a:avLst/>
-          </a:prstGeom>
-          <a:noFill/>
-        </p:spPr>
-        <p:txBody>
-          <a:bodyPr wrap="square" rtlCol="0">
-            <a:spAutoFit/>
-          </a:bodyPr>
-          <a:lstStyle/>
-          <a:p>
-            <a:r>
-              <a:rPr lang="en-US" altLang="ko-KR" sz="2500" b="1" dirty="0"/>
-              <a:t>Classification models</a:t>
-            </a:r>
-            <a:endParaRPr lang="ko-KR" altLang="en-US" sz="2500" b="1" dirty="0"/>
-          </a:p>
-        </p:txBody>
-      </p:sp>
+      <mc:AlternateContent xmlns:mc="http://schemas.openxmlformats.org/markup-compatibility/2006">
+        <mc:Choice xmlns:a14="http://schemas.microsoft.com/office/drawing/2010/main" Requires="a14">
+          <p:sp>
+            <p:nvSpPr>
+              <p:cNvPr id="9" name="TextBox 8">
+                <a:extLst>
+                  <a:ext uri="{FF2B5EF4-FFF2-40B4-BE49-F238E27FC236}">
+                    <a16:creationId xmlns:a16="http://schemas.microsoft.com/office/drawing/2014/main" id="{13E86851-9A14-4AEA-A824-EF3CC82CEF11}"/>
+                  </a:ext>
+                </a:extLst>
+              </p:cNvPr>
+              <p:cNvSpPr txBox="1"/>
+              <p:nvPr/>
+            </p:nvSpPr>
+            <p:spPr>
+              <a:xfrm>
+                <a:off x="6226228" y="3911394"/>
+                <a:ext cx="4224528" cy="923330"/>
+              </a:xfrm>
+              <a:prstGeom prst="rect">
+                <a:avLst/>
+              </a:prstGeom>
+              <a:noFill/>
+            </p:spPr>
+            <p:txBody>
+              <a:bodyPr wrap="square" rtlCol="0">
+                <a:spAutoFit/>
+              </a:bodyPr>
+              <a:lstStyle/>
+              <a:p>
+                <a:r>
+                  <a:rPr lang="en-US" altLang="ko-KR" b="1" dirty="0"/>
+                  <a:t>Outlier</a:t>
+                </a:r>
+                <a:r>
+                  <a:rPr lang="ko-KR" altLang="en-US" dirty="0"/>
+                  <a:t>는 최대 </a:t>
+                </a:r>
+                <a14:m>
+                  <m:oMath xmlns:m="http://schemas.openxmlformats.org/officeDocument/2006/math">
+                    <m:r>
+                      <a:rPr lang="ko-KR" altLang="en-US" b="1" i="1" smtClean="0">
+                        <a:latin typeface="Cambria Math" panose="02040503050406030204" pitchFamily="18" charset="0"/>
+                      </a:rPr>
+                      <m:t>𝝃</m:t>
+                    </m:r>
+                    <m:r>
+                      <a:rPr lang="en-US" altLang="ko-KR" b="1" i="1" smtClean="0">
+                        <a:latin typeface="Cambria Math" panose="02040503050406030204" pitchFamily="18" charset="0"/>
+                      </a:rPr>
+                      <m:t> </m:t>
+                    </m:r>
+                  </m:oMath>
+                </a14:m>
+                <a:r>
+                  <a:rPr lang="ko-KR" altLang="en-US" b="1" dirty="0"/>
+                  <a:t>거리 안에</a:t>
+                </a:r>
+                <a:r>
+                  <a:rPr lang="en-US" altLang="ko-KR" b="1" dirty="0"/>
+                  <a:t>,</a:t>
+                </a:r>
+                <a:r>
+                  <a:rPr lang="ko-KR" altLang="en-US" b="1" dirty="0"/>
+                  <a:t> </a:t>
+                </a:r>
+                <a:endParaRPr lang="en-US" altLang="ko-KR" b="1" dirty="0"/>
+              </a:p>
+              <a:p>
+                <a:r>
+                  <a:rPr lang="en-US" altLang="ko-KR" b="1" dirty="0"/>
+                  <a:t>Normal point</a:t>
+                </a:r>
+                <a:r>
+                  <a:rPr lang="ko-KR" altLang="en-US" dirty="0"/>
+                  <a:t>는 </a:t>
+                </a:r>
+                <a:r>
+                  <a:rPr lang="en-US" altLang="ko-KR" b="1" dirty="0"/>
+                  <a:t>R </a:t>
+                </a:r>
+                <a:r>
+                  <a:rPr lang="ko-KR" altLang="en-US" b="1" dirty="0"/>
+                  <a:t>내에</a:t>
+                </a:r>
+                <a:r>
+                  <a:rPr lang="en-US" altLang="ko-KR" b="1" dirty="0"/>
+                  <a:t> </a:t>
+                </a:r>
+                <a:r>
+                  <a:rPr lang="ko-KR" altLang="en-US" dirty="0"/>
+                  <a:t>오게 끔 하는</a:t>
+                </a:r>
+                <a:endParaRPr lang="en-US" altLang="ko-KR" dirty="0"/>
+              </a:p>
+              <a:p>
+                <a:r>
+                  <a:rPr lang="ko-KR" altLang="en-US" dirty="0"/>
+                  <a:t>최대한 </a:t>
+                </a:r>
+                <a:r>
+                  <a:rPr lang="en-US" altLang="ko-KR" b="1" dirty="0"/>
+                  <a:t>tight</a:t>
+                </a:r>
+                <a:r>
+                  <a:rPr lang="ko-KR" altLang="en-US" dirty="0"/>
+                  <a:t>한 </a:t>
+                </a:r>
+                <a:r>
+                  <a:rPr lang="ko-KR" altLang="en-US" b="1" dirty="0"/>
+                  <a:t>결정경계</a:t>
+                </a:r>
+                <a:r>
+                  <a:rPr lang="en-US" altLang="ko-KR" b="1" dirty="0"/>
+                  <a:t>(</a:t>
+                </a:r>
+                <a:r>
+                  <a:rPr lang="ko-KR" altLang="en-US" b="1" dirty="0"/>
+                  <a:t>원</a:t>
+                </a:r>
+                <a:r>
+                  <a:rPr lang="en-US" altLang="ko-KR" b="1" dirty="0"/>
+                  <a:t>)</a:t>
+                </a:r>
+                <a:r>
+                  <a:rPr lang="ko-KR" altLang="en-US" dirty="0"/>
+                  <a:t>를 </a:t>
+                </a:r>
+                <a:r>
+                  <a:rPr lang="ko-KR" altLang="en-US" b="1" dirty="0"/>
+                  <a:t>학습</a:t>
+                </a:r>
+              </a:p>
+            </p:txBody>
+          </p:sp>
+        </mc:Choice>
+        <mc:Fallback>
+          <p:sp>
+            <p:nvSpPr>
+              <p:cNvPr id="9" name="TextBox 8">
+                <a:extLst>
+                  <a:ext uri="{FF2B5EF4-FFF2-40B4-BE49-F238E27FC236}">
+                    <a16:creationId xmlns:a16="http://schemas.microsoft.com/office/drawing/2014/main" id="{13E86851-9A14-4AEA-A824-EF3CC82CEF11}"/>
+                  </a:ext>
+                </a:extLst>
+              </p:cNvPr>
+              <p:cNvSpPr txBox="1">
+                <a:spLocks noRot="1" noChangeAspect="1" noMove="1" noResize="1" noEditPoints="1" noAdjustHandles="1" noChangeArrowheads="1" noChangeShapeType="1" noTextEdit="1"/>
+              </p:cNvSpPr>
+              <p:nvPr/>
+            </p:nvSpPr>
+            <p:spPr>
+              <a:xfrm>
+                <a:off x="6226228" y="3911394"/>
+                <a:ext cx="4224528" cy="923330"/>
+              </a:xfrm>
+              <a:prstGeom prst="rect">
+                <a:avLst/>
+              </a:prstGeom>
+              <a:blipFill>
+                <a:blip r:embed="rId5"/>
+                <a:stretch>
+                  <a:fillRect l="-1154" t="-3974" b="-9934"/>
+                </a:stretch>
+              </a:blipFill>
+            </p:spPr>
+            <p:txBody>
+              <a:bodyPr/>
+              <a:lstStyle/>
+              <a:p>
+                <a:r>
+                  <a:rPr lang="ko-KR" altLang="en-US">
+                    <a:noFill/>
+                  </a:rPr>
+                  <a:t> </a:t>
+                </a:r>
+              </a:p>
+            </p:txBody>
+          </p:sp>
+        </mc:Fallback>
+      </mc:AlternateContent>
+      <mc:AlternateContent xmlns:mc="http://schemas.openxmlformats.org/markup-compatibility/2006">
+        <mc:Choice xmlns:a14="http://schemas.microsoft.com/office/drawing/2010/main" Requires="a14">
+          <p:sp>
+            <p:nvSpPr>
+              <p:cNvPr id="16" name="TextBox 15">
+                <a:extLst>
+                  <a:ext uri="{FF2B5EF4-FFF2-40B4-BE49-F238E27FC236}">
+                    <a16:creationId xmlns:a16="http://schemas.microsoft.com/office/drawing/2014/main" id="{1F978543-E7C8-4E17-AAD4-B38A3DD099EC}"/>
+                  </a:ext>
+                </a:extLst>
+              </p:cNvPr>
+              <p:cNvSpPr txBox="1"/>
+              <p:nvPr/>
+            </p:nvSpPr>
+            <p:spPr>
+              <a:xfrm>
+                <a:off x="6226228" y="5217886"/>
+                <a:ext cx="5038344" cy="1200329"/>
+              </a:xfrm>
+              <a:prstGeom prst="rect">
+                <a:avLst/>
+              </a:prstGeom>
+              <a:noFill/>
+            </p:spPr>
+            <p:txBody>
+              <a:bodyPr wrap="square" rtlCol="0">
+                <a:spAutoFit/>
+              </a:bodyPr>
+              <a:lstStyle/>
+              <a:p>
+                <a:r>
+                  <a:rPr lang="en-US" altLang="ko-KR" dirty="0"/>
+                  <a:t>Hypersphere = B(c, R)</a:t>
+                </a:r>
+              </a:p>
+              <a:p>
+                <a14:m>
+                  <m:oMath xmlns:m="http://schemas.openxmlformats.org/officeDocument/2006/math">
+                    <m:r>
+                      <a:rPr lang="ko-KR" altLang="en-US" i="1" smtClean="0">
+                        <a:latin typeface="Cambria Math" panose="02040503050406030204" pitchFamily="18" charset="0"/>
+                      </a:rPr>
+                      <m:t>𝜐</m:t>
+                    </m:r>
+                  </m:oMath>
+                </a14:m>
+                <a:r>
+                  <a:rPr lang="en-US" altLang="ko-KR" dirty="0"/>
+                  <a:t> : </a:t>
+                </a:r>
+                <a:r>
+                  <a:rPr lang="ko-KR" altLang="en-US" dirty="0"/>
+                  <a:t>원의 </a:t>
+                </a:r>
+                <a:r>
+                  <a:rPr lang="en-US" altLang="ko-KR" dirty="0"/>
+                  <a:t>tight </a:t>
+                </a:r>
+                <a:r>
+                  <a:rPr lang="ko-KR" altLang="en-US" dirty="0"/>
+                  <a:t>함을 결정하는 </a:t>
+                </a:r>
+                <a:r>
+                  <a:rPr lang="en-US" altLang="ko-KR" dirty="0"/>
+                  <a:t>hyper-parameter</a:t>
+                </a:r>
+              </a:p>
+              <a:p>
+                <a14:m>
+                  <m:oMath xmlns:m="http://schemas.openxmlformats.org/officeDocument/2006/math">
+                    <m:sSub>
+                      <m:sSubPr>
+                        <m:ctrlPr>
+                          <a:rPr lang="en-US" altLang="ko-KR" b="0" i="1" smtClean="0">
+                            <a:latin typeface="Cambria Math" panose="02040503050406030204" pitchFamily="18" charset="0"/>
+                          </a:rPr>
+                        </m:ctrlPr>
+                      </m:sSubPr>
+                      <m:e>
+                        <m:r>
+                          <a:rPr lang="en-US" altLang="ko-KR" b="0" i="1" smtClean="0">
+                            <a:latin typeface="Cambria Math" panose="02040503050406030204" pitchFamily="18" charset="0"/>
+                          </a:rPr>
+                          <m:t>𝐹</m:t>
+                        </m:r>
+                      </m:e>
+                      <m:sub>
+                        <m:r>
+                          <a:rPr lang="en-US" altLang="ko-KR" b="0" i="1" smtClean="0">
+                            <a:latin typeface="Cambria Math" panose="02040503050406030204" pitchFamily="18" charset="0"/>
+                          </a:rPr>
+                          <m:t>𝑘</m:t>
+                        </m:r>
+                      </m:sub>
+                    </m:sSub>
+                  </m:oMath>
+                </a14:m>
+                <a:r>
+                  <a:rPr lang="ko-KR" altLang="en-US" dirty="0"/>
+                  <a:t> </a:t>
+                </a:r>
+                <a:r>
+                  <a:rPr lang="en-US" altLang="ko-KR" dirty="0"/>
+                  <a:t>: kernel Hilbert space</a:t>
+                </a:r>
+              </a:p>
+              <a:p>
+                <a14:m>
+                  <m:oMath xmlns:m="http://schemas.openxmlformats.org/officeDocument/2006/math">
+                    <m:sSub>
+                      <m:sSubPr>
+                        <m:ctrlPr>
+                          <a:rPr lang="en-US" altLang="ko-KR" i="1" smtClean="0">
+                            <a:latin typeface="Cambria Math" panose="02040503050406030204" pitchFamily="18" charset="0"/>
+                          </a:rPr>
+                        </m:ctrlPr>
+                      </m:sSubPr>
+                      <m:e>
+                        <m:r>
+                          <a:rPr lang="en-US" altLang="ko-KR" b="0" i="1" smtClean="0">
+                            <a:latin typeface="Cambria Math" panose="02040503050406030204" pitchFamily="18" charset="0"/>
+                          </a:rPr>
+                          <m:t>(</m:t>
+                        </m:r>
+                        <m:r>
+                          <a:rPr lang="ko-KR" altLang="en-US" i="1">
+                            <a:latin typeface="Cambria Math" panose="02040503050406030204" pitchFamily="18" charset="0"/>
+                          </a:rPr>
+                          <m:t>𝜙</m:t>
+                        </m:r>
+                      </m:e>
+                      <m:sub>
+                        <m:r>
+                          <a:rPr lang="en-US" altLang="ko-KR" b="0" i="1" smtClean="0">
+                            <a:latin typeface="Cambria Math" panose="02040503050406030204" pitchFamily="18" charset="0"/>
+                          </a:rPr>
+                          <m:t>𝑘</m:t>
+                        </m:r>
+                      </m:sub>
+                    </m:sSub>
+                  </m:oMath>
+                </a14:m>
+                <a:r>
+                  <a:rPr lang="ko-KR" altLang="en-US" dirty="0"/>
+                  <a:t> </a:t>
+                </a:r>
+                <a:r>
+                  <a:rPr lang="en-US" altLang="ko-KR" dirty="0"/>
+                  <a:t>:  </a:t>
+                </a:r>
+                <a14:m>
+                  <m:oMath xmlns:m="http://schemas.openxmlformats.org/officeDocument/2006/math">
+                    <m:r>
+                      <m:rPr>
+                        <m:sty m:val="p"/>
+                      </m:rPr>
+                      <a:rPr lang="en-US" altLang="ko-KR" b="0" i="0" smtClean="0">
+                        <a:latin typeface="Cambria Math" panose="02040503050406030204" pitchFamily="18" charset="0"/>
+                        <a:ea typeface="Cambria Math" panose="02040503050406030204" pitchFamily="18" charset="0"/>
+                      </a:rPr>
+                      <m:t>X</m:t>
+                    </m:r>
+                    <m:r>
+                      <a:rPr lang="en-US" altLang="ko-KR" b="0" i="0" smtClean="0">
+                        <a:latin typeface="Cambria Math" panose="02040503050406030204" pitchFamily="18" charset="0"/>
+                        <a:ea typeface="Cambria Math" panose="02040503050406030204" pitchFamily="18" charset="0"/>
+                      </a:rPr>
+                      <m:t> </m:t>
+                    </m:r>
+                    <m:r>
+                      <a:rPr lang="en-US" altLang="ko-KR" i="1" smtClean="0">
+                        <a:latin typeface="Cambria Math" panose="02040503050406030204" pitchFamily="18" charset="0"/>
+                        <a:ea typeface="Cambria Math" panose="02040503050406030204" pitchFamily="18" charset="0"/>
+                      </a:rPr>
+                      <m:t>→</m:t>
+                    </m:r>
+                    <m:r>
+                      <a:rPr lang="en-US" altLang="ko-KR" b="0" i="1" smtClean="0">
+                        <a:latin typeface="Cambria Math" panose="02040503050406030204" pitchFamily="18" charset="0"/>
+                        <a:ea typeface="Cambria Math" panose="02040503050406030204" pitchFamily="18" charset="0"/>
+                      </a:rPr>
+                      <m:t> </m:t>
+                    </m:r>
+                    <m:sSub>
+                      <m:sSubPr>
+                        <m:ctrlPr>
+                          <a:rPr lang="en-US" altLang="ko-KR" b="0" i="1" smtClean="0">
+                            <a:latin typeface="Cambria Math" panose="02040503050406030204" pitchFamily="18" charset="0"/>
+                            <a:ea typeface="Cambria Math" panose="02040503050406030204" pitchFamily="18" charset="0"/>
+                          </a:rPr>
+                        </m:ctrlPr>
+                      </m:sSubPr>
+                      <m:e>
+                        <m:r>
+                          <a:rPr lang="en-US" altLang="ko-KR" b="0" i="1" smtClean="0">
+                            <a:latin typeface="Cambria Math" panose="02040503050406030204" pitchFamily="18" charset="0"/>
+                            <a:ea typeface="Cambria Math" panose="02040503050406030204" pitchFamily="18" charset="0"/>
+                          </a:rPr>
+                          <m:t>𝐹</m:t>
+                        </m:r>
+                      </m:e>
+                      <m:sub>
+                        <m:r>
+                          <a:rPr lang="en-US" altLang="ko-KR" b="0" i="1" smtClean="0">
+                            <a:latin typeface="Cambria Math" panose="02040503050406030204" pitchFamily="18" charset="0"/>
+                            <a:ea typeface="Cambria Math" panose="02040503050406030204" pitchFamily="18" charset="0"/>
+                          </a:rPr>
+                          <m:t>𝑘</m:t>
+                        </m:r>
+                      </m:sub>
+                    </m:sSub>
+                  </m:oMath>
+                </a14:m>
+                <a:r>
+                  <a:rPr lang="en-US" altLang="ko-KR" dirty="0"/>
+                  <a:t>) : feature map  </a:t>
+                </a:r>
+              </a:p>
+            </p:txBody>
+          </p:sp>
+        </mc:Choice>
+        <mc:Fallback>
+          <p:sp>
+            <p:nvSpPr>
+              <p:cNvPr id="16" name="TextBox 15">
+                <a:extLst>
+                  <a:ext uri="{FF2B5EF4-FFF2-40B4-BE49-F238E27FC236}">
+                    <a16:creationId xmlns:a16="http://schemas.microsoft.com/office/drawing/2014/main" id="{1F978543-E7C8-4E17-AAD4-B38A3DD099EC}"/>
+                  </a:ext>
+                </a:extLst>
+              </p:cNvPr>
+              <p:cNvSpPr txBox="1">
+                <a:spLocks noRot="1" noChangeAspect="1" noMove="1" noResize="1" noEditPoints="1" noAdjustHandles="1" noChangeArrowheads="1" noChangeShapeType="1" noTextEdit="1"/>
+              </p:cNvSpPr>
+              <p:nvPr/>
+            </p:nvSpPr>
+            <p:spPr>
+              <a:xfrm>
+                <a:off x="6226228" y="5217886"/>
+                <a:ext cx="5038344" cy="1200329"/>
+              </a:xfrm>
+              <a:prstGeom prst="rect">
+                <a:avLst/>
+              </a:prstGeom>
+              <a:blipFill>
+                <a:blip r:embed="rId6"/>
+                <a:stretch>
+                  <a:fillRect l="-967" t="-3046" b="-7107"/>
+                </a:stretch>
+              </a:blipFill>
+            </p:spPr>
+            <p:txBody>
+              <a:bodyPr/>
+              <a:lstStyle/>
+              <a:p>
+                <a:r>
+                  <a:rPr lang="ko-KR" altLang="en-US">
+                    <a:noFill/>
+                  </a:rPr>
+                  <a:t> </a:t>
+                </a:r>
+              </a:p>
+            </p:txBody>
+          </p:sp>
+        </mc:Fallback>
+      </mc:AlternateContent>
     </p:spTree>
     <p:extLst>
       <p:ext uri="{BB962C8B-B14F-4D97-AF65-F5344CB8AC3E}">
-        <p14:creationId xmlns:p14="http://schemas.microsoft.com/office/powerpoint/2010/main" val="452879669"/>
+        <p14:creationId xmlns:p14="http://schemas.microsoft.com/office/powerpoint/2010/main" val="143548637"/>
       </p:ext>
     </p:extLst>
   </p:cSld>
@@ -7070,10 +7484,10 @@
       </p:grpSpPr>
       <p:sp>
         <p:nvSpPr>
-          <p:cNvPr id="4" name="TextBox 3">
-            <a:extLst>
-              <a:ext uri="{FF2B5EF4-FFF2-40B4-BE49-F238E27FC236}">
-                <a16:creationId xmlns:a16="http://schemas.microsoft.com/office/drawing/2014/main" id="{CCF2CAB1-2ADB-4BF5-A48D-5053B8B3BABC}"/>
+          <p:cNvPr id="10" name="TextBox 9">
+            <a:extLst>
+              <a:ext uri="{FF2B5EF4-FFF2-40B4-BE49-F238E27FC236}">
+                <a16:creationId xmlns:a16="http://schemas.microsoft.com/office/drawing/2014/main" id="{26D67EAD-4F54-4DC8-A78A-8F0C5D927463}"/>
               </a:ext>
             </a:extLst>
           </p:cNvPr>
@@ -7082,8 +7496,8 @@
         </p:nvSpPr>
         <p:spPr>
           <a:xfrm>
-            <a:off x="9525740" y="186432"/>
-            <a:ext cx="4802820" cy="477054"/>
+            <a:off x="878888" y="2269515"/>
+            <a:ext cx="9522411" cy="3939540"/>
           </a:xfrm>
           <a:prstGeom prst="rect">
             <a:avLst/>
@@ -7096,20 +7510,190 @@
           </a:bodyPr>
           <a:lstStyle/>
           <a:p>
+            <a:pPr marL="342900" indent="-342900">
+              <a:buFontTx/>
+              <a:buChar char="-"/>
+            </a:pPr>
             <a:r>
               <a:rPr lang="en-US" altLang="ko-KR" sz="2500" dirty="0"/>
-              <a:t>Anomaly based</a:t>
+              <a:t>One class SVM (or SVDD) with feature selected by human</a:t>
+            </a:r>
+          </a:p>
+          <a:p>
+            <a:endParaRPr lang="en-US" altLang="ko-KR" sz="2500" dirty="0"/>
+          </a:p>
+          <a:p>
+            <a:pPr marL="342900" indent="-342900">
+              <a:buFontTx/>
+              <a:buChar char="-"/>
+            </a:pPr>
+            <a:r>
+              <a:rPr lang="en-US" altLang="ko-KR" sz="2500" dirty="0"/>
+              <a:t>Deep SVDD</a:t>
+            </a:r>
+          </a:p>
+          <a:p>
+            <a:pPr marL="342900" indent="-342900">
+              <a:buFontTx/>
+              <a:buChar char="-"/>
+            </a:pPr>
+            <a:endParaRPr lang="en-US" altLang="ko-KR" sz="2500" dirty="0"/>
+          </a:p>
+          <a:p>
+            <a:pPr marL="342900" indent="-342900">
+              <a:buFontTx/>
+              <a:buChar char="-"/>
+            </a:pPr>
+            <a:r>
+              <a:rPr lang="en-US" altLang="ko-KR" sz="2500" b="1" dirty="0"/>
+              <a:t>Deep SAD (Deep SVDD with semi-supervised manner)</a:t>
+            </a:r>
+          </a:p>
+          <a:p>
+            <a:pPr marL="342900" indent="-342900">
+              <a:buFontTx/>
+              <a:buChar char="-"/>
+            </a:pPr>
+            <a:endParaRPr lang="en-US" altLang="ko-KR" sz="2500" dirty="0"/>
+          </a:p>
+          <a:p>
+            <a:pPr marL="342900" indent="-342900">
+              <a:buFontTx/>
+              <a:buChar char="-"/>
+            </a:pPr>
+            <a:r>
+              <a:rPr lang="en-US" altLang="ko-KR" sz="2500" dirty="0"/>
+              <a:t>One class Neural Net</a:t>
             </a:r>
             <a:endParaRPr lang="ko-KR" altLang="en-US" sz="2500" dirty="0"/>
           </a:p>
-        </p:txBody>
-      </p:sp>
-      <p:sp>
-        <p:nvSpPr>
-          <p:cNvPr id="10" name="TextBox 9">
-            <a:extLst>
-              <a:ext uri="{FF2B5EF4-FFF2-40B4-BE49-F238E27FC236}">
-                <a16:creationId xmlns:a16="http://schemas.microsoft.com/office/drawing/2014/main" id="{26D67EAD-4F54-4DC8-A78A-8F0C5D927463}"/>
+          <a:p>
+            <a:pPr marL="342900" indent="-342900">
+              <a:buFontTx/>
+              <a:buChar char="-"/>
+            </a:pPr>
+            <a:endParaRPr lang="ko-KR" altLang="en-US" sz="2500" dirty="0"/>
+          </a:p>
+          <a:p>
+            <a:pPr marL="342900" indent="-342900">
+              <a:buFontTx/>
+              <a:buChar char="-"/>
+            </a:pPr>
+            <a:endParaRPr lang="ko-KR" altLang="en-US" sz="2500" dirty="0"/>
+          </a:p>
+          <a:p>
+            <a:pPr marL="342900" indent="-342900">
+              <a:buFontTx/>
+              <a:buChar char="-"/>
+            </a:pPr>
+            <a:endParaRPr lang="ko-KR" altLang="en-US" sz="2500" dirty="0"/>
+          </a:p>
+        </p:txBody>
+      </p:sp>
+      <p:sp>
+        <p:nvSpPr>
+          <p:cNvPr id="6" name="오른쪽 중괄호 5">
+            <a:extLst>
+              <a:ext uri="{FF2B5EF4-FFF2-40B4-BE49-F238E27FC236}">
+                <a16:creationId xmlns:a16="http://schemas.microsoft.com/office/drawing/2014/main" id="{A6177CCF-4FB5-4C02-B9A9-5ED2D71182E0}"/>
+              </a:ext>
+            </a:extLst>
+          </p:cNvPr>
+          <p:cNvSpPr/>
+          <p:nvPr/>
+        </p:nvSpPr>
+        <p:spPr>
+          <a:xfrm>
+            <a:off x="10077449" y="2105025"/>
+            <a:ext cx="66675" cy="609600"/>
+          </a:xfrm>
+          <a:prstGeom prst="rightBrace">
+            <a:avLst/>
+          </a:prstGeom>
+          <a:ln w="28575">
+            <a:solidFill>
+              <a:srgbClr val="FF0000"/>
+            </a:solidFill>
+          </a:ln>
+        </p:spPr>
+        <p:style>
+          <a:lnRef idx="1">
+            <a:schemeClr val="accent1"/>
+          </a:lnRef>
+          <a:fillRef idx="0">
+            <a:schemeClr val="accent1"/>
+          </a:fillRef>
+          <a:effectRef idx="0">
+            <a:schemeClr val="accent1"/>
+          </a:effectRef>
+          <a:fontRef idx="minor">
+            <a:schemeClr val="tx1"/>
+          </a:fontRef>
+        </p:style>
+        <p:txBody>
+          <a:bodyPr rtlCol="0" anchor="ctr"/>
+          <a:lstStyle/>
+          <a:p>
+            <a:pPr algn="ctr"/>
+            <a:endParaRPr lang="ko-KR" altLang="en-US"/>
+          </a:p>
+        </p:txBody>
+      </p:sp>
+      <p:sp>
+        <p:nvSpPr>
+          <p:cNvPr id="11" name="오른쪽 중괄호 10">
+            <a:extLst>
+              <a:ext uri="{FF2B5EF4-FFF2-40B4-BE49-F238E27FC236}">
+                <a16:creationId xmlns:a16="http://schemas.microsoft.com/office/drawing/2014/main" id="{D3D68216-79E0-4BF2-B1B5-A044EC5C18A0}"/>
+              </a:ext>
+            </a:extLst>
+          </p:cNvPr>
+          <p:cNvSpPr/>
+          <p:nvPr/>
+        </p:nvSpPr>
+        <p:spPr>
+          <a:xfrm>
+            <a:off x="10077449" y="2905126"/>
+            <a:ext cx="66675" cy="2069210"/>
+          </a:xfrm>
+          <a:prstGeom prst="rightBrace">
+            <a:avLst/>
+          </a:prstGeom>
+          <a:ln w="28575">
+            <a:solidFill>
+              <a:srgbClr val="FF0000"/>
+            </a:solidFill>
+          </a:ln>
+        </p:spPr>
+        <p:style>
+          <a:lnRef idx="1">
+            <a:schemeClr val="accent1"/>
+          </a:lnRef>
+          <a:fillRef idx="0">
+            <a:schemeClr val="accent1"/>
+          </a:fillRef>
+          <a:effectRef idx="0">
+            <a:schemeClr val="accent1"/>
+          </a:effectRef>
+          <a:fontRef idx="minor">
+            <a:schemeClr val="tx1"/>
+          </a:fontRef>
+        </p:style>
+        <p:txBody>
+          <a:bodyPr rtlCol="0" anchor="ctr"/>
+          <a:lstStyle/>
+          <a:p>
+            <a:pPr algn="ctr"/>
+            <a:endParaRPr lang="ko-KR" altLang="en-US"/>
+          </a:p>
+        </p:txBody>
+      </p:sp>
+      <p:sp>
+        <p:nvSpPr>
+          <p:cNvPr id="12" name="TextBox 11">
+            <a:extLst>
+              <a:ext uri="{FF2B5EF4-FFF2-40B4-BE49-F238E27FC236}">
+                <a16:creationId xmlns:a16="http://schemas.microsoft.com/office/drawing/2014/main" id="{975906D1-DC62-45F7-A3F4-3B6092FBAFA3}"/>
               </a:ext>
             </a:extLst>
           </p:cNvPr>
@@ -7118,8 +7702,8 @@
         </p:nvSpPr>
         <p:spPr>
           <a:xfrm>
-            <a:off x="446784" y="1026312"/>
-            <a:ext cx="9268716" cy="477054"/>
+            <a:off x="10401299" y="2269515"/>
+            <a:ext cx="1028700" cy="369332"/>
           </a:xfrm>
           <a:prstGeom prst="rect">
             <a:avLst/>
@@ -7133,19 +7717,19 @@
           <a:lstStyle/>
           <a:p>
             <a:r>
-              <a:rPr lang="en-US" altLang="ko-KR" sz="2500" b="1" dirty="0"/>
-              <a:t>One class SVM (or SVDD) with feature selected by human</a:t>
-            </a:r>
-            <a:endParaRPr lang="ko-KR" altLang="en-US" sz="2500" b="1" dirty="0"/>
-          </a:p>
-        </p:txBody>
-      </p:sp>
-      <p:sp>
-        <p:nvSpPr>
-          <p:cNvPr id="3" name="TextBox 2">
-            <a:extLst>
-              <a:ext uri="{FF2B5EF4-FFF2-40B4-BE49-F238E27FC236}">
-                <a16:creationId xmlns:a16="http://schemas.microsoft.com/office/drawing/2014/main" id="{58DB7CC7-CA16-408D-91FC-EE5FB1468F6C}"/>
+              <a:rPr lang="en-US" altLang="ko-KR"/>
+              <a:t>Shallow</a:t>
+            </a:r>
+            <a:endParaRPr lang="ko-KR" altLang="en-US" dirty="0"/>
+          </a:p>
+        </p:txBody>
+      </p:sp>
+      <p:sp>
+        <p:nvSpPr>
+          <p:cNvPr id="13" name="TextBox 12">
+            <a:extLst>
+              <a:ext uri="{FF2B5EF4-FFF2-40B4-BE49-F238E27FC236}">
+                <a16:creationId xmlns:a16="http://schemas.microsoft.com/office/drawing/2014/main" id="{514CA2C4-E095-4AB9-AF02-D11B0F7A51D9}"/>
               </a:ext>
             </a:extLst>
           </p:cNvPr>
@@ -7154,8 +7738,8 @@
         </p:nvSpPr>
         <p:spPr>
           <a:xfrm>
-            <a:off x="3813050" y="3059668"/>
-            <a:ext cx="3913632" cy="369332"/>
+            <a:off x="10401299" y="3750097"/>
+            <a:ext cx="1028700" cy="369332"/>
           </a:xfrm>
           <a:prstGeom prst="rect">
             <a:avLst/>
@@ -7168,14 +7752,9 @@
           </a:bodyPr>
           <a:lstStyle/>
           <a:p>
-            <a:pPr algn="ctr"/>
             <a:r>
               <a:rPr lang="en-US" altLang="ko-KR" dirty="0"/>
-              <a:t>Selected </a:t>
-            </a:r>
-            <a:r>
-              <a:rPr lang="en-US" altLang="ko-KR"/>
-              <a:t>42 features</a:t>
+              <a:t>Deep</a:t>
             </a:r>
             <a:endParaRPr lang="ko-KR" altLang="en-US" dirty="0"/>
           </a:p>
@@ -7183,10 +7762,10 @@
       </p:sp>
       <p:sp>
         <p:nvSpPr>
-          <p:cNvPr id="11" name="TextBox 10">
-            <a:extLst>
-              <a:ext uri="{FF2B5EF4-FFF2-40B4-BE49-F238E27FC236}">
-                <a16:creationId xmlns:a16="http://schemas.microsoft.com/office/drawing/2014/main" id="{A1F155FE-CA1B-47CC-8CF9-33C2D1E60366}"/>
+          <p:cNvPr id="14" name="TextBox 13">
+            <a:extLst>
+              <a:ext uri="{FF2B5EF4-FFF2-40B4-BE49-F238E27FC236}">
+                <a16:creationId xmlns:a16="http://schemas.microsoft.com/office/drawing/2014/main" id="{5740C825-FFDD-4624-A811-CD77AC46C81E}"/>
               </a:ext>
             </a:extLst>
           </p:cNvPr>
@@ -7195,8 +7774,8 @@
         </p:nvSpPr>
         <p:spPr>
           <a:xfrm>
-            <a:off x="3813050" y="4387894"/>
-            <a:ext cx="3913632" cy="369332"/>
+            <a:off x="9525740" y="186432"/>
+            <a:ext cx="4802820" cy="477054"/>
           </a:xfrm>
           <a:prstGeom prst="rect">
             <a:avLst/>
@@ -7209,6 +7788,540 @@
           </a:bodyPr>
           <a:lstStyle/>
           <a:p>
+            <a:r>
+              <a:rPr lang="en-US" altLang="ko-KR" sz="2500" dirty="0"/>
+              <a:t>Anomaly based</a:t>
+            </a:r>
+            <a:endParaRPr lang="ko-KR" altLang="en-US" sz="2500" dirty="0"/>
+          </a:p>
+        </p:txBody>
+      </p:sp>
+      <p:sp>
+        <p:nvSpPr>
+          <p:cNvPr id="15" name="TextBox 14">
+            <a:extLst>
+              <a:ext uri="{FF2B5EF4-FFF2-40B4-BE49-F238E27FC236}">
+                <a16:creationId xmlns:a16="http://schemas.microsoft.com/office/drawing/2014/main" id="{AAFC30DE-CED1-4C2B-A89B-E21DE27A602A}"/>
+              </a:ext>
+            </a:extLst>
+          </p:cNvPr>
+          <p:cNvSpPr txBox="1"/>
+          <p:nvPr/>
+        </p:nvSpPr>
+        <p:spPr>
+          <a:xfrm>
+            <a:off x="878888" y="905523"/>
+            <a:ext cx="5350461" cy="477054"/>
+          </a:xfrm>
+          <a:prstGeom prst="rect">
+            <a:avLst/>
+          </a:prstGeom>
+          <a:noFill/>
+        </p:spPr>
+        <p:txBody>
+          <a:bodyPr wrap="square" rtlCol="0">
+            <a:spAutoFit/>
+          </a:bodyPr>
+          <a:lstStyle/>
+          <a:p>
+            <a:r>
+              <a:rPr lang="en-US" altLang="ko-KR" sz="2500" b="1" dirty="0"/>
+              <a:t>Classification models</a:t>
+            </a:r>
+            <a:endParaRPr lang="ko-KR" altLang="en-US" sz="2500" b="1" dirty="0"/>
+          </a:p>
+        </p:txBody>
+      </p:sp>
+      <p:sp>
+        <p:nvSpPr>
+          <p:cNvPr id="2" name="화살표: 오른쪽 1">
+            <a:extLst>
+              <a:ext uri="{FF2B5EF4-FFF2-40B4-BE49-F238E27FC236}">
+                <a16:creationId xmlns:a16="http://schemas.microsoft.com/office/drawing/2014/main" id="{F13FBF6E-13CC-4BBB-A9D3-DA784657586A}"/>
+              </a:ext>
+            </a:extLst>
+          </p:cNvPr>
+          <p:cNvSpPr/>
+          <p:nvPr/>
+        </p:nvSpPr>
+        <p:spPr>
+          <a:xfrm>
+            <a:off x="1463040" y="5550408"/>
+            <a:ext cx="987552" cy="823137"/>
+          </a:xfrm>
+          <a:prstGeom prst="rightArrow">
+            <a:avLst/>
+          </a:prstGeom>
+        </p:spPr>
+        <p:style>
+          <a:lnRef idx="2">
+            <a:schemeClr val="accent1">
+              <a:shade val="50000"/>
+            </a:schemeClr>
+          </a:lnRef>
+          <a:fillRef idx="1">
+            <a:schemeClr val="accent1"/>
+          </a:fillRef>
+          <a:effectRef idx="0">
+            <a:schemeClr val="accent1"/>
+          </a:effectRef>
+          <a:fontRef idx="minor">
+            <a:schemeClr val="lt1"/>
+          </a:fontRef>
+        </p:style>
+        <p:txBody>
+          <a:bodyPr rtlCol="0" anchor="ctr"/>
+          <a:lstStyle/>
+          <a:p>
+            <a:pPr algn="ctr"/>
+            <a:endParaRPr lang="ko-KR" altLang="en-US"/>
+          </a:p>
+        </p:txBody>
+      </p:sp>
+      <p:sp>
+        <p:nvSpPr>
+          <p:cNvPr id="3" name="TextBox 2">
+            <a:extLst>
+              <a:ext uri="{FF2B5EF4-FFF2-40B4-BE49-F238E27FC236}">
+                <a16:creationId xmlns:a16="http://schemas.microsoft.com/office/drawing/2014/main" id="{9E5398BA-0135-4832-B66B-F41AF9234C81}"/>
+              </a:ext>
+            </a:extLst>
+          </p:cNvPr>
+          <p:cNvSpPr txBox="1"/>
+          <p:nvPr/>
+        </p:nvSpPr>
+        <p:spPr>
+          <a:xfrm>
+            <a:off x="2880360" y="5669280"/>
+            <a:ext cx="2798064" cy="646331"/>
+          </a:xfrm>
+          <a:prstGeom prst="rect">
+            <a:avLst/>
+          </a:prstGeom>
+          <a:noFill/>
+        </p:spPr>
+        <p:txBody>
+          <a:bodyPr wrap="square" rtlCol="0">
+            <a:spAutoFit/>
+          </a:bodyPr>
+          <a:lstStyle/>
+          <a:p>
+            <a:r>
+              <a:rPr lang="en-US" altLang="ko-KR" dirty="0"/>
+              <a:t>Feature </a:t>
+            </a:r>
+            <a:r>
+              <a:rPr lang="ko-KR" altLang="en-US" dirty="0"/>
+              <a:t>선택을 기계가 함</a:t>
+            </a:r>
+            <a:r>
+              <a:rPr lang="en-US" altLang="ko-KR" dirty="0"/>
+              <a:t>, </a:t>
+            </a:r>
+            <a:r>
+              <a:rPr lang="ko-KR" altLang="en-US" dirty="0"/>
+              <a:t>복잡한 데이터에 적합</a:t>
+            </a:r>
+          </a:p>
+        </p:txBody>
+      </p:sp>
+      <p:sp>
+        <p:nvSpPr>
+          <p:cNvPr id="4" name="직사각형 3">
+            <a:extLst>
+              <a:ext uri="{FF2B5EF4-FFF2-40B4-BE49-F238E27FC236}">
+                <a16:creationId xmlns:a16="http://schemas.microsoft.com/office/drawing/2014/main" id="{E94DADC8-646C-4930-8BAE-DFD6FD725D97}"/>
+              </a:ext>
+            </a:extLst>
+          </p:cNvPr>
+          <p:cNvSpPr/>
+          <p:nvPr/>
+        </p:nvSpPr>
+        <p:spPr>
+          <a:xfrm>
+            <a:off x="878888" y="2824116"/>
+            <a:ext cx="10368232" cy="2340722"/>
+          </a:xfrm>
+          <a:prstGeom prst="rect">
+            <a:avLst/>
+          </a:prstGeom>
+          <a:noFill/>
+          <a:ln w="28575">
+            <a:solidFill>
+              <a:srgbClr val="FF0000"/>
+            </a:solidFill>
+          </a:ln>
+        </p:spPr>
+        <p:style>
+          <a:lnRef idx="2">
+            <a:schemeClr val="accent1">
+              <a:shade val="50000"/>
+            </a:schemeClr>
+          </a:lnRef>
+          <a:fillRef idx="1">
+            <a:schemeClr val="accent1"/>
+          </a:fillRef>
+          <a:effectRef idx="0">
+            <a:schemeClr val="accent1"/>
+          </a:effectRef>
+          <a:fontRef idx="minor">
+            <a:schemeClr val="lt1"/>
+          </a:fontRef>
+        </p:style>
+        <p:txBody>
+          <a:bodyPr rtlCol="0" anchor="ctr"/>
+          <a:lstStyle/>
+          <a:p>
+            <a:pPr algn="ctr"/>
+            <a:endParaRPr lang="ko-KR" altLang="en-US"/>
+          </a:p>
+        </p:txBody>
+      </p:sp>
+    </p:spTree>
+    <p:extLst>
+      <p:ext uri="{BB962C8B-B14F-4D97-AF65-F5344CB8AC3E}">
+        <p14:creationId xmlns:p14="http://schemas.microsoft.com/office/powerpoint/2010/main" val="452879669"/>
+      </p:ext>
+    </p:extLst>
+  </p:cSld>
+  <p:clrMapOvr>
+    <a:masterClrMapping/>
+  </p:clrMapOvr>
+</p:sld>
+</file>
+
+<file path=ppt/slides/slide2.xml><?xml version="1.0" encoding="utf-8"?>
+<p:sld xmlns:a="http://schemas.openxmlformats.org/drawingml/2006/main" xmlns:r="http://schemas.openxmlformats.org/officeDocument/2006/relationships" xmlns:p="http://schemas.openxmlformats.org/presentationml/2006/main">
+  <p:cSld>
+    <p:spTree>
+      <p:nvGrpSpPr>
+        <p:cNvPr id="1" name=""/>
+        <p:cNvGrpSpPr/>
+        <p:nvPr/>
+      </p:nvGrpSpPr>
+      <p:grpSpPr>
+        <a:xfrm>
+          <a:off x="0" y="0"/>
+          <a:ext cx="0" cy="0"/>
+          <a:chOff x="0" y="0"/>
+          <a:chExt cx="0" cy="0"/>
+        </a:xfrm>
+      </p:grpSpPr>
+      <p:sp>
+        <p:nvSpPr>
+          <p:cNvPr id="4" name="TextBox 3">
+            <a:extLst>
+              <a:ext uri="{FF2B5EF4-FFF2-40B4-BE49-F238E27FC236}">
+                <a16:creationId xmlns:a16="http://schemas.microsoft.com/office/drawing/2014/main" id="{CCF2CAB1-2ADB-4BF5-A48D-5053B8B3BABC}"/>
+              </a:ext>
+            </a:extLst>
+          </p:cNvPr>
+          <p:cNvSpPr txBox="1"/>
+          <p:nvPr/>
+        </p:nvSpPr>
+        <p:spPr>
+          <a:xfrm>
+            <a:off x="878889" y="905523"/>
+            <a:ext cx="4802820" cy="477054"/>
+          </a:xfrm>
+          <a:prstGeom prst="rect">
+            <a:avLst/>
+          </a:prstGeom>
+          <a:noFill/>
+        </p:spPr>
+        <p:txBody>
+          <a:bodyPr wrap="square" rtlCol="0">
+            <a:spAutoFit/>
+          </a:bodyPr>
+          <a:lstStyle/>
+          <a:p>
+            <a:r>
+              <a:rPr lang="en-US" altLang="ko-KR" sz="2500" b="1" dirty="0"/>
+              <a:t>Possible ways</a:t>
+            </a:r>
+            <a:endParaRPr lang="ko-KR" altLang="en-US" sz="2500" b="1" dirty="0"/>
+          </a:p>
+        </p:txBody>
+      </p:sp>
+      <p:sp>
+        <p:nvSpPr>
+          <p:cNvPr id="5" name="TextBox 4">
+            <a:extLst>
+              <a:ext uri="{FF2B5EF4-FFF2-40B4-BE49-F238E27FC236}">
+                <a16:creationId xmlns:a16="http://schemas.microsoft.com/office/drawing/2014/main" id="{3586C1E3-6063-4553-97B9-8BA6D5B79CC8}"/>
+              </a:ext>
+            </a:extLst>
+          </p:cNvPr>
+          <p:cNvSpPr txBox="1"/>
+          <p:nvPr/>
+        </p:nvSpPr>
+        <p:spPr>
+          <a:xfrm>
+            <a:off x="995779" y="2726925"/>
+            <a:ext cx="4802820" cy="477054"/>
+          </a:xfrm>
+          <a:prstGeom prst="rect">
+            <a:avLst/>
+          </a:prstGeom>
+          <a:noFill/>
+        </p:spPr>
+        <p:txBody>
+          <a:bodyPr wrap="square" rtlCol="0">
+            <a:spAutoFit/>
+          </a:bodyPr>
+          <a:lstStyle/>
+          <a:p>
+            <a:r>
+              <a:rPr lang="en-US" altLang="ko-KR" sz="2500" dirty="0"/>
+              <a:t>1. Anomaly detection</a:t>
+            </a:r>
+            <a:endParaRPr lang="ko-KR" altLang="en-US" sz="2500" dirty="0"/>
+          </a:p>
+        </p:txBody>
+      </p:sp>
+      <p:sp>
+        <p:nvSpPr>
+          <p:cNvPr id="6" name="TextBox 5">
+            <a:extLst>
+              <a:ext uri="{FF2B5EF4-FFF2-40B4-BE49-F238E27FC236}">
+                <a16:creationId xmlns:a16="http://schemas.microsoft.com/office/drawing/2014/main" id="{99135F2A-23ED-4BF5-B7FD-6D5FA45EFACD}"/>
+              </a:ext>
+            </a:extLst>
+          </p:cNvPr>
+          <p:cNvSpPr txBox="1"/>
+          <p:nvPr/>
+        </p:nvSpPr>
+        <p:spPr>
+          <a:xfrm>
+            <a:off x="995779" y="4124849"/>
+            <a:ext cx="7411374" cy="477054"/>
+          </a:xfrm>
+          <a:prstGeom prst="rect">
+            <a:avLst/>
+          </a:prstGeom>
+          <a:noFill/>
+        </p:spPr>
+        <p:txBody>
+          <a:bodyPr wrap="square" rtlCol="0">
+            <a:spAutoFit/>
+          </a:bodyPr>
+          <a:lstStyle/>
+          <a:p>
+            <a:r>
+              <a:rPr lang="en-US" altLang="ko-KR" sz="2500" dirty="0"/>
+              <a:t>2. Binary classification (with up-sampling method)</a:t>
+            </a:r>
+            <a:endParaRPr lang="ko-KR" altLang="en-US" sz="2500" dirty="0"/>
+          </a:p>
+        </p:txBody>
+      </p:sp>
+      <p:sp>
+        <p:nvSpPr>
+          <p:cNvPr id="7" name="TextBox 6">
+            <a:extLst>
+              <a:ext uri="{FF2B5EF4-FFF2-40B4-BE49-F238E27FC236}">
+                <a16:creationId xmlns:a16="http://schemas.microsoft.com/office/drawing/2014/main" id="{97E36BCB-1FE9-4398-BB62-AEE45944B4B4}"/>
+              </a:ext>
+            </a:extLst>
+          </p:cNvPr>
+          <p:cNvSpPr txBox="1"/>
+          <p:nvPr/>
+        </p:nvSpPr>
+        <p:spPr>
+          <a:xfrm>
+            <a:off x="995779" y="5395836"/>
+            <a:ext cx="7411374" cy="477054"/>
+          </a:xfrm>
+          <a:prstGeom prst="rect">
+            <a:avLst/>
+          </a:prstGeom>
+          <a:noFill/>
+        </p:spPr>
+        <p:txBody>
+          <a:bodyPr wrap="square" rtlCol="0">
+            <a:spAutoFit/>
+          </a:bodyPr>
+          <a:lstStyle/>
+          <a:p>
+            <a:r>
+              <a:rPr lang="en-US" altLang="ko-KR" sz="2500" dirty="0"/>
+              <a:t>+) graph model</a:t>
+            </a:r>
+            <a:endParaRPr lang="ko-KR" altLang="en-US" sz="2500" dirty="0"/>
+          </a:p>
+        </p:txBody>
+      </p:sp>
+    </p:spTree>
+    <p:extLst>
+      <p:ext uri="{BB962C8B-B14F-4D97-AF65-F5344CB8AC3E}">
+        <p14:creationId xmlns:p14="http://schemas.microsoft.com/office/powerpoint/2010/main" val="4077814568"/>
+      </p:ext>
+    </p:extLst>
+  </p:cSld>
+  <p:clrMapOvr>
+    <a:masterClrMapping/>
+  </p:clrMapOvr>
+</p:sld>
+</file>
+
+<file path=ppt/slides/slide20.xml><?xml version="1.0" encoding="utf-8"?>
+<p:sld xmlns:a="http://schemas.openxmlformats.org/drawingml/2006/main" xmlns:r="http://schemas.openxmlformats.org/officeDocument/2006/relationships" xmlns:p="http://schemas.openxmlformats.org/presentationml/2006/main">
+  <p:cSld>
+    <p:spTree>
+      <p:nvGrpSpPr>
+        <p:cNvPr id="1" name=""/>
+        <p:cNvGrpSpPr/>
+        <p:nvPr/>
+      </p:nvGrpSpPr>
+      <p:grpSpPr>
+        <a:xfrm>
+          <a:off x="0" y="0"/>
+          <a:ext cx="0" cy="0"/>
+          <a:chOff x="0" y="0"/>
+          <a:chExt cx="0" cy="0"/>
+        </a:xfrm>
+      </p:grpSpPr>
+      <p:sp>
+        <p:nvSpPr>
+          <p:cNvPr id="4" name="TextBox 3">
+            <a:extLst>
+              <a:ext uri="{FF2B5EF4-FFF2-40B4-BE49-F238E27FC236}">
+                <a16:creationId xmlns:a16="http://schemas.microsoft.com/office/drawing/2014/main" id="{CCF2CAB1-2ADB-4BF5-A48D-5053B8B3BABC}"/>
+              </a:ext>
+            </a:extLst>
+          </p:cNvPr>
+          <p:cNvSpPr txBox="1"/>
+          <p:nvPr/>
+        </p:nvSpPr>
+        <p:spPr>
+          <a:xfrm>
+            <a:off x="9525740" y="186432"/>
+            <a:ext cx="4802820" cy="477054"/>
+          </a:xfrm>
+          <a:prstGeom prst="rect">
+            <a:avLst/>
+          </a:prstGeom>
+          <a:noFill/>
+        </p:spPr>
+        <p:txBody>
+          <a:bodyPr wrap="square" rtlCol="0">
+            <a:spAutoFit/>
+          </a:bodyPr>
+          <a:lstStyle/>
+          <a:p>
+            <a:r>
+              <a:rPr lang="en-US" altLang="ko-KR" sz="2500" dirty="0"/>
+              <a:t>Anomaly based</a:t>
+            </a:r>
+            <a:endParaRPr lang="ko-KR" altLang="en-US" sz="2500" dirty="0"/>
+          </a:p>
+        </p:txBody>
+      </p:sp>
+      <p:sp>
+        <p:nvSpPr>
+          <p:cNvPr id="10" name="TextBox 9">
+            <a:extLst>
+              <a:ext uri="{FF2B5EF4-FFF2-40B4-BE49-F238E27FC236}">
+                <a16:creationId xmlns:a16="http://schemas.microsoft.com/office/drawing/2014/main" id="{26D67EAD-4F54-4DC8-A78A-8F0C5D927463}"/>
+              </a:ext>
+            </a:extLst>
+          </p:cNvPr>
+          <p:cNvSpPr txBox="1"/>
+          <p:nvPr/>
+        </p:nvSpPr>
+        <p:spPr>
+          <a:xfrm>
+            <a:off x="446784" y="1026312"/>
+            <a:ext cx="9268716" cy="477054"/>
+          </a:xfrm>
+          <a:prstGeom prst="rect">
+            <a:avLst/>
+          </a:prstGeom>
+          <a:noFill/>
+        </p:spPr>
+        <p:txBody>
+          <a:bodyPr wrap="square" rtlCol="0">
+            <a:spAutoFit/>
+          </a:bodyPr>
+          <a:lstStyle/>
+          <a:p>
+            <a:r>
+              <a:rPr lang="en-US" altLang="ko-KR" sz="2500" b="1" dirty="0"/>
+              <a:t>One class SVM (or SVDD) with feature selected by human</a:t>
+            </a:r>
+            <a:endParaRPr lang="ko-KR" altLang="en-US" sz="2500" b="1" dirty="0"/>
+          </a:p>
+        </p:txBody>
+      </p:sp>
+      <p:sp>
+        <p:nvSpPr>
+          <p:cNvPr id="3" name="TextBox 2">
+            <a:extLst>
+              <a:ext uri="{FF2B5EF4-FFF2-40B4-BE49-F238E27FC236}">
+                <a16:creationId xmlns:a16="http://schemas.microsoft.com/office/drawing/2014/main" id="{58DB7CC7-CA16-408D-91FC-EE5FB1468F6C}"/>
+              </a:ext>
+            </a:extLst>
+          </p:cNvPr>
+          <p:cNvSpPr txBox="1"/>
+          <p:nvPr/>
+        </p:nvSpPr>
+        <p:spPr>
+          <a:xfrm>
+            <a:off x="3813050" y="3059668"/>
+            <a:ext cx="3913632" cy="369332"/>
+          </a:xfrm>
+          <a:prstGeom prst="rect">
+            <a:avLst/>
+          </a:prstGeom>
+          <a:noFill/>
+        </p:spPr>
+        <p:txBody>
+          <a:bodyPr wrap="square" rtlCol="0">
+            <a:spAutoFit/>
+          </a:bodyPr>
+          <a:lstStyle/>
+          <a:p>
+            <a:pPr algn="ctr"/>
+            <a:r>
+              <a:rPr lang="en-US" altLang="ko-KR" dirty="0"/>
+              <a:t>Selected </a:t>
+            </a:r>
+            <a:r>
+              <a:rPr lang="en-US" altLang="ko-KR"/>
+              <a:t>42 features</a:t>
+            </a:r>
+            <a:endParaRPr lang="ko-KR" altLang="en-US" dirty="0"/>
+          </a:p>
+        </p:txBody>
+      </p:sp>
+      <p:sp>
+        <p:nvSpPr>
+          <p:cNvPr id="11" name="TextBox 10">
+            <a:extLst>
+              <a:ext uri="{FF2B5EF4-FFF2-40B4-BE49-F238E27FC236}">
+                <a16:creationId xmlns:a16="http://schemas.microsoft.com/office/drawing/2014/main" id="{A1F155FE-CA1B-47CC-8CF9-33C2D1E60366}"/>
+              </a:ext>
+            </a:extLst>
+          </p:cNvPr>
+          <p:cNvSpPr txBox="1"/>
+          <p:nvPr/>
+        </p:nvSpPr>
+        <p:spPr>
+          <a:xfrm>
+            <a:off x="3813050" y="4387894"/>
+            <a:ext cx="3913632" cy="369332"/>
+          </a:xfrm>
+          <a:prstGeom prst="rect">
+            <a:avLst/>
+          </a:prstGeom>
+          <a:noFill/>
+        </p:spPr>
+        <p:txBody>
+          <a:bodyPr wrap="square" rtlCol="0">
+            <a:spAutoFit/>
+          </a:bodyPr>
+          <a:lstStyle/>
+          <a:p>
             <a:pPr algn="ctr"/>
             <a:r>
               <a:rPr lang="en-US" altLang="ko-KR" dirty="0"/>
@@ -7218,8 +8331,8 @@
           </a:p>
         </p:txBody>
       </p:sp>
-      <mc:AlternateContent xmlns:mc="http://schemas.openxmlformats.org/markup-compatibility/2006">
-        <mc:Choice xmlns:a14="http://schemas.microsoft.com/office/drawing/2010/main" Requires="a14">
+      <mc:AlternateContent xmlns:mc="http://schemas.openxmlformats.org/markup-compatibility/2006" xmlns:a14="http://schemas.microsoft.com/office/drawing/2010/main">
+        <mc:Choice Requires="a14">
           <p:sp>
             <p:nvSpPr>
               <p:cNvPr id="12" name="TextBox 11">
@@ -7280,7 +8393,7 @@
             </p:txBody>
           </p:sp>
         </mc:Choice>
-        <mc:Fallback>
+        <mc:Fallback xmlns="">
           <p:sp>
             <p:nvSpPr>
               <p:cNvPr id="12" name="TextBox 11">
@@ -7524,37 +8637,8 @@
           </a:p>
         </p:txBody>
       </p:sp>
-      <p:pic>
-        <p:nvPicPr>
-          <p:cNvPr id="19" name="그림 18">
-            <a:extLst>
-              <a:ext uri="{FF2B5EF4-FFF2-40B4-BE49-F238E27FC236}">
-                <a16:creationId xmlns:a16="http://schemas.microsoft.com/office/drawing/2014/main" id="{846D097F-2BEA-4286-830B-17B25D4160BF}"/>
-              </a:ext>
-            </a:extLst>
-          </p:cNvPr>
-          <p:cNvPicPr>
-            <a:picLocks noChangeAspect="1"/>
-          </p:cNvPicPr>
-          <p:nvPr/>
-        </p:nvPicPr>
-        <p:blipFill rotWithShape="1">
-          <a:blip r:embed="rId4"/>
-          <a:srcRect t="4271"/>
-          <a:stretch/>
-        </p:blipFill>
-        <p:spPr>
-          <a:xfrm>
-            <a:off x="2267140" y="1680656"/>
-            <a:ext cx="5400673" cy="771562"/>
-          </a:xfrm>
-          <a:prstGeom prst="rect">
-            <a:avLst/>
-          </a:prstGeom>
-        </p:spPr>
-      </p:pic>
-      <mc:AlternateContent xmlns:mc="http://schemas.openxmlformats.org/markup-compatibility/2006">
-        <mc:Choice xmlns:a14="http://schemas.microsoft.com/office/drawing/2010/main" Requires="a14">
+      <mc:AlternateContent xmlns:mc="http://schemas.openxmlformats.org/markup-compatibility/2006" xmlns:a14="http://schemas.microsoft.com/office/drawing/2010/main">
+        <mc:Choice Requires="a14">
           <p:sp>
             <p:nvSpPr>
               <p:cNvPr id="6" name="TextBox 5">
@@ -7602,7 +8686,7 @@
             </p:txBody>
           </p:sp>
         </mc:Choice>
-        <mc:Fallback>
+        <mc:Fallback xmlns="">
           <p:sp>
             <p:nvSpPr>
               <p:cNvPr id="6" name="TextBox 5">
@@ -7647,6 +8731,36 @@
           </p:sp>
         </mc:Fallback>
       </mc:AlternateContent>
+      <p:pic>
+        <p:nvPicPr>
+          <p:cNvPr id="5" name="그림 4">
+            <a:extLst>
+              <a:ext uri="{FF2B5EF4-FFF2-40B4-BE49-F238E27FC236}">
+                <a16:creationId xmlns:a16="http://schemas.microsoft.com/office/drawing/2014/main" id="{88440DD1-DCFF-4837-8BB3-D565AED42184}"/>
+              </a:ext>
+            </a:extLst>
+          </p:cNvPr>
+          <p:cNvPicPr>
+            <a:picLocks noChangeAspect="1"/>
+          </p:cNvPicPr>
+          <p:nvPr/>
+        </p:nvPicPr>
+        <p:blipFill>
+          <a:blip r:embed="rId6"/>
+          <a:stretch>
+            <a:fillRect/>
+          </a:stretch>
+        </p:blipFill>
+        <p:spPr>
+          <a:xfrm>
+            <a:off x="2292932" y="1696259"/>
+            <a:ext cx="4055978" cy="939047"/>
+          </a:xfrm>
+          <a:prstGeom prst="rect">
+            <a:avLst/>
+          </a:prstGeom>
+        </p:spPr>
+      </p:pic>
     </p:spTree>
     <p:extLst>
       <p:ext uri="{BB962C8B-B14F-4D97-AF65-F5344CB8AC3E}">
@@ -7660,181 +8774,7 @@
 </p:sld>
 </file>
 
-<file path=ppt/slides/slide2.xml><?xml version="1.0" encoding="utf-8"?>
-<p:sld xmlns:a="http://schemas.openxmlformats.org/drawingml/2006/main" xmlns:r="http://schemas.openxmlformats.org/officeDocument/2006/relationships" xmlns:p="http://schemas.openxmlformats.org/presentationml/2006/main">
-  <p:cSld>
-    <p:spTree>
-      <p:nvGrpSpPr>
-        <p:cNvPr id="1" name=""/>
-        <p:cNvGrpSpPr/>
-        <p:nvPr/>
-      </p:nvGrpSpPr>
-      <p:grpSpPr>
-        <a:xfrm>
-          <a:off x="0" y="0"/>
-          <a:ext cx="0" cy="0"/>
-          <a:chOff x="0" y="0"/>
-          <a:chExt cx="0" cy="0"/>
-        </a:xfrm>
-      </p:grpSpPr>
-      <p:sp>
-        <p:nvSpPr>
-          <p:cNvPr id="4" name="TextBox 3">
-            <a:extLst>
-              <a:ext uri="{FF2B5EF4-FFF2-40B4-BE49-F238E27FC236}">
-                <a16:creationId xmlns:a16="http://schemas.microsoft.com/office/drawing/2014/main" id="{CCF2CAB1-2ADB-4BF5-A48D-5053B8B3BABC}"/>
-              </a:ext>
-            </a:extLst>
-          </p:cNvPr>
-          <p:cNvSpPr txBox="1"/>
-          <p:nvPr/>
-        </p:nvSpPr>
-        <p:spPr>
-          <a:xfrm>
-            <a:off x="878889" y="905523"/>
-            <a:ext cx="4802820" cy="477054"/>
-          </a:xfrm>
-          <a:prstGeom prst="rect">
-            <a:avLst/>
-          </a:prstGeom>
-          <a:noFill/>
-        </p:spPr>
-        <p:txBody>
-          <a:bodyPr wrap="square" rtlCol="0">
-            <a:spAutoFit/>
-          </a:bodyPr>
-          <a:lstStyle/>
-          <a:p>
-            <a:r>
-              <a:rPr lang="en-US" altLang="ko-KR" sz="2500" b="1" dirty="0"/>
-              <a:t>Possible ways</a:t>
-            </a:r>
-            <a:endParaRPr lang="ko-KR" altLang="en-US" sz="2500" b="1" dirty="0"/>
-          </a:p>
-        </p:txBody>
-      </p:sp>
-      <p:sp>
-        <p:nvSpPr>
-          <p:cNvPr id="5" name="TextBox 4">
-            <a:extLst>
-              <a:ext uri="{FF2B5EF4-FFF2-40B4-BE49-F238E27FC236}">
-                <a16:creationId xmlns:a16="http://schemas.microsoft.com/office/drawing/2014/main" id="{3586C1E3-6063-4553-97B9-8BA6D5B79CC8}"/>
-              </a:ext>
-            </a:extLst>
-          </p:cNvPr>
-          <p:cNvSpPr txBox="1"/>
-          <p:nvPr/>
-        </p:nvSpPr>
-        <p:spPr>
-          <a:xfrm>
-            <a:off x="995779" y="2726925"/>
-            <a:ext cx="4802820" cy="477054"/>
-          </a:xfrm>
-          <a:prstGeom prst="rect">
-            <a:avLst/>
-          </a:prstGeom>
-          <a:noFill/>
-        </p:spPr>
-        <p:txBody>
-          <a:bodyPr wrap="square" rtlCol="0">
-            <a:spAutoFit/>
-          </a:bodyPr>
-          <a:lstStyle/>
-          <a:p>
-            <a:r>
-              <a:rPr lang="en-US" altLang="ko-KR" sz="2500" dirty="0"/>
-              <a:t>1. Anomaly detection</a:t>
-            </a:r>
-            <a:endParaRPr lang="ko-KR" altLang="en-US" sz="2500" dirty="0"/>
-          </a:p>
-        </p:txBody>
-      </p:sp>
-      <p:sp>
-        <p:nvSpPr>
-          <p:cNvPr id="6" name="TextBox 5">
-            <a:extLst>
-              <a:ext uri="{FF2B5EF4-FFF2-40B4-BE49-F238E27FC236}">
-                <a16:creationId xmlns:a16="http://schemas.microsoft.com/office/drawing/2014/main" id="{99135F2A-23ED-4BF5-B7FD-6D5FA45EFACD}"/>
-              </a:ext>
-            </a:extLst>
-          </p:cNvPr>
-          <p:cNvSpPr txBox="1"/>
-          <p:nvPr/>
-        </p:nvSpPr>
-        <p:spPr>
-          <a:xfrm>
-            <a:off x="995779" y="4124849"/>
-            <a:ext cx="7411374" cy="477054"/>
-          </a:xfrm>
-          <a:prstGeom prst="rect">
-            <a:avLst/>
-          </a:prstGeom>
-          <a:noFill/>
-        </p:spPr>
-        <p:txBody>
-          <a:bodyPr wrap="square" rtlCol="0">
-            <a:spAutoFit/>
-          </a:bodyPr>
-          <a:lstStyle/>
-          <a:p>
-            <a:r>
-              <a:rPr lang="en-US" altLang="ko-KR" sz="2500" dirty="0"/>
-              <a:t>2. Binary classification (with up-sampling method)</a:t>
-            </a:r>
-            <a:endParaRPr lang="ko-KR" altLang="en-US" sz="2500" dirty="0"/>
-          </a:p>
-        </p:txBody>
-      </p:sp>
-      <p:sp>
-        <p:nvSpPr>
-          <p:cNvPr id="7" name="TextBox 6">
-            <a:extLst>
-              <a:ext uri="{FF2B5EF4-FFF2-40B4-BE49-F238E27FC236}">
-                <a16:creationId xmlns:a16="http://schemas.microsoft.com/office/drawing/2014/main" id="{97E36BCB-1FE9-4398-BB62-AEE45944B4B4}"/>
-              </a:ext>
-            </a:extLst>
-          </p:cNvPr>
-          <p:cNvSpPr txBox="1"/>
-          <p:nvPr/>
-        </p:nvSpPr>
-        <p:spPr>
-          <a:xfrm>
-            <a:off x="995779" y="5395836"/>
-            <a:ext cx="7411374" cy="477054"/>
-          </a:xfrm>
-          <a:prstGeom prst="rect">
-            <a:avLst/>
-          </a:prstGeom>
-          <a:noFill/>
-        </p:spPr>
-        <p:txBody>
-          <a:bodyPr wrap="square" rtlCol="0">
-            <a:spAutoFit/>
-          </a:bodyPr>
-          <a:lstStyle/>
-          <a:p>
-            <a:r>
-              <a:rPr lang="en-US" altLang="ko-KR" sz="2500" dirty="0"/>
-              <a:t>+) graph model</a:t>
-            </a:r>
-            <a:endParaRPr lang="ko-KR" altLang="en-US" sz="2500" dirty="0"/>
-          </a:p>
-        </p:txBody>
-      </p:sp>
-    </p:spTree>
-    <p:extLst>
-      <p:ext uri="{BB962C8B-B14F-4D97-AF65-F5344CB8AC3E}">
-        <p14:creationId xmlns:p14="http://schemas.microsoft.com/office/powerpoint/2010/main" val="4077814568"/>
-      </p:ext>
-    </p:extLst>
-  </p:cSld>
-  <p:clrMapOvr>
-    <a:masterClrMapping/>
-  </p:clrMapOvr>
-</p:sld>
-</file>
-
-<file path=ppt/slides/slide20.xml><?xml version="1.0" encoding="utf-8"?>
+<file path=ppt/slides/slide21.xml><?xml version="1.0" encoding="utf-8"?>
 <p:sld xmlns:a="http://schemas.openxmlformats.org/drawingml/2006/main" xmlns:r="http://schemas.openxmlformats.org/officeDocument/2006/relationships" xmlns:p="http://schemas.openxmlformats.org/presentationml/2006/main">
   <p:cSld>
     <p:spTree>
@@ -8472,8 +9412,8 @@
           </a:prstGeom>
         </p:spPr>
       </p:pic>
-      <mc:AlternateContent xmlns:mc="http://schemas.openxmlformats.org/markup-compatibility/2006">
-        <mc:Choice xmlns:a14="http://schemas.microsoft.com/office/drawing/2010/main" Requires="a14">
+      <mc:AlternateContent xmlns:mc="http://schemas.openxmlformats.org/markup-compatibility/2006" xmlns:a14="http://schemas.microsoft.com/office/drawing/2010/main">
+        <mc:Choice Requires="a14">
           <p:sp>
             <p:nvSpPr>
               <p:cNvPr id="23" name="TextBox 22">
@@ -8534,7 +9474,7 @@
             </p:txBody>
           </p:sp>
         </mc:Choice>
-        <mc:Fallback>
+        <mc:Fallback xmlns="">
           <p:sp>
             <p:nvSpPr>
               <p:cNvPr id="23" name="TextBox 22">
@@ -8579,8 +9519,8 @@
           </p:sp>
         </mc:Fallback>
       </mc:AlternateContent>
-      <mc:AlternateContent xmlns:mc="http://schemas.openxmlformats.org/markup-compatibility/2006">
-        <mc:Choice xmlns:a14="http://schemas.microsoft.com/office/drawing/2010/main" Requires="a14">
+      <mc:AlternateContent xmlns:mc="http://schemas.openxmlformats.org/markup-compatibility/2006" xmlns:a14="http://schemas.microsoft.com/office/drawing/2010/main">
+        <mc:Choice Requires="a14">
           <p:sp>
             <p:nvSpPr>
               <p:cNvPr id="24" name="TextBox 23">
@@ -8628,7 +9568,7 @@
             </p:txBody>
           </p:sp>
         </mc:Choice>
-        <mc:Fallback>
+        <mc:Fallback xmlns="">
           <p:sp>
             <p:nvSpPr>
               <p:cNvPr id="24" name="TextBox 23">
@@ -8729,7 +9669,7 @@
 </p:sld>
 </file>
 
-<file path=ppt/slides/slide21.xml><?xml version="1.0" encoding="utf-8"?>
+<file path=ppt/slides/slide22.xml><?xml version="1.0" encoding="utf-8"?>
 <p:sld xmlns:a="http://schemas.openxmlformats.org/drawingml/2006/main" xmlns:r="http://schemas.openxmlformats.org/officeDocument/2006/relationships" xmlns:p="http://schemas.openxmlformats.org/presentationml/2006/main">
   <p:cSld>
     <p:spTree>
@@ -8920,7 +9860,7 @@
 </p:sld>
 </file>
 
-<file path=ppt/slides/slide22.xml><?xml version="1.0" encoding="utf-8"?>
+<file path=ppt/slides/slide23.xml><?xml version="1.0" encoding="utf-8"?>
 <p:sld xmlns:a="http://schemas.openxmlformats.org/drawingml/2006/main" xmlns:r="http://schemas.openxmlformats.org/officeDocument/2006/relationships" xmlns:p="http://schemas.openxmlformats.org/presentationml/2006/main">
   <p:cSld>
     <p:spTree>
@@ -9463,8 +10403,8 @@
           </a:p>
         </p:txBody>
       </p:sp>
-      <mc:AlternateContent xmlns:mc="http://schemas.openxmlformats.org/markup-compatibility/2006">
-        <mc:Choice xmlns:a14="http://schemas.microsoft.com/office/drawing/2010/main" Requires="a14">
+      <mc:AlternateContent xmlns:mc="http://schemas.openxmlformats.org/markup-compatibility/2006" xmlns:a14="http://schemas.microsoft.com/office/drawing/2010/main">
+        <mc:Choice Requires="a14">
           <p:sp>
             <p:nvSpPr>
               <p:cNvPr id="18" name="TextBox 17">
@@ -9525,7 +10465,7 @@
             </p:txBody>
           </p:sp>
         </mc:Choice>
-        <mc:Fallback>
+        <mc:Fallback xmlns="">
           <p:sp>
             <p:nvSpPr>
               <p:cNvPr id="18" name="TextBox 17">
@@ -9570,8 +10510,8 @@
           </p:sp>
         </mc:Fallback>
       </mc:AlternateContent>
-      <mc:AlternateContent xmlns:mc="http://schemas.openxmlformats.org/markup-compatibility/2006">
-        <mc:Choice xmlns:a14="http://schemas.microsoft.com/office/drawing/2010/main" Requires="a14">
+      <mc:AlternateContent xmlns:mc="http://schemas.openxmlformats.org/markup-compatibility/2006" xmlns:a14="http://schemas.microsoft.com/office/drawing/2010/main">
+        <mc:Choice Requires="a14">
           <p:sp>
             <p:nvSpPr>
               <p:cNvPr id="21" name="TextBox 20">
@@ -9619,7 +10559,7 @@
             </p:txBody>
           </p:sp>
         </mc:Choice>
-        <mc:Fallback>
+        <mc:Fallback xmlns="">
           <p:sp>
             <p:nvSpPr>
               <p:cNvPr id="21" name="TextBox 20">
@@ -9969,7 +10909,7 @@
 </p:sld>
 </file>
 
-<file path=ppt/slides/slide23.xml><?xml version="1.0" encoding="utf-8"?>
+<file path=ppt/slides/slide24.xml><?xml version="1.0" encoding="utf-8"?>
 <p:sld xmlns:a="http://schemas.openxmlformats.org/drawingml/2006/main" xmlns:r="http://schemas.openxmlformats.org/officeDocument/2006/relationships" xmlns:p="http://schemas.openxmlformats.org/presentationml/2006/main">
   <p:cSld>
     <p:spTree>
@@ -10187,7 +11127,7 @@
 </p:sld>
 </file>
 
-<file path=ppt/slides/slide24.xml><?xml version="1.0" encoding="utf-8"?>
+<file path=ppt/slides/slide25.xml><?xml version="1.0" encoding="utf-8"?>
 <p:sld xmlns:a="http://schemas.openxmlformats.org/drawingml/2006/main" xmlns:r="http://schemas.openxmlformats.org/officeDocument/2006/relationships" xmlns:p="http://schemas.openxmlformats.org/presentationml/2006/main">
   <p:cSld>
     <p:spTree>
@@ -10674,8 +11614,8 @@
           </a:fontRef>
         </p:style>
       </p:cxnSp>
-      <mc:AlternateContent xmlns:mc="http://schemas.openxmlformats.org/markup-compatibility/2006">
-        <mc:Choice xmlns:a14="http://schemas.microsoft.com/office/drawing/2010/main" Requires="a14">
+      <mc:AlternateContent xmlns:mc="http://schemas.openxmlformats.org/markup-compatibility/2006" xmlns:a14="http://schemas.microsoft.com/office/drawing/2010/main">
+        <mc:Choice Requires="a14">
           <p:sp>
             <p:nvSpPr>
               <p:cNvPr id="29" name="TextBox 28">
@@ -10736,7 +11676,7 @@
             </p:txBody>
           </p:sp>
         </mc:Choice>
-        <mc:Fallback>
+        <mc:Fallback xmlns="">
           <p:sp>
             <p:nvSpPr>
               <p:cNvPr id="29" name="TextBox 28">
@@ -10781,8 +11721,8 @@
           </p:sp>
         </mc:Fallback>
       </mc:AlternateContent>
-      <mc:AlternateContent xmlns:mc="http://schemas.openxmlformats.org/markup-compatibility/2006">
-        <mc:Choice xmlns:a14="http://schemas.microsoft.com/office/drawing/2010/main" Requires="a14">
+      <mc:AlternateContent xmlns:mc="http://schemas.openxmlformats.org/markup-compatibility/2006" xmlns:a14="http://schemas.microsoft.com/office/drawing/2010/main">
+        <mc:Choice Requires="a14">
           <p:sp>
             <p:nvSpPr>
               <p:cNvPr id="30" name="TextBox 29">
@@ -10830,7 +11770,7 @@
             </p:txBody>
           </p:sp>
         </mc:Choice>
-        <mc:Fallback>
+        <mc:Fallback xmlns="">
           <p:sp>
             <p:nvSpPr>
               <p:cNvPr id="30" name="TextBox 29">
@@ -11192,7 +12132,7 @@
 </p:sld>
 </file>
 
-<file path=ppt/slides/slide25.xml><?xml version="1.0" encoding="utf-8"?>
+<file path=ppt/slides/slide26.xml><?xml version="1.0" encoding="utf-8"?>
 <p:sld xmlns:a="http://schemas.openxmlformats.org/drawingml/2006/main" xmlns:r="http://schemas.openxmlformats.org/officeDocument/2006/relationships" xmlns:p="http://schemas.openxmlformats.org/presentationml/2006/main">
   <p:cSld>
     <p:spTree>
@@ -11599,7 +12539,7 @@
 </p:sld>
 </file>
 
-<file path=ppt/slides/slide26.xml><?xml version="1.0" encoding="utf-8"?>
+<file path=ppt/slides/slide27.xml><?xml version="1.0" encoding="utf-8"?>
 <p:sld xmlns:a="http://schemas.openxmlformats.org/drawingml/2006/main" xmlns:r="http://schemas.openxmlformats.org/officeDocument/2006/relationships" xmlns:p="http://schemas.openxmlformats.org/presentationml/2006/main">
   <p:cSld>
     <p:spTree>
@@ -11969,8 +12909,8 @@
           </a:p>
         </p:txBody>
       </p:sp>
-      <mc:AlternateContent xmlns:mc="http://schemas.openxmlformats.org/markup-compatibility/2006">
-        <mc:Choice xmlns:a14="http://schemas.microsoft.com/office/drawing/2010/main" Requires="a14">
+      <mc:AlternateContent xmlns:mc="http://schemas.openxmlformats.org/markup-compatibility/2006" xmlns:a14="http://schemas.microsoft.com/office/drawing/2010/main">
+        <mc:Choice Requires="a14">
           <p:sp>
             <p:nvSpPr>
               <p:cNvPr id="18" name="TextBox 17">
@@ -12031,7 +12971,7 @@
             </p:txBody>
           </p:sp>
         </mc:Choice>
-        <mc:Fallback>
+        <mc:Fallback xmlns="">
           <p:sp>
             <p:nvSpPr>
               <p:cNvPr id="18" name="TextBox 17">
@@ -12076,8 +13016,8 @@
           </p:sp>
         </mc:Fallback>
       </mc:AlternateContent>
-      <mc:AlternateContent xmlns:mc="http://schemas.openxmlformats.org/markup-compatibility/2006">
-        <mc:Choice xmlns:a14="http://schemas.microsoft.com/office/drawing/2010/main" Requires="a14">
+      <mc:AlternateContent xmlns:mc="http://schemas.openxmlformats.org/markup-compatibility/2006" xmlns:a14="http://schemas.microsoft.com/office/drawing/2010/main">
+        <mc:Choice Requires="a14">
           <p:sp>
             <p:nvSpPr>
               <p:cNvPr id="21" name="TextBox 20">
@@ -12125,7 +13065,7 @@
             </p:txBody>
           </p:sp>
         </mc:Choice>
-        <mc:Fallback>
+        <mc:Fallback xmlns="">
           <p:sp>
             <p:nvSpPr>
               <p:cNvPr id="21" name="TextBox 20">
@@ -12684,7 +13624,7 @@
 </p:sld>
 </file>
 
-<file path=ppt/slides/slide27.xml><?xml version="1.0" encoding="utf-8"?>
+<file path=ppt/slides/slide28.xml><?xml version="1.0" encoding="utf-8"?>
 <p:sld xmlns:a="http://schemas.openxmlformats.org/drawingml/2006/main" xmlns:r="http://schemas.openxmlformats.org/officeDocument/2006/relationships" xmlns:p="http://schemas.openxmlformats.org/presentationml/2006/main">
   <p:cSld>
     <p:spTree>
@@ -12788,7 +13728,7 @@
           <p:nvPr>
             <p:extLst>
               <p:ext uri="{D42A27DB-BD31-4B8C-83A1-F6EECF244321}">
-                <p14:modId xmlns:p14="http://schemas.microsoft.com/office/powerpoint/2010/main" val="1797721771"/>
+                <p14:modId xmlns:p14="http://schemas.microsoft.com/office/powerpoint/2010/main" val="25024423"/>
               </p:ext>
             </p:extLst>
           </p:nvPr>
@@ -12904,10 +13844,10 @@
                     <a:p>
                       <a:pPr algn="l" latinLnBrk="1"/>
                       <a:r>
-                        <a:rPr lang="en-US" altLang="ko-KR" sz="1600" b="0" dirty="0"/>
+                        <a:rPr lang="en-US" altLang="ko-KR" sz="1600" b="1" dirty="0"/>
                         <a:t>OC-SVM</a:t>
                       </a:r>
-                      <a:endParaRPr lang="ko-KR" altLang="en-US" sz="1600" b="0" dirty="0"/>
+                      <a:endParaRPr lang="ko-KR" altLang="en-US" sz="1600" b="1" dirty="0"/>
                     </a:p>
                   </a:txBody>
                   <a:tcPr anchor="ctr"/>
@@ -12919,10 +13859,10 @@
                     <a:p>
                       <a:pPr algn="ctr" latinLnBrk="1"/>
                       <a:r>
-                        <a:rPr lang="en-US" altLang="ko-KR" sz="1600" b="0" dirty="0"/>
+                        <a:rPr lang="en-US" altLang="ko-KR" sz="1600" b="1" dirty="0"/>
                         <a:t>Shallow</a:t>
                       </a:r>
-                      <a:endParaRPr lang="ko-KR" altLang="en-US" sz="1600" b="0" dirty="0"/>
+                      <a:endParaRPr lang="ko-KR" altLang="en-US" sz="1600" b="1" dirty="0"/>
                     </a:p>
                   </a:txBody>
                   <a:tcPr anchor="ctr"/>
@@ -12934,10 +13874,10 @@
                     <a:p>
                       <a:pPr algn="ctr" latinLnBrk="1"/>
                       <a:r>
-                        <a:rPr lang="en-US" altLang="ko-KR" sz="1600" b="0" dirty="0"/>
+                        <a:rPr lang="en-US" altLang="ko-KR" sz="1600" b="1" dirty="0"/>
                         <a:t>N</a:t>
                       </a:r>
-                      <a:endParaRPr lang="ko-KR" altLang="en-US" sz="1600" b="0" dirty="0"/>
+                      <a:endParaRPr lang="ko-KR" altLang="en-US" sz="1600" b="1" dirty="0"/>
                     </a:p>
                   </a:txBody>
                   <a:tcPr anchor="ctr"/>
@@ -12949,10 +13889,10 @@
                     <a:p>
                       <a:pPr algn="ctr" latinLnBrk="1"/>
                       <a:r>
-                        <a:rPr lang="en-US" altLang="ko-KR" sz="1600" b="0" dirty="0"/>
+                        <a:rPr lang="en-US" altLang="ko-KR" sz="1600" b="1" dirty="0"/>
                         <a:t>-</a:t>
                       </a:r>
-                      <a:endParaRPr lang="ko-KR" altLang="en-US" sz="1600" b="0" dirty="0"/>
+                      <a:endParaRPr lang="ko-KR" altLang="en-US" sz="1600" b="1" dirty="0"/>
                     </a:p>
                   </a:txBody>
                   <a:tcPr anchor="ctr"/>
@@ -13045,10 +13985,10 @@
                     <a:p>
                       <a:pPr algn="l" latinLnBrk="1"/>
                       <a:r>
-                        <a:rPr lang="en-US" altLang="ko-KR" sz="1600" b="0" dirty="0"/>
+                        <a:rPr lang="en-US" altLang="ko-KR" sz="1600" b="1" dirty="0"/>
                         <a:t>Deep SAD</a:t>
                       </a:r>
-                      <a:endParaRPr lang="ko-KR" altLang="en-US" sz="1600" b="0" dirty="0"/>
+                      <a:endParaRPr lang="ko-KR" altLang="en-US" sz="1600" b="1" dirty="0"/>
                     </a:p>
                   </a:txBody>
                   <a:tcPr anchor="ctr"/>
@@ -13076,7 +14016,7 @@
                         <a:defRPr/>
                       </a:pPr>
                       <a:r>
-                        <a:rPr lang="en-US" altLang="ko-KR" sz="1600" b="0" kern="1200" dirty="0">
+                        <a:rPr lang="en-US" altLang="ko-KR" sz="1600" b="1" kern="1200" dirty="0">
                           <a:solidFill>
                             <a:schemeClr val="dk1"/>
                           </a:solidFill>
@@ -13087,7 +14027,7 @@
                         </a:rPr>
                         <a:t>Deep</a:t>
                       </a:r>
-                      <a:endParaRPr lang="ko-KR" altLang="en-US" sz="1600" b="0" kern="1200" dirty="0">
+                      <a:endParaRPr lang="ko-KR" altLang="en-US" sz="1600" b="1" kern="1200" dirty="0">
                         <a:solidFill>
                           <a:schemeClr val="dk1"/>
                         </a:solidFill>
@@ -13123,7 +14063,7 @@
                         <a:defRPr/>
                       </a:pPr>
                       <a:r>
-                        <a:rPr lang="en-US" altLang="ko-KR" sz="1600" b="0" kern="1200" dirty="0">
+                        <a:rPr lang="en-US" altLang="ko-KR" sz="1600" b="1" kern="1200" dirty="0">
                           <a:solidFill>
                             <a:schemeClr val="dk1"/>
                           </a:solidFill>
@@ -13134,7 +14074,7 @@
                         </a:rPr>
                         <a:t>Y</a:t>
                       </a:r>
-                      <a:endParaRPr lang="ko-KR" altLang="en-US" sz="1600" b="0" kern="1200" dirty="0">
+                      <a:endParaRPr lang="ko-KR" altLang="en-US" sz="1600" b="1" kern="1200" dirty="0">
                         <a:solidFill>
                           <a:schemeClr val="dk1"/>
                         </a:solidFill>
@@ -13170,10 +14110,10 @@
                         <a:defRPr/>
                       </a:pPr>
                       <a:r>
-                        <a:rPr lang="en-US" altLang="ko-KR" sz="1600" b="0" dirty="0"/>
+                        <a:rPr lang="en-US" altLang="ko-KR" sz="1600" b="1" dirty="0"/>
                         <a:t>Deep SVDD</a:t>
                       </a:r>
-                      <a:endParaRPr lang="ko-KR" altLang="en-US" sz="1600" b="0" dirty="0"/>
+                      <a:endParaRPr lang="ko-KR" altLang="en-US" sz="1600" b="1" dirty="0"/>
                     </a:p>
                     <a:p>
                       <a:pPr marL="0" marR="0" lvl="0" indent="0" algn="ctr" defTabSz="914400" rtl="0" eaLnBrk="1" fontAlgn="auto" latinLnBrk="1" hangingPunct="1">
@@ -13194,7 +14134,7 @@
                         <a:defRPr/>
                       </a:pPr>
                       <a:r>
-                        <a:rPr lang="en-US" altLang="ko-KR" sz="1600" b="0" kern="1200" dirty="0">
+                        <a:rPr lang="en-US" altLang="ko-KR" sz="1600" b="1" kern="1200" dirty="0">
                           <a:solidFill>
                             <a:schemeClr val="dk1"/>
                           </a:solidFill>
@@ -13225,7 +14165,7 @@
                         <a:defRPr/>
                       </a:pPr>
                       <a:r>
-                        <a:rPr lang="en-US" altLang="ko-KR" sz="1600" b="0" kern="1200" dirty="0">
+                        <a:rPr lang="en-US" altLang="ko-KR" sz="1600" b="1" kern="1200" dirty="0">
                           <a:solidFill>
                             <a:schemeClr val="dk1"/>
                           </a:solidFill>
@@ -13236,7 +14176,7 @@
                         </a:rPr>
                         <a:t>Use available label</a:t>
                       </a:r>
-                      <a:endParaRPr lang="ko-KR" altLang="en-US" sz="1600" b="0" kern="1200" dirty="0">
+                      <a:endParaRPr lang="ko-KR" altLang="en-US" sz="1600" b="1" kern="1200" dirty="0">
                         <a:solidFill>
                           <a:schemeClr val="dk1"/>
                         </a:solidFill>
@@ -13279,18 +14219,18 @@
                         <a:defRPr/>
                       </a:pPr>
                       <a:r>
-                        <a:rPr lang="en-US" altLang="ko-KR" sz="1600" b="0" dirty="0"/>
+                        <a:rPr lang="en-US" altLang="ko-KR" sz="1600" b="1" dirty="0"/>
                         <a:t>Deep SAD</a:t>
                       </a:r>
-                      <a:endParaRPr lang="ko-KR" altLang="en-US" sz="1600" b="0" dirty="0"/>
+                      <a:endParaRPr lang="ko-KR" altLang="en-US" sz="1600" b="1" dirty="0"/>
                     </a:p>
                     <a:p>
                       <a:pPr algn="l" latinLnBrk="1"/>
                       <a:r>
-                        <a:rPr lang="en-US" altLang="ko-KR" sz="1600" b="0" dirty="0"/>
+                        <a:rPr lang="en-US" altLang="ko-KR" sz="1600" b="1" dirty="0"/>
                         <a:t>+AE</a:t>
                       </a:r>
-                      <a:endParaRPr lang="ko-KR" altLang="en-US" sz="1600" b="0" dirty="0"/>
+                      <a:endParaRPr lang="ko-KR" altLang="en-US" sz="1600" b="1" dirty="0"/>
                     </a:p>
                   </a:txBody>
                   <a:tcPr anchor="ctr"/>
@@ -13318,7 +14258,7 @@
                         <a:defRPr/>
                       </a:pPr>
                       <a:r>
-                        <a:rPr lang="en-US" altLang="ko-KR" sz="1600" b="0" kern="1200" dirty="0">
+                        <a:rPr lang="en-US" altLang="ko-KR" sz="1600" b="1" kern="1200" dirty="0">
                           <a:solidFill>
                             <a:schemeClr val="dk1"/>
                           </a:solidFill>
@@ -13329,7 +14269,7 @@
                         </a:rPr>
                         <a:t>Deep</a:t>
                       </a:r>
-                      <a:endParaRPr lang="ko-KR" altLang="en-US" sz="1600" b="0" kern="1200" dirty="0">
+                      <a:endParaRPr lang="ko-KR" altLang="en-US" sz="1600" b="1" kern="1200" dirty="0">
                         <a:solidFill>
                           <a:schemeClr val="dk1"/>
                         </a:solidFill>
@@ -13357,7 +14297,7 @@
                         <a:tabLst/>
                         <a:defRPr/>
                       </a:pPr>
-                      <a:endParaRPr lang="ko-KR" altLang="en-US" sz="1600" b="0" kern="1200" dirty="0">
+                      <a:endParaRPr lang="ko-KR" altLang="en-US" sz="1600" b="1" kern="1200" dirty="0">
                         <a:solidFill>
                           <a:schemeClr val="dk1"/>
                         </a:solidFill>
@@ -13393,7 +14333,7 @@
                         <a:defRPr/>
                       </a:pPr>
                       <a:r>
-                        <a:rPr lang="en-US" altLang="ko-KR" sz="1600" b="0" kern="1200" dirty="0">
+                        <a:rPr lang="en-US" altLang="ko-KR" sz="1600" b="1" kern="1200" dirty="0">
                           <a:solidFill>
                             <a:schemeClr val="dk1"/>
                           </a:solidFill>
@@ -13404,7 +14344,7 @@
                         </a:rPr>
                         <a:t>Y</a:t>
                       </a:r>
-                      <a:endParaRPr lang="ko-KR" altLang="en-US" sz="1600" b="0" kern="1200" dirty="0">
+                      <a:endParaRPr lang="ko-KR" altLang="en-US" sz="1600" b="1" kern="1200" dirty="0">
                         <a:solidFill>
                           <a:schemeClr val="dk1"/>
                         </a:solidFill>
@@ -13440,10 +14380,10 @@
                         <a:defRPr/>
                       </a:pPr>
                       <a:r>
-                        <a:rPr lang="en-US" altLang="ko-KR" sz="1600" b="0" dirty="0"/>
+                        <a:rPr lang="en-US" altLang="ko-KR" sz="1600" b="1" dirty="0"/>
                         <a:t>Deep SAD</a:t>
                       </a:r>
-                      <a:endParaRPr lang="ko-KR" altLang="en-US" sz="1600" b="0" dirty="0"/>
+                      <a:endParaRPr lang="ko-KR" altLang="en-US" sz="1600" b="1" dirty="0"/>
                     </a:p>
                     <a:p>
                       <a:pPr marL="0" marR="0" lvl="0" indent="0" algn="ctr" defTabSz="914400" rtl="0" eaLnBrk="1" fontAlgn="auto" latinLnBrk="1" hangingPunct="1">
@@ -13464,7 +14404,7 @@
                         <a:defRPr/>
                       </a:pPr>
                       <a:r>
-                        <a:rPr lang="en-US" altLang="ko-KR" sz="1600" b="0" kern="1200" dirty="0">
+                        <a:rPr lang="en-US" altLang="ko-KR" sz="1600" b="1" kern="1200" dirty="0">
                           <a:solidFill>
                             <a:schemeClr val="dk1"/>
                           </a:solidFill>
@@ -13495,7 +14435,7 @@
                         <a:defRPr/>
                       </a:pPr>
                       <a:r>
-                        <a:rPr lang="en-US" altLang="ko-KR" sz="1600" b="0" kern="1200" dirty="0">
+                        <a:rPr lang="en-US" altLang="ko-KR" sz="1600" b="1" kern="1200" dirty="0">
                           <a:solidFill>
                             <a:schemeClr val="dk1"/>
                           </a:solidFill>
@@ -13506,7 +14446,7 @@
                         </a:rPr>
                         <a:t>AE</a:t>
                       </a:r>
-                      <a:endParaRPr lang="ko-KR" altLang="en-US" sz="1600" b="0" kern="1200" dirty="0">
+                      <a:endParaRPr lang="ko-KR" altLang="en-US" sz="1600" b="1" kern="1200" dirty="0">
                         <a:solidFill>
                           <a:schemeClr val="dk1"/>
                         </a:solidFill>
@@ -13672,6 +14612,110 @@
           </a:p>
         </p:txBody>
       </p:sp>
+      <p:sp>
+        <p:nvSpPr>
+          <p:cNvPr id="4" name="직사각형 3">
+            <a:extLst>
+              <a:ext uri="{FF2B5EF4-FFF2-40B4-BE49-F238E27FC236}">
+                <a16:creationId xmlns:a16="http://schemas.microsoft.com/office/drawing/2014/main" id="{3252CF1A-9E1C-4EC4-B0E1-762D5F00F6F8}"/>
+              </a:ext>
+            </a:extLst>
+          </p:cNvPr>
+          <p:cNvSpPr/>
+          <p:nvPr/>
+        </p:nvSpPr>
+        <p:spPr>
+          <a:xfrm>
+            <a:off x="915464" y="2240280"/>
+            <a:ext cx="9755584" cy="529290"/>
+          </a:xfrm>
+          <a:prstGeom prst="rect">
+            <a:avLst/>
+          </a:prstGeom>
+          <a:noFill/>
+          <a:ln w="28575">
+            <a:solidFill>
+              <a:srgbClr val="FF0000"/>
+            </a:solidFill>
+          </a:ln>
+        </p:spPr>
+        <p:style>
+          <a:lnRef idx="2">
+            <a:schemeClr val="accent1">
+              <a:shade val="50000"/>
+            </a:schemeClr>
+          </a:lnRef>
+          <a:fillRef idx="1">
+            <a:schemeClr val="accent1"/>
+          </a:fillRef>
+          <a:effectRef idx="0">
+            <a:schemeClr val="accent1"/>
+          </a:effectRef>
+          <a:fontRef idx="minor">
+            <a:schemeClr val="lt1"/>
+          </a:fontRef>
+        </p:style>
+        <p:txBody>
+          <a:bodyPr rtlCol="0" anchor="ctr"/>
+          <a:lstStyle/>
+          <a:p>
+            <a:pPr algn="ctr"/>
+            <a:endParaRPr lang="ko-KR" altLang="en-US"/>
+          </a:p>
+        </p:txBody>
+      </p:sp>
+      <p:sp>
+        <p:nvSpPr>
+          <p:cNvPr id="7" name="직사각형 6">
+            <a:extLst>
+              <a:ext uri="{FF2B5EF4-FFF2-40B4-BE49-F238E27FC236}">
+                <a16:creationId xmlns:a16="http://schemas.microsoft.com/office/drawing/2014/main" id="{77AFFCC9-F736-4A22-A8C7-A252B5863719}"/>
+              </a:ext>
+            </a:extLst>
+          </p:cNvPr>
+          <p:cNvSpPr/>
+          <p:nvPr/>
+        </p:nvSpPr>
+        <p:spPr>
+          <a:xfrm>
+            <a:off x="915464" y="3768238"/>
+            <a:ext cx="9755584" cy="1535281"/>
+          </a:xfrm>
+          <a:prstGeom prst="rect">
+            <a:avLst/>
+          </a:prstGeom>
+          <a:noFill/>
+          <a:ln w="28575">
+            <a:solidFill>
+              <a:srgbClr val="FF0000"/>
+            </a:solidFill>
+          </a:ln>
+        </p:spPr>
+        <p:style>
+          <a:lnRef idx="2">
+            <a:schemeClr val="accent1">
+              <a:shade val="50000"/>
+            </a:schemeClr>
+          </a:lnRef>
+          <a:fillRef idx="1">
+            <a:schemeClr val="accent1"/>
+          </a:fillRef>
+          <a:effectRef idx="0">
+            <a:schemeClr val="accent1"/>
+          </a:effectRef>
+          <a:fontRef idx="minor">
+            <a:schemeClr val="lt1"/>
+          </a:fontRef>
+        </p:style>
+        <p:txBody>
+          <a:bodyPr rtlCol="0" anchor="ctr"/>
+          <a:lstStyle/>
+          <a:p>
+            <a:pPr algn="ctr"/>
+            <a:endParaRPr lang="ko-KR" altLang="en-US"/>
+          </a:p>
+        </p:txBody>
+      </p:sp>
     </p:spTree>
     <p:extLst>
       <p:ext uri="{BB962C8B-B14F-4D97-AF65-F5344CB8AC3E}">
@@ -13685,7 +14729,7 @@
 </p:sld>
 </file>
 
-<file path=ppt/slides/slide28.xml><?xml version="1.0" encoding="utf-8"?>
+<file path=ppt/slides/slide29.xml><?xml version="1.0" encoding="utf-8"?>
 <p:sld xmlns:a="http://schemas.openxmlformats.org/drawingml/2006/main" xmlns:r="http://schemas.openxmlformats.org/officeDocument/2006/relationships" xmlns:p="http://schemas.openxmlformats.org/presentationml/2006/main">
   <p:cSld>
     <p:spTree>
@@ -13768,7 +14812,7 @@
           <a:p>
             <a:r>
               <a:rPr lang="en-US" altLang="ko-KR" sz="2500" b="1" dirty="0"/>
-              <a:t>summary</a:t>
+              <a:t>Conclusion</a:t>
             </a:r>
             <a:endParaRPr lang="ko-KR" altLang="en-US" sz="2500" b="1" dirty="0"/>
           </a:p>
@@ -13876,8 +14920,28 @@
               <a:buChar char="-"/>
             </a:pPr>
             <a:r>
+              <a:rPr lang="en-US" altLang="ko-KR" dirty="0"/>
+              <a:t>OC – SVM </a:t>
+            </a:r>
+            <a:r>
               <a:rPr lang="ko-KR" altLang="en-US" dirty="0"/>
-              <a:t>모두 구현 후 성능 비교</a:t>
+              <a:t>기반의 </a:t>
+            </a:r>
+            <a:r>
+              <a:rPr lang="en-US" altLang="ko-KR" dirty="0"/>
+              <a:t>Deep</a:t>
+            </a:r>
+            <a:r>
+              <a:rPr lang="ko-KR" altLang="en-US" dirty="0"/>
+              <a:t>한 방법</a:t>
+            </a:r>
+            <a:r>
+              <a:rPr lang="en-US" altLang="ko-KR" dirty="0"/>
+              <a:t>, shallow</a:t>
+            </a:r>
+            <a:r>
+              <a:rPr lang="ko-KR" altLang="en-US" dirty="0"/>
+              <a:t>한 방법 성능 평가 후 적용 검토</a:t>
             </a:r>
             <a:endParaRPr lang="en-US" altLang="ko-KR" dirty="0"/>
           </a:p>
@@ -13895,23 +14959,23 @@
             </a:pPr>
             <a:r>
               <a:rPr lang="ko-KR" altLang="en-US" dirty="0"/>
-              <a:t>최종 </a:t>
+              <a:t>후에</a:t>
             </a:r>
             <a:r>
               <a:rPr lang="en-US" altLang="ko-KR" dirty="0"/>
-              <a:t>1</a:t>
+              <a:t> GAN</a:t>
             </a:r>
             <a:r>
               <a:rPr lang="ko-KR" altLang="en-US" dirty="0"/>
-              <a:t>개 모델로 벤치마크</a:t>
+              <a:t> 이용한</a:t>
             </a:r>
             <a:r>
               <a:rPr lang="en-US" altLang="ko-KR" dirty="0"/>
-              <a:t>, </a:t>
+              <a:t> Over-sampling</a:t>
             </a:r>
             <a:r>
               <a:rPr lang="ko-KR" altLang="en-US" dirty="0"/>
-              <a:t>현 시스템과 성능 비교</a:t>
+              <a:t> 방법도 검토</a:t>
             </a:r>
           </a:p>
         </p:txBody>
@@ -13920,72 +14984,6 @@
     <p:extLst>
       <p:ext uri="{BB962C8B-B14F-4D97-AF65-F5344CB8AC3E}">
         <p14:creationId xmlns:p14="http://schemas.microsoft.com/office/powerpoint/2010/main" val="321938488"/>
-      </p:ext>
-    </p:extLst>
-  </p:cSld>
-  <p:clrMapOvr>
-    <a:masterClrMapping/>
-  </p:clrMapOvr>
-</p:sld>
-</file>
-
-<file path=ppt/slides/slide29.xml><?xml version="1.0" encoding="utf-8"?>
-<p:sld xmlns:a="http://schemas.openxmlformats.org/drawingml/2006/main" xmlns:r="http://schemas.openxmlformats.org/officeDocument/2006/relationships" xmlns:p="http://schemas.openxmlformats.org/presentationml/2006/main">
-  <p:cSld>
-    <p:spTree>
-      <p:nvGrpSpPr>
-        <p:cNvPr id="1" name=""/>
-        <p:cNvGrpSpPr/>
-        <p:nvPr/>
-      </p:nvGrpSpPr>
-      <p:grpSpPr>
-        <a:xfrm>
-          <a:off x="0" y="0"/>
-          <a:ext cx="0" cy="0"/>
-          <a:chOff x="0" y="0"/>
-          <a:chExt cx="0" cy="0"/>
-        </a:xfrm>
-      </p:grpSpPr>
-      <p:sp>
-        <p:nvSpPr>
-          <p:cNvPr id="4" name="TextBox 3">
-            <a:extLst>
-              <a:ext uri="{FF2B5EF4-FFF2-40B4-BE49-F238E27FC236}">
-                <a16:creationId xmlns:a16="http://schemas.microsoft.com/office/drawing/2014/main" id="{CCF2CAB1-2ADB-4BF5-A48D-5053B8B3BABC}"/>
-              </a:ext>
-            </a:extLst>
-          </p:cNvPr>
-          <p:cNvSpPr txBox="1"/>
-          <p:nvPr/>
-        </p:nvSpPr>
-        <p:spPr>
-          <a:xfrm>
-            <a:off x="1202738" y="2603739"/>
-            <a:ext cx="8531811" cy="861774"/>
-          </a:xfrm>
-          <a:prstGeom prst="rect">
-            <a:avLst/>
-          </a:prstGeom>
-          <a:noFill/>
-        </p:spPr>
-        <p:txBody>
-          <a:bodyPr wrap="square" rtlCol="0">
-            <a:spAutoFit/>
-          </a:bodyPr>
-          <a:lstStyle/>
-          <a:p>
-            <a:r>
-              <a:rPr lang="en-US" altLang="ko-KR" sz="5000" b="1" dirty="0"/>
-              <a:t>Next step</a:t>
-            </a:r>
-            <a:endParaRPr lang="ko-KR" altLang="en-US" sz="5000" b="1" dirty="0"/>
-          </a:p>
-        </p:txBody>
-      </p:sp>
-    </p:spTree>
-    <p:extLst>
-      <p:ext uri="{BB962C8B-B14F-4D97-AF65-F5344CB8AC3E}">
-        <p14:creationId xmlns:p14="http://schemas.microsoft.com/office/powerpoint/2010/main" val="1619169665"/>
       </p:ext>
     </p:extLst>
   </p:cSld>
@@ -14080,10 +15078,10 @@
       </p:grpSpPr>
       <p:sp>
         <p:nvSpPr>
-          <p:cNvPr id="10" name="TextBox 9">
-            <a:extLst>
-              <a:ext uri="{FF2B5EF4-FFF2-40B4-BE49-F238E27FC236}">
-                <a16:creationId xmlns:a16="http://schemas.microsoft.com/office/drawing/2014/main" id="{26D67EAD-4F54-4DC8-A78A-8F0C5D927463}"/>
+          <p:cNvPr id="4" name="TextBox 3">
+            <a:extLst>
+              <a:ext uri="{FF2B5EF4-FFF2-40B4-BE49-F238E27FC236}">
+                <a16:creationId xmlns:a16="http://schemas.microsoft.com/office/drawing/2014/main" id="{CCF2CAB1-2ADB-4BF5-A48D-5053B8B3BABC}"/>
               </a:ext>
             </a:extLst>
           </p:cNvPr>
@@ -14092,8 +15090,8 @@
         </p:nvSpPr>
         <p:spPr>
           <a:xfrm>
-            <a:off x="1782192" y="2421032"/>
-            <a:ext cx="8627615" cy="3554819"/>
+            <a:off x="1202738" y="2603739"/>
+            <a:ext cx="8531811" cy="861774"/>
           </a:xfrm>
           <a:prstGeom prst="rect">
             <a:avLst/>
@@ -14107,46 +15105,199 @@
           <a:lstStyle/>
           <a:p>
             <a:r>
-              <a:rPr lang="en-US" altLang="ko-KR" sz="2500" b="1" dirty="0"/>
-              <a:t>1. FDS in insurance domain</a:t>
-            </a:r>
-          </a:p>
-          <a:p>
-            <a:endParaRPr lang="en-US" altLang="ko-KR" sz="2500" b="1" dirty="0"/>
-          </a:p>
-          <a:p>
-            <a:r>
-              <a:rPr lang="en-US" altLang="ko-KR" sz="2500" b="1" dirty="0"/>
-              <a:t>2. study Constructive models</a:t>
-            </a:r>
-          </a:p>
-          <a:p>
-            <a:endParaRPr lang="en-US" altLang="ko-KR" sz="2500" b="1" dirty="0"/>
-          </a:p>
-          <a:p>
-            <a:r>
-              <a:rPr lang="en-US" altLang="ko-KR" sz="2500" b="1" dirty="0"/>
-              <a:t>3. Study Probabilistic models</a:t>
-            </a:r>
-          </a:p>
-          <a:p>
-            <a:endParaRPr lang="en-US" altLang="ko-KR" sz="2500" b="1" dirty="0"/>
-          </a:p>
-          <a:p>
-            <a:r>
-              <a:rPr lang="en-US" altLang="ko-KR" sz="2500" b="1" dirty="0"/>
-              <a:t>4. Oversampling by GAN</a:t>
-            </a:r>
-          </a:p>
-          <a:p>
-            <a:endParaRPr lang="en-US" altLang="ko-KR" sz="2500" b="1" dirty="0"/>
-          </a:p>
-          <a:p>
-            <a:r>
-              <a:rPr lang="en-US" altLang="ko-KR" sz="2500" b="1" dirty="0"/>
-              <a:t>…</a:t>
-            </a:r>
-            <a:endParaRPr lang="ko-KR" altLang="en-US" sz="2500" b="1" dirty="0"/>
+              <a:rPr lang="en-US" altLang="ko-KR" sz="5000" b="1" dirty="0"/>
+              <a:t>Next step</a:t>
+            </a:r>
+            <a:endParaRPr lang="ko-KR" altLang="en-US" sz="5000" b="1" dirty="0"/>
+          </a:p>
+        </p:txBody>
+      </p:sp>
+    </p:spTree>
+    <p:extLst>
+      <p:ext uri="{BB962C8B-B14F-4D97-AF65-F5344CB8AC3E}">
+        <p14:creationId xmlns:p14="http://schemas.microsoft.com/office/powerpoint/2010/main" val="1619169665"/>
+      </p:ext>
+    </p:extLst>
+  </p:cSld>
+  <p:clrMapOvr>
+    <a:masterClrMapping/>
+  </p:clrMapOvr>
+</p:sld>
+</file>
+
+<file path=ppt/slides/slide31.xml><?xml version="1.0" encoding="utf-8"?>
+<p:sld xmlns:a="http://schemas.openxmlformats.org/drawingml/2006/main" xmlns:r="http://schemas.openxmlformats.org/officeDocument/2006/relationships" xmlns:p="http://schemas.openxmlformats.org/presentationml/2006/main">
+  <p:cSld>
+    <p:spTree>
+      <p:nvGrpSpPr>
+        <p:cNvPr id="1" name=""/>
+        <p:cNvGrpSpPr/>
+        <p:nvPr/>
+      </p:nvGrpSpPr>
+      <p:grpSpPr>
+        <a:xfrm>
+          <a:off x="0" y="0"/>
+          <a:ext cx="0" cy="0"/>
+          <a:chOff x="0" y="0"/>
+          <a:chExt cx="0" cy="0"/>
+        </a:xfrm>
+      </p:grpSpPr>
+      <p:sp>
+        <p:nvSpPr>
+          <p:cNvPr id="3" name="TextBox 2">
+            <a:extLst>
+              <a:ext uri="{FF2B5EF4-FFF2-40B4-BE49-F238E27FC236}">
+                <a16:creationId xmlns:a16="http://schemas.microsoft.com/office/drawing/2014/main" id="{4B03AB03-403A-4082-97B8-D40CF968A569}"/>
+              </a:ext>
+            </a:extLst>
+          </p:cNvPr>
+          <p:cNvSpPr txBox="1"/>
+          <p:nvPr/>
+        </p:nvSpPr>
+        <p:spPr>
+          <a:xfrm>
+            <a:off x="1170432" y="2139696"/>
+            <a:ext cx="9546336" cy="2585323"/>
+          </a:xfrm>
+          <a:prstGeom prst="rect">
+            <a:avLst/>
+          </a:prstGeom>
+          <a:noFill/>
+        </p:spPr>
+        <p:txBody>
+          <a:bodyPr wrap="square" rtlCol="0">
+            <a:spAutoFit/>
+          </a:bodyPr>
+          <a:lstStyle/>
+          <a:p>
+            <a:pPr marL="285750" indent="-285750">
+              <a:buFontTx/>
+              <a:buChar char="-"/>
+            </a:pPr>
+            <a:r>
+              <a:rPr lang="ko-KR" altLang="en-US" dirty="0" err="1"/>
+              <a:t>전처리</a:t>
+            </a:r>
+            <a:r>
+              <a:rPr lang="ko-KR" altLang="en-US" dirty="0"/>
+              <a:t> </a:t>
+            </a:r>
+            <a:r>
+              <a:rPr lang="en-US" altLang="ko-KR" dirty="0"/>
+              <a:t>pipeline </a:t>
+            </a:r>
+            <a:r>
+              <a:rPr lang="ko-KR" altLang="en-US" dirty="0"/>
+              <a:t>구축</a:t>
+            </a:r>
+            <a:endParaRPr lang="en-US" altLang="ko-KR" dirty="0"/>
+          </a:p>
+          <a:p>
+            <a:pPr marL="285750" indent="-285750">
+              <a:buFontTx/>
+              <a:buChar char="-"/>
+            </a:pPr>
+            <a:endParaRPr lang="en-US" altLang="ko-KR" dirty="0"/>
+          </a:p>
+          <a:p>
+            <a:pPr marL="285750" indent="-285750">
+              <a:buFontTx/>
+              <a:buChar char="-"/>
+            </a:pPr>
+            <a:r>
+              <a:rPr lang="en-US" altLang="ko-KR" dirty="0"/>
+              <a:t>Scikit learn </a:t>
+            </a:r>
+            <a:r>
+              <a:rPr lang="ko-KR" altLang="en-US" dirty="0"/>
+              <a:t>이용 </a:t>
+            </a:r>
+            <a:r>
+              <a:rPr lang="en-US" altLang="ko-KR" dirty="0"/>
+              <a:t>baseline</a:t>
+            </a:r>
+            <a:r>
+              <a:rPr lang="ko-KR" altLang="en-US" dirty="0"/>
+              <a:t> 설정</a:t>
+            </a:r>
+            <a:endParaRPr lang="en-US" altLang="ko-KR" dirty="0"/>
+          </a:p>
+          <a:p>
+            <a:pPr marL="285750" indent="-285750">
+              <a:buFontTx/>
+              <a:buChar char="-"/>
+            </a:pPr>
+            <a:endParaRPr lang="en-US" altLang="ko-KR" dirty="0"/>
+          </a:p>
+          <a:p>
+            <a:pPr marL="285750" indent="-285750">
+              <a:buFontTx/>
+              <a:buChar char="-"/>
+            </a:pPr>
+            <a:r>
+              <a:rPr lang="en-US" altLang="ko-KR" dirty="0"/>
+              <a:t>GPU </a:t>
+            </a:r>
+            <a:r>
+              <a:rPr lang="ko-KR" altLang="en-US" dirty="0"/>
+              <a:t>서버 확보 후 </a:t>
+            </a:r>
+            <a:r>
+              <a:rPr lang="en-US" altLang="ko-KR" dirty="0"/>
+              <a:t>deep</a:t>
+            </a:r>
+            <a:r>
+              <a:rPr lang="ko-KR" altLang="en-US" dirty="0"/>
+              <a:t>한 방식 </a:t>
+            </a:r>
+            <a:r>
+              <a:rPr lang="en-US" altLang="ko-KR" dirty="0"/>
+              <a:t>test</a:t>
+            </a:r>
+          </a:p>
+          <a:p>
+            <a:pPr marL="285750" indent="-285750">
+              <a:buFontTx/>
+              <a:buChar char="-"/>
+            </a:pPr>
+            <a:endParaRPr lang="en-US" altLang="ko-KR" dirty="0"/>
+          </a:p>
+          <a:p>
+            <a:pPr marL="285750" indent="-285750">
+              <a:buFontTx/>
+              <a:buChar char="-"/>
+            </a:pPr>
+            <a:r>
+              <a:rPr lang="ko-KR" altLang="en-US" dirty="0"/>
+              <a:t>성능비교</a:t>
+            </a:r>
+            <a:endParaRPr lang="en-US" altLang="ko-KR" dirty="0"/>
+          </a:p>
+          <a:p>
+            <a:pPr marL="285750" indent="-285750">
+              <a:buFontTx/>
+              <a:buChar char="-"/>
+            </a:pPr>
+            <a:endParaRPr lang="en-US" altLang="ko-KR" dirty="0"/>
+          </a:p>
+          <a:p>
+            <a:pPr marL="285750" indent="-285750">
+              <a:buFontTx/>
+              <a:buChar char="-"/>
+            </a:pPr>
+            <a:r>
+              <a:rPr lang="ko-KR" altLang="en-US" dirty="0"/>
+              <a:t>최종 선정 모델 </a:t>
+            </a:r>
+            <a:r>
+              <a:rPr lang="en-US" altLang="ko-KR"/>
+              <a:t>parameter</a:t>
+            </a:r>
+            <a:r>
+              <a:rPr lang="ko-KR" altLang="en-US"/>
+              <a:t> 최적화</a:t>
+            </a:r>
+            <a:endParaRPr lang="en-US" altLang="ko-KR" dirty="0"/>
           </a:p>
         </p:txBody>
       </p:sp>
@@ -14434,9 +15585,51 @@
               <a:rPr lang="en-US" altLang="ko-KR" sz="2500" b="0" i="0" u="none" strike="noStrike" baseline="0" dirty="0">
                 <a:latin typeface="+mn-ea"/>
               </a:rPr>
-              <a:t>- An anomaly is an observation that deviates considerably from some concept of normality</a:t>
-            </a:r>
-            <a:endParaRPr lang="ko-KR" altLang="en-US" sz="2500" dirty="0">
+              <a:t>- An </a:t>
+            </a:r>
+            <a:r>
+              <a:rPr lang="en-US" altLang="ko-KR" sz="2500" b="1" i="0" u="none" strike="noStrike" baseline="0" dirty="0">
+                <a:latin typeface="+mn-ea"/>
+              </a:rPr>
+              <a:t>anomaly</a:t>
+            </a:r>
+            <a:r>
+              <a:rPr lang="en-US" altLang="ko-KR" sz="2500" b="0" i="0" u="none" strike="noStrike" baseline="0" dirty="0">
+                <a:latin typeface="+mn-ea"/>
+              </a:rPr>
+              <a:t> is an observation that </a:t>
+            </a:r>
+            <a:r>
+              <a:rPr lang="en-US" altLang="ko-KR" sz="2500" b="1" i="0" u="none" strike="noStrike" baseline="0" dirty="0">
+                <a:latin typeface="+mn-ea"/>
+              </a:rPr>
+              <a:t>deviates</a:t>
+            </a:r>
+            <a:r>
+              <a:rPr lang="en-US" altLang="ko-KR" sz="2500" b="0" i="0" u="none" strike="noStrike" baseline="0" dirty="0">
+                <a:latin typeface="+mn-ea"/>
+              </a:rPr>
+              <a:t> </a:t>
+            </a:r>
+            <a:r>
+              <a:rPr lang="en-US" altLang="ko-KR" sz="2500" b="1" i="0" u="none" strike="noStrike" baseline="0" dirty="0">
+                <a:latin typeface="+mn-ea"/>
+              </a:rPr>
+              <a:t>considerably</a:t>
+            </a:r>
+            <a:r>
+              <a:rPr lang="en-US" altLang="ko-KR" sz="2500" b="0" i="0" u="none" strike="noStrike" baseline="0" dirty="0">
+                <a:latin typeface="+mn-ea"/>
+              </a:rPr>
+              <a:t> from some </a:t>
+            </a:r>
+            <a:r>
+              <a:rPr lang="en-US" altLang="ko-KR" sz="2500" b="1" i="0" u="none" strike="noStrike" baseline="0" dirty="0">
+                <a:latin typeface="+mn-ea"/>
+              </a:rPr>
+              <a:t>concept of normality</a:t>
+            </a:r>
+            <a:endParaRPr lang="ko-KR" altLang="en-US" sz="2500" b="1" dirty="0">
               <a:latin typeface="+mn-ea"/>
             </a:endParaRPr>
           </a:p>
@@ -14609,10 +15802,16 @@
                   <a:buChar char="-"/>
                 </a:pPr>
                 <a:r>
+                  <a:rPr lang="en-US" altLang="ko-KR" sz="2500" b="1" dirty="0">
+                    <a:latin typeface="+mn-ea"/>
+                  </a:rPr>
+                  <a:t>P</a:t>
+                </a:r>
+                <a:r>
                   <a:rPr lang="en-US" altLang="ko-KR" sz="2500" dirty="0">
                     <a:latin typeface="+mn-ea"/>
                   </a:rPr>
-                  <a:t>P : dist. of overall data </a:t>
+                  <a:t> : dist. of overall data </a:t>
                 </a:r>
               </a:p>
               <a:p>
@@ -14630,10 +15829,16 @@
                   <a:buChar char="-"/>
                 </a:pPr>
                 <a:r>
+                  <a:rPr lang="en-US" altLang="ko-KR" sz="2500" b="1" dirty="0">
+                    <a:latin typeface="+mn-ea"/>
+                  </a:rPr>
+                  <a:t>P+ </a:t>
+                </a:r>
+                <a:r>
                   <a:rPr lang="en-US" altLang="ko-KR" sz="2500" dirty="0">
                     <a:latin typeface="+mn-ea"/>
                   </a:rPr>
-                  <a:t>P+ : dist. of normal data</a:t>
+                  <a:t>: dist. of normal data</a:t>
                 </a:r>
               </a:p>
               <a:p>
@@ -14651,10 +15856,16 @@
                   <a:buChar char="-"/>
                 </a:pPr>
                 <a:r>
+                  <a:rPr lang="en-US" altLang="ko-KR" sz="2500" b="1" dirty="0">
+                    <a:latin typeface="+mn-ea"/>
+                  </a:rPr>
+                  <a:t>P-</a:t>
+                </a:r>
+                <a:r>
                   <a:rPr lang="en-US" altLang="ko-KR" sz="2500" dirty="0">
                     <a:latin typeface="+mn-ea"/>
                   </a:rPr>
-                  <a:t>P- : dist. of anomaly </a:t>
+                  <a:t> : dist. of anomaly </a:t>
                 </a:r>
               </a:p>
               <a:p>
@@ -14670,14 +15881,11 @@
                 <a14:m>
                   <m:oMath xmlns:m="http://schemas.openxmlformats.org/officeDocument/2006/math">
                     <m:r>
-                      <m:rPr>
-                        <m:sty m:val="p"/>
-                      </m:rPr>
-                      <a:rPr lang="el-GR" altLang="ko-KR" sz="2500" i="1" smtClean="0">
+                      <a:rPr lang="el-GR" altLang="ko-KR" sz="2500" b="1" i="1" smtClean="0">
                         <a:latin typeface="Cambria Math" panose="02040503050406030204" pitchFamily="18" charset="0"/>
                         <a:ea typeface="Cambria Math" panose="02040503050406030204" pitchFamily="18" charset="0"/>
                       </a:rPr>
-                      <m:t>Α</m:t>
+                      <m:t>𝜜</m:t>
                     </m:r>
                     <m:r>
                       <a:rPr lang="en-US" altLang="ko-KR" sz="2500" b="0" i="1" smtClean="0">
@@ -14863,7 +16071,7 @@
         <p:spPr>
           <a:xfrm>
             <a:off x="969264" y="1929384"/>
-            <a:ext cx="10835640" cy="3554819"/>
+            <a:ext cx="11027664" cy="3554819"/>
           </a:xfrm>
           <a:prstGeom prst="rect">
             <a:avLst/>
@@ -14881,10 +16089,34 @@
               <a:buChar char="-"/>
             </a:pPr>
             <a:r>
+              <a:rPr lang="en-US" altLang="ko-KR" sz="2500" b="1" dirty="0">
+                <a:latin typeface="+mn-ea"/>
+              </a:rPr>
+              <a:t>Main idea </a:t>
+            </a:r>
+            <a:r>
               <a:rPr lang="en-US" altLang="ko-KR" sz="2500" dirty="0">
                 <a:latin typeface="+mn-ea"/>
               </a:rPr>
-              <a:t>Main idea : model learns normal cases and deviations from it as anomaly</a:t>
+              <a:t>: model learns normal cases and </a:t>
+            </a:r>
+            <a:r>
+              <a:rPr lang="en-US" altLang="ko-KR" sz="2500" b="1" dirty="0">
+                <a:latin typeface="+mn-ea"/>
+              </a:rPr>
+              <a:t>deviations</a:t>
+            </a:r>
+            <a:r>
+              <a:rPr lang="en-US" altLang="ko-KR" sz="2500" dirty="0">
+                <a:latin typeface="+mn-ea"/>
+              </a:rPr>
+              <a:t> from it </a:t>
+            </a:r>
+            <a:r>
+              <a:rPr lang="en-US" altLang="ko-KR" sz="2500" b="1" dirty="0">
+                <a:latin typeface="+mn-ea"/>
+              </a:rPr>
+              <a:t>as anomaly</a:t>
             </a:r>
           </a:p>
           <a:p>
@@ -14902,10 +16134,28 @@
               <a:buChar char="-"/>
             </a:pPr>
             <a:r>
+              <a:rPr lang="en-US" altLang="ko-KR" sz="2500" b="1" dirty="0">
+                <a:latin typeface="+mn-ea"/>
+              </a:rPr>
+              <a:t>Assumption1</a:t>
+            </a:r>
+            <a:r>
               <a:rPr lang="en-US" altLang="ko-KR" sz="2500" dirty="0">
                 <a:latin typeface="+mn-ea"/>
               </a:rPr>
-              <a:t>Assumption1) Data is stationary(but claim pattern may changes rapidly)</a:t>
+              <a:t>) Data is </a:t>
+            </a:r>
+            <a:r>
+              <a:rPr lang="en-US" altLang="ko-KR" sz="2500" b="1" dirty="0">
+                <a:latin typeface="+mn-ea"/>
+              </a:rPr>
+              <a:t>stationary</a:t>
+            </a:r>
+            <a:r>
+              <a:rPr lang="en-US" altLang="ko-KR" sz="2500" dirty="0">
+                <a:latin typeface="+mn-ea"/>
+              </a:rPr>
+              <a:t>(but claim pattern may changes rapidly)</a:t>
             </a:r>
           </a:p>
           <a:p>
@@ -14923,10 +16173,28 @@
               <a:buChar char="-"/>
             </a:pPr>
             <a:r>
+              <a:rPr lang="en-US" altLang="ko-KR" sz="2500" b="1" dirty="0">
+                <a:latin typeface="+mn-ea"/>
+              </a:rPr>
+              <a:t>Assumption2</a:t>
+            </a:r>
+            <a:r>
               <a:rPr lang="en-US" altLang="ko-KR" sz="2500" dirty="0">
                 <a:latin typeface="+mn-ea"/>
               </a:rPr>
-              <a:t>Assumption2) P- is uniform dist. (anomaly occurs uniformly in feature space) </a:t>
+              <a:t>) P- is </a:t>
+            </a:r>
+            <a:r>
+              <a:rPr lang="en-US" altLang="ko-KR" sz="2500" b="1" dirty="0">
+                <a:latin typeface="+mn-ea"/>
+              </a:rPr>
+              <a:t>uniform</a:t>
+            </a:r>
+            <a:r>
+              <a:rPr lang="en-US" altLang="ko-KR" sz="2500" dirty="0">
+                <a:latin typeface="+mn-ea"/>
+              </a:rPr>
+              <a:t> dist. (anomaly occurs uniformly in feature space) </a:t>
             </a:r>
           </a:p>
           <a:p>
@@ -15153,7 +16421,19 @@
               <a:rPr lang="en-US" altLang="ko-KR" sz="2500" dirty="0">
                 <a:latin typeface="+mn-ea"/>
               </a:rPr>
-              <a:t>Most common way</a:t>
+              <a:t>Most </a:t>
+            </a:r>
+            <a:r>
+              <a:rPr lang="en-US" altLang="ko-KR" sz="2500" b="1" dirty="0">
+                <a:latin typeface="+mn-ea"/>
+              </a:rPr>
+              <a:t>common</a:t>
+            </a:r>
+            <a:r>
+              <a:rPr lang="en-US" altLang="ko-KR" sz="2500" dirty="0">
+                <a:latin typeface="+mn-ea"/>
+              </a:rPr>
+              <a:t> way</a:t>
             </a:r>
           </a:p>
           <a:p>
@@ -15171,7 +16451,7 @@
               <a:buChar char="-"/>
             </a:pPr>
             <a:r>
-              <a:rPr lang="en-US" altLang="ko-KR" sz="2500" dirty="0">
+              <a:rPr lang="en-US" altLang="ko-KR" sz="2500" b="1" dirty="0">
                 <a:latin typeface="+mn-ea"/>
               </a:rPr>
               <a:t>Assumption</a:t>
@@ -15208,10 +16488,16 @@
               <a:buChar char="-"/>
             </a:pPr>
             <a:r>
+              <a:rPr lang="en-US" altLang="ko-KR" sz="2500" b="1" dirty="0">
+                <a:latin typeface="+mn-ea"/>
+              </a:rPr>
+              <a:t>Robust assumption </a:t>
+            </a:r>
+            <a:r>
               <a:rPr lang="en-US" altLang="ko-KR" sz="2500" dirty="0">
                 <a:latin typeface="+mn-ea"/>
               </a:rPr>
-              <a:t>Robust assumption (ex. Robust AE)</a:t>
+              <a:t>(ex. Robust AE)</a:t>
             </a:r>
           </a:p>
           <a:p>

--- a/fraud_detection.pptx
+++ b/fraud_detection.pptx
@@ -981,7 +981,7 @@
           <a:p>
             <a:fld id="{C8F4F73D-04D1-4494-8B6B-0D3706A919E6}" type="slidenum">
               <a:rPr lang="ko-KR" altLang="en-US" smtClean="0"/>
-              <a:t>20</a:t>
+              <a:t>19</a:t>
             </a:fld>
             <a:endParaRPr lang="ko-KR" altLang="en-US"/>
           </a:p>
@@ -990,7 +990,7 @@
     </p:spTree>
     <p:extLst>
       <p:ext uri="{BB962C8B-B14F-4D97-AF65-F5344CB8AC3E}">
-        <p14:creationId xmlns:p14="http://schemas.microsoft.com/office/powerpoint/2010/main" val="69007495"/>
+        <p14:creationId xmlns:p14="http://schemas.microsoft.com/office/powerpoint/2010/main" val="2059496988"/>
       </p:ext>
     </p:extLst>
   </p:cSld>
@@ -1065,6 +1065,90 @@
           <a:p>
             <a:fld id="{C8F4F73D-04D1-4494-8B6B-0D3706A919E6}" type="slidenum">
               <a:rPr lang="ko-KR" altLang="en-US" smtClean="0"/>
+              <a:t>20</a:t>
+            </a:fld>
+            <a:endParaRPr lang="ko-KR" altLang="en-US"/>
+          </a:p>
+        </p:txBody>
+      </p:sp>
+    </p:spTree>
+    <p:extLst>
+      <p:ext uri="{BB962C8B-B14F-4D97-AF65-F5344CB8AC3E}">
+        <p14:creationId xmlns:p14="http://schemas.microsoft.com/office/powerpoint/2010/main" val="69007495"/>
+      </p:ext>
+    </p:extLst>
+  </p:cSld>
+  <p:clrMapOvr>
+    <a:masterClrMapping/>
+  </p:clrMapOvr>
+</p:notes>
+</file>
+
+<file path=ppt/notesSlides/notesSlide15.xml><?xml version="1.0" encoding="utf-8"?>
+<p:notes xmlns:a="http://schemas.openxmlformats.org/drawingml/2006/main" xmlns:r="http://schemas.openxmlformats.org/officeDocument/2006/relationships" xmlns:p="http://schemas.openxmlformats.org/presentationml/2006/main">
+  <p:cSld>
+    <p:spTree>
+      <p:nvGrpSpPr>
+        <p:cNvPr id="1" name=""/>
+        <p:cNvGrpSpPr/>
+        <p:nvPr/>
+      </p:nvGrpSpPr>
+      <p:grpSpPr>
+        <a:xfrm>
+          <a:off x="0" y="0"/>
+          <a:ext cx="0" cy="0"/>
+          <a:chOff x="0" y="0"/>
+          <a:chExt cx="0" cy="0"/>
+        </a:xfrm>
+      </p:grpSpPr>
+      <p:sp>
+        <p:nvSpPr>
+          <p:cNvPr id="2" name="슬라이드 이미지 개체 틀 1"/>
+          <p:cNvSpPr>
+            <a:spLocks noGrp="1" noRot="1" noChangeAspect="1"/>
+          </p:cNvSpPr>
+          <p:nvPr>
+            <p:ph type="sldImg"/>
+          </p:nvPr>
+        </p:nvSpPr>
+        <p:spPr/>
+      </p:sp>
+      <p:sp>
+        <p:nvSpPr>
+          <p:cNvPr id="3" name="슬라이드 노트 개체 틀 2"/>
+          <p:cNvSpPr>
+            <a:spLocks noGrp="1"/>
+          </p:cNvSpPr>
+          <p:nvPr>
+            <p:ph type="body" idx="1"/>
+          </p:nvPr>
+        </p:nvSpPr>
+        <p:spPr/>
+        <p:txBody>
+          <a:bodyPr/>
+          <a:lstStyle/>
+          <a:p>
+            <a:endParaRPr lang="ko-KR" altLang="en-US" dirty="0"/>
+          </a:p>
+        </p:txBody>
+      </p:sp>
+      <p:sp>
+        <p:nvSpPr>
+          <p:cNvPr id="4" name="슬라이드 번호 개체 틀 3"/>
+          <p:cNvSpPr>
+            <a:spLocks noGrp="1"/>
+          </p:cNvSpPr>
+          <p:nvPr>
+            <p:ph type="sldNum" sz="quarter" idx="5"/>
+          </p:nvPr>
+        </p:nvSpPr>
+        <p:spPr/>
+        <p:txBody>
+          <a:bodyPr/>
+          <a:lstStyle/>
+          <a:p>
+            <a:fld id="{C8F4F73D-04D1-4494-8B6B-0D3706A919E6}" type="slidenum">
+              <a:rPr lang="ko-KR" altLang="en-US" smtClean="0"/>
               <a:t>23</a:t>
             </a:fld>
             <a:endParaRPr lang="ko-KR" altLang="en-US"/>
@@ -1084,7 +1168,7 @@
 </p:notes>
 </file>
 
-<file path=ppt/notesSlides/notesSlide15.xml><?xml version="1.0" encoding="utf-8"?>
+<file path=ppt/notesSlides/notesSlide16.xml><?xml version="1.0" encoding="utf-8"?>
 <p:notes xmlns:a="http://schemas.openxmlformats.org/drawingml/2006/main" xmlns:r="http://schemas.openxmlformats.org/officeDocument/2006/relationships" xmlns:p="http://schemas.openxmlformats.org/presentationml/2006/main">
   <p:cSld>
     <p:spTree>
@@ -6677,8 +6761,8 @@
         </p:nvSpPr>
         <p:spPr>
           <a:xfrm>
-            <a:off x="7248525" y="4999024"/>
-            <a:ext cx="3333750" cy="646331"/>
+            <a:off x="7248524" y="4999024"/>
+            <a:ext cx="4126612" cy="861774"/>
           </a:xfrm>
           <a:prstGeom prst="rect">
             <a:avLst/>
@@ -6692,24 +6776,46 @@
           <a:lstStyle/>
           <a:p>
             <a:r>
-              <a:rPr lang="ko-KR" altLang="en-US" dirty="0"/>
+              <a:rPr lang="ko-KR" altLang="en-US" sz="2500" dirty="0">
+                <a:latin typeface="+mj-lt"/>
+              </a:rPr>
               <a:t>세가지 방식 모두 </a:t>
             </a:r>
             <a:r>
-              <a:rPr lang="en-US" altLang="ko-KR" dirty="0"/>
+              <a:rPr lang="en-US" altLang="ko-KR" sz="2500" b="1" dirty="0">
+                <a:latin typeface="+mj-lt"/>
+              </a:rPr>
               <a:t>NN </a:t>
             </a:r>
             <a:r>
-              <a:rPr lang="ko-KR" altLang="en-US" dirty="0"/>
+              <a:rPr lang="ko-KR" altLang="en-US" sz="2500" dirty="0">
+                <a:latin typeface="+mj-lt"/>
+              </a:rPr>
               <a:t>기반</a:t>
             </a:r>
             <a:r>
-              <a:rPr lang="en-US" altLang="ko-KR" dirty="0"/>
+              <a:rPr lang="en-US" altLang="ko-KR" sz="2500" dirty="0">
+                <a:latin typeface="+mj-lt"/>
+              </a:rPr>
               <a:t>(deep)</a:t>
             </a:r>
             <a:r>
-              <a:rPr lang="ko-KR" altLang="en-US" dirty="0"/>
-              <a:t>이 좋은 성능 보임</a:t>
+              <a:rPr lang="ko-KR" altLang="en-US" sz="2500" dirty="0">
+                <a:latin typeface="+mj-lt"/>
+              </a:rPr>
+              <a:t>이 </a:t>
+            </a:r>
+            <a:r>
+              <a:rPr lang="ko-KR" altLang="en-US" sz="2500" b="1" dirty="0">
+                <a:latin typeface="+mj-lt"/>
+              </a:rPr>
+              <a:t>좋은 성능</a:t>
+            </a:r>
+            <a:r>
+              <a:rPr lang="ko-KR" altLang="en-US" sz="2500" dirty="0">
+                <a:latin typeface="+mj-lt"/>
+              </a:rPr>
+              <a:t> 보임</a:t>
             </a:r>
           </a:p>
         </p:txBody>
@@ -6876,9 +6982,12 @@
           <a:p>
             <a:r>
               <a:rPr lang="en-US" altLang="ko-KR" sz="2500" b="1" dirty="0"/>
-              <a:t>One class SVM</a:t>
-            </a:r>
-            <a:endParaRPr lang="ko-KR" altLang="en-US" sz="2500" b="1" dirty="0"/>
+              <a:t>One class SVM </a:t>
+            </a:r>
+            <a:r>
+              <a:rPr lang="ko-KR" altLang="en-US" sz="2500" b="1" dirty="0"/>
+              <a:t>원리</a:t>
+            </a:r>
           </a:p>
         </p:txBody>
       </p:sp>
@@ -7005,8 +7114,8 @@
           </a:p>
         </p:txBody>
       </p:sp>
-      <mc:AlternateContent xmlns:mc="http://schemas.openxmlformats.org/markup-compatibility/2006">
-        <mc:Choice xmlns:a14="http://schemas.microsoft.com/office/drawing/2010/main" Requires="a14">
+      <mc:AlternateContent xmlns:mc="http://schemas.openxmlformats.org/markup-compatibility/2006" xmlns:a14="http://schemas.microsoft.com/office/drawing/2010/main">
+        <mc:Choice Requires="a14">
           <p:sp>
             <p:nvSpPr>
               <p:cNvPr id="9" name="TextBox 8">
@@ -7141,7 +7250,7 @@
             </p:txBody>
           </p:sp>
         </mc:Choice>
-        <mc:Fallback>
+        <mc:Fallback xmlns="">
           <p:sp>
             <p:nvSpPr>
               <p:cNvPr id="9" name="TextBox 8">
@@ -7186,8 +7295,8 @@
           </p:sp>
         </mc:Fallback>
       </mc:AlternateContent>
-      <mc:AlternateContent xmlns:mc="http://schemas.openxmlformats.org/markup-compatibility/2006">
-        <mc:Choice xmlns:a14="http://schemas.microsoft.com/office/drawing/2010/main" Requires="a14">
+      <mc:AlternateContent xmlns:mc="http://schemas.openxmlformats.org/markup-compatibility/2006" xmlns:a14="http://schemas.microsoft.com/office/drawing/2010/main">
+        <mc:Choice Requires="a14">
           <p:sp>
             <p:nvSpPr>
               <p:cNvPr id="16" name="TextBox 15">
@@ -7407,7 +7516,7 @@
             </p:txBody>
           </p:sp>
         </mc:Choice>
-        <mc:Fallback>
+        <mc:Fallback xmlns="">
           <p:sp>
             <p:nvSpPr>
               <p:cNvPr id="16" name="TextBox 15">
@@ -7832,151 +7941,6 @@
           </a:p>
         </p:txBody>
       </p:sp>
-      <p:sp>
-        <p:nvSpPr>
-          <p:cNvPr id="2" name="화살표: 오른쪽 1">
-            <a:extLst>
-              <a:ext uri="{FF2B5EF4-FFF2-40B4-BE49-F238E27FC236}">
-                <a16:creationId xmlns:a16="http://schemas.microsoft.com/office/drawing/2014/main" id="{F13FBF6E-13CC-4BBB-A9D3-DA784657586A}"/>
-              </a:ext>
-            </a:extLst>
-          </p:cNvPr>
-          <p:cNvSpPr/>
-          <p:nvPr/>
-        </p:nvSpPr>
-        <p:spPr>
-          <a:xfrm>
-            <a:off x="1463040" y="5550408"/>
-            <a:ext cx="987552" cy="823137"/>
-          </a:xfrm>
-          <a:prstGeom prst="rightArrow">
-            <a:avLst/>
-          </a:prstGeom>
-        </p:spPr>
-        <p:style>
-          <a:lnRef idx="2">
-            <a:schemeClr val="accent1">
-              <a:shade val="50000"/>
-            </a:schemeClr>
-          </a:lnRef>
-          <a:fillRef idx="1">
-            <a:schemeClr val="accent1"/>
-          </a:fillRef>
-          <a:effectRef idx="0">
-            <a:schemeClr val="accent1"/>
-          </a:effectRef>
-          <a:fontRef idx="minor">
-            <a:schemeClr val="lt1"/>
-          </a:fontRef>
-        </p:style>
-        <p:txBody>
-          <a:bodyPr rtlCol="0" anchor="ctr"/>
-          <a:lstStyle/>
-          <a:p>
-            <a:pPr algn="ctr"/>
-            <a:endParaRPr lang="ko-KR" altLang="en-US"/>
-          </a:p>
-        </p:txBody>
-      </p:sp>
-      <p:sp>
-        <p:nvSpPr>
-          <p:cNvPr id="3" name="TextBox 2">
-            <a:extLst>
-              <a:ext uri="{FF2B5EF4-FFF2-40B4-BE49-F238E27FC236}">
-                <a16:creationId xmlns:a16="http://schemas.microsoft.com/office/drawing/2014/main" id="{9E5398BA-0135-4832-B66B-F41AF9234C81}"/>
-              </a:ext>
-            </a:extLst>
-          </p:cNvPr>
-          <p:cNvSpPr txBox="1"/>
-          <p:nvPr/>
-        </p:nvSpPr>
-        <p:spPr>
-          <a:xfrm>
-            <a:off x="2880360" y="5669280"/>
-            <a:ext cx="2798064" cy="646331"/>
-          </a:xfrm>
-          <a:prstGeom prst="rect">
-            <a:avLst/>
-          </a:prstGeom>
-          <a:noFill/>
-        </p:spPr>
-        <p:txBody>
-          <a:bodyPr wrap="square" rtlCol="0">
-            <a:spAutoFit/>
-          </a:bodyPr>
-          <a:lstStyle/>
-          <a:p>
-            <a:r>
-              <a:rPr lang="en-US" altLang="ko-KR" dirty="0"/>
-              <a:t>Feature </a:t>
-            </a:r>
-            <a:r>
-              <a:rPr lang="ko-KR" altLang="en-US" dirty="0"/>
-              <a:t>선택을 기계가 함</a:t>
-            </a:r>
-            <a:r>
-              <a:rPr lang="en-US" altLang="ko-KR" dirty="0"/>
-              <a:t>, </a:t>
-            </a:r>
-            <a:r>
-              <a:rPr lang="ko-KR" altLang="en-US" dirty="0"/>
-              <a:t>복잡한 데이터에 적합</a:t>
-            </a:r>
-          </a:p>
-        </p:txBody>
-      </p:sp>
-      <p:sp>
-        <p:nvSpPr>
-          <p:cNvPr id="4" name="직사각형 3">
-            <a:extLst>
-              <a:ext uri="{FF2B5EF4-FFF2-40B4-BE49-F238E27FC236}">
-                <a16:creationId xmlns:a16="http://schemas.microsoft.com/office/drawing/2014/main" id="{E94DADC8-646C-4930-8BAE-DFD6FD725D97}"/>
-              </a:ext>
-            </a:extLst>
-          </p:cNvPr>
-          <p:cNvSpPr/>
-          <p:nvPr/>
-        </p:nvSpPr>
-        <p:spPr>
-          <a:xfrm>
-            <a:off x="878888" y="2824116"/>
-            <a:ext cx="10368232" cy="2340722"/>
-          </a:xfrm>
-          <a:prstGeom prst="rect">
-            <a:avLst/>
-          </a:prstGeom>
-          <a:noFill/>
-          <a:ln w="28575">
-            <a:solidFill>
-              <a:srgbClr val="FF0000"/>
-            </a:solidFill>
-          </a:ln>
-        </p:spPr>
-        <p:style>
-          <a:lnRef idx="2">
-            <a:schemeClr val="accent1">
-              <a:shade val="50000"/>
-            </a:schemeClr>
-          </a:lnRef>
-          <a:fillRef idx="1">
-            <a:schemeClr val="accent1"/>
-          </a:fillRef>
-          <a:effectRef idx="0">
-            <a:schemeClr val="accent1"/>
-          </a:effectRef>
-          <a:fontRef idx="minor">
-            <a:schemeClr val="lt1"/>
-          </a:fontRef>
-        </p:style>
-        <p:txBody>
-          <a:bodyPr rtlCol="0" anchor="ctr"/>
-          <a:lstStyle/>
-          <a:p>
-            <a:pPr algn="ctr"/>
-            <a:endParaRPr lang="ko-KR" altLang="en-US"/>
-          </a:p>
-        </p:txBody>
-      </p:sp>
     </p:spTree>
     <p:extLst>
       <p:ext uri="{BB962C8B-B14F-4D97-AF65-F5344CB8AC3E}">
@@ -8151,6 +8115,139 @@
           </a:p>
         </p:txBody>
       </p:sp>
+      <p:sp>
+        <p:nvSpPr>
+          <p:cNvPr id="2" name="화살표: 오른쪽 1">
+            <a:extLst>
+              <a:ext uri="{FF2B5EF4-FFF2-40B4-BE49-F238E27FC236}">
+                <a16:creationId xmlns:a16="http://schemas.microsoft.com/office/drawing/2014/main" id="{6F145CDC-C996-43A9-908B-0C1299E1AA69}"/>
+              </a:ext>
+            </a:extLst>
+          </p:cNvPr>
+          <p:cNvSpPr/>
+          <p:nvPr/>
+        </p:nvSpPr>
+        <p:spPr>
+          <a:xfrm>
+            <a:off x="4653970" y="2663456"/>
+            <a:ext cx="915703" cy="603991"/>
+          </a:xfrm>
+          <a:prstGeom prst="rightArrow">
+            <a:avLst/>
+          </a:prstGeom>
+        </p:spPr>
+        <p:style>
+          <a:lnRef idx="2">
+            <a:schemeClr val="accent1">
+              <a:shade val="50000"/>
+            </a:schemeClr>
+          </a:lnRef>
+          <a:fillRef idx="1">
+            <a:schemeClr val="accent1"/>
+          </a:fillRef>
+          <a:effectRef idx="0">
+            <a:schemeClr val="accent1"/>
+          </a:effectRef>
+          <a:fontRef idx="minor">
+            <a:schemeClr val="lt1"/>
+          </a:fontRef>
+        </p:style>
+        <p:txBody>
+          <a:bodyPr rtlCol="0" anchor="ctr"/>
+          <a:lstStyle/>
+          <a:p>
+            <a:pPr algn="ctr"/>
+            <a:endParaRPr lang="ko-KR" altLang="en-US"/>
+          </a:p>
+        </p:txBody>
+      </p:sp>
+      <p:sp>
+        <p:nvSpPr>
+          <p:cNvPr id="3" name="직사각형 2">
+            <a:extLst>
+              <a:ext uri="{FF2B5EF4-FFF2-40B4-BE49-F238E27FC236}">
+                <a16:creationId xmlns:a16="http://schemas.microsoft.com/office/drawing/2014/main" id="{E5813869-7F7E-4ECE-8BBE-6DBA3B35C0AE}"/>
+              </a:ext>
+            </a:extLst>
+          </p:cNvPr>
+          <p:cNvSpPr/>
+          <p:nvPr/>
+        </p:nvSpPr>
+        <p:spPr>
+          <a:xfrm>
+            <a:off x="1426464" y="2726925"/>
+            <a:ext cx="2916936" cy="572025"/>
+          </a:xfrm>
+          <a:prstGeom prst="rect">
+            <a:avLst/>
+          </a:prstGeom>
+          <a:noFill/>
+          <a:ln w="28575">
+            <a:solidFill>
+              <a:srgbClr val="FF0000"/>
+            </a:solidFill>
+          </a:ln>
+        </p:spPr>
+        <p:style>
+          <a:lnRef idx="2">
+            <a:schemeClr val="accent1">
+              <a:shade val="50000"/>
+            </a:schemeClr>
+          </a:lnRef>
+          <a:fillRef idx="1">
+            <a:schemeClr val="accent1"/>
+          </a:fillRef>
+          <a:effectRef idx="0">
+            <a:schemeClr val="accent1"/>
+          </a:effectRef>
+          <a:fontRef idx="minor">
+            <a:schemeClr val="lt1"/>
+          </a:fontRef>
+        </p:style>
+        <p:txBody>
+          <a:bodyPr rtlCol="0" anchor="ctr"/>
+          <a:lstStyle/>
+          <a:p>
+            <a:pPr algn="ctr"/>
+            <a:endParaRPr lang="ko-KR" altLang="en-US"/>
+          </a:p>
+        </p:txBody>
+      </p:sp>
+      <p:sp>
+        <p:nvSpPr>
+          <p:cNvPr id="8" name="TextBox 7">
+            <a:extLst>
+              <a:ext uri="{FF2B5EF4-FFF2-40B4-BE49-F238E27FC236}">
+                <a16:creationId xmlns:a16="http://schemas.microsoft.com/office/drawing/2014/main" id="{3FC099D8-BE51-47CD-B72D-083105C6C2C8}"/>
+              </a:ext>
+            </a:extLst>
+          </p:cNvPr>
+          <p:cNvSpPr txBox="1"/>
+          <p:nvPr/>
+        </p:nvSpPr>
+        <p:spPr>
+          <a:xfrm>
+            <a:off x="5880243" y="2774410"/>
+            <a:ext cx="2660904" cy="477054"/>
+          </a:xfrm>
+          <a:prstGeom prst="rect">
+            <a:avLst/>
+          </a:prstGeom>
+          <a:noFill/>
+        </p:spPr>
+        <p:txBody>
+          <a:bodyPr wrap="square" rtlCol="0">
+            <a:spAutoFit/>
+          </a:bodyPr>
+          <a:lstStyle/>
+          <a:p>
+            <a:r>
+              <a:rPr lang="ko-KR" altLang="en-US" sz="2500" dirty="0"/>
+              <a:t>검토 대상</a:t>
+            </a:r>
+          </a:p>
+        </p:txBody>
+      </p:sp>
     </p:spTree>
     <p:extLst>
       <p:ext uri="{BB962C8B-B14F-4D97-AF65-F5344CB8AC3E}">
@@ -8268,7 +8365,7 @@
         <p:spPr>
           <a:xfrm>
             <a:off x="3813050" y="3059668"/>
-            <a:ext cx="3913632" cy="369332"/>
+            <a:ext cx="3913632" cy="646331"/>
           </a:xfrm>
           <a:prstGeom prst="rect">
             <a:avLst/>
@@ -8284,11 +8381,22 @@
             <a:pPr algn="ctr"/>
             <a:r>
               <a:rPr lang="en-US" altLang="ko-KR" dirty="0"/>
-              <a:t>Selected </a:t>
-            </a:r>
-            <a:r>
-              <a:rPr lang="en-US" altLang="ko-KR"/>
-              <a:t>42 features</a:t>
+              <a:t>Selected 42 features</a:t>
+            </a:r>
+          </a:p>
+          <a:p>
+            <a:pPr algn="ctr"/>
+            <a:r>
+              <a:rPr lang="en-US" altLang="ko-KR" dirty="0"/>
+              <a:t>(</a:t>
+            </a:r>
+            <a:r>
+              <a:rPr lang="en-US" altLang="ko-KR" b="1" dirty="0"/>
+              <a:t>by human expert</a:t>
+            </a:r>
+            <a:r>
+              <a:rPr lang="en-US" altLang="ko-KR" dirty="0"/>
+              <a:t>)</a:t>
             </a:r>
             <a:endParaRPr lang="ko-KR" altLang="en-US" dirty="0"/>
           </a:p>
@@ -8537,8 +8645,8 @@
         </p:nvCxnSpPr>
         <p:spPr>
           <a:xfrm>
-            <a:off x="5769866" y="3590401"/>
-            <a:ext cx="0" cy="797493"/>
+            <a:off x="5769866" y="3794760"/>
+            <a:ext cx="0" cy="593134"/>
           </a:xfrm>
           <a:prstGeom prst="straightConnector1">
             <a:avLst/>
@@ -8761,6 +8869,144 @@
           </a:prstGeom>
         </p:spPr>
       </p:pic>
+      <p:sp>
+        <p:nvSpPr>
+          <p:cNvPr id="7" name="직사각형 6">
+            <a:extLst>
+              <a:ext uri="{FF2B5EF4-FFF2-40B4-BE49-F238E27FC236}">
+                <a16:creationId xmlns:a16="http://schemas.microsoft.com/office/drawing/2014/main" id="{AA9EAA99-330F-41B0-BCF3-EBDF34880FD7}"/>
+              </a:ext>
+            </a:extLst>
+          </p:cNvPr>
+          <p:cNvSpPr/>
+          <p:nvPr/>
+        </p:nvSpPr>
+        <p:spPr>
+          <a:xfrm>
+            <a:off x="4645152" y="3059668"/>
+            <a:ext cx="2240280" cy="646302"/>
+          </a:xfrm>
+          <a:prstGeom prst="rect">
+            <a:avLst/>
+          </a:prstGeom>
+          <a:noFill/>
+          <a:ln w="28575">
+            <a:solidFill>
+              <a:srgbClr val="FF0000"/>
+            </a:solidFill>
+          </a:ln>
+        </p:spPr>
+        <p:style>
+          <a:lnRef idx="2">
+            <a:schemeClr val="accent1">
+              <a:shade val="50000"/>
+            </a:schemeClr>
+          </a:lnRef>
+          <a:fillRef idx="1">
+            <a:schemeClr val="accent1"/>
+          </a:fillRef>
+          <a:effectRef idx="0">
+            <a:schemeClr val="accent1"/>
+          </a:effectRef>
+          <a:fontRef idx="minor">
+            <a:schemeClr val="lt1"/>
+          </a:fontRef>
+        </p:style>
+        <p:txBody>
+          <a:bodyPr rtlCol="0" anchor="ctr"/>
+          <a:lstStyle/>
+          <a:p>
+            <a:pPr algn="ctr"/>
+            <a:endParaRPr lang="ko-KR" altLang="en-US"/>
+          </a:p>
+        </p:txBody>
+      </p:sp>
+      <p:sp>
+        <p:nvSpPr>
+          <p:cNvPr id="16" name="TextBox 15">
+            <a:extLst>
+              <a:ext uri="{FF2B5EF4-FFF2-40B4-BE49-F238E27FC236}">
+                <a16:creationId xmlns:a16="http://schemas.microsoft.com/office/drawing/2014/main" id="{0436F712-F0D7-4ADC-BD22-29F5BCF4AF2C}"/>
+              </a:ext>
+            </a:extLst>
+          </p:cNvPr>
+          <p:cNvSpPr txBox="1"/>
+          <p:nvPr/>
+        </p:nvSpPr>
+        <p:spPr>
+          <a:xfrm>
+            <a:off x="8459345" y="3243072"/>
+            <a:ext cx="3172957" cy="369332"/>
+          </a:xfrm>
+          <a:prstGeom prst="rect">
+            <a:avLst/>
+          </a:prstGeom>
+          <a:noFill/>
+        </p:spPr>
+        <p:txBody>
+          <a:bodyPr wrap="square" rtlCol="0">
+            <a:spAutoFit/>
+          </a:bodyPr>
+          <a:lstStyle/>
+          <a:p>
+            <a:r>
+              <a:rPr lang="ko-KR" altLang="en-US" b="1" dirty="0"/>
+              <a:t>전문가에 의한 변수 선택</a:t>
+            </a:r>
+            <a:r>
+              <a:rPr lang="en-US" altLang="ko-KR" b="1" dirty="0"/>
+              <a:t>!</a:t>
+            </a:r>
+            <a:endParaRPr lang="ko-KR" altLang="en-US" b="1" dirty="0"/>
+          </a:p>
+        </p:txBody>
+      </p:sp>
+      <p:sp>
+        <p:nvSpPr>
+          <p:cNvPr id="19" name="화살표: 오른쪽 18">
+            <a:extLst>
+              <a:ext uri="{FF2B5EF4-FFF2-40B4-BE49-F238E27FC236}">
+                <a16:creationId xmlns:a16="http://schemas.microsoft.com/office/drawing/2014/main" id="{054A18B7-FA44-4DCC-97D7-000E0FC52032}"/>
+              </a:ext>
+            </a:extLst>
+          </p:cNvPr>
+          <p:cNvSpPr/>
+          <p:nvPr/>
+        </p:nvSpPr>
+        <p:spPr>
+          <a:xfrm>
+            <a:off x="7063359" y="3083433"/>
+            <a:ext cx="1066415" cy="773144"/>
+          </a:xfrm>
+          <a:prstGeom prst="rightArrow">
+            <a:avLst/>
+          </a:prstGeom>
+        </p:spPr>
+        <p:style>
+          <a:lnRef idx="2">
+            <a:schemeClr val="accent1">
+              <a:shade val="50000"/>
+            </a:schemeClr>
+          </a:lnRef>
+          <a:fillRef idx="1">
+            <a:schemeClr val="accent1"/>
+          </a:fillRef>
+          <a:effectRef idx="0">
+            <a:schemeClr val="accent1"/>
+          </a:effectRef>
+          <a:fontRef idx="minor">
+            <a:schemeClr val="lt1"/>
+          </a:fontRef>
+        </p:style>
+        <p:txBody>
+          <a:bodyPr rtlCol="0" anchor="ctr"/>
+          <a:lstStyle/>
+          <a:p>
+            <a:pPr algn="ctr"/>
+            <a:endParaRPr lang="ko-KR" altLang="en-US"/>
+          </a:p>
+        </p:txBody>
+      </p:sp>
     </p:spTree>
     <p:extLst>
       <p:ext uri="{BB962C8B-B14F-4D97-AF65-F5344CB8AC3E}">
@@ -9097,7 +9343,9 @@
             <a:r>
               <a:rPr lang="en-US" altLang="ko-KR" b="1" i="0" dirty="0" err="1">
                 <a:solidFill>
-                  <a:srgbClr val="24292E"/>
+                  <a:schemeClr val="bg1">
+                    <a:lumMod val="50000"/>
+                  </a:schemeClr>
                 </a:solidFill>
                 <a:effectLst/>
                 <a:latin typeface="-apple-system"/>
@@ -9107,7 +9355,9 @@
             <a:r>
               <a:rPr lang="en-US" altLang="ko-KR" b="1" i="0" dirty="0">
                 <a:solidFill>
-                  <a:srgbClr val="24292E"/>
+                  <a:schemeClr val="bg1">
+                    <a:lumMod val="50000"/>
+                  </a:schemeClr>
                 </a:solidFill>
                 <a:effectLst/>
                 <a:latin typeface="-apple-system"/>
@@ -9117,14 +9367,32 @@
           </a:p>
           <a:p>
             <a:r>
-              <a:rPr lang="en-US" altLang="ko-KR" dirty="0"/>
+              <a:rPr lang="en-US" altLang="ko-KR" dirty="0">
+                <a:solidFill>
+                  <a:schemeClr val="bg1">
+                    <a:lumMod val="50000"/>
+                  </a:schemeClr>
+                </a:solidFill>
+              </a:rPr>
               <a:t>-</a:t>
             </a:r>
             <a:r>
-              <a:rPr lang="en-US" altLang="ko-KR" sz="1200" dirty="0"/>
+              <a:rPr lang="en-US" altLang="ko-KR" sz="1200" dirty="0">
+                <a:solidFill>
+                  <a:schemeClr val="bg1">
+                    <a:lumMod val="50000"/>
+                  </a:schemeClr>
+                </a:solidFill>
+              </a:rPr>
               <a:t>https://github.com/lukasruff/Deep-SVDD-PyTorch</a:t>
             </a:r>
-            <a:endParaRPr lang="ko-KR" altLang="en-US" sz="1200" dirty="0"/>
+            <a:endParaRPr lang="ko-KR" altLang="en-US" sz="1200" dirty="0">
+              <a:solidFill>
+                <a:schemeClr val="bg1">
+                  <a:lumMod val="50000"/>
+                </a:schemeClr>
+              </a:solidFill>
+            </a:endParaRPr>
           </a:p>
         </p:txBody>
       </p:sp>
@@ -9329,20 +9597,44 @@
           <a:lstStyle/>
           <a:p>
             <a:r>
-              <a:rPr lang="en-US" altLang="ko-KR" b="1" dirty="0"/>
+              <a:rPr lang="en-US" altLang="ko-KR" b="1" dirty="0">
+                <a:solidFill>
+                  <a:schemeClr val="bg1">
+                    <a:lumMod val="50000"/>
+                  </a:schemeClr>
+                </a:solidFill>
+              </a:rPr>
               <a:t>Paper</a:t>
             </a:r>
           </a:p>
           <a:p>
             <a:r>
-              <a:rPr lang="en-US" altLang="ko-KR" dirty="0"/>
+              <a:rPr lang="en-US" altLang="ko-KR" dirty="0">
+                <a:solidFill>
+                  <a:schemeClr val="bg1">
+                    <a:lumMod val="50000"/>
+                  </a:schemeClr>
+                </a:solidFill>
+              </a:rPr>
               <a:t>- </a:t>
             </a:r>
             <a:r>
-              <a:rPr lang="en-US" altLang="ko-KR" sz="1200" dirty="0"/>
+              <a:rPr lang="en-US" altLang="ko-KR" sz="1200" dirty="0">
+                <a:solidFill>
+                  <a:schemeClr val="bg1">
+                    <a:lumMod val="50000"/>
+                  </a:schemeClr>
+                </a:solidFill>
+              </a:rPr>
               <a:t>http://data.bit.uni-bonn.de/publications/ICML2018.pdf</a:t>
             </a:r>
-            <a:endParaRPr lang="ko-KR" altLang="en-US" sz="1200" dirty="0"/>
+            <a:endParaRPr lang="ko-KR" altLang="en-US" sz="1200" dirty="0">
+              <a:solidFill>
+                <a:schemeClr val="bg1">
+                  <a:lumMod val="50000"/>
+                </a:schemeClr>
+              </a:solidFill>
+            </a:endParaRPr>
           </a:p>
         </p:txBody>
       </p:sp>
@@ -9656,6 +9948,378 @@
           </a:p>
         </p:txBody>
       </p:sp>
+      <p:sp>
+        <p:nvSpPr>
+          <p:cNvPr id="9" name="화살표: 오른쪽 8">
+            <a:extLst>
+              <a:ext uri="{FF2B5EF4-FFF2-40B4-BE49-F238E27FC236}">
+                <a16:creationId xmlns:a16="http://schemas.microsoft.com/office/drawing/2014/main" id="{224ECE78-5901-41A6-A9D8-258F8E820C81}"/>
+              </a:ext>
+            </a:extLst>
+          </p:cNvPr>
+          <p:cNvSpPr/>
+          <p:nvPr/>
+        </p:nvSpPr>
+        <p:spPr>
+          <a:xfrm rot="16200000">
+            <a:off x="6318504" y="1370191"/>
+            <a:ext cx="502920" cy="477054"/>
+          </a:xfrm>
+          <a:prstGeom prst="rightArrow">
+            <a:avLst/>
+          </a:prstGeom>
+          <a:solidFill>
+            <a:schemeClr val="bg2"/>
+          </a:solidFill>
+          <a:ln>
+            <a:noFill/>
+          </a:ln>
+        </p:spPr>
+        <p:style>
+          <a:lnRef idx="2">
+            <a:schemeClr val="accent1">
+              <a:shade val="50000"/>
+            </a:schemeClr>
+          </a:lnRef>
+          <a:fillRef idx="1">
+            <a:schemeClr val="accent1"/>
+          </a:fillRef>
+          <a:effectRef idx="0">
+            <a:schemeClr val="accent1"/>
+          </a:effectRef>
+          <a:fontRef idx="minor">
+            <a:schemeClr val="lt1"/>
+          </a:fontRef>
+        </p:style>
+        <p:txBody>
+          <a:bodyPr rtlCol="0" anchor="ctr"/>
+          <a:lstStyle/>
+          <a:p>
+            <a:pPr algn="ctr"/>
+            <a:endParaRPr lang="ko-KR" altLang="en-US"/>
+          </a:p>
+        </p:txBody>
+      </p:sp>
+      <p:sp>
+        <p:nvSpPr>
+          <p:cNvPr id="14" name="TextBox 13">
+            <a:extLst>
+              <a:ext uri="{FF2B5EF4-FFF2-40B4-BE49-F238E27FC236}">
+                <a16:creationId xmlns:a16="http://schemas.microsoft.com/office/drawing/2014/main" id="{23C5FDA7-A7DD-4589-AACF-51AFB30653CF}"/>
+              </a:ext>
+            </a:extLst>
+          </p:cNvPr>
+          <p:cNvSpPr txBox="1"/>
+          <p:nvPr/>
+        </p:nvSpPr>
+        <p:spPr>
+          <a:xfrm>
+            <a:off x="5428871" y="330506"/>
+            <a:ext cx="4315968" cy="1015663"/>
+          </a:xfrm>
+          <a:prstGeom prst="rect">
+            <a:avLst/>
+          </a:prstGeom>
+          <a:noFill/>
+        </p:spPr>
+        <p:txBody>
+          <a:bodyPr wrap="square" rtlCol="0">
+            <a:spAutoFit/>
+          </a:bodyPr>
+          <a:lstStyle/>
+          <a:p>
+            <a:r>
+              <a:rPr lang="ko-KR" altLang="en-US" sz="1500" dirty="0">
+                <a:solidFill>
+                  <a:schemeClr val="bg1">
+                    <a:lumMod val="50000"/>
+                  </a:schemeClr>
+                </a:solidFill>
+              </a:rPr>
+              <a:t>모든 점이 </a:t>
+            </a:r>
+            <a:r>
+              <a:rPr lang="en-US" altLang="ko-KR" sz="1500" dirty="0">
+                <a:solidFill>
+                  <a:schemeClr val="bg1">
+                    <a:lumMod val="50000"/>
+                  </a:schemeClr>
+                </a:solidFill>
+              </a:rPr>
+              <a:t>Center</a:t>
+            </a:r>
+            <a:r>
+              <a:rPr lang="ko-KR" altLang="en-US" sz="1500" dirty="0">
+                <a:solidFill>
+                  <a:schemeClr val="bg1">
+                    <a:lumMod val="50000"/>
+                  </a:schemeClr>
+                </a:solidFill>
+              </a:rPr>
+              <a:t>에 가까워지도록 </a:t>
+            </a:r>
+            <a:endParaRPr lang="en-US" altLang="ko-KR" sz="1500" dirty="0">
+              <a:solidFill>
+                <a:schemeClr val="bg1">
+                  <a:lumMod val="50000"/>
+                </a:schemeClr>
+              </a:solidFill>
+            </a:endParaRPr>
+          </a:p>
+          <a:p>
+            <a:r>
+              <a:rPr lang="ko-KR" altLang="en-US" sz="1500" dirty="0">
+                <a:solidFill>
+                  <a:schemeClr val="bg1">
+                    <a:lumMod val="50000"/>
+                  </a:schemeClr>
+                </a:solidFill>
+              </a:rPr>
+              <a:t>단순화 해서 생각</a:t>
+            </a:r>
+            <a:endParaRPr lang="en-US" altLang="ko-KR" sz="1500" dirty="0">
+              <a:solidFill>
+                <a:schemeClr val="bg1">
+                  <a:lumMod val="50000"/>
+                </a:schemeClr>
+              </a:solidFill>
+            </a:endParaRPr>
+          </a:p>
+          <a:p>
+            <a:r>
+              <a:rPr lang="en-US" altLang="ko-KR" sz="1500" dirty="0">
+                <a:solidFill>
+                  <a:schemeClr val="bg1">
+                    <a:lumMod val="50000"/>
+                  </a:schemeClr>
+                </a:solidFill>
+              </a:rPr>
+              <a:t>-&gt; </a:t>
+            </a:r>
+            <a:r>
+              <a:rPr lang="ko-KR" altLang="en-US" sz="1500" dirty="0">
+                <a:solidFill>
+                  <a:schemeClr val="bg1">
+                    <a:lumMod val="50000"/>
+                  </a:schemeClr>
+                </a:solidFill>
+              </a:rPr>
+              <a:t>모든 점이 </a:t>
+            </a:r>
+            <a:r>
+              <a:rPr lang="en-US" altLang="ko-KR" sz="1500" dirty="0">
+                <a:solidFill>
+                  <a:schemeClr val="bg1">
+                    <a:lumMod val="50000"/>
+                  </a:schemeClr>
+                </a:solidFill>
+              </a:rPr>
+              <a:t>center</a:t>
+            </a:r>
+            <a:r>
+              <a:rPr lang="ko-KR" altLang="en-US" sz="1500" dirty="0">
+                <a:solidFill>
+                  <a:schemeClr val="bg1">
+                    <a:lumMod val="50000"/>
+                  </a:schemeClr>
+                </a:solidFill>
+              </a:rPr>
+              <a:t>에 몰리면 안되므로 </a:t>
+            </a:r>
+            <a:endParaRPr lang="en-US" altLang="ko-KR" sz="1500" dirty="0">
+              <a:solidFill>
+                <a:schemeClr val="bg1">
+                  <a:lumMod val="50000"/>
+                </a:schemeClr>
+              </a:solidFill>
+            </a:endParaRPr>
+          </a:p>
+          <a:p>
+            <a:r>
+              <a:rPr lang="en-US" altLang="ko-KR" sz="1500" dirty="0">
+                <a:solidFill>
+                  <a:schemeClr val="bg1">
+                    <a:lumMod val="50000"/>
+                  </a:schemeClr>
+                </a:solidFill>
+              </a:rPr>
+              <a:t>    W</a:t>
+            </a:r>
+            <a:r>
+              <a:rPr lang="ko-KR" altLang="en-US" sz="1500" dirty="0">
+                <a:solidFill>
+                  <a:schemeClr val="bg1">
+                    <a:lumMod val="50000"/>
+                  </a:schemeClr>
+                </a:solidFill>
+              </a:rPr>
+              <a:t>에 대한 </a:t>
+            </a:r>
+            <a:r>
+              <a:rPr lang="en-US" altLang="ko-KR" sz="1500" dirty="0">
+                <a:solidFill>
+                  <a:schemeClr val="bg1">
+                    <a:lumMod val="50000"/>
+                  </a:schemeClr>
+                </a:solidFill>
+              </a:rPr>
+              <a:t>restriction term</a:t>
+            </a:r>
+            <a:r>
+              <a:rPr lang="ko-KR" altLang="en-US" sz="1500" dirty="0">
+                <a:solidFill>
+                  <a:schemeClr val="bg1">
+                    <a:lumMod val="50000"/>
+                  </a:schemeClr>
+                </a:solidFill>
+              </a:rPr>
+              <a:t>을 둔다</a:t>
+            </a:r>
+          </a:p>
+        </p:txBody>
+      </p:sp>
+      <p:sp>
+        <p:nvSpPr>
+          <p:cNvPr id="26" name="직사각형 25">
+            <a:extLst>
+              <a:ext uri="{FF2B5EF4-FFF2-40B4-BE49-F238E27FC236}">
+                <a16:creationId xmlns:a16="http://schemas.microsoft.com/office/drawing/2014/main" id="{BE5BD85B-4F92-4536-8CE6-056823BA04F5}"/>
+              </a:ext>
+            </a:extLst>
+          </p:cNvPr>
+          <p:cNvSpPr/>
+          <p:nvPr/>
+        </p:nvSpPr>
+        <p:spPr>
+          <a:xfrm>
+            <a:off x="5160262" y="3336638"/>
+            <a:ext cx="1085090" cy="307782"/>
+          </a:xfrm>
+          <a:prstGeom prst="rect">
+            <a:avLst/>
+          </a:prstGeom>
+          <a:noFill/>
+          <a:ln w="28575">
+            <a:solidFill>
+              <a:srgbClr val="FF0000"/>
+            </a:solidFill>
+          </a:ln>
+        </p:spPr>
+        <p:style>
+          <a:lnRef idx="2">
+            <a:schemeClr val="accent1">
+              <a:shade val="50000"/>
+            </a:schemeClr>
+          </a:lnRef>
+          <a:fillRef idx="1">
+            <a:schemeClr val="accent1"/>
+          </a:fillRef>
+          <a:effectRef idx="0">
+            <a:schemeClr val="accent1"/>
+          </a:effectRef>
+          <a:fontRef idx="minor">
+            <a:schemeClr val="lt1"/>
+          </a:fontRef>
+        </p:style>
+        <p:txBody>
+          <a:bodyPr rtlCol="0" anchor="ctr"/>
+          <a:lstStyle/>
+          <a:p>
+            <a:pPr algn="ctr"/>
+            <a:endParaRPr lang="ko-KR" altLang="en-US"/>
+          </a:p>
+        </p:txBody>
+      </p:sp>
+      <p:sp>
+        <p:nvSpPr>
+          <p:cNvPr id="18" name="TextBox 17">
+            <a:extLst>
+              <a:ext uri="{FF2B5EF4-FFF2-40B4-BE49-F238E27FC236}">
+                <a16:creationId xmlns:a16="http://schemas.microsoft.com/office/drawing/2014/main" id="{6573F786-6BF8-454B-BD19-BCCD6586855E}"/>
+              </a:ext>
+            </a:extLst>
+          </p:cNvPr>
+          <p:cNvSpPr txBox="1"/>
+          <p:nvPr/>
+        </p:nvSpPr>
+        <p:spPr>
+          <a:xfrm>
+            <a:off x="8459345" y="3243072"/>
+            <a:ext cx="3172957" cy="369332"/>
+          </a:xfrm>
+          <a:prstGeom prst="rect">
+            <a:avLst/>
+          </a:prstGeom>
+          <a:noFill/>
+        </p:spPr>
+        <p:txBody>
+          <a:bodyPr wrap="square" rtlCol="0">
+            <a:spAutoFit/>
+          </a:bodyPr>
+          <a:lstStyle/>
+          <a:p>
+            <a:r>
+              <a:rPr lang="en-US" altLang="ko-KR" b="1" dirty="0"/>
+              <a:t>Model</a:t>
+            </a:r>
+            <a:r>
+              <a:rPr lang="ko-KR" altLang="en-US" b="1" dirty="0"/>
+              <a:t>에 의한 변수 선택</a:t>
+            </a:r>
+            <a:r>
+              <a:rPr lang="en-US" altLang="ko-KR" b="1" dirty="0"/>
+              <a:t>!</a:t>
+            </a:r>
+            <a:endParaRPr lang="ko-KR" altLang="en-US" b="1" dirty="0"/>
+          </a:p>
+        </p:txBody>
+      </p:sp>
+      <p:sp>
+        <p:nvSpPr>
+          <p:cNvPr id="20" name="화살표: 오른쪽 19">
+            <a:extLst>
+              <a:ext uri="{FF2B5EF4-FFF2-40B4-BE49-F238E27FC236}">
+                <a16:creationId xmlns:a16="http://schemas.microsoft.com/office/drawing/2014/main" id="{3BABB220-EB4B-40C2-B408-1E154FA24442}"/>
+              </a:ext>
+            </a:extLst>
+          </p:cNvPr>
+          <p:cNvSpPr/>
+          <p:nvPr/>
+        </p:nvSpPr>
+        <p:spPr>
+          <a:xfrm>
+            <a:off x="7063359" y="3083433"/>
+            <a:ext cx="1066415" cy="773144"/>
+          </a:xfrm>
+          <a:prstGeom prst="rightArrow">
+            <a:avLst/>
+          </a:prstGeom>
+        </p:spPr>
+        <p:style>
+          <a:lnRef idx="2">
+            <a:schemeClr val="accent1">
+              <a:shade val="50000"/>
+            </a:schemeClr>
+          </a:lnRef>
+          <a:fillRef idx="1">
+            <a:schemeClr val="accent1"/>
+          </a:fillRef>
+          <a:effectRef idx="0">
+            <a:schemeClr val="accent1"/>
+          </a:effectRef>
+          <a:fontRef idx="minor">
+            <a:schemeClr val="lt1"/>
+          </a:fontRef>
+        </p:style>
+        <p:txBody>
+          <a:bodyPr rtlCol="0" anchor="ctr"/>
+          <a:lstStyle/>
+          <a:p>
+            <a:pPr algn="ctr"/>
+            <a:endParaRPr lang="ko-KR" altLang="en-US"/>
+          </a:p>
+        </p:txBody>
+      </p:sp>
     </p:spTree>
     <p:extLst>
       <p:ext uri="{BB962C8B-B14F-4D97-AF65-F5344CB8AC3E}">
@@ -9781,12 +10445,20 @@
           <a:p>
             <a:pPr algn="ctr"/>
             <a:r>
-              <a:rPr lang="ko-KR" altLang="en-US" dirty="0"/>
-              <a:t>결정 경계를 찾기 수월한</a:t>
+              <a:rPr lang="ko-KR" altLang="en-US" b="1" dirty="0" err="1"/>
+              <a:t>뷴류가</a:t>
+            </a:r>
+            <a:r>
+              <a:rPr lang="ko-KR" altLang="en-US" b="1" dirty="0"/>
+              <a:t> 수월한</a:t>
             </a:r>
             <a:r>
               <a:rPr lang="en-US" altLang="ko-KR" dirty="0"/>
-              <a:t> Latent space</a:t>
+              <a:t> Latent </a:t>
+            </a:r>
+            <a:r>
+              <a:rPr lang="en-US" altLang="ko-KR" b="1" dirty="0"/>
+              <a:t>space</a:t>
             </a:r>
             <a:r>
               <a:rPr lang="ko-KR" altLang="en-US" dirty="0"/>
@@ -9801,11 +10473,11 @@
               <a:t>해주는 함수를 </a:t>
             </a:r>
             <a:r>
-              <a:rPr lang="en-US" altLang="ko-KR" dirty="0"/>
+              <a:rPr lang="en-US" altLang="ko-KR" b="1" dirty="0"/>
               <a:t>NN </a:t>
             </a:r>
             <a:r>
-              <a:rPr lang="ko-KR" altLang="en-US" dirty="0"/>
+              <a:rPr lang="ko-KR" altLang="en-US" b="1" dirty="0"/>
               <a:t>이용하여 찾는다</a:t>
             </a:r>
           </a:p>
@@ -10752,7 +11424,9 @@
             <a:r>
               <a:rPr lang="en-US" altLang="ko-KR" b="1" i="0" dirty="0" err="1">
                 <a:solidFill>
-                  <a:srgbClr val="24292E"/>
+                  <a:schemeClr val="bg1">
+                    <a:lumMod val="50000"/>
+                  </a:schemeClr>
                 </a:solidFill>
                 <a:effectLst/>
                 <a:latin typeface="-apple-system"/>
@@ -10762,7 +11436,9 @@
             <a:r>
               <a:rPr lang="en-US" altLang="ko-KR" b="1" i="0" dirty="0">
                 <a:solidFill>
-                  <a:srgbClr val="24292E"/>
+                  <a:schemeClr val="bg1">
+                    <a:lumMod val="50000"/>
+                  </a:schemeClr>
                 </a:solidFill>
                 <a:effectLst/>
                 <a:latin typeface="-apple-system"/>
@@ -10772,13 +11448,21 @@
           </a:p>
           <a:p>
             <a:r>
-              <a:rPr lang="en-US" altLang="ko-KR" dirty="0"/>
+              <a:rPr lang="en-US" altLang="ko-KR" dirty="0">
+                <a:solidFill>
+                  <a:schemeClr val="bg1">
+                    <a:lumMod val="50000"/>
+                  </a:schemeClr>
+                </a:solidFill>
+              </a:rPr>
               <a:t>-</a:t>
             </a:r>
             <a:r>
               <a:rPr lang="en-US" altLang="ko-KR" sz="1200" u="sng" kern="0" spc="0" dirty="0">
                 <a:solidFill>
-                  <a:srgbClr val="0000FF"/>
+                  <a:schemeClr val="bg1">
+                    <a:lumMod val="50000"/>
+                  </a:schemeClr>
                 </a:solidFill>
                 <a:effectLst/>
                 <a:uFill>
@@ -10791,7 +11475,13 @@
               </a:rPr>
               <a:t> https://github.com/lukasruff/Deep-SAD-PyTorch</a:t>
             </a:r>
-            <a:endParaRPr lang="ko-KR" altLang="en-US" sz="1200" dirty="0"/>
+            <a:endParaRPr lang="ko-KR" altLang="en-US" sz="1200" dirty="0">
+              <a:solidFill>
+                <a:schemeClr val="bg1">
+                  <a:lumMod val="50000"/>
+                </a:schemeClr>
+              </a:solidFill>
+            </a:endParaRPr>
           </a:p>
         </p:txBody>
       </p:sp>
@@ -10824,23 +11514,53 @@
           <a:lstStyle/>
           <a:p>
             <a:r>
-              <a:rPr lang="en-US" altLang="ko-KR" b="1" dirty="0"/>
+              <a:rPr lang="en-US" altLang="ko-KR" b="1" dirty="0">
+                <a:solidFill>
+                  <a:schemeClr val="bg1">
+                    <a:lumMod val="50000"/>
+                  </a:schemeClr>
+                </a:solidFill>
+              </a:rPr>
               <a:t>Paper</a:t>
             </a:r>
           </a:p>
           <a:p>
             <a:r>
-              <a:rPr lang="en-US" altLang="ko-KR" dirty="0"/>
+              <a:rPr lang="en-US" altLang="ko-KR" dirty="0">
+                <a:solidFill>
+                  <a:schemeClr val="bg1">
+                    <a:lumMod val="50000"/>
+                  </a:schemeClr>
+                </a:solidFill>
+              </a:rPr>
               <a:t>- </a:t>
             </a:r>
             <a:r>
-              <a:rPr lang="en-US" altLang="ko-KR" sz="1200" dirty="0"/>
+              <a:rPr lang="en-US" altLang="ko-KR" sz="1200" dirty="0">
+                <a:solidFill>
+                  <a:schemeClr val="bg1">
+                    <a:lumMod val="50000"/>
+                  </a:schemeClr>
+                </a:solidFill>
+              </a:rPr>
               <a:t>http://data.bit.uni-bonn.de/publications/ICML2018.pdf</a:t>
             </a:r>
-            <a:endParaRPr lang="ko-KR" altLang="en-US" sz="1200" dirty="0"/>
-          </a:p>
-          <a:p>
-            <a:endParaRPr lang="ko-KR" altLang="en-US" sz="1200" dirty="0"/>
+            <a:endParaRPr lang="ko-KR" altLang="en-US" sz="1200" dirty="0">
+              <a:solidFill>
+                <a:schemeClr val="bg1">
+                  <a:lumMod val="50000"/>
+                </a:schemeClr>
+              </a:solidFill>
+            </a:endParaRPr>
+          </a:p>
+          <a:p>
+            <a:endParaRPr lang="ko-KR" altLang="en-US" sz="1200" dirty="0">
+              <a:solidFill>
+                <a:schemeClr val="bg1">
+                  <a:lumMod val="50000"/>
+                </a:schemeClr>
+              </a:solidFill>
+            </a:endParaRPr>
           </a:p>
         </p:txBody>
       </p:sp>
@@ -10869,6 +11589,484 @@
             <a:solidFill>
               <a:srgbClr val="FF0000"/>
             </a:solidFill>
+          </a:ln>
+        </p:spPr>
+        <p:style>
+          <a:lnRef idx="2">
+            <a:schemeClr val="accent1">
+              <a:shade val="50000"/>
+            </a:schemeClr>
+          </a:lnRef>
+          <a:fillRef idx="1">
+            <a:schemeClr val="accent1"/>
+          </a:fillRef>
+          <a:effectRef idx="0">
+            <a:schemeClr val="accent1"/>
+          </a:effectRef>
+          <a:fontRef idx="minor">
+            <a:schemeClr val="lt1"/>
+          </a:fontRef>
+        </p:style>
+        <p:txBody>
+          <a:bodyPr rtlCol="0" anchor="ctr"/>
+          <a:lstStyle/>
+          <a:p>
+            <a:pPr algn="ctr"/>
+            <a:endParaRPr lang="ko-KR" altLang="en-US"/>
+          </a:p>
+        </p:txBody>
+      </p:sp>
+      <p:sp>
+        <p:nvSpPr>
+          <p:cNvPr id="2" name="화살표: 아래쪽 1">
+            <a:extLst>
+              <a:ext uri="{FF2B5EF4-FFF2-40B4-BE49-F238E27FC236}">
+                <a16:creationId xmlns:a16="http://schemas.microsoft.com/office/drawing/2014/main" id="{50CDA576-8EFB-4F1C-8163-07496F1F188E}"/>
+              </a:ext>
+            </a:extLst>
+          </p:cNvPr>
+          <p:cNvSpPr/>
+          <p:nvPr/>
+        </p:nvSpPr>
+        <p:spPr>
+          <a:xfrm>
+            <a:off x="1490472" y="3785616"/>
+            <a:ext cx="475488" cy="506805"/>
+          </a:xfrm>
+          <a:prstGeom prst="downArrow">
+            <a:avLst/>
+          </a:prstGeom>
+        </p:spPr>
+        <p:style>
+          <a:lnRef idx="2">
+            <a:schemeClr val="accent1">
+              <a:shade val="50000"/>
+            </a:schemeClr>
+          </a:lnRef>
+          <a:fillRef idx="1">
+            <a:schemeClr val="accent1"/>
+          </a:fillRef>
+          <a:effectRef idx="0">
+            <a:schemeClr val="accent1"/>
+          </a:effectRef>
+          <a:fontRef idx="minor">
+            <a:schemeClr val="lt1"/>
+          </a:fontRef>
+        </p:style>
+        <p:txBody>
+          <a:bodyPr rtlCol="0" anchor="ctr"/>
+          <a:lstStyle/>
+          <a:p>
+            <a:pPr algn="ctr"/>
+            <a:endParaRPr lang="ko-KR" altLang="en-US"/>
+          </a:p>
+        </p:txBody>
+      </p:sp>
+      <p:sp>
+        <p:nvSpPr>
+          <p:cNvPr id="7" name="TextBox 6">
+            <a:extLst>
+              <a:ext uri="{FF2B5EF4-FFF2-40B4-BE49-F238E27FC236}">
+                <a16:creationId xmlns:a16="http://schemas.microsoft.com/office/drawing/2014/main" id="{2CC9574B-6050-467D-82BB-B289D2BD766C}"/>
+              </a:ext>
+            </a:extLst>
+          </p:cNvPr>
+          <p:cNvSpPr txBox="1"/>
+          <p:nvPr/>
+        </p:nvSpPr>
+        <p:spPr>
+          <a:xfrm>
+            <a:off x="390937" y="4438001"/>
+            <a:ext cx="2814765" cy="369332"/>
+          </a:xfrm>
+          <a:prstGeom prst="rect">
+            <a:avLst/>
+          </a:prstGeom>
+          <a:noFill/>
+        </p:spPr>
+        <p:txBody>
+          <a:bodyPr wrap="square" rtlCol="0">
+            <a:spAutoFit/>
+          </a:bodyPr>
+          <a:lstStyle/>
+          <a:p>
+            <a:r>
+              <a:rPr lang="ko-KR" altLang="en-US" b="1" dirty="0"/>
+              <a:t>라벨 이용하는 것이 특징</a:t>
+            </a:r>
+          </a:p>
+        </p:txBody>
+      </p:sp>
+      <p:sp>
+        <p:nvSpPr>
+          <p:cNvPr id="12" name="직사각형 11">
+            <a:extLst>
+              <a:ext uri="{FF2B5EF4-FFF2-40B4-BE49-F238E27FC236}">
+                <a16:creationId xmlns:a16="http://schemas.microsoft.com/office/drawing/2014/main" id="{745F4C1C-7FC5-4FF3-BDE4-61185FB565BF}"/>
+              </a:ext>
+            </a:extLst>
+          </p:cNvPr>
+          <p:cNvSpPr/>
+          <p:nvPr/>
+        </p:nvSpPr>
+        <p:spPr>
+          <a:xfrm>
+            <a:off x="5843016" y="1768717"/>
+            <a:ext cx="3072384" cy="714723"/>
+          </a:xfrm>
+          <a:prstGeom prst="rect">
+            <a:avLst/>
+          </a:prstGeom>
+          <a:noFill/>
+          <a:ln w="28575">
+            <a:solidFill>
+              <a:srgbClr val="FF0000"/>
+            </a:solidFill>
+          </a:ln>
+        </p:spPr>
+        <p:style>
+          <a:lnRef idx="2">
+            <a:schemeClr val="accent1">
+              <a:shade val="50000"/>
+            </a:schemeClr>
+          </a:lnRef>
+          <a:fillRef idx="1">
+            <a:schemeClr val="accent1"/>
+          </a:fillRef>
+          <a:effectRef idx="0">
+            <a:schemeClr val="accent1"/>
+          </a:effectRef>
+          <a:fontRef idx="minor">
+            <a:schemeClr val="lt1"/>
+          </a:fontRef>
+        </p:style>
+        <p:txBody>
+          <a:bodyPr rtlCol="0" anchor="ctr"/>
+          <a:lstStyle/>
+          <a:p>
+            <a:pPr algn="ctr"/>
+            <a:endParaRPr lang="ko-KR" altLang="en-US"/>
+          </a:p>
+        </p:txBody>
+      </p:sp>
+      <p:sp>
+        <p:nvSpPr>
+          <p:cNvPr id="14" name="화살표: 오른쪽 13">
+            <a:extLst>
+              <a:ext uri="{FF2B5EF4-FFF2-40B4-BE49-F238E27FC236}">
+                <a16:creationId xmlns:a16="http://schemas.microsoft.com/office/drawing/2014/main" id="{90D2F71E-3694-4B35-B2E5-C655478BA51C}"/>
+              </a:ext>
+            </a:extLst>
+          </p:cNvPr>
+          <p:cNvSpPr/>
+          <p:nvPr/>
+        </p:nvSpPr>
+        <p:spPr>
+          <a:xfrm>
+            <a:off x="8699245" y="2617794"/>
+            <a:ext cx="310896" cy="399859"/>
+          </a:xfrm>
+          <a:prstGeom prst="rightArrow">
+            <a:avLst/>
+          </a:prstGeom>
+          <a:solidFill>
+            <a:schemeClr val="bg1">
+              <a:lumMod val="50000"/>
+            </a:schemeClr>
+          </a:solidFill>
+          <a:ln>
+            <a:noFill/>
+          </a:ln>
+        </p:spPr>
+        <p:style>
+          <a:lnRef idx="2">
+            <a:schemeClr val="accent1">
+              <a:shade val="50000"/>
+            </a:schemeClr>
+          </a:lnRef>
+          <a:fillRef idx="1">
+            <a:schemeClr val="accent1"/>
+          </a:fillRef>
+          <a:effectRef idx="0">
+            <a:schemeClr val="accent1"/>
+          </a:effectRef>
+          <a:fontRef idx="minor">
+            <a:schemeClr val="lt1"/>
+          </a:fontRef>
+        </p:style>
+        <p:txBody>
+          <a:bodyPr rtlCol="0" anchor="ctr"/>
+          <a:lstStyle/>
+          <a:p>
+            <a:pPr algn="ctr"/>
+            <a:endParaRPr lang="ko-KR" altLang="en-US"/>
+          </a:p>
+        </p:txBody>
+      </p:sp>
+      <mc:AlternateContent xmlns:mc="http://schemas.openxmlformats.org/markup-compatibility/2006">
+        <mc:Choice xmlns:a14="http://schemas.microsoft.com/office/drawing/2010/main" Requires="a14">
+          <p:sp>
+            <p:nvSpPr>
+              <p:cNvPr id="25" name="TextBox 24">
+                <a:extLst>
+                  <a:ext uri="{FF2B5EF4-FFF2-40B4-BE49-F238E27FC236}">
+                    <a16:creationId xmlns:a16="http://schemas.microsoft.com/office/drawing/2014/main" id="{3022F59C-537A-43A8-8CE0-5EB0C3952394}"/>
+                  </a:ext>
+                </a:extLst>
+              </p:cNvPr>
+              <p:cNvSpPr txBox="1"/>
+              <p:nvPr/>
+            </p:nvSpPr>
+            <p:spPr>
+              <a:xfrm>
+                <a:off x="9070848" y="2582534"/>
+                <a:ext cx="3628633" cy="1042786"/>
+              </a:xfrm>
+              <a:prstGeom prst="rect">
+                <a:avLst/>
+              </a:prstGeom>
+              <a:noFill/>
+            </p:spPr>
+            <p:txBody>
+              <a:bodyPr wrap="square" rtlCol="0">
+                <a:spAutoFit/>
+              </a:bodyPr>
+              <a:lstStyle/>
+              <a:p>
+                <a14:m>
+                  <m:oMath xmlns:m="http://schemas.openxmlformats.org/officeDocument/2006/math">
+                    <m:r>
+                      <a:rPr lang="ko-KR" altLang="en-US" sz="1500" i="1" smtClean="0">
+                        <a:solidFill>
+                          <a:schemeClr val="bg1">
+                            <a:lumMod val="50000"/>
+                          </a:schemeClr>
+                        </a:solidFill>
+                        <a:latin typeface="Cambria Math" panose="02040503050406030204" pitchFamily="18" charset="0"/>
+                      </a:rPr>
+                      <m:t>𝜂</m:t>
+                    </m:r>
+                  </m:oMath>
+                </a14:m>
+                <a:r>
+                  <a:rPr lang="en-US" altLang="ko-KR" sz="1500" dirty="0">
+                    <a:solidFill>
+                      <a:schemeClr val="bg1">
+                        <a:lumMod val="50000"/>
+                      </a:schemeClr>
+                    </a:solidFill>
+                  </a:rPr>
+                  <a:t> : hyperparameter that controls balance between labeled and unlabeled </a:t>
+                </a:r>
+              </a:p>
+              <a:p>
+                <a14:m>
+                  <m:oMath xmlns:m="http://schemas.openxmlformats.org/officeDocument/2006/math">
+                    <m:acc>
+                      <m:accPr>
+                        <m:chr m:val="̃"/>
+                        <m:ctrlPr>
+                          <a:rPr lang="ko-KR" altLang="en-US" sz="1500" i="1" smtClean="0">
+                            <a:solidFill>
+                              <a:schemeClr val="bg1">
+                                <a:lumMod val="50000"/>
+                              </a:schemeClr>
+                            </a:solidFill>
+                            <a:latin typeface="Cambria Math" panose="02040503050406030204" pitchFamily="18" charset="0"/>
+                          </a:rPr>
+                        </m:ctrlPr>
+                      </m:accPr>
+                      <m:e>
+                        <m:r>
+                          <a:rPr lang="en-US" altLang="ko-KR" sz="1500" b="0" i="1" smtClean="0">
+                            <a:solidFill>
+                              <a:schemeClr val="bg1">
+                                <a:lumMod val="50000"/>
+                              </a:schemeClr>
+                            </a:solidFill>
+                            <a:latin typeface="Cambria Math" panose="02040503050406030204" pitchFamily="18" charset="0"/>
+                          </a:rPr>
+                          <m:t>𝑦</m:t>
+                        </m:r>
+                      </m:e>
+                    </m:acc>
+                  </m:oMath>
+                </a14:m>
+                <a:r>
+                  <a:rPr lang="ko-KR" altLang="en-US" sz="1500" dirty="0">
+                    <a:solidFill>
+                      <a:schemeClr val="bg1">
+                        <a:lumMod val="50000"/>
+                      </a:schemeClr>
+                    </a:solidFill>
+                  </a:rPr>
+                  <a:t> </a:t>
+                </a:r>
+                <a:r>
+                  <a:rPr lang="en-US" altLang="ko-KR" sz="1500" dirty="0">
+                    <a:solidFill>
+                      <a:schemeClr val="bg1">
+                        <a:lumMod val="50000"/>
+                      </a:schemeClr>
+                    </a:solidFill>
+                  </a:rPr>
+                  <a:t>: 1 if normal, -1 if anomaly </a:t>
+                </a:r>
+                <a:endParaRPr lang="ko-KR" altLang="en-US" sz="1500" dirty="0">
+                  <a:solidFill>
+                    <a:schemeClr val="bg1">
+                      <a:lumMod val="50000"/>
+                    </a:schemeClr>
+                  </a:solidFill>
+                </a:endParaRPr>
+              </a:p>
+            </p:txBody>
+          </p:sp>
+        </mc:Choice>
+        <mc:Fallback>
+          <p:sp>
+            <p:nvSpPr>
+              <p:cNvPr id="25" name="TextBox 24">
+                <a:extLst>
+                  <a:ext uri="{FF2B5EF4-FFF2-40B4-BE49-F238E27FC236}">
+                    <a16:creationId xmlns:a16="http://schemas.microsoft.com/office/drawing/2014/main" id="{3022F59C-537A-43A8-8CE0-5EB0C3952394}"/>
+                  </a:ext>
+                </a:extLst>
+              </p:cNvPr>
+              <p:cNvSpPr txBox="1">
+                <a:spLocks noRot="1" noChangeAspect="1" noMove="1" noResize="1" noEditPoints="1" noAdjustHandles="1" noChangeArrowheads="1" noChangeShapeType="1" noTextEdit="1"/>
+              </p:cNvSpPr>
+              <p:nvPr/>
+            </p:nvSpPr>
+            <p:spPr>
+              <a:xfrm>
+                <a:off x="9070848" y="2582534"/>
+                <a:ext cx="3628633" cy="1042786"/>
+              </a:xfrm>
+              <a:prstGeom prst="rect">
+                <a:avLst/>
+              </a:prstGeom>
+              <a:blipFill>
+                <a:blip r:embed="rId6"/>
+                <a:stretch>
+                  <a:fillRect l="-672" t="-1754" b="-2339"/>
+                </a:stretch>
+              </a:blipFill>
+            </p:spPr>
+            <p:txBody>
+              <a:bodyPr/>
+              <a:lstStyle/>
+              <a:p>
+                <a:r>
+                  <a:rPr lang="ko-KR" altLang="en-US">
+                    <a:noFill/>
+                  </a:rPr>
+                  <a:t> </a:t>
+                </a:r>
+              </a:p>
+            </p:txBody>
+          </p:sp>
+        </mc:Fallback>
+      </mc:AlternateContent>
+      <p:sp>
+        <p:nvSpPr>
+          <p:cNvPr id="27" name="TextBox 26">
+            <a:extLst>
+              <a:ext uri="{FF2B5EF4-FFF2-40B4-BE49-F238E27FC236}">
+                <a16:creationId xmlns:a16="http://schemas.microsoft.com/office/drawing/2014/main" id="{3D19D6F2-3F18-469A-AE0F-4FA3CBB58CAD}"/>
+              </a:ext>
+            </a:extLst>
+          </p:cNvPr>
+          <p:cNvSpPr txBox="1"/>
+          <p:nvPr/>
+        </p:nvSpPr>
+        <p:spPr>
+          <a:xfrm>
+            <a:off x="5986272" y="589423"/>
+            <a:ext cx="3628633" cy="1015663"/>
+          </a:xfrm>
+          <a:prstGeom prst="rect">
+            <a:avLst/>
+          </a:prstGeom>
+          <a:noFill/>
+        </p:spPr>
+        <p:txBody>
+          <a:bodyPr wrap="square" rtlCol="0">
+            <a:spAutoFit/>
+          </a:bodyPr>
+          <a:lstStyle/>
+          <a:p>
+            <a:r>
+              <a:rPr lang="en-US" altLang="ko-KR" sz="1500" dirty="0">
+                <a:solidFill>
+                  <a:schemeClr val="bg1">
+                    <a:lumMod val="50000"/>
+                  </a:schemeClr>
+                </a:solidFill>
+              </a:rPr>
+              <a:t>If outlier is close to C, loss gets large</a:t>
+            </a:r>
+          </a:p>
+          <a:p>
+            <a:r>
+              <a:rPr lang="en-US" altLang="ko-KR" sz="1500" dirty="0">
+                <a:solidFill>
+                  <a:schemeClr val="bg1">
+                    <a:lumMod val="50000"/>
+                  </a:schemeClr>
+                </a:solidFill>
+              </a:rPr>
+              <a:t>If normal point is far from C, loss gets also large</a:t>
+            </a:r>
+          </a:p>
+          <a:p>
+            <a:r>
+              <a:rPr lang="en-US" altLang="ko-KR" sz="1500" dirty="0">
+                <a:solidFill>
+                  <a:schemeClr val="bg1">
+                    <a:lumMod val="50000"/>
+                  </a:schemeClr>
+                </a:solidFill>
+              </a:rPr>
+              <a:t>  </a:t>
+            </a:r>
+            <a:endParaRPr lang="ko-KR" altLang="en-US" sz="1500" dirty="0">
+              <a:solidFill>
+                <a:schemeClr val="bg1">
+                  <a:lumMod val="50000"/>
+                </a:schemeClr>
+              </a:solidFill>
+            </a:endParaRPr>
+          </a:p>
+        </p:txBody>
+      </p:sp>
+      <p:sp>
+        <p:nvSpPr>
+          <p:cNvPr id="28" name="화살표: 오른쪽 27">
+            <a:extLst>
+              <a:ext uri="{FF2B5EF4-FFF2-40B4-BE49-F238E27FC236}">
+                <a16:creationId xmlns:a16="http://schemas.microsoft.com/office/drawing/2014/main" id="{283119F4-061C-425B-B13F-94868B296C79}"/>
+              </a:ext>
+            </a:extLst>
+          </p:cNvPr>
+          <p:cNvSpPr/>
+          <p:nvPr/>
+        </p:nvSpPr>
+        <p:spPr>
+          <a:xfrm rot="16200000">
+            <a:off x="7412753" y="1321560"/>
+            <a:ext cx="310896" cy="399859"/>
+          </a:xfrm>
+          <a:prstGeom prst="rightArrow">
+            <a:avLst/>
+          </a:prstGeom>
+          <a:solidFill>
+            <a:schemeClr val="bg1">
+              <a:lumMod val="50000"/>
+            </a:schemeClr>
+          </a:solidFill>
+          <a:ln>
+            <a:noFill/>
           </a:ln>
         </p:spPr>
         <p:style>
@@ -11014,7 +12212,7 @@
         </p:nvSpPr>
         <p:spPr bwMode="auto">
           <a:xfrm>
-            <a:off x="2238946" y="1427273"/>
+            <a:off x="-7206806" y="6550342"/>
             <a:ext cx="12192000" cy="457200"/>
           </a:xfrm>
           <a:prstGeom prst="rect">
@@ -11096,7 +12294,7 @@
         </p:blipFill>
         <p:spPr bwMode="auto">
           <a:xfrm>
-            <a:off x="1568006" y="1811099"/>
+            <a:off x="809308" y="1811099"/>
             <a:ext cx="8385048" cy="4860469"/>
           </a:xfrm>
           <a:prstGeom prst="rect">
@@ -11114,6 +12312,150 @@
           </a:extLst>
         </p:spPr>
       </p:pic>
+      <p:sp>
+        <p:nvSpPr>
+          <p:cNvPr id="2" name="직사각형 1">
+            <a:extLst>
+              <a:ext uri="{FF2B5EF4-FFF2-40B4-BE49-F238E27FC236}">
+                <a16:creationId xmlns:a16="http://schemas.microsoft.com/office/drawing/2014/main" id="{6DE666EB-90D6-4894-AAD9-B1E01B1E1CE3}"/>
+              </a:ext>
+            </a:extLst>
+          </p:cNvPr>
+          <p:cNvSpPr/>
+          <p:nvPr/>
+        </p:nvSpPr>
+        <p:spPr>
+          <a:xfrm>
+            <a:off x="6346190" y="4387344"/>
+            <a:ext cx="2999232" cy="2359152"/>
+          </a:xfrm>
+          <a:prstGeom prst="rect">
+            <a:avLst/>
+          </a:prstGeom>
+          <a:noFill/>
+          <a:ln w="38100">
+            <a:solidFill>
+              <a:srgbClr val="FF0000"/>
+            </a:solidFill>
+          </a:ln>
+        </p:spPr>
+        <p:style>
+          <a:lnRef idx="2">
+            <a:schemeClr val="accent1">
+              <a:shade val="50000"/>
+            </a:schemeClr>
+          </a:lnRef>
+          <a:fillRef idx="1">
+            <a:schemeClr val="accent1"/>
+          </a:fillRef>
+          <a:effectRef idx="0">
+            <a:schemeClr val="accent1"/>
+          </a:effectRef>
+          <a:fontRef idx="minor">
+            <a:schemeClr val="lt1"/>
+          </a:fontRef>
+        </p:style>
+        <p:txBody>
+          <a:bodyPr rtlCol="0" anchor="ctr"/>
+          <a:lstStyle/>
+          <a:p>
+            <a:pPr algn="ctr"/>
+            <a:endParaRPr lang="ko-KR" altLang="en-US"/>
+          </a:p>
+        </p:txBody>
+      </p:sp>
+      <p:sp>
+        <p:nvSpPr>
+          <p:cNvPr id="3" name="화살표: 오른쪽 2">
+            <a:extLst>
+              <a:ext uri="{FF2B5EF4-FFF2-40B4-BE49-F238E27FC236}">
+                <a16:creationId xmlns:a16="http://schemas.microsoft.com/office/drawing/2014/main" id="{67C6A784-C6E3-451F-9EAD-EEBB846FC684}"/>
+              </a:ext>
+            </a:extLst>
+          </p:cNvPr>
+          <p:cNvSpPr/>
+          <p:nvPr/>
+        </p:nvSpPr>
+        <p:spPr>
+          <a:xfrm>
+            <a:off x="9500870" y="5365752"/>
+            <a:ext cx="466344" cy="630936"/>
+          </a:xfrm>
+          <a:prstGeom prst="rightArrow">
+            <a:avLst/>
+          </a:prstGeom>
+        </p:spPr>
+        <p:style>
+          <a:lnRef idx="2">
+            <a:schemeClr val="accent1">
+              <a:shade val="50000"/>
+            </a:schemeClr>
+          </a:lnRef>
+          <a:fillRef idx="1">
+            <a:schemeClr val="accent1"/>
+          </a:fillRef>
+          <a:effectRef idx="0">
+            <a:schemeClr val="accent1"/>
+          </a:effectRef>
+          <a:fontRef idx="minor">
+            <a:schemeClr val="lt1"/>
+          </a:fontRef>
+        </p:style>
+        <p:txBody>
+          <a:bodyPr rtlCol="0" anchor="ctr"/>
+          <a:lstStyle/>
+          <a:p>
+            <a:pPr algn="ctr"/>
+            <a:endParaRPr lang="ko-KR" altLang="en-US"/>
+          </a:p>
+        </p:txBody>
+      </p:sp>
+      <p:sp>
+        <p:nvSpPr>
+          <p:cNvPr id="5" name="TextBox 4">
+            <a:extLst>
+              <a:ext uri="{FF2B5EF4-FFF2-40B4-BE49-F238E27FC236}">
+                <a16:creationId xmlns:a16="http://schemas.microsoft.com/office/drawing/2014/main" id="{830419E6-E08C-4BA4-AE4A-E0C9764FE49E}"/>
+              </a:ext>
+            </a:extLst>
+          </p:cNvPr>
+          <p:cNvSpPr txBox="1"/>
+          <p:nvPr/>
+        </p:nvSpPr>
+        <p:spPr>
+          <a:xfrm>
+            <a:off x="10122662" y="5250333"/>
+            <a:ext cx="2163638" cy="861774"/>
+          </a:xfrm>
+          <a:prstGeom prst="rect">
+            <a:avLst/>
+          </a:prstGeom>
+          <a:noFill/>
+        </p:spPr>
+        <p:txBody>
+          <a:bodyPr wrap="square" rtlCol="0">
+            <a:spAutoFit/>
+          </a:bodyPr>
+          <a:lstStyle/>
+          <a:p>
+            <a:r>
+              <a:rPr lang="en-US" altLang="ko-KR" sz="2500" b="1" dirty="0"/>
+              <a:t>unseen</a:t>
+            </a:r>
+            <a:r>
+              <a:rPr lang="ko-KR" altLang="en-US" sz="2500" b="1" dirty="0"/>
+              <a:t>에도</a:t>
+            </a:r>
+            <a:endParaRPr lang="en-US" altLang="ko-KR" sz="2500" b="1" dirty="0"/>
+          </a:p>
+          <a:p>
+            <a:r>
+              <a:rPr lang="ko-KR" altLang="en-US" sz="2500" b="1" dirty="0"/>
+              <a:t>좋은 성능</a:t>
+            </a:r>
+          </a:p>
+        </p:txBody>
+      </p:sp>
     </p:spTree>
     <p:extLst>
       <p:ext uri="{BB962C8B-B14F-4D97-AF65-F5344CB8AC3E}">
@@ -11314,7 +12656,9 @@
             <a:r>
               <a:rPr lang="en-US" altLang="ko-KR" b="1" i="0" dirty="0" err="1">
                 <a:solidFill>
-                  <a:srgbClr val="24292E"/>
+                  <a:schemeClr val="bg1">
+                    <a:lumMod val="50000"/>
+                  </a:schemeClr>
                 </a:solidFill>
                 <a:effectLst/>
                 <a:latin typeface="-apple-system"/>
@@ -11324,7 +12668,9 @@
             <a:r>
               <a:rPr lang="en-US" altLang="ko-KR" b="1" i="0" dirty="0">
                 <a:solidFill>
-                  <a:srgbClr val="24292E"/>
+                  <a:schemeClr val="bg1">
+                    <a:lumMod val="50000"/>
+                  </a:schemeClr>
                 </a:solidFill>
                 <a:effectLst/>
                 <a:latin typeface="-apple-system"/>
@@ -11334,13 +12680,21 @@
           </a:p>
           <a:p>
             <a:r>
-              <a:rPr lang="en-US" altLang="ko-KR" dirty="0"/>
+              <a:rPr lang="en-US" altLang="ko-KR" dirty="0">
+                <a:solidFill>
+                  <a:schemeClr val="bg1">
+                    <a:lumMod val="50000"/>
+                  </a:schemeClr>
+                </a:solidFill>
+              </a:rPr>
               <a:t>-</a:t>
             </a:r>
             <a:r>
               <a:rPr lang="en-US" altLang="ko-KR" sz="1200" u="sng" kern="0" spc="0" dirty="0">
                 <a:solidFill>
-                  <a:srgbClr val="0000FF"/>
+                  <a:schemeClr val="bg1">
+                    <a:lumMod val="50000"/>
+                  </a:schemeClr>
                 </a:solidFill>
                 <a:effectLst/>
                 <a:uFill>
@@ -11354,10 +12708,22 @@
               <a:t> </a:t>
             </a:r>
             <a:r>
-              <a:rPr lang="en-US" altLang="ko-KR" sz="1200" dirty="0"/>
+              <a:rPr lang="en-US" altLang="ko-KR" sz="1200" dirty="0">
+                <a:solidFill>
+                  <a:schemeClr val="bg1">
+                    <a:lumMod val="50000"/>
+                  </a:schemeClr>
+                </a:solidFill>
+              </a:rPr>
               <a:t>https://github.com/raghavchalapathy/oc-nn</a:t>
             </a:r>
-            <a:endParaRPr lang="ko-KR" altLang="en-US" sz="1200" dirty="0"/>
+            <a:endParaRPr lang="ko-KR" altLang="en-US" sz="1200" dirty="0">
+              <a:solidFill>
+                <a:schemeClr val="bg1">
+                  <a:lumMod val="50000"/>
+                </a:schemeClr>
+              </a:solidFill>
+            </a:endParaRPr>
           </a:p>
         </p:txBody>
       </p:sp>
@@ -11390,26 +12756,62 @@
           <a:lstStyle/>
           <a:p>
             <a:r>
-              <a:rPr lang="en-US" altLang="ko-KR" b="1" dirty="0"/>
+              <a:rPr lang="en-US" altLang="ko-KR" b="1" dirty="0">
+                <a:solidFill>
+                  <a:schemeClr val="bg1">
+                    <a:lumMod val="50000"/>
+                  </a:schemeClr>
+                </a:solidFill>
+              </a:rPr>
               <a:t>Paper</a:t>
             </a:r>
           </a:p>
           <a:p>
             <a:r>
-              <a:rPr lang="en-US" altLang="ko-KR" dirty="0"/>
+              <a:rPr lang="en-US" altLang="ko-KR" dirty="0">
+                <a:solidFill>
+                  <a:schemeClr val="bg1">
+                    <a:lumMod val="50000"/>
+                  </a:schemeClr>
+                </a:solidFill>
+              </a:rPr>
               <a:t>- </a:t>
             </a:r>
             <a:r>
-              <a:rPr lang="en-US" altLang="ko-KR" sz="1200" dirty="0"/>
+              <a:rPr lang="en-US" altLang="ko-KR" sz="1200" dirty="0">
+                <a:solidFill>
+                  <a:schemeClr val="bg1">
+                    <a:lumMod val="50000"/>
+                  </a:schemeClr>
+                </a:solidFill>
+              </a:rPr>
               <a:t>https://arxiv.org/pdf/1802.06360.pdf</a:t>
             </a:r>
-            <a:endParaRPr lang="ko-KR" altLang="en-US" sz="1200" dirty="0"/>
-          </a:p>
-          <a:p>
-            <a:endParaRPr lang="ko-KR" altLang="en-US" sz="1200" dirty="0"/>
-          </a:p>
-          <a:p>
-            <a:endParaRPr lang="ko-KR" altLang="en-US" sz="1200" dirty="0"/>
+            <a:endParaRPr lang="ko-KR" altLang="en-US" sz="1200" dirty="0">
+              <a:solidFill>
+                <a:schemeClr val="bg1">
+                  <a:lumMod val="50000"/>
+                </a:schemeClr>
+              </a:solidFill>
+            </a:endParaRPr>
+          </a:p>
+          <a:p>
+            <a:endParaRPr lang="ko-KR" altLang="en-US" sz="1200" dirty="0">
+              <a:solidFill>
+                <a:schemeClr val="bg1">
+                  <a:lumMod val="50000"/>
+                </a:schemeClr>
+              </a:solidFill>
+            </a:endParaRPr>
+          </a:p>
+          <a:p>
+            <a:endParaRPr lang="ko-KR" altLang="en-US" sz="1200" dirty="0">
+              <a:solidFill>
+                <a:schemeClr val="bg1">
+                  <a:lumMod val="50000"/>
+                </a:schemeClr>
+              </a:solidFill>
+            </a:endParaRPr>
           </a:p>
         </p:txBody>
       </p:sp>
@@ -12119,6 +13521,102 @@
           </a:p>
         </p:txBody>
       </p:sp>
+      <p:sp>
+        <p:nvSpPr>
+          <p:cNvPr id="2" name="화살표: 오른쪽 1">
+            <a:extLst>
+              <a:ext uri="{FF2B5EF4-FFF2-40B4-BE49-F238E27FC236}">
+                <a16:creationId xmlns:a16="http://schemas.microsoft.com/office/drawing/2014/main" id="{44EAA0E9-93B6-4F2D-9650-041FE3CC02A4}"/>
+              </a:ext>
+            </a:extLst>
+          </p:cNvPr>
+          <p:cNvSpPr/>
+          <p:nvPr/>
+        </p:nvSpPr>
+        <p:spPr>
+          <a:xfrm>
+            <a:off x="8430768" y="2831592"/>
+            <a:ext cx="521202" cy="754715"/>
+          </a:xfrm>
+          <a:prstGeom prst="rightArrow">
+            <a:avLst/>
+          </a:prstGeom>
+        </p:spPr>
+        <p:style>
+          <a:lnRef idx="2">
+            <a:schemeClr val="accent1">
+              <a:shade val="50000"/>
+            </a:schemeClr>
+          </a:lnRef>
+          <a:fillRef idx="1">
+            <a:schemeClr val="accent1"/>
+          </a:fillRef>
+          <a:effectRef idx="0">
+            <a:schemeClr val="accent1"/>
+          </a:effectRef>
+          <a:fontRef idx="minor">
+            <a:schemeClr val="lt1"/>
+          </a:fontRef>
+        </p:style>
+        <p:txBody>
+          <a:bodyPr rtlCol="0" anchor="ctr"/>
+          <a:lstStyle/>
+          <a:p>
+            <a:pPr algn="ctr"/>
+            <a:endParaRPr lang="ko-KR" altLang="en-US"/>
+          </a:p>
+        </p:txBody>
+      </p:sp>
+      <p:sp>
+        <p:nvSpPr>
+          <p:cNvPr id="3" name="TextBox 2">
+            <a:extLst>
+              <a:ext uri="{FF2B5EF4-FFF2-40B4-BE49-F238E27FC236}">
+                <a16:creationId xmlns:a16="http://schemas.microsoft.com/office/drawing/2014/main" id="{052998F1-EB73-428F-AB84-71D47CFCF018}"/>
+              </a:ext>
+            </a:extLst>
+          </p:cNvPr>
+          <p:cNvSpPr txBox="1"/>
+          <p:nvPr/>
+        </p:nvSpPr>
+        <p:spPr>
+          <a:xfrm>
+            <a:off x="9216131" y="2819182"/>
+            <a:ext cx="1741932" cy="646331"/>
+          </a:xfrm>
+          <a:prstGeom prst="rect">
+            <a:avLst/>
+          </a:prstGeom>
+          <a:noFill/>
+        </p:spPr>
+        <p:txBody>
+          <a:bodyPr wrap="square" rtlCol="0">
+            <a:spAutoFit/>
+          </a:bodyPr>
+          <a:lstStyle/>
+          <a:p>
+            <a:r>
+              <a:rPr lang="en-US" altLang="ko-KR" b="1" dirty="0"/>
+              <a:t>Embedding</a:t>
+            </a:r>
+            <a:r>
+              <a:rPr lang="ko-KR" altLang="en-US" b="1" dirty="0"/>
+              <a:t>에 </a:t>
+            </a:r>
+            <a:endParaRPr lang="en-US" altLang="ko-KR" b="1" dirty="0"/>
+          </a:p>
+          <a:p>
+            <a:r>
+              <a:rPr lang="en-US" altLang="ko-KR" b="1" dirty="0"/>
+              <a:t>AE </a:t>
+            </a:r>
+            <a:r>
+              <a:rPr lang="ko-KR" altLang="en-US" b="1" dirty="0"/>
+              <a:t>이용</a:t>
+            </a:r>
+          </a:p>
+        </p:txBody>
+      </p:sp>
     </p:spTree>
     <p:extLst>
       <p:ext uri="{BB962C8B-B14F-4D97-AF65-F5344CB8AC3E}">
@@ -12356,11 +13854,11 @@
           <a:p>
             <a:pPr algn="ctr"/>
             <a:r>
-              <a:rPr lang="en-US" altLang="ko-KR" dirty="0"/>
+              <a:rPr lang="en-US" altLang="ko-KR" b="1" dirty="0"/>
               <a:t>AE </a:t>
             </a:r>
             <a:r>
-              <a:rPr lang="ko-KR" altLang="en-US" dirty="0"/>
+              <a:rPr lang="ko-KR" altLang="en-US" b="1" dirty="0"/>
               <a:t>학습 후</a:t>
             </a:r>
             <a:r>
@@ -12373,7 +13871,15 @@
             </a:r>
             <a:r>
               <a:rPr lang="ko-KR" altLang="en-US" dirty="0"/>
-              <a:t> 전이학습 하여 </a:t>
+              <a:t> </a:t>
+            </a:r>
+            <a:r>
+              <a:rPr lang="ko-KR" altLang="en-US" b="1" dirty="0"/>
+              <a:t>전이학습</a:t>
+            </a:r>
+            <a:r>
+              <a:rPr lang="ko-KR" altLang="en-US" dirty="0"/>
+              <a:t> 하여 </a:t>
             </a:r>
             <a:r>
               <a:rPr lang="en-US" altLang="ko-KR" dirty="0"/>
@@ -12381,7 +13887,11 @@
             </a:r>
             <a:r>
               <a:rPr lang="ko-KR" altLang="en-US" dirty="0"/>
-              <a:t>에 이용 </a:t>
+              <a:t>에 </a:t>
+            </a:r>
+            <a:r>
+              <a:rPr lang="ko-KR" altLang="en-US" b="1" dirty="0"/>
+              <a:t>이용 </a:t>
             </a:r>
           </a:p>
         </p:txBody>
@@ -12467,19 +13977,19 @@
           <a:lstStyle/>
           <a:p>
             <a:r>
-              <a:rPr lang="en-US" altLang="ko-KR"/>
+              <a:rPr lang="en-US" altLang="ko-KR" b="1" dirty="0"/>
               <a:t>Pre-training</a:t>
             </a:r>
-            <a:endParaRPr lang="ko-KR" altLang="en-US" dirty="0"/>
-          </a:p>
-        </p:txBody>
-      </p:sp>
-      <p:sp>
-        <p:nvSpPr>
-          <p:cNvPr id="5" name="직사각형 4">
-            <a:extLst>
-              <a:ext uri="{FF2B5EF4-FFF2-40B4-BE49-F238E27FC236}">
-                <a16:creationId xmlns:a16="http://schemas.microsoft.com/office/drawing/2014/main" id="{C35ACC43-66C0-4FC1-84E7-889BEA49A54A}"/>
+            <a:endParaRPr lang="ko-KR" altLang="en-US" b="1" dirty="0"/>
+          </a:p>
+        </p:txBody>
+      </p:sp>
+      <p:sp>
+        <p:nvSpPr>
+          <p:cNvPr id="11" name="직사각형 10">
+            <a:extLst>
+              <a:ext uri="{FF2B5EF4-FFF2-40B4-BE49-F238E27FC236}">
+                <a16:creationId xmlns:a16="http://schemas.microsoft.com/office/drawing/2014/main" id="{C072AF26-5108-4A3D-963C-58F0F5F599B9}"/>
               </a:ext>
             </a:extLst>
           </p:cNvPr>
@@ -12488,17 +13998,17 @@
         </p:nvSpPr>
         <p:spPr>
           <a:xfrm>
-            <a:off x="7242048" y="2727833"/>
-            <a:ext cx="1362456" cy="477054"/>
+            <a:off x="6254496" y="1787068"/>
+            <a:ext cx="5523153" cy="3489782"/>
           </a:xfrm>
           <a:prstGeom prst="rect">
             <a:avLst/>
           </a:prstGeom>
-          <a:solidFill>
-            <a:schemeClr val="bg1"/>
-          </a:solidFill>
-          <a:ln>
-            <a:noFill/>
+          <a:noFill/>
+          <a:ln w="28575">
+            <a:solidFill>
+              <a:srgbClr val="FF0000"/>
+            </a:solidFill>
           </a:ln>
         </p:spPr>
         <p:style>
@@ -12523,6 +14033,45 @@
           <a:p>
             <a:pPr algn="ctr"/>
             <a:endParaRPr lang="ko-KR" altLang="en-US"/>
+          </a:p>
+        </p:txBody>
+      </p:sp>
+      <p:sp>
+        <p:nvSpPr>
+          <p:cNvPr id="12" name="TextBox 11">
+            <a:extLst>
+              <a:ext uri="{FF2B5EF4-FFF2-40B4-BE49-F238E27FC236}">
+                <a16:creationId xmlns:a16="http://schemas.microsoft.com/office/drawing/2014/main" id="{B576494D-91F2-4968-A981-CF7D3FA665C9}"/>
+              </a:ext>
+            </a:extLst>
+          </p:cNvPr>
+          <p:cNvSpPr txBox="1"/>
+          <p:nvPr/>
+        </p:nvSpPr>
+        <p:spPr>
+          <a:xfrm>
+            <a:off x="6385383" y="1862290"/>
+            <a:ext cx="1620141" cy="369332"/>
+          </a:xfrm>
+          <a:prstGeom prst="rect">
+            <a:avLst/>
+          </a:prstGeom>
+          <a:noFill/>
+        </p:spPr>
+        <p:txBody>
+          <a:bodyPr wrap="square" rtlCol="0">
+            <a:spAutoFit/>
+          </a:bodyPr>
+          <a:lstStyle/>
+          <a:p>
+            <a:r>
+              <a:rPr lang="en-US" altLang="ko-KR" b="1" dirty="0"/>
+              <a:t>AE </a:t>
+            </a:r>
+            <a:r>
+              <a:rPr lang="ko-KR" altLang="en-US" b="1" dirty="0"/>
+              <a:t>모델</a:t>
+            </a:r>
           </a:p>
         </p:txBody>
       </p:sp>
@@ -12887,7 +14436,7 @@
         </p:nvSpPr>
         <p:spPr>
           <a:xfrm>
-            <a:off x="841248" y="1884473"/>
+            <a:off x="839788" y="1911339"/>
             <a:ext cx="1536192" cy="384048"/>
           </a:xfrm>
           <a:prstGeom prst="rect">
@@ -12903,7 +14452,7 @@
           <a:p>
             <a:r>
               <a:rPr lang="en-US" altLang="ko-KR" dirty="0"/>
-              <a:t>Objective : </a:t>
+              <a:t>Objective : - </a:t>
             </a:r>
             <a:endParaRPr lang="ko-KR" altLang="en-US" dirty="0"/>
           </a:p>
@@ -13179,53 +14728,6 @@
           </a:p>
         </p:txBody>
       </p:sp>
-      <p:pic>
-        <p:nvPicPr>
-          <p:cNvPr id="3073" name="_x341183144">
-            <a:extLst>
-              <a:ext uri="{FF2B5EF4-FFF2-40B4-BE49-F238E27FC236}">
-                <a16:creationId xmlns:a16="http://schemas.microsoft.com/office/drawing/2014/main" id="{7A8EFA5D-4AEE-4259-9F3F-8746B379C36A}"/>
-              </a:ext>
-            </a:extLst>
-          </p:cNvPr>
-          <p:cNvPicPr>
-            <a:picLocks noChangeAspect="1" noChangeArrowheads="1"/>
-          </p:cNvPicPr>
-          <p:nvPr/>
-        </p:nvPicPr>
-        <p:blipFill>
-          <a:blip r:embed="rId5">
-            <a:extLst>
-              <a:ext uri="{28A0092B-C50C-407E-A947-70E740481C1C}">
-                <a14:useLocalDpi xmlns:a14="http://schemas.microsoft.com/office/drawing/2010/main" val="0"/>
-              </a:ext>
-            </a:extLst>
-          </a:blip>
-          <a:srcRect/>
-          <a:stretch>
-            <a:fillRect/>
-          </a:stretch>
-        </p:blipFill>
-        <p:spPr bwMode="auto">
-          <a:xfrm>
-            <a:off x="2238946" y="1768717"/>
-            <a:ext cx="8386250" cy="759249"/>
-          </a:xfrm>
-          <a:prstGeom prst="rect">
-            <a:avLst/>
-          </a:prstGeom>
-          <a:noFill/>
-          <a:extLst>
-            <a:ext uri="{909E8E84-426E-40DD-AFC4-6F175D3DCCD1}">
-              <a14:hiddenFill xmlns:a14="http://schemas.microsoft.com/office/drawing/2010/main">
-                <a:solidFill>
-                  <a:srgbClr val="FFFFFF"/>
-                </a:solidFill>
-              </a14:hiddenFill>
-            </a:ext>
-          </a:extLst>
-        </p:spPr>
-      </p:pic>
       <p:sp>
         <p:nvSpPr>
           <p:cNvPr id="22" name="TextBox 21">
@@ -13258,7 +14760,9 @@
             <a:r>
               <a:rPr lang="en-US" altLang="ko-KR" b="1" i="0" dirty="0" err="1">
                 <a:solidFill>
-                  <a:srgbClr val="24292E"/>
+                  <a:schemeClr val="bg1">
+                    <a:lumMod val="50000"/>
+                  </a:schemeClr>
                 </a:solidFill>
                 <a:effectLst/>
                 <a:latin typeface="-apple-system"/>
@@ -13268,7 +14772,9 @@
             <a:r>
               <a:rPr lang="en-US" altLang="ko-KR" b="1" i="0" dirty="0">
                 <a:solidFill>
-                  <a:srgbClr val="24292E"/>
+                  <a:schemeClr val="bg1">
+                    <a:lumMod val="50000"/>
+                  </a:schemeClr>
                 </a:solidFill>
                 <a:effectLst/>
                 <a:latin typeface="-apple-system"/>
@@ -13278,13 +14784,21 @@
           </a:p>
           <a:p>
             <a:r>
-              <a:rPr lang="en-US" altLang="ko-KR" dirty="0"/>
+              <a:rPr lang="en-US" altLang="ko-KR" dirty="0">
+                <a:solidFill>
+                  <a:schemeClr val="bg1">
+                    <a:lumMod val="50000"/>
+                  </a:schemeClr>
+                </a:solidFill>
+              </a:rPr>
               <a:t>-</a:t>
             </a:r>
             <a:r>
               <a:rPr lang="en-US" altLang="ko-KR" sz="1200" u="sng" kern="0" spc="0" dirty="0">
                 <a:solidFill>
-                  <a:srgbClr val="0000FF"/>
+                  <a:schemeClr val="bg1">
+                    <a:lumMod val="50000"/>
+                  </a:schemeClr>
                 </a:solidFill>
                 <a:effectLst/>
                 <a:uFill>
@@ -13297,7 +14811,13 @@
               </a:rPr>
               <a:t> https://github.com/lukasruff/Deep-SAD-PyTorch</a:t>
             </a:r>
-            <a:endParaRPr lang="ko-KR" altLang="en-US" sz="1200" dirty="0"/>
+            <a:endParaRPr lang="ko-KR" altLang="en-US" sz="1200" dirty="0">
+              <a:solidFill>
+                <a:schemeClr val="bg1">
+                  <a:lumMod val="50000"/>
+                </a:schemeClr>
+              </a:solidFill>
+            </a:endParaRPr>
           </a:p>
         </p:txBody>
       </p:sp>
@@ -13330,23 +14850,53 @@
           <a:lstStyle/>
           <a:p>
             <a:r>
-              <a:rPr lang="en-US" altLang="ko-KR" b="1" dirty="0"/>
+              <a:rPr lang="en-US" altLang="ko-KR" b="1" dirty="0">
+                <a:solidFill>
+                  <a:schemeClr val="bg1">
+                    <a:lumMod val="50000"/>
+                  </a:schemeClr>
+                </a:solidFill>
+              </a:rPr>
               <a:t>Paper</a:t>
             </a:r>
           </a:p>
           <a:p>
             <a:r>
-              <a:rPr lang="en-US" altLang="ko-KR" dirty="0"/>
+              <a:rPr lang="en-US" altLang="ko-KR" dirty="0">
+                <a:solidFill>
+                  <a:schemeClr val="bg1">
+                    <a:lumMod val="50000"/>
+                  </a:schemeClr>
+                </a:solidFill>
+              </a:rPr>
               <a:t>- </a:t>
             </a:r>
             <a:r>
-              <a:rPr lang="en-US" altLang="ko-KR" sz="1200" dirty="0"/>
+              <a:rPr lang="en-US" altLang="ko-KR" sz="1200" dirty="0">
+                <a:solidFill>
+                  <a:schemeClr val="bg1">
+                    <a:lumMod val="50000"/>
+                  </a:schemeClr>
+                </a:solidFill>
+              </a:rPr>
               <a:t>http://data.bit.uni-bonn.de/publications/ICML2018.pdf</a:t>
             </a:r>
-            <a:endParaRPr lang="ko-KR" altLang="en-US" sz="1200" dirty="0"/>
-          </a:p>
-          <a:p>
-            <a:endParaRPr lang="ko-KR" altLang="en-US" sz="1200" dirty="0"/>
+            <a:endParaRPr lang="ko-KR" altLang="en-US" sz="1200" dirty="0">
+              <a:solidFill>
+                <a:schemeClr val="bg1">
+                  <a:lumMod val="50000"/>
+                </a:schemeClr>
+              </a:solidFill>
+            </a:endParaRPr>
+          </a:p>
+          <a:p>
+            <a:endParaRPr lang="ko-KR" altLang="en-US" sz="1200" dirty="0">
+              <a:solidFill>
+                <a:schemeClr val="bg1">
+                  <a:lumMod val="50000"/>
+                </a:schemeClr>
+              </a:solidFill>
+            </a:endParaRPr>
           </a:p>
         </p:txBody>
       </p:sp>
@@ -13608,6 +15158,99 @@
           <a:p>
             <a:pPr algn="ctr"/>
             <a:endParaRPr lang="ko-KR" altLang="en-US" dirty="0"/>
+          </a:p>
+        </p:txBody>
+      </p:sp>
+      <p:sp>
+        <p:nvSpPr>
+          <p:cNvPr id="29" name="화살표: 오른쪽 28">
+            <a:extLst>
+              <a:ext uri="{FF2B5EF4-FFF2-40B4-BE49-F238E27FC236}">
+                <a16:creationId xmlns:a16="http://schemas.microsoft.com/office/drawing/2014/main" id="{402F257C-09EA-492F-B963-C06D3514629D}"/>
+              </a:ext>
+            </a:extLst>
+          </p:cNvPr>
+          <p:cNvSpPr/>
+          <p:nvPr/>
+        </p:nvSpPr>
+        <p:spPr>
+          <a:xfrm>
+            <a:off x="8430768" y="2831592"/>
+            <a:ext cx="521202" cy="754715"/>
+          </a:xfrm>
+          <a:prstGeom prst="rightArrow">
+            <a:avLst/>
+          </a:prstGeom>
+        </p:spPr>
+        <p:style>
+          <a:lnRef idx="2">
+            <a:schemeClr val="accent1">
+              <a:shade val="50000"/>
+            </a:schemeClr>
+          </a:lnRef>
+          <a:fillRef idx="1">
+            <a:schemeClr val="accent1"/>
+          </a:fillRef>
+          <a:effectRef idx="0">
+            <a:schemeClr val="accent1"/>
+          </a:effectRef>
+          <a:fontRef idx="minor">
+            <a:schemeClr val="lt1"/>
+          </a:fontRef>
+        </p:style>
+        <p:txBody>
+          <a:bodyPr rtlCol="0" anchor="ctr"/>
+          <a:lstStyle/>
+          <a:p>
+            <a:pPr algn="ctr"/>
+            <a:endParaRPr lang="ko-KR" altLang="en-US"/>
+          </a:p>
+        </p:txBody>
+      </p:sp>
+      <p:sp>
+        <p:nvSpPr>
+          <p:cNvPr id="30" name="TextBox 29">
+            <a:extLst>
+              <a:ext uri="{FF2B5EF4-FFF2-40B4-BE49-F238E27FC236}">
+                <a16:creationId xmlns:a16="http://schemas.microsoft.com/office/drawing/2014/main" id="{E020AC00-9C4E-4F13-8F7A-64C6D2EA6EB3}"/>
+              </a:ext>
+            </a:extLst>
+          </p:cNvPr>
+          <p:cNvSpPr txBox="1"/>
+          <p:nvPr/>
+        </p:nvSpPr>
+        <p:spPr>
+          <a:xfrm>
+            <a:off x="9216131" y="2918400"/>
+            <a:ext cx="1741932" cy="646331"/>
+          </a:xfrm>
+          <a:prstGeom prst="rect">
+            <a:avLst/>
+          </a:prstGeom>
+          <a:noFill/>
+        </p:spPr>
+        <p:txBody>
+          <a:bodyPr wrap="square" rtlCol="0">
+            <a:spAutoFit/>
+          </a:bodyPr>
+          <a:lstStyle/>
+          <a:p>
+            <a:r>
+              <a:rPr lang="en-US" altLang="ko-KR" b="1" dirty="0"/>
+              <a:t>AE</a:t>
+            </a:r>
+            <a:r>
+              <a:rPr lang="ko-KR" altLang="en-US" b="1" dirty="0"/>
+              <a:t>와 </a:t>
+            </a:r>
+            <a:r>
+              <a:rPr lang="en-US" altLang="ko-KR" b="1" dirty="0"/>
+              <a:t>SAD</a:t>
+            </a:r>
+            <a:r>
+              <a:rPr lang="ko-KR" altLang="en-US" b="1" dirty="0"/>
+              <a:t>를 결합</a:t>
+            </a:r>
           </a:p>
         </p:txBody>
       </p:sp>
@@ -14902,7 +16545,7 @@
         <p:spPr>
           <a:xfrm>
             <a:off x="1170432" y="2139696"/>
-            <a:ext cx="9546336" cy="923330"/>
+            <a:ext cx="9546336" cy="1631216"/>
           </a:xfrm>
           <a:prstGeom prst="rect">
             <a:avLst/>
@@ -14920,37 +16563,53 @@
               <a:buChar char="-"/>
             </a:pPr>
             <a:r>
-              <a:rPr lang="en-US" altLang="ko-KR" dirty="0"/>
+              <a:rPr lang="en-US" altLang="ko-KR" sz="2500" b="1" dirty="0"/>
               <a:t>OC – SVM </a:t>
             </a:r>
             <a:r>
-              <a:rPr lang="ko-KR" altLang="en-US" dirty="0"/>
-              <a:t>기반의 </a:t>
-            </a:r>
-            <a:r>
-              <a:rPr lang="en-US" altLang="ko-KR" dirty="0"/>
+              <a:rPr lang="ko-KR" altLang="en-US" sz="2500" b="1" dirty="0"/>
+              <a:t>기반</a:t>
+            </a:r>
+            <a:r>
+              <a:rPr lang="ko-KR" altLang="en-US" sz="2500" dirty="0"/>
+              <a:t>의</a:t>
+            </a:r>
+            <a:r>
+              <a:rPr lang="ko-KR" altLang="en-US" sz="2500" b="1" dirty="0"/>
+              <a:t> </a:t>
+            </a:r>
+            <a:r>
+              <a:rPr lang="en-US" altLang="ko-KR" sz="2500" dirty="0"/>
               <a:t>Deep</a:t>
             </a:r>
             <a:r>
-              <a:rPr lang="ko-KR" altLang="en-US" dirty="0"/>
+              <a:rPr lang="ko-KR" altLang="en-US" sz="2500" dirty="0"/>
               <a:t>한 방법</a:t>
             </a:r>
             <a:r>
-              <a:rPr lang="en-US" altLang="ko-KR" dirty="0"/>
+              <a:rPr lang="en-US" altLang="ko-KR" sz="2500" dirty="0"/>
               <a:t>, shallow</a:t>
             </a:r>
             <a:r>
-              <a:rPr lang="ko-KR" altLang="en-US" dirty="0"/>
-              <a:t>한 방법 성능 평가 후 적용 검토</a:t>
-            </a:r>
-            <a:endParaRPr lang="en-US" altLang="ko-KR" dirty="0"/>
+              <a:rPr lang="ko-KR" altLang="en-US" sz="2500" dirty="0"/>
+              <a:t>한 방법 </a:t>
+            </a:r>
+            <a:r>
+              <a:rPr lang="ko-KR" altLang="en-US" sz="2500" b="1" dirty="0"/>
+              <a:t>성능 평가 </a:t>
+            </a:r>
+            <a:r>
+              <a:rPr lang="ko-KR" altLang="en-US" sz="2500" dirty="0"/>
+              <a:t>후 적용 검토</a:t>
+            </a:r>
+            <a:endParaRPr lang="en-US" altLang="ko-KR" sz="2500" dirty="0"/>
           </a:p>
           <a:p>
             <a:pPr marL="285750" indent="-285750">
               <a:buFontTx/>
               <a:buChar char="-"/>
             </a:pPr>
-            <a:endParaRPr lang="en-US" altLang="ko-KR" dirty="0"/>
+            <a:endParaRPr lang="en-US" altLang="ko-KR" sz="2500" dirty="0"/>
           </a:p>
           <a:p>
             <a:pPr marL="285750" indent="-285750">
@@ -14958,24 +16617,36 @@
               <a:buChar char="-"/>
             </a:pPr>
             <a:r>
-              <a:rPr lang="ko-KR" altLang="en-US" dirty="0"/>
+              <a:rPr lang="ko-KR" altLang="en-US" sz="2500" dirty="0"/>
               <a:t>후에</a:t>
             </a:r>
             <a:r>
-              <a:rPr lang="en-US" altLang="ko-KR" dirty="0"/>
-              <a:t> GAN</a:t>
-            </a:r>
-            <a:r>
-              <a:rPr lang="ko-KR" altLang="en-US" dirty="0"/>
+              <a:rPr lang="en-US" altLang="ko-KR" sz="2500" dirty="0"/>
+              <a:t> </a:t>
+            </a:r>
+            <a:r>
+              <a:rPr lang="en-US" altLang="ko-KR" sz="2500" b="1" dirty="0"/>
+              <a:t>GAN</a:t>
+            </a:r>
+            <a:r>
+              <a:rPr lang="ko-KR" altLang="en-US" sz="2500" dirty="0"/>
               <a:t> 이용한</a:t>
             </a:r>
             <a:r>
-              <a:rPr lang="en-US" altLang="ko-KR" dirty="0"/>
-              <a:t> Over-sampling</a:t>
-            </a:r>
-            <a:r>
-              <a:rPr lang="ko-KR" altLang="en-US" dirty="0"/>
-              <a:t> 방법도 검토</a:t>
+              <a:rPr lang="en-US" altLang="ko-KR" sz="2500" dirty="0"/>
+              <a:t> </a:t>
+            </a:r>
+            <a:r>
+              <a:rPr lang="en-US" altLang="ko-KR" sz="2500" b="1" dirty="0"/>
+              <a:t>Over-sampling</a:t>
+            </a:r>
+            <a:r>
+              <a:rPr lang="ko-KR" altLang="en-US" sz="2500" dirty="0"/>
+              <a:t> 방법도 </a:t>
+            </a:r>
+            <a:r>
+              <a:rPr lang="ko-KR" altLang="en-US" sz="2500" b="1" dirty="0"/>
+              <a:t>검토</a:t>
             </a:r>
           </a:p>
         </p:txBody>
@@ -15156,8 +16827,8 @@
         </p:nvSpPr>
         <p:spPr>
           <a:xfrm>
-            <a:off x="1170432" y="2139696"/>
-            <a:ext cx="9546336" cy="2585323"/>
+            <a:off x="1179310" y="1491627"/>
+            <a:ext cx="9546336" cy="3554819"/>
           </a:xfrm>
           <a:prstGeom prst="rect">
             <a:avLst/>
@@ -15175,29 +16846,29 @@
               <a:buChar char="-"/>
             </a:pPr>
             <a:r>
-              <a:rPr lang="ko-KR" altLang="en-US" dirty="0" err="1"/>
+              <a:rPr lang="ko-KR" altLang="en-US" sz="2500" b="1" dirty="0" err="1"/>
               <a:t>전처리</a:t>
             </a:r>
             <a:r>
-              <a:rPr lang="ko-KR" altLang="en-US" dirty="0"/>
+              <a:rPr lang="ko-KR" altLang="en-US" sz="2500" b="1" dirty="0"/>
               <a:t> </a:t>
             </a:r>
             <a:r>
-              <a:rPr lang="en-US" altLang="ko-KR" dirty="0"/>
+              <a:rPr lang="en-US" altLang="ko-KR" sz="2500" b="1" dirty="0"/>
               <a:t>pipeline </a:t>
             </a:r>
             <a:r>
-              <a:rPr lang="ko-KR" altLang="en-US" dirty="0"/>
+              <a:rPr lang="ko-KR" altLang="en-US" sz="2500" b="1" dirty="0"/>
               <a:t>구축</a:t>
             </a:r>
-            <a:endParaRPr lang="en-US" altLang="ko-KR" dirty="0"/>
+            <a:endParaRPr lang="en-US" altLang="ko-KR" sz="2500" b="1" dirty="0"/>
           </a:p>
           <a:p>
             <a:pPr marL="285750" indent="-285750">
               <a:buFontTx/>
               <a:buChar char="-"/>
             </a:pPr>
-            <a:endParaRPr lang="en-US" altLang="ko-KR" dirty="0"/>
+            <a:endParaRPr lang="en-US" altLang="ko-KR" sz="2500" b="1" dirty="0"/>
           </a:p>
           <a:p>
             <a:pPr marL="285750" indent="-285750">
@@ -15205,29 +16876,29 @@
               <a:buChar char="-"/>
             </a:pPr>
             <a:r>
-              <a:rPr lang="en-US" altLang="ko-KR" dirty="0"/>
+              <a:rPr lang="en-US" altLang="ko-KR" sz="2500" b="1" dirty="0"/>
               <a:t>Scikit learn </a:t>
             </a:r>
             <a:r>
-              <a:rPr lang="ko-KR" altLang="en-US" dirty="0"/>
+              <a:rPr lang="ko-KR" altLang="en-US" sz="2500" b="1" dirty="0"/>
               <a:t>이용 </a:t>
             </a:r>
             <a:r>
-              <a:rPr lang="en-US" altLang="ko-KR" dirty="0"/>
+              <a:rPr lang="en-US" altLang="ko-KR" sz="2500" b="1" dirty="0"/>
               <a:t>baseline</a:t>
             </a:r>
             <a:r>
-              <a:rPr lang="ko-KR" altLang="en-US" dirty="0"/>
+              <a:rPr lang="ko-KR" altLang="en-US" sz="2500" b="1" dirty="0"/>
               <a:t> 설정</a:t>
             </a:r>
-            <a:endParaRPr lang="en-US" altLang="ko-KR" dirty="0"/>
+            <a:endParaRPr lang="en-US" altLang="ko-KR" sz="2500" b="1" dirty="0"/>
           </a:p>
           <a:p>
             <a:pPr marL="285750" indent="-285750">
               <a:buFontTx/>
               <a:buChar char="-"/>
             </a:pPr>
-            <a:endParaRPr lang="en-US" altLang="ko-KR" dirty="0"/>
+            <a:endParaRPr lang="en-US" altLang="ko-KR" sz="2500" b="1" dirty="0"/>
           </a:p>
           <a:p>
             <a:pPr marL="285750" indent="-285750">
@@ -15235,23 +16906,23 @@
               <a:buChar char="-"/>
             </a:pPr>
             <a:r>
-              <a:rPr lang="en-US" altLang="ko-KR" dirty="0"/>
+              <a:rPr lang="en-US" altLang="ko-KR" sz="2500" b="1" dirty="0"/>
               <a:t>GPU </a:t>
             </a:r>
             <a:r>
-              <a:rPr lang="ko-KR" altLang="en-US" dirty="0"/>
+              <a:rPr lang="ko-KR" altLang="en-US" sz="2500" b="1" dirty="0"/>
               <a:t>서버 확보 후 </a:t>
             </a:r>
             <a:r>
-              <a:rPr lang="en-US" altLang="ko-KR" dirty="0"/>
+              <a:rPr lang="en-US" altLang="ko-KR" sz="2500" b="1" dirty="0"/>
               <a:t>deep</a:t>
             </a:r>
             <a:r>
-              <a:rPr lang="ko-KR" altLang="en-US" dirty="0"/>
+              <a:rPr lang="ko-KR" altLang="en-US" sz="2500" b="1" dirty="0"/>
               <a:t>한 방식 </a:t>
             </a:r>
             <a:r>
-              <a:rPr lang="en-US" altLang="ko-KR" dirty="0"/>
+              <a:rPr lang="en-US" altLang="ko-KR" sz="2500" b="1" dirty="0"/>
               <a:t>test</a:t>
             </a:r>
           </a:p>
@@ -15260,7 +16931,7 @@
               <a:buFontTx/>
               <a:buChar char="-"/>
             </a:pPr>
-            <a:endParaRPr lang="en-US" altLang="ko-KR" dirty="0"/>
+            <a:endParaRPr lang="en-US" altLang="ko-KR" sz="2500" b="1" dirty="0"/>
           </a:p>
           <a:p>
             <a:pPr marL="285750" indent="-285750">
@@ -15268,17 +16939,17 @@
               <a:buChar char="-"/>
             </a:pPr>
             <a:r>
-              <a:rPr lang="ko-KR" altLang="en-US" dirty="0"/>
+              <a:rPr lang="ko-KR" altLang="en-US" sz="2500" b="1" dirty="0"/>
               <a:t>성능비교</a:t>
             </a:r>
-            <a:endParaRPr lang="en-US" altLang="ko-KR" dirty="0"/>
+            <a:endParaRPr lang="en-US" altLang="ko-KR" sz="2500" b="1" dirty="0"/>
           </a:p>
           <a:p>
             <a:pPr marL="285750" indent="-285750">
               <a:buFontTx/>
               <a:buChar char="-"/>
             </a:pPr>
-            <a:endParaRPr lang="en-US" altLang="ko-KR" dirty="0"/>
+            <a:endParaRPr lang="en-US" altLang="ko-KR" sz="2500" b="1" dirty="0"/>
           </a:p>
           <a:p>
             <a:pPr marL="285750" indent="-285750">
@@ -15286,18 +16957,18 @@
               <a:buChar char="-"/>
             </a:pPr>
             <a:r>
-              <a:rPr lang="ko-KR" altLang="en-US" dirty="0"/>
+              <a:rPr lang="ko-KR" altLang="en-US" sz="2500" b="1" dirty="0"/>
               <a:t>최종 선정 모델 </a:t>
             </a:r>
             <a:r>
-              <a:rPr lang="en-US" altLang="ko-KR"/>
+              <a:rPr lang="en-US" altLang="ko-KR" sz="2500" b="1" dirty="0"/>
               <a:t>parameter</a:t>
             </a:r>
             <a:r>
-              <a:rPr lang="ko-KR" altLang="en-US"/>
+              <a:rPr lang="ko-KR" altLang="en-US" sz="2500" b="1" dirty="0"/>
               <a:t> 최적화</a:t>
             </a:r>
-            <a:endParaRPr lang="en-US" altLang="ko-KR" dirty="0"/>
+            <a:endParaRPr lang="en-US" altLang="ko-KR" sz="2500" b="1" dirty="0"/>
           </a:p>
         </p:txBody>
       </p:sp>
@@ -15767,8 +17438,8 @@
           </a:p>
         </p:txBody>
       </p:sp>
-      <mc:AlternateContent xmlns:mc="http://schemas.openxmlformats.org/markup-compatibility/2006">
-        <mc:Choice xmlns:a14="http://schemas.microsoft.com/office/drawing/2010/main" Requires="a14">
+      <mc:AlternateContent xmlns:mc="http://schemas.openxmlformats.org/markup-compatibility/2006" xmlns:a14="http://schemas.microsoft.com/office/drawing/2010/main">
+        <mc:Choice Requires="a14">
           <p:sp>
             <p:nvSpPr>
               <p:cNvPr id="2" name="TextBox 1">
@@ -15909,7 +17580,7 @@
             </p:txBody>
           </p:sp>
         </mc:Choice>
-        <mc:Fallback>
+        <mc:Fallback xmlns="">
           <p:sp>
             <p:nvSpPr>
               <p:cNvPr id="2" name="TextBox 1">

--- a/fraud_detection.pptx
+++ b/fraud_detection.pptx
@@ -30,10 +30,10 @@
     <p:sldId id="259" r:id="rId21"/>
     <p:sldId id="262" r:id="rId22"/>
     <p:sldId id="261" r:id="rId23"/>
-    <p:sldId id="286" r:id="rId24"/>
-    <p:sldId id="287" r:id="rId25"/>
-    <p:sldId id="264" r:id="rId26"/>
-    <p:sldId id="263" r:id="rId27"/>
+    <p:sldId id="264" r:id="rId24"/>
+    <p:sldId id="263" r:id="rId25"/>
+    <p:sldId id="286" r:id="rId26"/>
+    <p:sldId id="287" r:id="rId27"/>
     <p:sldId id="288" r:id="rId28"/>
     <p:sldId id="285" r:id="rId29"/>
     <p:sldId id="289" r:id="rId30"/>
@@ -196,10 +196,10 @@
             <p14:sldId id="259"/>
             <p14:sldId id="262"/>
             <p14:sldId id="261"/>
+            <p14:sldId id="264"/>
+            <p14:sldId id="263"/>
             <p14:sldId id="286"/>
             <p14:sldId id="287"/>
-            <p14:sldId id="264"/>
-            <p14:sldId id="263"/>
             <p14:sldId id="288"/>
             <p14:sldId id="285"/>
             <p14:sldId id="289"/>
@@ -313,7 +313,7 @@
           <a:p>
             <a:fld id="{715AD8CD-6691-495D-AC2D-541786E0C2FF}" type="datetimeFigureOut">
               <a:rPr lang="ko-KR" altLang="en-US" smtClean="0"/>
-              <a:t>2021-04-28</a:t>
+              <a:t>2021-04-30</a:t>
             </a:fld>
             <a:endParaRPr lang="ko-KR" altLang="en-US"/>
           </a:p>
@@ -1149,7 +1149,7 @@
           <a:p>
             <a:fld id="{C8F4F73D-04D1-4494-8B6B-0D3706A919E6}" type="slidenum">
               <a:rPr lang="ko-KR" altLang="en-US" smtClean="0"/>
-              <a:t>23</a:t>
+              <a:t>25</a:t>
             </a:fld>
             <a:endParaRPr lang="ko-KR" altLang="en-US"/>
           </a:p>
@@ -2071,7 +2071,7 @@
           <a:p>
             <a:fld id="{91A9BE5D-4D41-4829-98B5-BC5151BE6106}" type="datetimeFigureOut">
               <a:rPr lang="ko-KR" altLang="en-US" smtClean="0"/>
-              <a:t>2021-04-28</a:t>
+              <a:t>2021-04-30</a:t>
             </a:fld>
             <a:endParaRPr lang="ko-KR" altLang="en-US"/>
           </a:p>
@@ -2269,7 +2269,7 @@
           <a:p>
             <a:fld id="{91A9BE5D-4D41-4829-98B5-BC5151BE6106}" type="datetimeFigureOut">
               <a:rPr lang="ko-KR" altLang="en-US" smtClean="0"/>
-              <a:t>2021-04-28</a:t>
+              <a:t>2021-04-30</a:t>
             </a:fld>
             <a:endParaRPr lang="ko-KR" altLang="en-US"/>
           </a:p>
@@ -2477,7 +2477,7 @@
           <a:p>
             <a:fld id="{91A9BE5D-4D41-4829-98B5-BC5151BE6106}" type="datetimeFigureOut">
               <a:rPr lang="ko-KR" altLang="en-US" smtClean="0"/>
-              <a:t>2021-04-28</a:t>
+              <a:t>2021-04-30</a:t>
             </a:fld>
             <a:endParaRPr lang="ko-KR" altLang="en-US"/>
           </a:p>
@@ -2675,7 +2675,7 @@
           <a:p>
             <a:fld id="{91A9BE5D-4D41-4829-98B5-BC5151BE6106}" type="datetimeFigureOut">
               <a:rPr lang="ko-KR" altLang="en-US" smtClean="0"/>
-              <a:t>2021-04-28</a:t>
+              <a:t>2021-04-30</a:t>
             </a:fld>
             <a:endParaRPr lang="ko-KR" altLang="en-US"/>
           </a:p>
@@ -2950,7 +2950,7 @@
           <a:p>
             <a:fld id="{91A9BE5D-4D41-4829-98B5-BC5151BE6106}" type="datetimeFigureOut">
               <a:rPr lang="ko-KR" altLang="en-US" smtClean="0"/>
-              <a:t>2021-04-28</a:t>
+              <a:t>2021-04-30</a:t>
             </a:fld>
             <a:endParaRPr lang="ko-KR" altLang="en-US"/>
           </a:p>
@@ -3215,7 +3215,7 @@
           <a:p>
             <a:fld id="{91A9BE5D-4D41-4829-98B5-BC5151BE6106}" type="datetimeFigureOut">
               <a:rPr lang="ko-KR" altLang="en-US" smtClean="0"/>
-              <a:t>2021-04-28</a:t>
+              <a:t>2021-04-30</a:t>
             </a:fld>
             <a:endParaRPr lang="ko-KR" altLang="en-US"/>
           </a:p>
@@ -3627,7 +3627,7 @@
           <a:p>
             <a:fld id="{91A9BE5D-4D41-4829-98B5-BC5151BE6106}" type="datetimeFigureOut">
               <a:rPr lang="ko-KR" altLang="en-US" smtClean="0"/>
-              <a:t>2021-04-28</a:t>
+              <a:t>2021-04-30</a:t>
             </a:fld>
             <a:endParaRPr lang="ko-KR" altLang="en-US"/>
           </a:p>
@@ -3768,7 +3768,7 @@
           <a:p>
             <a:fld id="{91A9BE5D-4D41-4829-98B5-BC5151BE6106}" type="datetimeFigureOut">
               <a:rPr lang="ko-KR" altLang="en-US" smtClean="0"/>
-              <a:t>2021-04-28</a:t>
+              <a:t>2021-04-30</a:t>
             </a:fld>
             <a:endParaRPr lang="ko-KR" altLang="en-US"/>
           </a:p>
@@ -3881,7 +3881,7 @@
           <a:p>
             <a:fld id="{91A9BE5D-4D41-4829-98B5-BC5151BE6106}" type="datetimeFigureOut">
               <a:rPr lang="ko-KR" altLang="en-US" smtClean="0"/>
-              <a:t>2021-04-28</a:t>
+              <a:t>2021-04-30</a:t>
             </a:fld>
             <a:endParaRPr lang="ko-KR" altLang="en-US"/>
           </a:p>
@@ -4192,7 +4192,7 @@
           <a:p>
             <a:fld id="{91A9BE5D-4D41-4829-98B5-BC5151BE6106}" type="datetimeFigureOut">
               <a:rPr lang="ko-KR" altLang="en-US" smtClean="0"/>
-              <a:t>2021-04-28</a:t>
+              <a:t>2021-04-30</a:t>
             </a:fld>
             <a:endParaRPr lang="ko-KR" altLang="en-US"/>
           </a:p>
@@ -4480,7 +4480,7 @@
           <a:p>
             <a:fld id="{91A9BE5D-4D41-4829-98B5-BC5151BE6106}" type="datetimeFigureOut">
               <a:rPr lang="ko-KR" altLang="en-US" smtClean="0"/>
-              <a:t>2021-04-28</a:t>
+              <a:t>2021-04-30</a:t>
             </a:fld>
             <a:endParaRPr lang="ko-KR" altLang="en-US"/>
           </a:p>
@@ -4721,7 +4721,7 @@
           <a:p>
             <a:fld id="{91A9BE5D-4D41-4829-98B5-BC5151BE6106}" type="datetimeFigureOut">
               <a:rPr lang="ko-KR" altLang="en-US" smtClean="0"/>
-              <a:t>2021-04-28</a:t>
+              <a:t>2021-04-30</a:t>
             </a:fld>
             <a:endParaRPr lang="ko-KR" altLang="en-US"/>
           </a:p>
@@ -10551,1943 +10551,6 @@
       </p:grpSpPr>
       <p:sp>
         <p:nvSpPr>
-          <p:cNvPr id="10" name="TextBox 9">
-            <a:extLst>
-              <a:ext uri="{FF2B5EF4-FFF2-40B4-BE49-F238E27FC236}">
-                <a16:creationId xmlns:a16="http://schemas.microsoft.com/office/drawing/2014/main" id="{26D67EAD-4F54-4DC8-A78A-8F0C5D927463}"/>
-              </a:ext>
-            </a:extLst>
-          </p:cNvPr>
-          <p:cNvSpPr txBox="1"/>
-          <p:nvPr/>
-        </p:nvSpPr>
-        <p:spPr>
-          <a:xfrm>
-            <a:off x="446784" y="1026312"/>
-            <a:ext cx="8627615" cy="477054"/>
-          </a:xfrm>
-          <a:prstGeom prst="rect">
-            <a:avLst/>
-          </a:prstGeom>
-          <a:noFill/>
-        </p:spPr>
-        <p:txBody>
-          <a:bodyPr wrap="square" rtlCol="0">
-            <a:spAutoFit/>
-          </a:bodyPr>
-          <a:lstStyle/>
-          <a:p>
-            <a:r>
-              <a:rPr lang="en-US" altLang="ko-KR" sz="2500" b="1" dirty="0"/>
-              <a:t>Deep SAD</a:t>
-            </a:r>
-            <a:endParaRPr lang="ko-KR" altLang="en-US" sz="2500" b="1" dirty="0"/>
-          </a:p>
-        </p:txBody>
-      </p:sp>
-      <p:sp>
-        <p:nvSpPr>
-          <p:cNvPr id="4" name="TextBox 3">
-            <a:extLst>
-              <a:ext uri="{FF2B5EF4-FFF2-40B4-BE49-F238E27FC236}">
-                <a16:creationId xmlns:a16="http://schemas.microsoft.com/office/drawing/2014/main" id="{CCF2CAB1-2ADB-4BF5-A48D-5053B8B3BABC}"/>
-              </a:ext>
-            </a:extLst>
-          </p:cNvPr>
-          <p:cNvSpPr txBox="1"/>
-          <p:nvPr/>
-        </p:nvSpPr>
-        <p:spPr>
-          <a:xfrm>
-            <a:off x="9525740" y="186432"/>
-            <a:ext cx="4802820" cy="477054"/>
-          </a:xfrm>
-          <a:prstGeom prst="rect">
-            <a:avLst/>
-          </a:prstGeom>
-          <a:noFill/>
-        </p:spPr>
-        <p:txBody>
-          <a:bodyPr wrap="square" rtlCol="0">
-            <a:spAutoFit/>
-          </a:bodyPr>
-          <a:lstStyle/>
-          <a:p>
-            <a:r>
-              <a:rPr lang="en-US" altLang="ko-KR" sz="2500" dirty="0"/>
-              <a:t>Anomaly based</a:t>
-            </a:r>
-            <a:endParaRPr lang="ko-KR" altLang="en-US" sz="2500" dirty="0"/>
-          </a:p>
-        </p:txBody>
-      </p:sp>
-      <p:sp>
-        <p:nvSpPr>
-          <p:cNvPr id="3" name="TextBox 2">
-            <a:extLst>
-              <a:ext uri="{FF2B5EF4-FFF2-40B4-BE49-F238E27FC236}">
-                <a16:creationId xmlns:a16="http://schemas.microsoft.com/office/drawing/2014/main" id="{58DB7CC7-CA16-408D-91FC-EE5FB1468F6C}"/>
-              </a:ext>
-            </a:extLst>
-          </p:cNvPr>
-          <p:cNvSpPr txBox="1"/>
-          <p:nvPr/>
-        </p:nvSpPr>
-        <p:spPr>
-          <a:xfrm>
-            <a:off x="3654554" y="2831592"/>
-            <a:ext cx="3913632" cy="646331"/>
-          </a:xfrm>
-          <a:prstGeom prst="rect">
-            <a:avLst/>
-          </a:prstGeom>
-          <a:noFill/>
-        </p:spPr>
-        <p:txBody>
-          <a:bodyPr wrap="square" rtlCol="0">
-            <a:spAutoFit/>
-          </a:bodyPr>
-          <a:lstStyle/>
-          <a:p>
-            <a:pPr algn="ctr"/>
-            <a:r>
-              <a:rPr lang="en-US" altLang="ko-KR" dirty="0"/>
-              <a:t>Embedded features</a:t>
-            </a:r>
-          </a:p>
-          <a:p>
-            <a:pPr algn="ctr"/>
-            <a:r>
-              <a:rPr lang="en-US" altLang="ko-KR" dirty="0"/>
-              <a:t>(by NN)</a:t>
-            </a:r>
-            <a:endParaRPr lang="ko-KR" altLang="en-US" dirty="0"/>
-          </a:p>
-        </p:txBody>
-      </p:sp>
-      <p:sp>
-        <p:nvSpPr>
-          <p:cNvPr id="11" name="TextBox 10">
-            <a:extLst>
-              <a:ext uri="{FF2B5EF4-FFF2-40B4-BE49-F238E27FC236}">
-                <a16:creationId xmlns:a16="http://schemas.microsoft.com/office/drawing/2014/main" id="{A1F155FE-CA1B-47CC-8CF9-33C2D1E60366}"/>
-              </a:ext>
-            </a:extLst>
-          </p:cNvPr>
-          <p:cNvSpPr txBox="1"/>
-          <p:nvPr/>
-        </p:nvSpPr>
-        <p:spPr>
-          <a:xfrm>
-            <a:off x="3654554" y="4159818"/>
-            <a:ext cx="3913632" cy="369332"/>
-          </a:xfrm>
-          <a:prstGeom prst="rect">
-            <a:avLst/>
-          </a:prstGeom>
-          <a:noFill/>
-        </p:spPr>
-        <p:txBody>
-          <a:bodyPr wrap="square" rtlCol="0">
-            <a:spAutoFit/>
-          </a:bodyPr>
-          <a:lstStyle/>
-          <a:p>
-            <a:pPr algn="ctr"/>
-            <a:r>
-              <a:rPr lang="en-US" altLang="ko-KR" dirty="0"/>
-              <a:t>OC SVM(or SVDD)</a:t>
-            </a:r>
-            <a:endParaRPr lang="ko-KR" altLang="en-US" dirty="0"/>
-          </a:p>
-        </p:txBody>
-      </p:sp>
-      <p:sp>
-        <p:nvSpPr>
-          <p:cNvPr id="6" name="왼쪽 중괄호 5">
-            <a:extLst>
-              <a:ext uri="{FF2B5EF4-FFF2-40B4-BE49-F238E27FC236}">
-                <a16:creationId xmlns:a16="http://schemas.microsoft.com/office/drawing/2014/main" id="{474BBE98-CA3B-482C-88E8-B353C4546D23}"/>
-              </a:ext>
-            </a:extLst>
-          </p:cNvPr>
-          <p:cNvSpPr/>
-          <p:nvPr/>
-        </p:nvSpPr>
-        <p:spPr>
-          <a:xfrm>
-            <a:off x="4270248" y="2916936"/>
-            <a:ext cx="201168" cy="1527048"/>
-          </a:xfrm>
-          <a:prstGeom prst="leftBrace">
-            <a:avLst/>
-          </a:prstGeom>
-        </p:spPr>
-        <p:style>
-          <a:lnRef idx="1">
-            <a:schemeClr val="accent1"/>
-          </a:lnRef>
-          <a:fillRef idx="0">
-            <a:schemeClr val="accent1"/>
-          </a:fillRef>
-          <a:effectRef idx="0">
-            <a:schemeClr val="accent1"/>
-          </a:effectRef>
-          <a:fontRef idx="minor">
-            <a:schemeClr val="tx1"/>
-          </a:fontRef>
-        </p:style>
-        <p:txBody>
-          <a:bodyPr rtlCol="0" anchor="ctr"/>
-          <a:lstStyle/>
-          <a:p>
-            <a:pPr algn="ctr"/>
-            <a:endParaRPr lang="ko-KR" altLang="en-US"/>
-          </a:p>
-        </p:txBody>
-      </p:sp>
-      <p:cxnSp>
-        <p:nvCxnSpPr>
-          <p:cNvPr id="8" name="연결선: 꺾임 7">
-            <a:extLst>
-              <a:ext uri="{FF2B5EF4-FFF2-40B4-BE49-F238E27FC236}">
-                <a16:creationId xmlns:a16="http://schemas.microsoft.com/office/drawing/2014/main" id="{895D2958-DC9B-4894-8829-5FB18A5CE954}"/>
-              </a:ext>
-            </a:extLst>
-          </p:cNvPr>
-          <p:cNvCxnSpPr>
-            <a:stCxn id="6" idx="1"/>
-          </p:cNvCxnSpPr>
-          <p:nvPr/>
-        </p:nvCxnSpPr>
-        <p:spPr>
-          <a:xfrm rot="10800000" flipV="1">
-            <a:off x="3654554" y="3680460"/>
-            <a:ext cx="615694" cy="1988820"/>
-          </a:xfrm>
-          <a:prstGeom prst="bentConnector2">
-            <a:avLst/>
-          </a:prstGeom>
-          <a:ln>
-            <a:tailEnd type="triangle"/>
-          </a:ln>
-        </p:spPr>
-        <p:style>
-          <a:lnRef idx="1">
-            <a:schemeClr val="accent1"/>
-          </a:lnRef>
-          <a:fillRef idx="0">
-            <a:schemeClr val="accent1"/>
-          </a:fillRef>
-          <a:effectRef idx="0">
-            <a:schemeClr val="accent1"/>
-          </a:effectRef>
-          <a:fontRef idx="minor">
-            <a:schemeClr val="tx1"/>
-          </a:fontRef>
-        </p:style>
-      </p:cxnSp>
-      <p:sp>
-        <p:nvSpPr>
-          <p:cNvPr id="13" name="TextBox 12">
-            <a:extLst>
-              <a:ext uri="{FF2B5EF4-FFF2-40B4-BE49-F238E27FC236}">
-                <a16:creationId xmlns:a16="http://schemas.microsoft.com/office/drawing/2014/main" id="{BA8BB5F7-6675-4A8C-BC66-562691C905F3}"/>
-              </a:ext>
-            </a:extLst>
-          </p:cNvPr>
-          <p:cNvSpPr txBox="1"/>
-          <p:nvPr/>
-        </p:nvSpPr>
-        <p:spPr>
-          <a:xfrm>
-            <a:off x="2570988" y="5779306"/>
-            <a:ext cx="2368296" cy="369332"/>
-          </a:xfrm>
-          <a:prstGeom prst="rect">
-            <a:avLst/>
-          </a:prstGeom>
-          <a:noFill/>
-        </p:spPr>
-        <p:txBody>
-          <a:bodyPr wrap="square" rtlCol="0">
-            <a:spAutoFit/>
-          </a:bodyPr>
-          <a:lstStyle/>
-          <a:p>
-            <a:r>
-              <a:rPr lang="en-US" altLang="ko-KR" dirty="0"/>
-              <a:t>Jointly trained</a:t>
-            </a:r>
-            <a:endParaRPr lang="ko-KR" altLang="en-US" dirty="0"/>
-          </a:p>
-        </p:txBody>
-      </p:sp>
-      <p:sp>
-        <p:nvSpPr>
-          <p:cNvPr id="5" name="직사각형 4">
-            <a:extLst>
-              <a:ext uri="{FF2B5EF4-FFF2-40B4-BE49-F238E27FC236}">
-                <a16:creationId xmlns:a16="http://schemas.microsoft.com/office/drawing/2014/main" id="{DEB7D66D-83DA-4AFD-93C3-991AD847F7BB}"/>
-              </a:ext>
-            </a:extLst>
-          </p:cNvPr>
-          <p:cNvSpPr/>
-          <p:nvPr/>
-        </p:nvSpPr>
-        <p:spPr>
-          <a:xfrm>
-            <a:off x="841248" y="3154757"/>
-            <a:ext cx="1882140" cy="369332"/>
-          </a:xfrm>
-          <a:prstGeom prst="rect">
-            <a:avLst/>
-          </a:prstGeom>
-          <a:noFill/>
-          <a:ln w="38100">
-            <a:solidFill>
-              <a:srgbClr val="FF0000"/>
-            </a:solidFill>
-          </a:ln>
-        </p:spPr>
-        <p:style>
-          <a:lnRef idx="2">
-            <a:schemeClr val="accent1">
-              <a:shade val="50000"/>
-            </a:schemeClr>
-          </a:lnRef>
-          <a:fillRef idx="1">
-            <a:schemeClr val="accent1"/>
-          </a:fillRef>
-          <a:effectRef idx="0">
-            <a:schemeClr val="accent1"/>
-          </a:effectRef>
-          <a:fontRef idx="minor">
-            <a:schemeClr val="lt1"/>
-          </a:fontRef>
-        </p:style>
-        <p:txBody>
-          <a:bodyPr rtlCol="0" anchor="ctr"/>
-          <a:lstStyle/>
-          <a:p>
-            <a:pPr algn="ctr"/>
-            <a:endParaRPr lang="ko-KR" altLang="en-US"/>
-          </a:p>
-        </p:txBody>
-      </p:sp>
-      <p:cxnSp>
-        <p:nvCxnSpPr>
-          <p:cNvPr id="15" name="직선 화살표 연결선 14">
-            <a:extLst>
-              <a:ext uri="{FF2B5EF4-FFF2-40B4-BE49-F238E27FC236}">
-                <a16:creationId xmlns:a16="http://schemas.microsoft.com/office/drawing/2014/main" id="{2854EC83-E6B1-438F-A07A-1F07D5559D62}"/>
-              </a:ext>
-            </a:extLst>
-          </p:cNvPr>
-          <p:cNvCxnSpPr/>
-          <p:nvPr/>
-        </p:nvCxnSpPr>
-        <p:spPr>
-          <a:xfrm>
-            <a:off x="3076575" y="3076575"/>
-            <a:ext cx="1085850" cy="0"/>
-          </a:xfrm>
-          <a:prstGeom prst="straightConnector1">
-            <a:avLst/>
-          </a:prstGeom>
-          <a:ln>
-            <a:tailEnd type="triangle"/>
-          </a:ln>
-        </p:spPr>
-        <p:style>
-          <a:lnRef idx="1">
-            <a:schemeClr val="accent1"/>
-          </a:lnRef>
-          <a:fillRef idx="0">
-            <a:schemeClr val="accent1"/>
-          </a:fillRef>
-          <a:effectRef idx="0">
-            <a:schemeClr val="accent1"/>
-          </a:effectRef>
-          <a:fontRef idx="minor">
-            <a:schemeClr val="tx1"/>
-          </a:fontRef>
-        </p:style>
-      </p:cxnSp>
-      <p:cxnSp>
-        <p:nvCxnSpPr>
-          <p:cNvPr id="16" name="직선 화살표 연결선 15">
-            <a:extLst>
-              <a:ext uri="{FF2B5EF4-FFF2-40B4-BE49-F238E27FC236}">
-                <a16:creationId xmlns:a16="http://schemas.microsoft.com/office/drawing/2014/main" id="{A4A3374E-E40C-4093-AB16-3DE6299ADA34}"/>
-              </a:ext>
-            </a:extLst>
-          </p:cNvPr>
-          <p:cNvCxnSpPr>
-            <a:cxnSpLocks/>
-            <a:stCxn id="3" idx="2"/>
-          </p:cNvCxnSpPr>
-          <p:nvPr/>
-        </p:nvCxnSpPr>
-        <p:spPr>
-          <a:xfrm>
-            <a:off x="5611370" y="3477923"/>
-            <a:ext cx="0" cy="681895"/>
-          </a:xfrm>
-          <a:prstGeom prst="straightConnector1">
-            <a:avLst/>
-          </a:prstGeom>
-          <a:ln>
-            <a:tailEnd type="triangle"/>
-          </a:ln>
-        </p:spPr>
-        <p:style>
-          <a:lnRef idx="1">
-            <a:schemeClr val="accent1"/>
-          </a:lnRef>
-          <a:fillRef idx="0">
-            <a:schemeClr val="accent1"/>
-          </a:fillRef>
-          <a:effectRef idx="0">
-            <a:schemeClr val="accent1"/>
-          </a:effectRef>
-          <a:fontRef idx="minor">
-            <a:schemeClr val="tx1"/>
-          </a:fontRef>
-        </p:style>
-      </p:cxnSp>
-      <p:cxnSp>
-        <p:nvCxnSpPr>
-          <p:cNvPr id="17" name="직선 화살표 연결선 16">
-            <a:extLst>
-              <a:ext uri="{FF2B5EF4-FFF2-40B4-BE49-F238E27FC236}">
-                <a16:creationId xmlns:a16="http://schemas.microsoft.com/office/drawing/2014/main" id="{30E177C1-A557-4FD6-BEAC-3BED036BB43D}"/>
-              </a:ext>
-            </a:extLst>
-          </p:cNvPr>
-          <p:cNvCxnSpPr/>
-          <p:nvPr/>
-        </p:nvCxnSpPr>
-        <p:spPr>
-          <a:xfrm>
-            <a:off x="6970778" y="4371975"/>
-            <a:ext cx="1085850" cy="0"/>
-          </a:xfrm>
-          <a:prstGeom prst="straightConnector1">
-            <a:avLst/>
-          </a:prstGeom>
-          <a:ln>
-            <a:tailEnd type="triangle"/>
-          </a:ln>
-        </p:spPr>
-        <p:style>
-          <a:lnRef idx="1">
-            <a:schemeClr val="accent1"/>
-          </a:lnRef>
-          <a:fillRef idx="0">
-            <a:schemeClr val="accent1"/>
-          </a:fillRef>
-          <a:effectRef idx="0">
-            <a:schemeClr val="accent1"/>
-          </a:effectRef>
-          <a:fontRef idx="minor">
-            <a:schemeClr val="tx1"/>
-          </a:fontRef>
-        </p:style>
-      </p:cxnSp>
-      <p:sp>
-        <p:nvSpPr>
-          <p:cNvPr id="20" name="TextBox 19">
-            <a:extLst>
-              <a:ext uri="{FF2B5EF4-FFF2-40B4-BE49-F238E27FC236}">
-                <a16:creationId xmlns:a16="http://schemas.microsoft.com/office/drawing/2014/main" id="{BC65BE10-3DEA-4BEB-A113-2664F6AC81DD}"/>
-              </a:ext>
-            </a:extLst>
-          </p:cNvPr>
-          <p:cNvSpPr txBox="1"/>
-          <p:nvPr/>
-        </p:nvSpPr>
-        <p:spPr>
-          <a:xfrm>
-            <a:off x="-158496" y="2831592"/>
-            <a:ext cx="3913632" cy="646331"/>
-          </a:xfrm>
-          <a:prstGeom prst="rect">
-            <a:avLst/>
-          </a:prstGeom>
-          <a:noFill/>
-        </p:spPr>
-        <p:txBody>
-          <a:bodyPr wrap="square" rtlCol="0">
-            <a:spAutoFit/>
-          </a:bodyPr>
-          <a:lstStyle/>
-          <a:p>
-            <a:pPr algn="ctr"/>
-            <a:r>
-              <a:rPr lang="en-US" altLang="ko-KR" dirty="0"/>
-              <a:t>X :  880 features</a:t>
-            </a:r>
-          </a:p>
-          <a:p>
-            <a:pPr algn="ctr"/>
-            <a:r>
-              <a:rPr lang="en-US" altLang="ko-KR" dirty="0"/>
-              <a:t>Y : available label </a:t>
-            </a:r>
-            <a:endParaRPr lang="ko-KR" altLang="en-US" dirty="0"/>
-          </a:p>
-        </p:txBody>
-      </p:sp>
-      <p:sp>
-        <p:nvSpPr>
-          <p:cNvPr id="19" name="TextBox 18">
-            <a:extLst>
-              <a:ext uri="{FF2B5EF4-FFF2-40B4-BE49-F238E27FC236}">
-                <a16:creationId xmlns:a16="http://schemas.microsoft.com/office/drawing/2014/main" id="{2632C9B2-5C9A-40AA-A6BE-A39E934D105D}"/>
-              </a:ext>
-            </a:extLst>
-          </p:cNvPr>
-          <p:cNvSpPr txBox="1"/>
-          <p:nvPr/>
-        </p:nvSpPr>
-        <p:spPr>
-          <a:xfrm>
-            <a:off x="841248" y="1884473"/>
-            <a:ext cx="1536192" cy="384048"/>
-          </a:xfrm>
-          <a:prstGeom prst="rect">
-            <a:avLst/>
-          </a:prstGeom>
-          <a:noFill/>
-        </p:spPr>
-        <p:txBody>
-          <a:bodyPr wrap="square" rtlCol="0">
-            <a:spAutoFit/>
-          </a:bodyPr>
-          <a:lstStyle/>
-          <a:p>
-            <a:r>
-              <a:rPr lang="en-US" altLang="ko-KR" dirty="0"/>
-              <a:t>Objective : </a:t>
-            </a:r>
-            <a:endParaRPr lang="ko-KR" altLang="en-US" dirty="0"/>
-          </a:p>
-        </p:txBody>
-      </p:sp>
-      <mc:AlternateContent xmlns:mc="http://schemas.openxmlformats.org/markup-compatibility/2006" xmlns:a14="http://schemas.microsoft.com/office/drawing/2010/main">
-        <mc:Choice Requires="a14">
-          <p:sp>
-            <p:nvSpPr>
-              <p:cNvPr id="18" name="TextBox 17">
-                <a:extLst>
-                  <a:ext uri="{FF2B5EF4-FFF2-40B4-BE49-F238E27FC236}">
-                    <a16:creationId xmlns:a16="http://schemas.microsoft.com/office/drawing/2014/main" id="{DE802C8A-CF57-4E62-B498-E25BE8E80958}"/>
-                  </a:ext>
-                </a:extLst>
-              </p:cNvPr>
-              <p:cNvSpPr txBox="1"/>
-              <p:nvPr/>
-            </p:nvSpPr>
-            <p:spPr>
-              <a:xfrm>
-                <a:off x="7044431" y="4153922"/>
-                <a:ext cx="3913632" cy="374526"/>
-              </a:xfrm>
-              <a:prstGeom prst="rect">
-                <a:avLst/>
-              </a:prstGeom>
-              <a:noFill/>
-            </p:spPr>
-            <p:txBody>
-              <a:bodyPr wrap="square" rtlCol="0">
-                <a:spAutoFit/>
-              </a:bodyPr>
-              <a:lstStyle/>
-              <a:p>
-                <a:pPr algn="ctr"/>
-                <a:r>
-                  <a:rPr lang="en-US" altLang="ko-KR" dirty="0"/>
-                  <a:t>score </a:t>
-                </a:r>
-                <a14:m>
-                  <m:oMath xmlns:m="http://schemas.openxmlformats.org/officeDocument/2006/math">
-                    <m:r>
-                      <a:rPr lang="en-US" altLang="ko-KR" i="1" smtClean="0">
-                        <a:latin typeface="Cambria Math" panose="02040503050406030204" pitchFamily="18" charset="0"/>
-                        <a:ea typeface="Cambria Math" panose="02040503050406030204" pitchFamily="18" charset="0"/>
-                      </a:rPr>
-                      <m:t>∈</m:t>
-                    </m:r>
-                    <m:r>
-                      <a:rPr lang="en-US" altLang="ko-KR" b="0" i="1" smtClean="0">
-                        <a:latin typeface="Cambria Math" panose="02040503050406030204" pitchFamily="18" charset="0"/>
-                        <a:ea typeface="Cambria Math" panose="02040503050406030204" pitchFamily="18" charset="0"/>
-                      </a:rPr>
-                      <m:t> </m:t>
-                    </m:r>
-                  </m:oMath>
-                </a14:m>
-                <a:r>
-                  <a:rPr lang="en-US" altLang="ko-KR" dirty="0"/>
-                  <a:t>(0,1)</a:t>
-                </a:r>
-                <a:endParaRPr lang="ko-KR" altLang="en-US" dirty="0"/>
-              </a:p>
-            </p:txBody>
-          </p:sp>
-        </mc:Choice>
-        <mc:Fallback xmlns="">
-          <p:sp>
-            <p:nvSpPr>
-              <p:cNvPr id="18" name="TextBox 17">
-                <a:extLst>
-                  <a:ext uri="{FF2B5EF4-FFF2-40B4-BE49-F238E27FC236}">
-                    <a16:creationId xmlns:a16="http://schemas.microsoft.com/office/drawing/2014/main" id="{DE802C8A-CF57-4E62-B498-E25BE8E80958}"/>
-                  </a:ext>
-                </a:extLst>
-              </p:cNvPr>
-              <p:cNvSpPr txBox="1">
-                <a:spLocks noRot="1" noChangeAspect="1" noMove="1" noResize="1" noEditPoints="1" noAdjustHandles="1" noChangeArrowheads="1" noChangeShapeType="1" noTextEdit="1"/>
-              </p:cNvSpPr>
-              <p:nvPr/>
-            </p:nvSpPr>
-            <p:spPr>
-              <a:xfrm>
-                <a:off x="7044431" y="4153922"/>
-                <a:ext cx="3913632" cy="374526"/>
-              </a:xfrm>
-              <a:prstGeom prst="rect">
-                <a:avLst/>
-              </a:prstGeom>
-              <a:blipFill>
-                <a:blip r:embed="rId3"/>
-                <a:stretch>
-                  <a:fillRect t="-8065" b="-22581"/>
-                </a:stretch>
-              </a:blipFill>
-            </p:spPr>
-            <p:txBody>
-              <a:bodyPr/>
-              <a:lstStyle/>
-              <a:p>
-                <a:r>
-                  <a:rPr lang="ko-KR" altLang="en-US">
-                    <a:noFill/>
-                  </a:rPr>
-                  <a:t> </a:t>
-                </a:r>
-              </a:p>
-            </p:txBody>
-          </p:sp>
-        </mc:Fallback>
-      </mc:AlternateContent>
-      <mc:AlternateContent xmlns:mc="http://schemas.openxmlformats.org/markup-compatibility/2006" xmlns:a14="http://schemas.microsoft.com/office/drawing/2010/main">
-        <mc:Choice Requires="a14">
-          <p:sp>
-            <p:nvSpPr>
-              <p:cNvPr id="21" name="TextBox 20">
-                <a:extLst>
-                  <a:ext uri="{FF2B5EF4-FFF2-40B4-BE49-F238E27FC236}">
-                    <a16:creationId xmlns:a16="http://schemas.microsoft.com/office/drawing/2014/main" id="{1AD9178C-60B2-4E3B-B23B-68FE4DFF2B7A}"/>
-                  </a:ext>
-                </a:extLst>
-              </p:cNvPr>
-              <p:cNvSpPr txBox="1"/>
-              <p:nvPr/>
-            </p:nvSpPr>
-            <p:spPr>
-              <a:xfrm>
-                <a:off x="7442290" y="4015422"/>
-                <a:ext cx="281359" cy="276999"/>
-              </a:xfrm>
-              <a:prstGeom prst="rect">
-                <a:avLst/>
-              </a:prstGeom>
-              <a:noFill/>
-            </p:spPr>
-            <p:txBody>
-              <a:bodyPr wrap="none" lIns="0" tIns="0" rIns="0" bIns="0" rtlCol="0">
-                <a:spAutoFit/>
-              </a:bodyPr>
-              <a:lstStyle/>
-              <a:p>
-                <a14:m>
-                  <m:oMath xmlns:m="http://schemas.openxmlformats.org/officeDocument/2006/math">
-                    <m:r>
-                      <a:rPr lang="ko-KR" altLang="en-US" i="1" smtClean="0">
-                        <a:latin typeface="Cambria Math" panose="02040503050406030204" pitchFamily="18" charset="0"/>
-                      </a:rPr>
-                      <m:t>𝜎</m:t>
-                    </m:r>
-                  </m:oMath>
-                </a14:m>
-                <a:r>
-                  <a:rPr lang="en-US" altLang="ko-KR" dirty="0"/>
-                  <a:t>()</a:t>
-                </a:r>
-                <a:endParaRPr lang="ko-KR" altLang="en-US" dirty="0"/>
-              </a:p>
-            </p:txBody>
-          </p:sp>
-        </mc:Choice>
-        <mc:Fallback xmlns="">
-          <p:sp>
-            <p:nvSpPr>
-              <p:cNvPr id="21" name="TextBox 20">
-                <a:extLst>
-                  <a:ext uri="{FF2B5EF4-FFF2-40B4-BE49-F238E27FC236}">
-                    <a16:creationId xmlns:a16="http://schemas.microsoft.com/office/drawing/2014/main" id="{1AD9178C-60B2-4E3B-B23B-68FE4DFF2B7A}"/>
-                  </a:ext>
-                </a:extLst>
-              </p:cNvPr>
-              <p:cNvSpPr txBox="1">
-                <a:spLocks noRot="1" noChangeAspect="1" noMove="1" noResize="1" noEditPoints="1" noAdjustHandles="1" noChangeArrowheads="1" noChangeShapeType="1" noTextEdit="1"/>
-              </p:cNvSpPr>
-              <p:nvPr/>
-            </p:nvSpPr>
-            <p:spPr>
-              <a:xfrm>
-                <a:off x="7442290" y="4015422"/>
-                <a:ext cx="281359" cy="276999"/>
-              </a:xfrm>
-              <a:prstGeom prst="rect">
-                <a:avLst/>
-              </a:prstGeom>
-              <a:blipFill>
-                <a:blip r:embed="rId4"/>
-                <a:stretch>
-                  <a:fillRect l="-21739" t="-28889" r="-52174" b="-51111"/>
-                </a:stretch>
-              </a:blipFill>
-            </p:spPr>
-            <p:txBody>
-              <a:bodyPr/>
-              <a:lstStyle/>
-              <a:p>
-                <a:r>
-                  <a:rPr lang="ko-KR" altLang="en-US">
-                    <a:noFill/>
-                  </a:rPr>
-                  <a:t> </a:t>
-                </a:r>
-              </a:p>
-            </p:txBody>
-          </p:sp>
-        </mc:Fallback>
-      </mc:AlternateContent>
-      <p:sp>
-        <p:nvSpPr>
-          <p:cNvPr id="9" name="Rectangle 2">
-            <a:extLst>
-              <a:ext uri="{FF2B5EF4-FFF2-40B4-BE49-F238E27FC236}">
-                <a16:creationId xmlns:a16="http://schemas.microsoft.com/office/drawing/2014/main" id="{12A42924-4CEA-4391-93D9-282BDFD83EB1}"/>
-              </a:ext>
-            </a:extLst>
-          </p:cNvPr>
-          <p:cNvSpPr>
-            <a:spLocks noChangeArrowheads="1"/>
-          </p:cNvSpPr>
-          <p:nvPr/>
-        </p:nvSpPr>
-        <p:spPr bwMode="auto">
-          <a:xfrm>
-            <a:off x="2238946" y="1427273"/>
-            <a:ext cx="12192000" cy="457200"/>
-          </a:xfrm>
-          <a:prstGeom prst="rect">
-            <a:avLst/>
-          </a:prstGeom>
-          <a:noFill/>
-          <a:ln>
-            <a:noFill/>
-          </a:ln>
-          <a:effectLst/>
-          <a:extLst>
-            <a:ext uri="{909E8E84-426E-40DD-AFC4-6F175D3DCCD1}">
-              <a14:hiddenFill xmlns:a14="http://schemas.microsoft.com/office/drawing/2010/main">
-                <a:solidFill>
-                  <a:schemeClr val="accent1"/>
-                </a:solidFill>
-              </a14:hiddenFill>
-            </a:ext>
-            <a:ext uri="{91240B29-F687-4F45-9708-019B960494DF}">
-              <a14:hiddenLine xmlns:a14="http://schemas.microsoft.com/office/drawing/2010/main" w="9525">
-                <a:solidFill>
-                  <a:schemeClr val="tx1"/>
-                </a:solidFill>
-                <a:miter lim="800000"/>
-                <a:headEnd/>
-                <a:tailEnd/>
-              </a14:hiddenLine>
-            </a:ext>
-            <a:ext uri="{AF507438-7753-43E0-B8FC-AC1667EBCBE1}">
-              <a14:hiddenEffects xmlns:a14="http://schemas.microsoft.com/office/drawing/2010/main">
-                <a:effectLst>
-                  <a:outerShdw dist="35921" dir="2700000" algn="ctr" rotWithShape="0">
-                    <a:schemeClr val="bg2"/>
-                  </a:outerShdw>
-                </a:effectLst>
-              </a14:hiddenEffects>
-            </a:ext>
-          </a:extLst>
-        </p:spPr>
-        <p:txBody>
-          <a:bodyPr vert="horz" wrap="none" lIns="91440" tIns="45720" rIns="91440" bIns="45720" numCol="1" anchor="ctr" anchorCtr="0" compatLnSpc="1">
-            <a:prstTxWarp prst="textNoShape">
-              <a:avLst/>
-            </a:prstTxWarp>
-            <a:spAutoFit/>
-          </a:bodyPr>
-          <a:lstStyle/>
-          <a:p>
-            <a:endParaRPr lang="ko-KR" altLang="en-US"/>
-          </a:p>
-        </p:txBody>
-      </p:sp>
-      <p:pic>
-        <p:nvPicPr>
-          <p:cNvPr id="3073" name="_x341183144">
-            <a:extLst>
-              <a:ext uri="{FF2B5EF4-FFF2-40B4-BE49-F238E27FC236}">
-                <a16:creationId xmlns:a16="http://schemas.microsoft.com/office/drawing/2014/main" id="{7A8EFA5D-4AEE-4259-9F3F-8746B379C36A}"/>
-              </a:ext>
-            </a:extLst>
-          </p:cNvPr>
-          <p:cNvPicPr>
-            <a:picLocks noChangeAspect="1" noChangeArrowheads="1"/>
-          </p:cNvPicPr>
-          <p:nvPr/>
-        </p:nvPicPr>
-        <p:blipFill>
-          <a:blip r:embed="rId5">
-            <a:extLst>
-              <a:ext uri="{28A0092B-C50C-407E-A947-70E740481C1C}">
-                <a14:useLocalDpi xmlns:a14="http://schemas.microsoft.com/office/drawing/2010/main" val="0"/>
-              </a:ext>
-            </a:extLst>
-          </a:blip>
-          <a:srcRect/>
-          <a:stretch>
-            <a:fillRect/>
-          </a:stretch>
-        </p:blipFill>
-        <p:spPr bwMode="auto">
-          <a:xfrm>
-            <a:off x="2238946" y="1768717"/>
-            <a:ext cx="8386250" cy="759249"/>
-          </a:xfrm>
-          <a:prstGeom prst="rect">
-            <a:avLst/>
-          </a:prstGeom>
-          <a:noFill/>
-          <a:extLst>
-            <a:ext uri="{909E8E84-426E-40DD-AFC4-6F175D3DCCD1}">
-              <a14:hiddenFill xmlns:a14="http://schemas.microsoft.com/office/drawing/2010/main">
-                <a:solidFill>
-                  <a:srgbClr val="FFFFFF"/>
-                </a:solidFill>
-              </a14:hiddenFill>
-            </a:ext>
-          </a:extLst>
-        </p:spPr>
-      </p:pic>
-      <p:sp>
-        <p:nvSpPr>
-          <p:cNvPr id="22" name="TextBox 21">
-            <a:extLst>
-              <a:ext uri="{FF2B5EF4-FFF2-40B4-BE49-F238E27FC236}">
-                <a16:creationId xmlns:a16="http://schemas.microsoft.com/office/drawing/2014/main" id="{9C9526A6-1D6E-4E04-888A-89E5AF282064}"/>
-              </a:ext>
-            </a:extLst>
-          </p:cNvPr>
-          <p:cNvSpPr txBox="1"/>
-          <p:nvPr/>
-        </p:nvSpPr>
-        <p:spPr>
-          <a:xfrm>
-            <a:off x="8031983" y="6211767"/>
-            <a:ext cx="4517136" cy="646331"/>
-          </a:xfrm>
-          <a:prstGeom prst="rect">
-            <a:avLst/>
-          </a:prstGeom>
-          <a:noFill/>
-        </p:spPr>
-        <p:txBody>
-          <a:bodyPr wrap="square" rtlCol="0">
-            <a:spAutoFit/>
-          </a:bodyPr>
-          <a:lstStyle/>
-          <a:p>
-            <a:pPr algn="l"/>
-            <a:r>
-              <a:rPr lang="en-US" altLang="ko-KR" b="1" i="0" dirty="0" err="1">
-                <a:solidFill>
-                  <a:schemeClr val="bg1">
-                    <a:lumMod val="50000"/>
-                  </a:schemeClr>
-                </a:solidFill>
-                <a:effectLst/>
-                <a:latin typeface="-apple-system"/>
-              </a:rPr>
-              <a:t>PyTorch</a:t>
-            </a:r>
-            <a:r>
-              <a:rPr lang="en-US" altLang="ko-KR" b="1" i="0" dirty="0">
-                <a:solidFill>
-                  <a:schemeClr val="bg1">
-                    <a:lumMod val="50000"/>
-                  </a:schemeClr>
-                </a:solidFill>
-                <a:effectLst/>
-                <a:latin typeface="-apple-system"/>
-              </a:rPr>
-              <a:t> Implementation</a:t>
-            </a:r>
-          </a:p>
-          <a:p>
-            <a:r>
-              <a:rPr lang="en-US" altLang="ko-KR" dirty="0">
-                <a:solidFill>
-                  <a:schemeClr val="bg1">
-                    <a:lumMod val="50000"/>
-                  </a:schemeClr>
-                </a:solidFill>
-              </a:rPr>
-              <a:t>-</a:t>
-            </a:r>
-            <a:r>
-              <a:rPr lang="en-US" altLang="ko-KR" sz="1200" u="sng" kern="0" spc="0" dirty="0">
-                <a:solidFill>
-                  <a:schemeClr val="bg1">
-                    <a:lumMod val="50000"/>
-                  </a:schemeClr>
-                </a:solidFill>
-                <a:effectLst/>
-                <a:uFill>
-                  <a:solidFill>
-                    <a:srgbClr val="0000FF"/>
-                  </a:solidFill>
-                </a:uFill>
-                <a:latin typeface="함초롬바탕" panose="02030604000101010101" pitchFamily="18" charset="-127"/>
-                <a:ea typeface="함초롬바탕" panose="02030604000101010101" pitchFamily="18" charset="-127"/>
-              </a:rPr>
-              <a:t> https://github.com/lukasruff/Deep-SAD-PyTorch</a:t>
-            </a:r>
-            <a:endParaRPr lang="ko-KR" altLang="en-US" sz="1200" dirty="0">
-              <a:solidFill>
-                <a:schemeClr val="bg1">
-                  <a:lumMod val="50000"/>
-                </a:schemeClr>
-              </a:solidFill>
-            </a:endParaRPr>
-          </a:p>
-        </p:txBody>
-      </p:sp>
-      <p:sp>
-        <p:nvSpPr>
-          <p:cNvPr id="23" name="TextBox 22">
-            <a:extLst>
-              <a:ext uri="{FF2B5EF4-FFF2-40B4-BE49-F238E27FC236}">
-                <a16:creationId xmlns:a16="http://schemas.microsoft.com/office/drawing/2014/main" id="{7C72FB99-B86D-4E60-BECB-D48AF8DBB1D7}"/>
-              </a:ext>
-            </a:extLst>
-          </p:cNvPr>
-          <p:cNvSpPr txBox="1"/>
-          <p:nvPr/>
-        </p:nvSpPr>
-        <p:spPr>
-          <a:xfrm>
-            <a:off x="8031983" y="5508522"/>
-            <a:ext cx="5998464" cy="830997"/>
-          </a:xfrm>
-          <a:prstGeom prst="rect">
-            <a:avLst/>
-          </a:prstGeom>
-          <a:noFill/>
-        </p:spPr>
-        <p:txBody>
-          <a:bodyPr wrap="square" rtlCol="0">
-            <a:spAutoFit/>
-          </a:bodyPr>
-          <a:lstStyle/>
-          <a:p>
-            <a:r>
-              <a:rPr lang="en-US" altLang="ko-KR" b="1" dirty="0">
-                <a:solidFill>
-                  <a:schemeClr val="bg1">
-                    <a:lumMod val="50000"/>
-                  </a:schemeClr>
-                </a:solidFill>
-              </a:rPr>
-              <a:t>Paper</a:t>
-            </a:r>
-          </a:p>
-          <a:p>
-            <a:r>
-              <a:rPr lang="en-US" altLang="ko-KR" dirty="0">
-                <a:solidFill>
-                  <a:schemeClr val="bg1">
-                    <a:lumMod val="50000"/>
-                  </a:schemeClr>
-                </a:solidFill>
-              </a:rPr>
-              <a:t>- </a:t>
-            </a:r>
-            <a:r>
-              <a:rPr lang="en-US" altLang="ko-KR" sz="1200" dirty="0">
-                <a:solidFill>
-                  <a:schemeClr val="bg1">
-                    <a:lumMod val="50000"/>
-                  </a:schemeClr>
-                </a:solidFill>
-              </a:rPr>
-              <a:t>http://data.bit.uni-bonn.de/publications/ICML2018.pdf</a:t>
-            </a:r>
-            <a:endParaRPr lang="ko-KR" altLang="en-US" sz="1200" dirty="0">
-              <a:solidFill>
-                <a:schemeClr val="bg1">
-                  <a:lumMod val="50000"/>
-                </a:schemeClr>
-              </a:solidFill>
-            </a:endParaRPr>
-          </a:p>
-          <a:p>
-            <a:endParaRPr lang="ko-KR" altLang="en-US" sz="1200" dirty="0">
-              <a:solidFill>
-                <a:schemeClr val="bg1">
-                  <a:lumMod val="50000"/>
-                </a:schemeClr>
-              </a:solidFill>
-            </a:endParaRPr>
-          </a:p>
-        </p:txBody>
-      </p:sp>
-      <p:sp>
-        <p:nvSpPr>
-          <p:cNvPr id="24" name="직사각형 23">
-            <a:extLst>
-              <a:ext uri="{FF2B5EF4-FFF2-40B4-BE49-F238E27FC236}">
-                <a16:creationId xmlns:a16="http://schemas.microsoft.com/office/drawing/2014/main" id="{AAC432EB-8DF8-4E88-BB81-28E11FCF868B}"/>
-              </a:ext>
-            </a:extLst>
-          </p:cNvPr>
-          <p:cNvSpPr/>
-          <p:nvPr/>
-        </p:nvSpPr>
-        <p:spPr>
-          <a:xfrm>
-            <a:off x="2570988" y="5813578"/>
-            <a:ext cx="1699260" cy="369332"/>
-          </a:xfrm>
-          <a:prstGeom prst="rect">
-            <a:avLst/>
-          </a:prstGeom>
-          <a:noFill/>
-          <a:ln w="38100">
-            <a:solidFill>
-              <a:srgbClr val="FF0000"/>
-            </a:solidFill>
-          </a:ln>
-        </p:spPr>
-        <p:style>
-          <a:lnRef idx="2">
-            <a:schemeClr val="accent1">
-              <a:shade val="50000"/>
-            </a:schemeClr>
-          </a:lnRef>
-          <a:fillRef idx="1">
-            <a:schemeClr val="accent1"/>
-          </a:fillRef>
-          <a:effectRef idx="0">
-            <a:schemeClr val="accent1"/>
-          </a:effectRef>
-          <a:fontRef idx="minor">
-            <a:schemeClr val="lt1"/>
-          </a:fontRef>
-        </p:style>
-        <p:txBody>
-          <a:bodyPr rtlCol="0" anchor="ctr"/>
-          <a:lstStyle/>
-          <a:p>
-            <a:pPr algn="ctr"/>
-            <a:endParaRPr lang="ko-KR" altLang="en-US"/>
-          </a:p>
-        </p:txBody>
-      </p:sp>
-      <p:sp>
-        <p:nvSpPr>
-          <p:cNvPr id="2" name="화살표: 아래쪽 1">
-            <a:extLst>
-              <a:ext uri="{FF2B5EF4-FFF2-40B4-BE49-F238E27FC236}">
-                <a16:creationId xmlns:a16="http://schemas.microsoft.com/office/drawing/2014/main" id="{50CDA576-8EFB-4F1C-8163-07496F1F188E}"/>
-              </a:ext>
-            </a:extLst>
-          </p:cNvPr>
-          <p:cNvSpPr/>
-          <p:nvPr/>
-        </p:nvSpPr>
-        <p:spPr>
-          <a:xfrm>
-            <a:off x="1490472" y="3785616"/>
-            <a:ext cx="475488" cy="506805"/>
-          </a:xfrm>
-          <a:prstGeom prst="downArrow">
-            <a:avLst/>
-          </a:prstGeom>
-        </p:spPr>
-        <p:style>
-          <a:lnRef idx="2">
-            <a:schemeClr val="accent1">
-              <a:shade val="50000"/>
-            </a:schemeClr>
-          </a:lnRef>
-          <a:fillRef idx="1">
-            <a:schemeClr val="accent1"/>
-          </a:fillRef>
-          <a:effectRef idx="0">
-            <a:schemeClr val="accent1"/>
-          </a:effectRef>
-          <a:fontRef idx="minor">
-            <a:schemeClr val="lt1"/>
-          </a:fontRef>
-        </p:style>
-        <p:txBody>
-          <a:bodyPr rtlCol="0" anchor="ctr"/>
-          <a:lstStyle/>
-          <a:p>
-            <a:pPr algn="ctr"/>
-            <a:endParaRPr lang="ko-KR" altLang="en-US"/>
-          </a:p>
-        </p:txBody>
-      </p:sp>
-      <p:sp>
-        <p:nvSpPr>
-          <p:cNvPr id="7" name="TextBox 6">
-            <a:extLst>
-              <a:ext uri="{FF2B5EF4-FFF2-40B4-BE49-F238E27FC236}">
-                <a16:creationId xmlns:a16="http://schemas.microsoft.com/office/drawing/2014/main" id="{2CC9574B-6050-467D-82BB-B289D2BD766C}"/>
-              </a:ext>
-            </a:extLst>
-          </p:cNvPr>
-          <p:cNvSpPr txBox="1"/>
-          <p:nvPr/>
-        </p:nvSpPr>
-        <p:spPr>
-          <a:xfrm>
-            <a:off x="390937" y="4438001"/>
-            <a:ext cx="2814765" cy="369332"/>
-          </a:xfrm>
-          <a:prstGeom prst="rect">
-            <a:avLst/>
-          </a:prstGeom>
-          <a:noFill/>
-        </p:spPr>
-        <p:txBody>
-          <a:bodyPr wrap="square" rtlCol="0">
-            <a:spAutoFit/>
-          </a:bodyPr>
-          <a:lstStyle/>
-          <a:p>
-            <a:r>
-              <a:rPr lang="ko-KR" altLang="en-US" b="1" dirty="0"/>
-              <a:t>라벨 이용하는 것이 특징</a:t>
-            </a:r>
-          </a:p>
-        </p:txBody>
-      </p:sp>
-      <p:sp>
-        <p:nvSpPr>
-          <p:cNvPr id="12" name="직사각형 11">
-            <a:extLst>
-              <a:ext uri="{FF2B5EF4-FFF2-40B4-BE49-F238E27FC236}">
-                <a16:creationId xmlns:a16="http://schemas.microsoft.com/office/drawing/2014/main" id="{745F4C1C-7FC5-4FF3-BDE4-61185FB565BF}"/>
-              </a:ext>
-            </a:extLst>
-          </p:cNvPr>
-          <p:cNvSpPr/>
-          <p:nvPr/>
-        </p:nvSpPr>
-        <p:spPr>
-          <a:xfrm>
-            <a:off x="5843016" y="1768717"/>
-            <a:ext cx="3072384" cy="714723"/>
-          </a:xfrm>
-          <a:prstGeom prst="rect">
-            <a:avLst/>
-          </a:prstGeom>
-          <a:noFill/>
-          <a:ln w="28575">
-            <a:solidFill>
-              <a:srgbClr val="FF0000"/>
-            </a:solidFill>
-          </a:ln>
-        </p:spPr>
-        <p:style>
-          <a:lnRef idx="2">
-            <a:schemeClr val="accent1">
-              <a:shade val="50000"/>
-            </a:schemeClr>
-          </a:lnRef>
-          <a:fillRef idx="1">
-            <a:schemeClr val="accent1"/>
-          </a:fillRef>
-          <a:effectRef idx="0">
-            <a:schemeClr val="accent1"/>
-          </a:effectRef>
-          <a:fontRef idx="minor">
-            <a:schemeClr val="lt1"/>
-          </a:fontRef>
-        </p:style>
-        <p:txBody>
-          <a:bodyPr rtlCol="0" anchor="ctr"/>
-          <a:lstStyle/>
-          <a:p>
-            <a:pPr algn="ctr"/>
-            <a:endParaRPr lang="ko-KR" altLang="en-US"/>
-          </a:p>
-        </p:txBody>
-      </p:sp>
-      <p:sp>
-        <p:nvSpPr>
-          <p:cNvPr id="14" name="화살표: 오른쪽 13">
-            <a:extLst>
-              <a:ext uri="{FF2B5EF4-FFF2-40B4-BE49-F238E27FC236}">
-                <a16:creationId xmlns:a16="http://schemas.microsoft.com/office/drawing/2014/main" id="{90D2F71E-3694-4B35-B2E5-C655478BA51C}"/>
-              </a:ext>
-            </a:extLst>
-          </p:cNvPr>
-          <p:cNvSpPr/>
-          <p:nvPr/>
-        </p:nvSpPr>
-        <p:spPr>
-          <a:xfrm>
-            <a:off x="8699245" y="2617794"/>
-            <a:ext cx="310896" cy="399859"/>
-          </a:xfrm>
-          <a:prstGeom prst="rightArrow">
-            <a:avLst/>
-          </a:prstGeom>
-          <a:solidFill>
-            <a:schemeClr val="bg1">
-              <a:lumMod val="50000"/>
-            </a:schemeClr>
-          </a:solidFill>
-          <a:ln>
-            <a:noFill/>
-          </a:ln>
-        </p:spPr>
-        <p:style>
-          <a:lnRef idx="2">
-            <a:schemeClr val="accent1">
-              <a:shade val="50000"/>
-            </a:schemeClr>
-          </a:lnRef>
-          <a:fillRef idx="1">
-            <a:schemeClr val="accent1"/>
-          </a:fillRef>
-          <a:effectRef idx="0">
-            <a:schemeClr val="accent1"/>
-          </a:effectRef>
-          <a:fontRef idx="minor">
-            <a:schemeClr val="lt1"/>
-          </a:fontRef>
-        </p:style>
-        <p:txBody>
-          <a:bodyPr rtlCol="0" anchor="ctr"/>
-          <a:lstStyle/>
-          <a:p>
-            <a:pPr algn="ctr"/>
-            <a:endParaRPr lang="ko-KR" altLang="en-US"/>
-          </a:p>
-        </p:txBody>
-      </p:sp>
-      <mc:AlternateContent xmlns:mc="http://schemas.openxmlformats.org/markup-compatibility/2006">
-        <mc:Choice xmlns:a14="http://schemas.microsoft.com/office/drawing/2010/main" Requires="a14">
-          <p:sp>
-            <p:nvSpPr>
-              <p:cNvPr id="25" name="TextBox 24">
-                <a:extLst>
-                  <a:ext uri="{FF2B5EF4-FFF2-40B4-BE49-F238E27FC236}">
-                    <a16:creationId xmlns:a16="http://schemas.microsoft.com/office/drawing/2014/main" id="{3022F59C-537A-43A8-8CE0-5EB0C3952394}"/>
-                  </a:ext>
-                </a:extLst>
-              </p:cNvPr>
-              <p:cNvSpPr txBox="1"/>
-              <p:nvPr/>
-            </p:nvSpPr>
-            <p:spPr>
-              <a:xfrm>
-                <a:off x="9070848" y="2582534"/>
-                <a:ext cx="3628633" cy="1042786"/>
-              </a:xfrm>
-              <a:prstGeom prst="rect">
-                <a:avLst/>
-              </a:prstGeom>
-              <a:noFill/>
-            </p:spPr>
-            <p:txBody>
-              <a:bodyPr wrap="square" rtlCol="0">
-                <a:spAutoFit/>
-              </a:bodyPr>
-              <a:lstStyle/>
-              <a:p>
-                <a14:m>
-                  <m:oMath xmlns:m="http://schemas.openxmlformats.org/officeDocument/2006/math">
-                    <m:r>
-                      <a:rPr lang="ko-KR" altLang="en-US" sz="1500" i="1" smtClean="0">
-                        <a:solidFill>
-                          <a:schemeClr val="bg1">
-                            <a:lumMod val="50000"/>
-                          </a:schemeClr>
-                        </a:solidFill>
-                        <a:latin typeface="Cambria Math" panose="02040503050406030204" pitchFamily="18" charset="0"/>
-                      </a:rPr>
-                      <m:t>𝜂</m:t>
-                    </m:r>
-                  </m:oMath>
-                </a14:m>
-                <a:r>
-                  <a:rPr lang="en-US" altLang="ko-KR" sz="1500" dirty="0">
-                    <a:solidFill>
-                      <a:schemeClr val="bg1">
-                        <a:lumMod val="50000"/>
-                      </a:schemeClr>
-                    </a:solidFill>
-                  </a:rPr>
-                  <a:t> : hyperparameter that controls balance between labeled and unlabeled </a:t>
-                </a:r>
-              </a:p>
-              <a:p>
-                <a14:m>
-                  <m:oMath xmlns:m="http://schemas.openxmlformats.org/officeDocument/2006/math">
-                    <m:acc>
-                      <m:accPr>
-                        <m:chr m:val="̃"/>
-                        <m:ctrlPr>
-                          <a:rPr lang="ko-KR" altLang="en-US" sz="1500" i="1" smtClean="0">
-                            <a:solidFill>
-                              <a:schemeClr val="bg1">
-                                <a:lumMod val="50000"/>
-                              </a:schemeClr>
-                            </a:solidFill>
-                            <a:latin typeface="Cambria Math" panose="02040503050406030204" pitchFamily="18" charset="0"/>
-                          </a:rPr>
-                        </m:ctrlPr>
-                      </m:accPr>
-                      <m:e>
-                        <m:r>
-                          <a:rPr lang="en-US" altLang="ko-KR" sz="1500" b="0" i="1" smtClean="0">
-                            <a:solidFill>
-                              <a:schemeClr val="bg1">
-                                <a:lumMod val="50000"/>
-                              </a:schemeClr>
-                            </a:solidFill>
-                            <a:latin typeface="Cambria Math" panose="02040503050406030204" pitchFamily="18" charset="0"/>
-                          </a:rPr>
-                          <m:t>𝑦</m:t>
-                        </m:r>
-                      </m:e>
-                    </m:acc>
-                  </m:oMath>
-                </a14:m>
-                <a:r>
-                  <a:rPr lang="ko-KR" altLang="en-US" sz="1500" dirty="0">
-                    <a:solidFill>
-                      <a:schemeClr val="bg1">
-                        <a:lumMod val="50000"/>
-                      </a:schemeClr>
-                    </a:solidFill>
-                  </a:rPr>
-                  <a:t> </a:t>
-                </a:r>
-                <a:r>
-                  <a:rPr lang="en-US" altLang="ko-KR" sz="1500" dirty="0">
-                    <a:solidFill>
-                      <a:schemeClr val="bg1">
-                        <a:lumMod val="50000"/>
-                      </a:schemeClr>
-                    </a:solidFill>
-                  </a:rPr>
-                  <a:t>: 1 if normal, -1 if anomaly </a:t>
-                </a:r>
-                <a:endParaRPr lang="ko-KR" altLang="en-US" sz="1500" dirty="0">
-                  <a:solidFill>
-                    <a:schemeClr val="bg1">
-                      <a:lumMod val="50000"/>
-                    </a:schemeClr>
-                  </a:solidFill>
-                </a:endParaRPr>
-              </a:p>
-            </p:txBody>
-          </p:sp>
-        </mc:Choice>
-        <mc:Fallback>
-          <p:sp>
-            <p:nvSpPr>
-              <p:cNvPr id="25" name="TextBox 24">
-                <a:extLst>
-                  <a:ext uri="{FF2B5EF4-FFF2-40B4-BE49-F238E27FC236}">
-                    <a16:creationId xmlns:a16="http://schemas.microsoft.com/office/drawing/2014/main" id="{3022F59C-537A-43A8-8CE0-5EB0C3952394}"/>
-                  </a:ext>
-                </a:extLst>
-              </p:cNvPr>
-              <p:cNvSpPr txBox="1">
-                <a:spLocks noRot="1" noChangeAspect="1" noMove="1" noResize="1" noEditPoints="1" noAdjustHandles="1" noChangeArrowheads="1" noChangeShapeType="1" noTextEdit="1"/>
-              </p:cNvSpPr>
-              <p:nvPr/>
-            </p:nvSpPr>
-            <p:spPr>
-              <a:xfrm>
-                <a:off x="9070848" y="2582534"/>
-                <a:ext cx="3628633" cy="1042786"/>
-              </a:xfrm>
-              <a:prstGeom prst="rect">
-                <a:avLst/>
-              </a:prstGeom>
-              <a:blipFill>
-                <a:blip r:embed="rId6"/>
-                <a:stretch>
-                  <a:fillRect l="-672" t="-1754" b="-2339"/>
-                </a:stretch>
-              </a:blipFill>
-            </p:spPr>
-            <p:txBody>
-              <a:bodyPr/>
-              <a:lstStyle/>
-              <a:p>
-                <a:r>
-                  <a:rPr lang="ko-KR" altLang="en-US">
-                    <a:noFill/>
-                  </a:rPr>
-                  <a:t> </a:t>
-                </a:r>
-              </a:p>
-            </p:txBody>
-          </p:sp>
-        </mc:Fallback>
-      </mc:AlternateContent>
-      <p:sp>
-        <p:nvSpPr>
-          <p:cNvPr id="27" name="TextBox 26">
-            <a:extLst>
-              <a:ext uri="{FF2B5EF4-FFF2-40B4-BE49-F238E27FC236}">
-                <a16:creationId xmlns:a16="http://schemas.microsoft.com/office/drawing/2014/main" id="{3D19D6F2-3F18-469A-AE0F-4FA3CBB58CAD}"/>
-              </a:ext>
-            </a:extLst>
-          </p:cNvPr>
-          <p:cNvSpPr txBox="1"/>
-          <p:nvPr/>
-        </p:nvSpPr>
-        <p:spPr>
-          <a:xfrm>
-            <a:off x="5986272" y="589423"/>
-            <a:ext cx="3628633" cy="1015663"/>
-          </a:xfrm>
-          <a:prstGeom prst="rect">
-            <a:avLst/>
-          </a:prstGeom>
-          <a:noFill/>
-        </p:spPr>
-        <p:txBody>
-          <a:bodyPr wrap="square" rtlCol="0">
-            <a:spAutoFit/>
-          </a:bodyPr>
-          <a:lstStyle/>
-          <a:p>
-            <a:r>
-              <a:rPr lang="en-US" altLang="ko-KR" sz="1500" dirty="0">
-                <a:solidFill>
-                  <a:schemeClr val="bg1">
-                    <a:lumMod val="50000"/>
-                  </a:schemeClr>
-                </a:solidFill>
-              </a:rPr>
-              <a:t>If outlier is close to C, loss gets large</a:t>
-            </a:r>
-          </a:p>
-          <a:p>
-            <a:r>
-              <a:rPr lang="en-US" altLang="ko-KR" sz="1500" dirty="0">
-                <a:solidFill>
-                  <a:schemeClr val="bg1">
-                    <a:lumMod val="50000"/>
-                  </a:schemeClr>
-                </a:solidFill>
-              </a:rPr>
-              <a:t>If normal point is far from C, loss gets also large</a:t>
-            </a:r>
-          </a:p>
-          <a:p>
-            <a:r>
-              <a:rPr lang="en-US" altLang="ko-KR" sz="1500" dirty="0">
-                <a:solidFill>
-                  <a:schemeClr val="bg1">
-                    <a:lumMod val="50000"/>
-                  </a:schemeClr>
-                </a:solidFill>
-              </a:rPr>
-              <a:t>  </a:t>
-            </a:r>
-            <a:endParaRPr lang="ko-KR" altLang="en-US" sz="1500" dirty="0">
-              <a:solidFill>
-                <a:schemeClr val="bg1">
-                  <a:lumMod val="50000"/>
-                </a:schemeClr>
-              </a:solidFill>
-            </a:endParaRPr>
-          </a:p>
-        </p:txBody>
-      </p:sp>
-      <p:sp>
-        <p:nvSpPr>
-          <p:cNvPr id="28" name="화살표: 오른쪽 27">
-            <a:extLst>
-              <a:ext uri="{FF2B5EF4-FFF2-40B4-BE49-F238E27FC236}">
-                <a16:creationId xmlns:a16="http://schemas.microsoft.com/office/drawing/2014/main" id="{283119F4-061C-425B-B13F-94868B296C79}"/>
-              </a:ext>
-            </a:extLst>
-          </p:cNvPr>
-          <p:cNvSpPr/>
-          <p:nvPr/>
-        </p:nvSpPr>
-        <p:spPr>
-          <a:xfrm rot="16200000">
-            <a:off x="7412753" y="1321560"/>
-            <a:ext cx="310896" cy="399859"/>
-          </a:xfrm>
-          <a:prstGeom prst="rightArrow">
-            <a:avLst/>
-          </a:prstGeom>
-          <a:solidFill>
-            <a:schemeClr val="bg1">
-              <a:lumMod val="50000"/>
-            </a:schemeClr>
-          </a:solidFill>
-          <a:ln>
-            <a:noFill/>
-          </a:ln>
-        </p:spPr>
-        <p:style>
-          <a:lnRef idx="2">
-            <a:schemeClr val="accent1">
-              <a:shade val="50000"/>
-            </a:schemeClr>
-          </a:lnRef>
-          <a:fillRef idx="1">
-            <a:schemeClr val="accent1"/>
-          </a:fillRef>
-          <a:effectRef idx="0">
-            <a:schemeClr val="accent1"/>
-          </a:effectRef>
-          <a:fontRef idx="minor">
-            <a:schemeClr val="lt1"/>
-          </a:fontRef>
-        </p:style>
-        <p:txBody>
-          <a:bodyPr rtlCol="0" anchor="ctr"/>
-          <a:lstStyle/>
-          <a:p>
-            <a:pPr algn="ctr"/>
-            <a:endParaRPr lang="ko-KR" altLang="en-US"/>
-          </a:p>
-        </p:txBody>
-      </p:sp>
-    </p:spTree>
-    <p:extLst>
-      <p:ext uri="{BB962C8B-B14F-4D97-AF65-F5344CB8AC3E}">
-        <p14:creationId xmlns:p14="http://schemas.microsoft.com/office/powerpoint/2010/main" val="1674873343"/>
-      </p:ext>
-    </p:extLst>
-  </p:cSld>
-  <p:clrMapOvr>
-    <a:masterClrMapping/>
-  </p:clrMapOvr>
-</p:sld>
-</file>
-
-<file path=ppt/slides/slide24.xml><?xml version="1.0" encoding="utf-8"?>
-<p:sld xmlns:a="http://schemas.openxmlformats.org/drawingml/2006/main" xmlns:r="http://schemas.openxmlformats.org/officeDocument/2006/relationships" xmlns:p="http://schemas.openxmlformats.org/presentationml/2006/main">
-  <p:cSld>
-    <p:spTree>
-      <p:nvGrpSpPr>
-        <p:cNvPr id="1" name=""/>
-        <p:cNvGrpSpPr/>
-        <p:nvPr/>
-      </p:nvGrpSpPr>
-      <p:grpSpPr>
-        <a:xfrm>
-          <a:off x="0" y="0"/>
-          <a:ext cx="0" cy="0"/>
-          <a:chOff x="0" y="0"/>
-          <a:chExt cx="0" cy="0"/>
-        </a:xfrm>
-      </p:grpSpPr>
-      <p:sp>
-        <p:nvSpPr>
-          <p:cNvPr id="10" name="TextBox 9">
-            <a:extLst>
-              <a:ext uri="{FF2B5EF4-FFF2-40B4-BE49-F238E27FC236}">
-                <a16:creationId xmlns:a16="http://schemas.microsoft.com/office/drawing/2014/main" id="{26D67EAD-4F54-4DC8-A78A-8F0C5D927463}"/>
-              </a:ext>
-            </a:extLst>
-          </p:cNvPr>
-          <p:cNvSpPr txBox="1"/>
-          <p:nvPr/>
-        </p:nvSpPr>
-        <p:spPr>
-          <a:xfrm>
-            <a:off x="446784" y="1026312"/>
-            <a:ext cx="8627615" cy="477054"/>
-          </a:xfrm>
-          <a:prstGeom prst="rect">
-            <a:avLst/>
-          </a:prstGeom>
-          <a:noFill/>
-        </p:spPr>
-        <p:txBody>
-          <a:bodyPr wrap="square" rtlCol="0">
-            <a:spAutoFit/>
-          </a:bodyPr>
-          <a:lstStyle/>
-          <a:p>
-            <a:r>
-              <a:rPr lang="en-US" altLang="ko-KR" sz="2500" b="1" dirty="0"/>
-              <a:t>Deep SAD</a:t>
-            </a:r>
-            <a:endParaRPr lang="ko-KR" altLang="en-US" sz="2500" b="1" dirty="0"/>
-          </a:p>
-        </p:txBody>
-      </p:sp>
-      <p:sp>
-        <p:nvSpPr>
-          <p:cNvPr id="4" name="TextBox 3">
-            <a:extLst>
-              <a:ext uri="{FF2B5EF4-FFF2-40B4-BE49-F238E27FC236}">
-                <a16:creationId xmlns:a16="http://schemas.microsoft.com/office/drawing/2014/main" id="{CCF2CAB1-2ADB-4BF5-A48D-5053B8B3BABC}"/>
-              </a:ext>
-            </a:extLst>
-          </p:cNvPr>
-          <p:cNvSpPr txBox="1"/>
-          <p:nvPr/>
-        </p:nvSpPr>
-        <p:spPr>
-          <a:xfrm>
-            <a:off x="9525740" y="186432"/>
-            <a:ext cx="4802820" cy="477054"/>
-          </a:xfrm>
-          <a:prstGeom prst="rect">
-            <a:avLst/>
-          </a:prstGeom>
-          <a:noFill/>
-        </p:spPr>
-        <p:txBody>
-          <a:bodyPr wrap="square" rtlCol="0">
-            <a:spAutoFit/>
-          </a:bodyPr>
-          <a:lstStyle/>
-          <a:p>
-            <a:r>
-              <a:rPr lang="en-US" altLang="ko-KR" sz="2500" dirty="0"/>
-              <a:t>Anomaly based</a:t>
-            </a:r>
-            <a:endParaRPr lang="ko-KR" altLang="en-US" sz="2500" dirty="0"/>
-          </a:p>
-        </p:txBody>
-      </p:sp>
-      <p:sp>
-        <p:nvSpPr>
-          <p:cNvPr id="9" name="Rectangle 2">
-            <a:extLst>
-              <a:ext uri="{FF2B5EF4-FFF2-40B4-BE49-F238E27FC236}">
-                <a16:creationId xmlns:a16="http://schemas.microsoft.com/office/drawing/2014/main" id="{12A42924-4CEA-4391-93D9-282BDFD83EB1}"/>
-              </a:ext>
-            </a:extLst>
-          </p:cNvPr>
-          <p:cNvSpPr>
-            <a:spLocks noChangeArrowheads="1"/>
-          </p:cNvSpPr>
-          <p:nvPr/>
-        </p:nvSpPr>
-        <p:spPr bwMode="auto">
-          <a:xfrm>
-            <a:off x="-7206806" y="6550342"/>
-            <a:ext cx="12192000" cy="457200"/>
-          </a:xfrm>
-          <a:prstGeom prst="rect">
-            <a:avLst/>
-          </a:prstGeom>
-          <a:noFill/>
-          <a:ln>
-            <a:noFill/>
-          </a:ln>
-          <a:effectLst/>
-          <a:extLst>
-            <a:ext uri="{909E8E84-426E-40DD-AFC4-6F175D3DCCD1}">
-              <a14:hiddenFill xmlns:a14="http://schemas.microsoft.com/office/drawing/2010/main">
-                <a:solidFill>
-                  <a:schemeClr val="accent1"/>
-                </a:solidFill>
-              </a14:hiddenFill>
-            </a:ext>
-            <a:ext uri="{91240B29-F687-4F45-9708-019B960494DF}">
-              <a14:hiddenLine xmlns:a14="http://schemas.microsoft.com/office/drawing/2010/main" w="9525">
-                <a:solidFill>
-                  <a:schemeClr val="tx1"/>
-                </a:solidFill>
-                <a:miter lim="800000"/>
-                <a:headEnd/>
-                <a:tailEnd/>
-              </a14:hiddenLine>
-            </a:ext>
-            <a:ext uri="{AF507438-7753-43E0-B8FC-AC1667EBCBE1}">
-              <a14:hiddenEffects xmlns:a14="http://schemas.microsoft.com/office/drawing/2010/main">
-                <a:effectLst>
-                  <a:outerShdw dist="35921" dir="2700000" algn="ctr" rotWithShape="0">
-                    <a:schemeClr val="bg2"/>
-                  </a:outerShdw>
-                </a:effectLst>
-              </a14:hiddenEffects>
-            </a:ext>
-          </a:extLst>
-        </p:spPr>
-        <p:txBody>
-          <a:bodyPr vert="horz" wrap="none" lIns="91440" tIns="45720" rIns="91440" bIns="45720" numCol="1" anchor="ctr" anchorCtr="0" compatLnSpc="1">
-            <a:prstTxWarp prst="textNoShape">
-              <a:avLst/>
-            </a:prstTxWarp>
-            <a:spAutoFit/>
-          </a:bodyPr>
-          <a:lstStyle/>
-          <a:p>
-            <a:endParaRPr lang="ko-KR" altLang="en-US"/>
-          </a:p>
-        </p:txBody>
-      </p:sp>
-      <p:pic>
-        <p:nvPicPr>
-          <p:cNvPr id="7169" name="_x341317600">
-            <a:extLst>
-              <a:ext uri="{FF2B5EF4-FFF2-40B4-BE49-F238E27FC236}">
-                <a16:creationId xmlns:a16="http://schemas.microsoft.com/office/drawing/2014/main" id="{51621656-BF7B-45BD-ACB7-252285160DC8}"/>
-              </a:ext>
-            </a:extLst>
-          </p:cNvPr>
-          <p:cNvPicPr>
-            <a:picLocks noChangeAspect="1" noChangeArrowheads="1"/>
-          </p:cNvPicPr>
-          <p:nvPr/>
-        </p:nvPicPr>
-        <p:blipFill>
-          <a:blip r:embed="rId2">
-            <a:extLst>
-              <a:ext uri="{28A0092B-C50C-407E-A947-70E740481C1C}">
-                <a14:useLocalDpi xmlns:a14="http://schemas.microsoft.com/office/drawing/2010/main" val="0"/>
-              </a:ext>
-            </a:extLst>
-          </a:blip>
-          <a:srcRect/>
-          <a:stretch>
-            <a:fillRect/>
-          </a:stretch>
-        </p:blipFill>
-        <p:spPr bwMode="auto">
-          <a:xfrm>
-            <a:off x="809308" y="1811099"/>
-            <a:ext cx="8385048" cy="4860469"/>
-          </a:xfrm>
-          <a:prstGeom prst="rect">
-            <a:avLst/>
-          </a:prstGeom>
-          <a:noFill/>
-          <a:extLst>
-            <a:ext uri="{909E8E84-426E-40DD-AFC4-6F175D3DCCD1}">
-              <a14:hiddenFill xmlns:a14="http://schemas.microsoft.com/office/drawing/2010/main">
-                <a:solidFill>
-                  <a:srgbClr val="FFFFFF"/>
-                </a:solidFill>
-              </a14:hiddenFill>
-            </a:ext>
-          </a:extLst>
-        </p:spPr>
-      </p:pic>
-      <p:sp>
-        <p:nvSpPr>
-          <p:cNvPr id="2" name="직사각형 1">
-            <a:extLst>
-              <a:ext uri="{FF2B5EF4-FFF2-40B4-BE49-F238E27FC236}">
-                <a16:creationId xmlns:a16="http://schemas.microsoft.com/office/drawing/2014/main" id="{6DE666EB-90D6-4894-AAD9-B1E01B1E1CE3}"/>
-              </a:ext>
-            </a:extLst>
-          </p:cNvPr>
-          <p:cNvSpPr/>
-          <p:nvPr/>
-        </p:nvSpPr>
-        <p:spPr>
-          <a:xfrm>
-            <a:off x="6346190" y="4387344"/>
-            <a:ext cx="2999232" cy="2359152"/>
-          </a:xfrm>
-          <a:prstGeom prst="rect">
-            <a:avLst/>
-          </a:prstGeom>
-          <a:noFill/>
-          <a:ln w="38100">
-            <a:solidFill>
-              <a:srgbClr val="FF0000"/>
-            </a:solidFill>
-          </a:ln>
-        </p:spPr>
-        <p:style>
-          <a:lnRef idx="2">
-            <a:schemeClr val="accent1">
-              <a:shade val="50000"/>
-            </a:schemeClr>
-          </a:lnRef>
-          <a:fillRef idx="1">
-            <a:schemeClr val="accent1"/>
-          </a:fillRef>
-          <a:effectRef idx="0">
-            <a:schemeClr val="accent1"/>
-          </a:effectRef>
-          <a:fontRef idx="minor">
-            <a:schemeClr val="lt1"/>
-          </a:fontRef>
-        </p:style>
-        <p:txBody>
-          <a:bodyPr rtlCol="0" anchor="ctr"/>
-          <a:lstStyle/>
-          <a:p>
-            <a:pPr algn="ctr"/>
-            <a:endParaRPr lang="ko-KR" altLang="en-US"/>
-          </a:p>
-        </p:txBody>
-      </p:sp>
-      <p:sp>
-        <p:nvSpPr>
-          <p:cNvPr id="3" name="화살표: 오른쪽 2">
-            <a:extLst>
-              <a:ext uri="{FF2B5EF4-FFF2-40B4-BE49-F238E27FC236}">
-                <a16:creationId xmlns:a16="http://schemas.microsoft.com/office/drawing/2014/main" id="{67C6A784-C6E3-451F-9EAD-EEBB846FC684}"/>
-              </a:ext>
-            </a:extLst>
-          </p:cNvPr>
-          <p:cNvSpPr/>
-          <p:nvPr/>
-        </p:nvSpPr>
-        <p:spPr>
-          <a:xfrm>
-            <a:off x="9500870" y="5365752"/>
-            <a:ext cx="466344" cy="630936"/>
-          </a:xfrm>
-          <a:prstGeom prst="rightArrow">
-            <a:avLst/>
-          </a:prstGeom>
-        </p:spPr>
-        <p:style>
-          <a:lnRef idx="2">
-            <a:schemeClr val="accent1">
-              <a:shade val="50000"/>
-            </a:schemeClr>
-          </a:lnRef>
-          <a:fillRef idx="1">
-            <a:schemeClr val="accent1"/>
-          </a:fillRef>
-          <a:effectRef idx="0">
-            <a:schemeClr val="accent1"/>
-          </a:effectRef>
-          <a:fontRef idx="minor">
-            <a:schemeClr val="lt1"/>
-          </a:fontRef>
-        </p:style>
-        <p:txBody>
-          <a:bodyPr rtlCol="0" anchor="ctr"/>
-          <a:lstStyle/>
-          <a:p>
-            <a:pPr algn="ctr"/>
-            <a:endParaRPr lang="ko-KR" altLang="en-US"/>
-          </a:p>
-        </p:txBody>
-      </p:sp>
-      <p:sp>
-        <p:nvSpPr>
-          <p:cNvPr id="5" name="TextBox 4">
-            <a:extLst>
-              <a:ext uri="{FF2B5EF4-FFF2-40B4-BE49-F238E27FC236}">
-                <a16:creationId xmlns:a16="http://schemas.microsoft.com/office/drawing/2014/main" id="{830419E6-E08C-4BA4-AE4A-E0C9764FE49E}"/>
-              </a:ext>
-            </a:extLst>
-          </p:cNvPr>
-          <p:cNvSpPr txBox="1"/>
-          <p:nvPr/>
-        </p:nvSpPr>
-        <p:spPr>
-          <a:xfrm>
-            <a:off x="10122662" y="5250333"/>
-            <a:ext cx="2163638" cy="861774"/>
-          </a:xfrm>
-          <a:prstGeom prst="rect">
-            <a:avLst/>
-          </a:prstGeom>
-          <a:noFill/>
-        </p:spPr>
-        <p:txBody>
-          <a:bodyPr wrap="square" rtlCol="0">
-            <a:spAutoFit/>
-          </a:bodyPr>
-          <a:lstStyle/>
-          <a:p>
-            <a:r>
-              <a:rPr lang="en-US" altLang="ko-KR" sz="2500" b="1" dirty="0"/>
-              <a:t>unseen</a:t>
-            </a:r>
-            <a:r>
-              <a:rPr lang="ko-KR" altLang="en-US" sz="2500" b="1" dirty="0"/>
-              <a:t>에도</a:t>
-            </a:r>
-            <a:endParaRPr lang="en-US" altLang="ko-KR" sz="2500" b="1" dirty="0"/>
-          </a:p>
-          <a:p>
-            <a:r>
-              <a:rPr lang="ko-KR" altLang="en-US" sz="2500" b="1" dirty="0"/>
-              <a:t>좋은 성능</a:t>
-            </a:r>
-          </a:p>
-        </p:txBody>
-      </p:sp>
-    </p:spTree>
-    <p:extLst>
-      <p:ext uri="{BB962C8B-B14F-4D97-AF65-F5344CB8AC3E}">
-        <p14:creationId xmlns:p14="http://schemas.microsoft.com/office/powerpoint/2010/main" val="3283572106"/>
-      </p:ext>
-    </p:extLst>
-  </p:cSld>
-  <p:clrMapOvr>
-    <a:masterClrMapping/>
-  </p:clrMapOvr>
-</p:sld>
-</file>
-
-<file path=ppt/slides/slide25.xml><?xml version="1.0" encoding="utf-8"?>
-<p:sld xmlns:a="http://schemas.openxmlformats.org/drawingml/2006/main" xmlns:r="http://schemas.openxmlformats.org/officeDocument/2006/relationships" xmlns:p="http://schemas.openxmlformats.org/presentationml/2006/main">
-  <p:cSld>
-    <p:spTree>
-      <p:nvGrpSpPr>
-        <p:cNvPr id="1" name=""/>
-        <p:cNvGrpSpPr/>
-        <p:nvPr/>
-      </p:nvGrpSpPr>
-      <p:grpSpPr>
-        <a:xfrm>
-          <a:off x="0" y="0"/>
-          <a:ext cx="0" cy="0"/>
-          <a:chOff x="0" y="0"/>
-          <a:chExt cx="0" cy="0"/>
-        </a:xfrm>
-      </p:grpSpPr>
-      <p:sp>
-        <p:nvSpPr>
           <p:cNvPr id="4" name="TextBox 3">
             <a:extLst>
               <a:ext uri="{FF2B5EF4-FFF2-40B4-BE49-F238E27FC236}">
@@ -13630,6 +11693,2186 @@
 </p:sld>
 </file>
 
+<file path=ppt/slides/slide24.xml><?xml version="1.0" encoding="utf-8"?>
+<p:sld xmlns:a="http://schemas.openxmlformats.org/drawingml/2006/main" xmlns:r="http://schemas.openxmlformats.org/officeDocument/2006/relationships" xmlns:p="http://schemas.openxmlformats.org/presentationml/2006/main">
+  <p:cSld>
+    <p:spTree>
+      <p:nvGrpSpPr>
+        <p:cNvPr id="1" name=""/>
+        <p:cNvGrpSpPr/>
+        <p:nvPr/>
+      </p:nvGrpSpPr>
+      <p:grpSpPr>
+        <a:xfrm>
+          <a:off x="0" y="0"/>
+          <a:ext cx="0" cy="0"/>
+          <a:chOff x="0" y="0"/>
+          <a:chExt cx="0" cy="0"/>
+        </a:xfrm>
+      </p:grpSpPr>
+      <p:sp>
+        <p:nvSpPr>
+          <p:cNvPr id="4" name="TextBox 3">
+            <a:extLst>
+              <a:ext uri="{FF2B5EF4-FFF2-40B4-BE49-F238E27FC236}">
+                <a16:creationId xmlns:a16="http://schemas.microsoft.com/office/drawing/2014/main" id="{CCF2CAB1-2ADB-4BF5-A48D-5053B8B3BABC}"/>
+              </a:ext>
+            </a:extLst>
+          </p:cNvPr>
+          <p:cNvSpPr txBox="1"/>
+          <p:nvPr/>
+        </p:nvSpPr>
+        <p:spPr>
+          <a:xfrm>
+            <a:off x="9525740" y="186432"/>
+            <a:ext cx="4802820" cy="477054"/>
+          </a:xfrm>
+          <a:prstGeom prst="rect">
+            <a:avLst/>
+          </a:prstGeom>
+          <a:noFill/>
+        </p:spPr>
+        <p:txBody>
+          <a:bodyPr wrap="square" rtlCol="0">
+            <a:spAutoFit/>
+          </a:bodyPr>
+          <a:lstStyle/>
+          <a:p>
+            <a:r>
+              <a:rPr lang="en-US" altLang="ko-KR" sz="2500" dirty="0"/>
+              <a:t>Anomaly based</a:t>
+            </a:r>
+            <a:endParaRPr lang="ko-KR" altLang="en-US" sz="2500" dirty="0"/>
+          </a:p>
+        </p:txBody>
+      </p:sp>
+      <p:sp>
+        <p:nvSpPr>
+          <p:cNvPr id="10" name="TextBox 9">
+            <a:extLst>
+              <a:ext uri="{FF2B5EF4-FFF2-40B4-BE49-F238E27FC236}">
+                <a16:creationId xmlns:a16="http://schemas.microsoft.com/office/drawing/2014/main" id="{26D67EAD-4F54-4DC8-A78A-8F0C5D927463}"/>
+              </a:ext>
+            </a:extLst>
+          </p:cNvPr>
+          <p:cNvSpPr txBox="1"/>
+          <p:nvPr/>
+        </p:nvSpPr>
+        <p:spPr>
+          <a:xfrm>
+            <a:off x="446784" y="1026312"/>
+            <a:ext cx="8627615" cy="477054"/>
+          </a:xfrm>
+          <a:prstGeom prst="rect">
+            <a:avLst/>
+          </a:prstGeom>
+          <a:noFill/>
+        </p:spPr>
+        <p:txBody>
+          <a:bodyPr wrap="square" rtlCol="0">
+            <a:spAutoFit/>
+          </a:bodyPr>
+          <a:lstStyle/>
+          <a:p>
+            <a:r>
+              <a:rPr lang="en-US" altLang="ko-KR" sz="2500" b="1" dirty="0"/>
+              <a:t>One class Neural Net</a:t>
+            </a:r>
+            <a:endParaRPr lang="ko-KR" altLang="en-US" sz="2500" b="1" dirty="0"/>
+          </a:p>
+        </p:txBody>
+      </p:sp>
+      <p:pic>
+        <p:nvPicPr>
+          <p:cNvPr id="15" name="그림 14">
+            <a:extLst>
+              <a:ext uri="{FF2B5EF4-FFF2-40B4-BE49-F238E27FC236}">
+                <a16:creationId xmlns:a16="http://schemas.microsoft.com/office/drawing/2014/main" id="{5609D34F-EBF5-41C1-BCE6-9952213744BF}"/>
+              </a:ext>
+            </a:extLst>
+          </p:cNvPr>
+          <p:cNvPicPr>
+            <a:picLocks noChangeAspect="1"/>
+          </p:cNvPicPr>
+          <p:nvPr/>
+        </p:nvPicPr>
+        <p:blipFill>
+          <a:blip r:embed="rId2"/>
+          <a:stretch>
+            <a:fillRect/>
+          </a:stretch>
+        </p:blipFill>
+        <p:spPr>
+          <a:xfrm>
+            <a:off x="446784" y="3149287"/>
+            <a:ext cx="5082111" cy="2030005"/>
+          </a:xfrm>
+          <a:prstGeom prst="rect">
+            <a:avLst/>
+          </a:prstGeom>
+        </p:spPr>
+      </p:pic>
+      <p:pic>
+        <p:nvPicPr>
+          <p:cNvPr id="17" name="그림 16">
+            <a:extLst>
+              <a:ext uri="{FF2B5EF4-FFF2-40B4-BE49-F238E27FC236}">
+                <a16:creationId xmlns:a16="http://schemas.microsoft.com/office/drawing/2014/main" id="{38AE042C-245A-468C-BFBC-632BF35F5DCD}"/>
+              </a:ext>
+            </a:extLst>
+          </p:cNvPr>
+          <p:cNvPicPr>
+            <a:picLocks noChangeAspect="1"/>
+          </p:cNvPicPr>
+          <p:nvPr/>
+        </p:nvPicPr>
+        <p:blipFill rotWithShape="1">
+          <a:blip r:embed="rId3"/>
+          <a:srcRect l="7776"/>
+          <a:stretch/>
+        </p:blipFill>
+        <p:spPr>
+          <a:xfrm>
+            <a:off x="6385383" y="1902914"/>
+            <a:ext cx="4987059" cy="3276378"/>
+          </a:xfrm>
+          <a:prstGeom prst="rect">
+            <a:avLst/>
+          </a:prstGeom>
+        </p:spPr>
+      </p:pic>
+      <p:sp>
+        <p:nvSpPr>
+          <p:cNvPr id="18" name="화살표: 오른쪽 17">
+            <a:extLst>
+              <a:ext uri="{FF2B5EF4-FFF2-40B4-BE49-F238E27FC236}">
+                <a16:creationId xmlns:a16="http://schemas.microsoft.com/office/drawing/2014/main" id="{D6297928-880C-4BAB-B443-9B1566B8265E}"/>
+              </a:ext>
+            </a:extLst>
+          </p:cNvPr>
+          <p:cNvSpPr/>
+          <p:nvPr/>
+        </p:nvSpPr>
+        <p:spPr>
+          <a:xfrm>
+            <a:off x="5528895" y="3469517"/>
+            <a:ext cx="484632" cy="738289"/>
+          </a:xfrm>
+          <a:prstGeom prst="rightArrow">
+            <a:avLst/>
+          </a:prstGeom>
+        </p:spPr>
+        <p:style>
+          <a:lnRef idx="2">
+            <a:schemeClr val="accent1">
+              <a:shade val="50000"/>
+            </a:schemeClr>
+          </a:lnRef>
+          <a:fillRef idx="1">
+            <a:schemeClr val="accent1"/>
+          </a:fillRef>
+          <a:effectRef idx="0">
+            <a:schemeClr val="accent1"/>
+          </a:effectRef>
+          <a:fontRef idx="minor">
+            <a:schemeClr val="lt1"/>
+          </a:fontRef>
+        </p:style>
+        <p:txBody>
+          <a:bodyPr rtlCol="0" anchor="ctr"/>
+          <a:lstStyle/>
+          <a:p>
+            <a:pPr algn="ctr"/>
+            <a:endParaRPr lang="ko-KR" altLang="en-US"/>
+          </a:p>
+        </p:txBody>
+      </p:sp>
+      <p:sp>
+        <p:nvSpPr>
+          <p:cNvPr id="19" name="TextBox 18">
+            <a:extLst>
+              <a:ext uri="{FF2B5EF4-FFF2-40B4-BE49-F238E27FC236}">
+                <a16:creationId xmlns:a16="http://schemas.microsoft.com/office/drawing/2014/main" id="{36BAEEC7-F536-4D60-A010-4DF5B9E89D64}"/>
+              </a:ext>
+            </a:extLst>
+          </p:cNvPr>
+          <p:cNvSpPr txBox="1"/>
+          <p:nvPr/>
+        </p:nvSpPr>
+        <p:spPr>
+          <a:xfrm>
+            <a:off x="2250771" y="5560552"/>
+            <a:ext cx="7040880" cy="369332"/>
+          </a:xfrm>
+          <a:prstGeom prst="rect">
+            <a:avLst/>
+          </a:prstGeom>
+          <a:noFill/>
+        </p:spPr>
+        <p:txBody>
+          <a:bodyPr wrap="square" rtlCol="0">
+            <a:spAutoFit/>
+          </a:bodyPr>
+          <a:lstStyle/>
+          <a:p>
+            <a:pPr algn="ctr"/>
+            <a:r>
+              <a:rPr lang="en-US" altLang="ko-KR" b="1" dirty="0"/>
+              <a:t>AE </a:t>
+            </a:r>
+            <a:r>
+              <a:rPr lang="ko-KR" altLang="en-US" b="1" dirty="0"/>
+              <a:t>학습 후</a:t>
+            </a:r>
+            <a:r>
+              <a:rPr lang="en-US" altLang="ko-KR" dirty="0"/>
+              <a:t>, encoder </a:t>
+            </a:r>
+            <a:r>
+              <a:rPr lang="ko-KR" altLang="en-US" dirty="0" err="1"/>
+              <a:t>딴을</a:t>
+            </a:r>
+            <a:r>
+              <a:rPr lang="ko-KR" altLang="en-US" dirty="0"/>
+              <a:t> </a:t>
+            </a:r>
+            <a:r>
+              <a:rPr lang="ko-KR" altLang="en-US" b="1" dirty="0"/>
+              <a:t>전이학습</a:t>
+            </a:r>
+            <a:r>
+              <a:rPr lang="ko-KR" altLang="en-US" dirty="0"/>
+              <a:t> 하여 </a:t>
+            </a:r>
+            <a:r>
+              <a:rPr lang="en-US" altLang="ko-KR" dirty="0"/>
+              <a:t>AD</a:t>
+            </a:r>
+            <a:r>
+              <a:rPr lang="ko-KR" altLang="en-US" dirty="0"/>
+              <a:t>에 </a:t>
+            </a:r>
+            <a:r>
+              <a:rPr lang="ko-KR" altLang="en-US" b="1" dirty="0"/>
+              <a:t>이용 </a:t>
+            </a:r>
+          </a:p>
+        </p:txBody>
+      </p:sp>
+      <p:sp>
+        <p:nvSpPr>
+          <p:cNvPr id="24" name="직사각형 23">
+            <a:extLst>
+              <a:ext uri="{FF2B5EF4-FFF2-40B4-BE49-F238E27FC236}">
+                <a16:creationId xmlns:a16="http://schemas.microsoft.com/office/drawing/2014/main" id="{468C7E8C-0CD3-430D-8DFC-B8D5F58D82E8}"/>
+              </a:ext>
+            </a:extLst>
+          </p:cNvPr>
+          <p:cNvSpPr/>
+          <p:nvPr/>
+        </p:nvSpPr>
+        <p:spPr>
+          <a:xfrm>
+            <a:off x="323850" y="2590800"/>
+            <a:ext cx="5382006" cy="2686050"/>
+          </a:xfrm>
+          <a:prstGeom prst="rect">
+            <a:avLst/>
+          </a:prstGeom>
+          <a:noFill/>
+          <a:ln w="28575">
+            <a:solidFill>
+              <a:srgbClr val="FF0000"/>
+            </a:solidFill>
+          </a:ln>
+        </p:spPr>
+        <p:style>
+          <a:lnRef idx="2">
+            <a:schemeClr val="accent1">
+              <a:shade val="50000"/>
+            </a:schemeClr>
+          </a:lnRef>
+          <a:fillRef idx="1">
+            <a:schemeClr val="accent1"/>
+          </a:fillRef>
+          <a:effectRef idx="0">
+            <a:schemeClr val="accent1"/>
+          </a:effectRef>
+          <a:fontRef idx="minor">
+            <a:schemeClr val="lt1"/>
+          </a:fontRef>
+        </p:style>
+        <p:txBody>
+          <a:bodyPr rtlCol="0" anchor="ctr"/>
+          <a:lstStyle/>
+          <a:p>
+            <a:pPr algn="ctr"/>
+            <a:endParaRPr lang="ko-KR" altLang="en-US"/>
+          </a:p>
+        </p:txBody>
+      </p:sp>
+      <p:sp>
+        <p:nvSpPr>
+          <p:cNvPr id="25" name="TextBox 24">
+            <a:extLst>
+              <a:ext uri="{FF2B5EF4-FFF2-40B4-BE49-F238E27FC236}">
+                <a16:creationId xmlns:a16="http://schemas.microsoft.com/office/drawing/2014/main" id="{13A85681-96D6-423B-9882-B8F165506316}"/>
+              </a:ext>
+            </a:extLst>
+          </p:cNvPr>
+          <p:cNvSpPr txBox="1"/>
+          <p:nvPr/>
+        </p:nvSpPr>
+        <p:spPr>
+          <a:xfrm>
+            <a:off x="446783" y="2727833"/>
+            <a:ext cx="1620141" cy="369332"/>
+          </a:xfrm>
+          <a:prstGeom prst="rect">
+            <a:avLst/>
+          </a:prstGeom>
+          <a:noFill/>
+        </p:spPr>
+        <p:txBody>
+          <a:bodyPr wrap="square" rtlCol="0">
+            <a:spAutoFit/>
+          </a:bodyPr>
+          <a:lstStyle/>
+          <a:p>
+            <a:r>
+              <a:rPr lang="en-US" altLang="ko-KR" b="1" dirty="0"/>
+              <a:t>Pre-training</a:t>
+            </a:r>
+            <a:endParaRPr lang="ko-KR" altLang="en-US" b="1" dirty="0"/>
+          </a:p>
+        </p:txBody>
+      </p:sp>
+      <p:sp>
+        <p:nvSpPr>
+          <p:cNvPr id="11" name="직사각형 10">
+            <a:extLst>
+              <a:ext uri="{FF2B5EF4-FFF2-40B4-BE49-F238E27FC236}">
+                <a16:creationId xmlns:a16="http://schemas.microsoft.com/office/drawing/2014/main" id="{C072AF26-5108-4A3D-963C-58F0F5F599B9}"/>
+              </a:ext>
+            </a:extLst>
+          </p:cNvPr>
+          <p:cNvSpPr/>
+          <p:nvPr/>
+        </p:nvSpPr>
+        <p:spPr>
+          <a:xfrm>
+            <a:off x="6254496" y="1787068"/>
+            <a:ext cx="5523153" cy="3489782"/>
+          </a:xfrm>
+          <a:prstGeom prst="rect">
+            <a:avLst/>
+          </a:prstGeom>
+          <a:noFill/>
+          <a:ln w="28575">
+            <a:solidFill>
+              <a:srgbClr val="FF0000"/>
+            </a:solidFill>
+          </a:ln>
+        </p:spPr>
+        <p:style>
+          <a:lnRef idx="2">
+            <a:schemeClr val="accent1">
+              <a:shade val="50000"/>
+            </a:schemeClr>
+          </a:lnRef>
+          <a:fillRef idx="1">
+            <a:schemeClr val="accent1"/>
+          </a:fillRef>
+          <a:effectRef idx="0">
+            <a:schemeClr val="accent1"/>
+          </a:effectRef>
+          <a:fontRef idx="minor">
+            <a:schemeClr val="lt1"/>
+          </a:fontRef>
+        </p:style>
+        <p:txBody>
+          <a:bodyPr rtlCol="0" anchor="ctr"/>
+          <a:lstStyle/>
+          <a:p>
+            <a:pPr algn="ctr"/>
+            <a:endParaRPr lang="ko-KR" altLang="en-US"/>
+          </a:p>
+        </p:txBody>
+      </p:sp>
+      <p:sp>
+        <p:nvSpPr>
+          <p:cNvPr id="12" name="TextBox 11">
+            <a:extLst>
+              <a:ext uri="{FF2B5EF4-FFF2-40B4-BE49-F238E27FC236}">
+                <a16:creationId xmlns:a16="http://schemas.microsoft.com/office/drawing/2014/main" id="{B576494D-91F2-4968-A981-CF7D3FA665C9}"/>
+              </a:ext>
+            </a:extLst>
+          </p:cNvPr>
+          <p:cNvSpPr txBox="1"/>
+          <p:nvPr/>
+        </p:nvSpPr>
+        <p:spPr>
+          <a:xfrm>
+            <a:off x="6385383" y="1862290"/>
+            <a:ext cx="1620141" cy="369332"/>
+          </a:xfrm>
+          <a:prstGeom prst="rect">
+            <a:avLst/>
+          </a:prstGeom>
+          <a:noFill/>
+        </p:spPr>
+        <p:txBody>
+          <a:bodyPr wrap="square" rtlCol="0">
+            <a:spAutoFit/>
+          </a:bodyPr>
+          <a:lstStyle/>
+          <a:p>
+            <a:r>
+              <a:rPr lang="en-US" altLang="ko-KR" b="1" dirty="0"/>
+              <a:t>AE </a:t>
+            </a:r>
+            <a:r>
+              <a:rPr lang="ko-KR" altLang="en-US" b="1" dirty="0"/>
+              <a:t>모델</a:t>
+            </a:r>
+          </a:p>
+        </p:txBody>
+      </p:sp>
+    </p:spTree>
+    <p:extLst>
+      <p:ext uri="{BB962C8B-B14F-4D97-AF65-F5344CB8AC3E}">
+        <p14:creationId xmlns:p14="http://schemas.microsoft.com/office/powerpoint/2010/main" val="3433635496"/>
+      </p:ext>
+    </p:extLst>
+  </p:cSld>
+  <p:clrMapOvr>
+    <a:masterClrMapping/>
+  </p:clrMapOvr>
+</p:sld>
+</file>
+
+<file path=ppt/slides/slide25.xml><?xml version="1.0" encoding="utf-8"?>
+<p:sld xmlns:a="http://schemas.openxmlformats.org/drawingml/2006/main" xmlns:r="http://schemas.openxmlformats.org/officeDocument/2006/relationships" xmlns:p="http://schemas.openxmlformats.org/presentationml/2006/main">
+  <p:cSld>
+    <p:spTree>
+      <p:nvGrpSpPr>
+        <p:cNvPr id="1" name=""/>
+        <p:cNvGrpSpPr/>
+        <p:nvPr/>
+      </p:nvGrpSpPr>
+      <p:grpSpPr>
+        <a:xfrm>
+          <a:off x="0" y="0"/>
+          <a:ext cx="0" cy="0"/>
+          <a:chOff x="0" y="0"/>
+          <a:chExt cx="0" cy="0"/>
+        </a:xfrm>
+      </p:grpSpPr>
+      <p:sp>
+        <p:nvSpPr>
+          <p:cNvPr id="10" name="TextBox 9">
+            <a:extLst>
+              <a:ext uri="{FF2B5EF4-FFF2-40B4-BE49-F238E27FC236}">
+                <a16:creationId xmlns:a16="http://schemas.microsoft.com/office/drawing/2014/main" id="{26D67EAD-4F54-4DC8-A78A-8F0C5D927463}"/>
+              </a:ext>
+            </a:extLst>
+          </p:cNvPr>
+          <p:cNvSpPr txBox="1"/>
+          <p:nvPr/>
+        </p:nvSpPr>
+        <p:spPr>
+          <a:xfrm>
+            <a:off x="446784" y="1026312"/>
+            <a:ext cx="8627615" cy="477054"/>
+          </a:xfrm>
+          <a:prstGeom prst="rect">
+            <a:avLst/>
+          </a:prstGeom>
+          <a:noFill/>
+        </p:spPr>
+        <p:txBody>
+          <a:bodyPr wrap="square" rtlCol="0">
+            <a:spAutoFit/>
+          </a:bodyPr>
+          <a:lstStyle/>
+          <a:p>
+            <a:r>
+              <a:rPr lang="en-US" altLang="ko-KR" sz="2500" b="1" dirty="0"/>
+              <a:t>Deep SAD</a:t>
+            </a:r>
+            <a:endParaRPr lang="ko-KR" altLang="en-US" sz="2500" b="1" dirty="0"/>
+          </a:p>
+        </p:txBody>
+      </p:sp>
+      <p:sp>
+        <p:nvSpPr>
+          <p:cNvPr id="4" name="TextBox 3">
+            <a:extLst>
+              <a:ext uri="{FF2B5EF4-FFF2-40B4-BE49-F238E27FC236}">
+                <a16:creationId xmlns:a16="http://schemas.microsoft.com/office/drawing/2014/main" id="{CCF2CAB1-2ADB-4BF5-A48D-5053B8B3BABC}"/>
+              </a:ext>
+            </a:extLst>
+          </p:cNvPr>
+          <p:cNvSpPr txBox="1"/>
+          <p:nvPr/>
+        </p:nvSpPr>
+        <p:spPr>
+          <a:xfrm>
+            <a:off x="9525740" y="186432"/>
+            <a:ext cx="4802820" cy="477054"/>
+          </a:xfrm>
+          <a:prstGeom prst="rect">
+            <a:avLst/>
+          </a:prstGeom>
+          <a:noFill/>
+        </p:spPr>
+        <p:txBody>
+          <a:bodyPr wrap="square" rtlCol="0">
+            <a:spAutoFit/>
+          </a:bodyPr>
+          <a:lstStyle/>
+          <a:p>
+            <a:r>
+              <a:rPr lang="en-US" altLang="ko-KR" sz="2500" dirty="0"/>
+              <a:t>Anomaly based</a:t>
+            </a:r>
+            <a:endParaRPr lang="ko-KR" altLang="en-US" sz="2500" dirty="0"/>
+          </a:p>
+        </p:txBody>
+      </p:sp>
+      <p:sp>
+        <p:nvSpPr>
+          <p:cNvPr id="11" name="TextBox 10">
+            <a:extLst>
+              <a:ext uri="{FF2B5EF4-FFF2-40B4-BE49-F238E27FC236}">
+                <a16:creationId xmlns:a16="http://schemas.microsoft.com/office/drawing/2014/main" id="{A1F155FE-CA1B-47CC-8CF9-33C2D1E60366}"/>
+              </a:ext>
+            </a:extLst>
+          </p:cNvPr>
+          <p:cNvSpPr txBox="1"/>
+          <p:nvPr/>
+        </p:nvSpPr>
+        <p:spPr>
+          <a:xfrm>
+            <a:off x="3654554" y="4159818"/>
+            <a:ext cx="3913632" cy="369332"/>
+          </a:xfrm>
+          <a:prstGeom prst="rect">
+            <a:avLst/>
+          </a:prstGeom>
+          <a:noFill/>
+        </p:spPr>
+        <p:txBody>
+          <a:bodyPr wrap="square" rtlCol="0">
+            <a:spAutoFit/>
+          </a:bodyPr>
+          <a:lstStyle/>
+          <a:p>
+            <a:pPr algn="ctr"/>
+            <a:r>
+              <a:rPr lang="en-US" altLang="ko-KR" dirty="0"/>
+              <a:t>OC SVM(or SVDD)</a:t>
+            </a:r>
+            <a:endParaRPr lang="ko-KR" altLang="en-US" dirty="0"/>
+          </a:p>
+        </p:txBody>
+      </p:sp>
+      <p:sp>
+        <p:nvSpPr>
+          <p:cNvPr id="5" name="직사각형 4">
+            <a:extLst>
+              <a:ext uri="{FF2B5EF4-FFF2-40B4-BE49-F238E27FC236}">
+                <a16:creationId xmlns:a16="http://schemas.microsoft.com/office/drawing/2014/main" id="{DEB7D66D-83DA-4AFD-93C3-991AD847F7BB}"/>
+              </a:ext>
+            </a:extLst>
+          </p:cNvPr>
+          <p:cNvSpPr/>
+          <p:nvPr/>
+        </p:nvSpPr>
+        <p:spPr>
+          <a:xfrm>
+            <a:off x="841248" y="3154757"/>
+            <a:ext cx="1882140" cy="369332"/>
+          </a:xfrm>
+          <a:prstGeom prst="rect">
+            <a:avLst/>
+          </a:prstGeom>
+          <a:noFill/>
+          <a:ln w="38100">
+            <a:solidFill>
+              <a:srgbClr val="FF0000"/>
+            </a:solidFill>
+          </a:ln>
+        </p:spPr>
+        <p:style>
+          <a:lnRef idx="2">
+            <a:schemeClr val="accent1">
+              <a:shade val="50000"/>
+            </a:schemeClr>
+          </a:lnRef>
+          <a:fillRef idx="1">
+            <a:schemeClr val="accent1"/>
+          </a:fillRef>
+          <a:effectRef idx="0">
+            <a:schemeClr val="accent1"/>
+          </a:effectRef>
+          <a:fontRef idx="minor">
+            <a:schemeClr val="lt1"/>
+          </a:fontRef>
+        </p:style>
+        <p:txBody>
+          <a:bodyPr rtlCol="0" anchor="ctr"/>
+          <a:lstStyle/>
+          <a:p>
+            <a:pPr algn="ctr"/>
+            <a:endParaRPr lang="ko-KR" altLang="en-US"/>
+          </a:p>
+        </p:txBody>
+      </p:sp>
+      <p:cxnSp>
+        <p:nvCxnSpPr>
+          <p:cNvPr id="15" name="직선 화살표 연결선 14">
+            <a:extLst>
+              <a:ext uri="{FF2B5EF4-FFF2-40B4-BE49-F238E27FC236}">
+                <a16:creationId xmlns:a16="http://schemas.microsoft.com/office/drawing/2014/main" id="{2854EC83-E6B1-438F-A07A-1F07D5559D62}"/>
+              </a:ext>
+            </a:extLst>
+          </p:cNvPr>
+          <p:cNvCxnSpPr/>
+          <p:nvPr/>
+        </p:nvCxnSpPr>
+        <p:spPr>
+          <a:xfrm>
+            <a:off x="3076575" y="3076575"/>
+            <a:ext cx="1085850" cy="0"/>
+          </a:xfrm>
+          <a:prstGeom prst="straightConnector1">
+            <a:avLst/>
+          </a:prstGeom>
+          <a:ln>
+            <a:tailEnd type="triangle"/>
+          </a:ln>
+        </p:spPr>
+        <p:style>
+          <a:lnRef idx="1">
+            <a:schemeClr val="accent1"/>
+          </a:lnRef>
+          <a:fillRef idx="0">
+            <a:schemeClr val="accent1"/>
+          </a:fillRef>
+          <a:effectRef idx="0">
+            <a:schemeClr val="accent1"/>
+          </a:effectRef>
+          <a:fontRef idx="minor">
+            <a:schemeClr val="tx1"/>
+          </a:fontRef>
+        </p:style>
+      </p:cxnSp>
+      <p:cxnSp>
+        <p:nvCxnSpPr>
+          <p:cNvPr id="16" name="직선 화살표 연결선 15">
+            <a:extLst>
+              <a:ext uri="{FF2B5EF4-FFF2-40B4-BE49-F238E27FC236}">
+                <a16:creationId xmlns:a16="http://schemas.microsoft.com/office/drawing/2014/main" id="{A4A3374E-E40C-4093-AB16-3DE6299ADA34}"/>
+              </a:ext>
+            </a:extLst>
+          </p:cNvPr>
+          <p:cNvCxnSpPr>
+            <a:cxnSpLocks/>
+          </p:cNvCxnSpPr>
+          <p:nvPr/>
+        </p:nvCxnSpPr>
+        <p:spPr>
+          <a:xfrm>
+            <a:off x="5611370" y="3477923"/>
+            <a:ext cx="0" cy="681895"/>
+          </a:xfrm>
+          <a:prstGeom prst="straightConnector1">
+            <a:avLst/>
+          </a:prstGeom>
+          <a:ln>
+            <a:tailEnd type="triangle"/>
+          </a:ln>
+        </p:spPr>
+        <p:style>
+          <a:lnRef idx="1">
+            <a:schemeClr val="accent1"/>
+          </a:lnRef>
+          <a:fillRef idx="0">
+            <a:schemeClr val="accent1"/>
+          </a:fillRef>
+          <a:effectRef idx="0">
+            <a:schemeClr val="accent1"/>
+          </a:effectRef>
+          <a:fontRef idx="minor">
+            <a:schemeClr val="tx1"/>
+          </a:fontRef>
+        </p:style>
+      </p:cxnSp>
+      <p:cxnSp>
+        <p:nvCxnSpPr>
+          <p:cNvPr id="17" name="직선 화살표 연결선 16">
+            <a:extLst>
+              <a:ext uri="{FF2B5EF4-FFF2-40B4-BE49-F238E27FC236}">
+                <a16:creationId xmlns:a16="http://schemas.microsoft.com/office/drawing/2014/main" id="{30E177C1-A557-4FD6-BEAC-3BED036BB43D}"/>
+              </a:ext>
+            </a:extLst>
+          </p:cNvPr>
+          <p:cNvCxnSpPr/>
+          <p:nvPr/>
+        </p:nvCxnSpPr>
+        <p:spPr>
+          <a:xfrm>
+            <a:off x="6970778" y="4371975"/>
+            <a:ext cx="1085850" cy="0"/>
+          </a:xfrm>
+          <a:prstGeom prst="straightConnector1">
+            <a:avLst/>
+          </a:prstGeom>
+          <a:ln>
+            <a:tailEnd type="triangle"/>
+          </a:ln>
+        </p:spPr>
+        <p:style>
+          <a:lnRef idx="1">
+            <a:schemeClr val="accent1"/>
+          </a:lnRef>
+          <a:fillRef idx="0">
+            <a:schemeClr val="accent1"/>
+          </a:fillRef>
+          <a:effectRef idx="0">
+            <a:schemeClr val="accent1"/>
+          </a:effectRef>
+          <a:fontRef idx="minor">
+            <a:schemeClr val="tx1"/>
+          </a:fontRef>
+        </p:style>
+      </p:cxnSp>
+      <p:sp>
+        <p:nvSpPr>
+          <p:cNvPr id="20" name="TextBox 19">
+            <a:extLst>
+              <a:ext uri="{FF2B5EF4-FFF2-40B4-BE49-F238E27FC236}">
+                <a16:creationId xmlns:a16="http://schemas.microsoft.com/office/drawing/2014/main" id="{BC65BE10-3DEA-4BEB-A113-2664F6AC81DD}"/>
+              </a:ext>
+            </a:extLst>
+          </p:cNvPr>
+          <p:cNvSpPr txBox="1"/>
+          <p:nvPr/>
+        </p:nvSpPr>
+        <p:spPr>
+          <a:xfrm>
+            <a:off x="-158496" y="2831592"/>
+            <a:ext cx="3913632" cy="646331"/>
+          </a:xfrm>
+          <a:prstGeom prst="rect">
+            <a:avLst/>
+          </a:prstGeom>
+          <a:noFill/>
+        </p:spPr>
+        <p:txBody>
+          <a:bodyPr wrap="square" rtlCol="0">
+            <a:spAutoFit/>
+          </a:bodyPr>
+          <a:lstStyle/>
+          <a:p>
+            <a:pPr algn="ctr"/>
+            <a:r>
+              <a:rPr lang="en-US" altLang="ko-KR" dirty="0"/>
+              <a:t>X :  880 features</a:t>
+            </a:r>
+          </a:p>
+          <a:p>
+            <a:pPr algn="ctr"/>
+            <a:r>
+              <a:rPr lang="en-US" altLang="ko-KR" dirty="0"/>
+              <a:t>Y : available label </a:t>
+            </a:r>
+            <a:endParaRPr lang="ko-KR" altLang="en-US" dirty="0"/>
+          </a:p>
+        </p:txBody>
+      </p:sp>
+      <p:sp>
+        <p:nvSpPr>
+          <p:cNvPr id="19" name="TextBox 18">
+            <a:extLst>
+              <a:ext uri="{FF2B5EF4-FFF2-40B4-BE49-F238E27FC236}">
+                <a16:creationId xmlns:a16="http://schemas.microsoft.com/office/drawing/2014/main" id="{2632C9B2-5C9A-40AA-A6BE-A39E934D105D}"/>
+              </a:ext>
+            </a:extLst>
+          </p:cNvPr>
+          <p:cNvSpPr txBox="1"/>
+          <p:nvPr/>
+        </p:nvSpPr>
+        <p:spPr>
+          <a:xfrm>
+            <a:off x="841248" y="1884473"/>
+            <a:ext cx="1536192" cy="384048"/>
+          </a:xfrm>
+          <a:prstGeom prst="rect">
+            <a:avLst/>
+          </a:prstGeom>
+          <a:noFill/>
+        </p:spPr>
+        <p:txBody>
+          <a:bodyPr wrap="square" rtlCol="0">
+            <a:spAutoFit/>
+          </a:bodyPr>
+          <a:lstStyle/>
+          <a:p>
+            <a:r>
+              <a:rPr lang="en-US" altLang="ko-KR" dirty="0"/>
+              <a:t>Objective : </a:t>
+            </a:r>
+            <a:endParaRPr lang="ko-KR" altLang="en-US" dirty="0"/>
+          </a:p>
+        </p:txBody>
+      </p:sp>
+      <mc:AlternateContent xmlns:mc="http://schemas.openxmlformats.org/markup-compatibility/2006" xmlns:a14="http://schemas.microsoft.com/office/drawing/2010/main">
+        <mc:Choice Requires="a14">
+          <p:sp>
+            <p:nvSpPr>
+              <p:cNvPr id="18" name="TextBox 17">
+                <a:extLst>
+                  <a:ext uri="{FF2B5EF4-FFF2-40B4-BE49-F238E27FC236}">
+                    <a16:creationId xmlns:a16="http://schemas.microsoft.com/office/drawing/2014/main" id="{DE802C8A-CF57-4E62-B498-E25BE8E80958}"/>
+                  </a:ext>
+                </a:extLst>
+              </p:cNvPr>
+              <p:cNvSpPr txBox="1"/>
+              <p:nvPr/>
+            </p:nvSpPr>
+            <p:spPr>
+              <a:xfrm>
+                <a:off x="7044431" y="4153922"/>
+                <a:ext cx="3913632" cy="374526"/>
+              </a:xfrm>
+              <a:prstGeom prst="rect">
+                <a:avLst/>
+              </a:prstGeom>
+              <a:noFill/>
+            </p:spPr>
+            <p:txBody>
+              <a:bodyPr wrap="square" rtlCol="0">
+                <a:spAutoFit/>
+              </a:bodyPr>
+              <a:lstStyle/>
+              <a:p>
+                <a:pPr algn="ctr"/>
+                <a:r>
+                  <a:rPr lang="en-US" altLang="ko-KR" dirty="0"/>
+                  <a:t>score </a:t>
+                </a:r>
+                <a14:m>
+                  <m:oMath xmlns:m="http://schemas.openxmlformats.org/officeDocument/2006/math">
+                    <m:r>
+                      <a:rPr lang="en-US" altLang="ko-KR" i="1" smtClean="0">
+                        <a:latin typeface="Cambria Math" panose="02040503050406030204" pitchFamily="18" charset="0"/>
+                        <a:ea typeface="Cambria Math" panose="02040503050406030204" pitchFamily="18" charset="0"/>
+                      </a:rPr>
+                      <m:t>∈</m:t>
+                    </m:r>
+                    <m:r>
+                      <a:rPr lang="en-US" altLang="ko-KR" b="0" i="1" smtClean="0">
+                        <a:latin typeface="Cambria Math" panose="02040503050406030204" pitchFamily="18" charset="0"/>
+                        <a:ea typeface="Cambria Math" panose="02040503050406030204" pitchFamily="18" charset="0"/>
+                      </a:rPr>
+                      <m:t> </m:t>
+                    </m:r>
+                  </m:oMath>
+                </a14:m>
+                <a:r>
+                  <a:rPr lang="en-US" altLang="ko-KR" dirty="0"/>
+                  <a:t>(0,1)</a:t>
+                </a:r>
+                <a:endParaRPr lang="ko-KR" altLang="en-US" dirty="0"/>
+              </a:p>
+            </p:txBody>
+          </p:sp>
+        </mc:Choice>
+        <mc:Fallback xmlns="">
+          <p:sp>
+            <p:nvSpPr>
+              <p:cNvPr id="18" name="TextBox 17">
+                <a:extLst>
+                  <a:ext uri="{FF2B5EF4-FFF2-40B4-BE49-F238E27FC236}">
+                    <a16:creationId xmlns:a16="http://schemas.microsoft.com/office/drawing/2014/main" id="{DE802C8A-CF57-4E62-B498-E25BE8E80958}"/>
+                  </a:ext>
+                </a:extLst>
+              </p:cNvPr>
+              <p:cNvSpPr txBox="1">
+                <a:spLocks noRot="1" noChangeAspect="1" noMove="1" noResize="1" noEditPoints="1" noAdjustHandles="1" noChangeArrowheads="1" noChangeShapeType="1" noTextEdit="1"/>
+              </p:cNvSpPr>
+              <p:nvPr/>
+            </p:nvSpPr>
+            <p:spPr>
+              <a:xfrm>
+                <a:off x="7044431" y="4153922"/>
+                <a:ext cx="3913632" cy="374526"/>
+              </a:xfrm>
+              <a:prstGeom prst="rect">
+                <a:avLst/>
+              </a:prstGeom>
+              <a:blipFill>
+                <a:blip r:embed="rId3"/>
+                <a:stretch>
+                  <a:fillRect t="-8065" b="-22581"/>
+                </a:stretch>
+              </a:blipFill>
+            </p:spPr>
+            <p:txBody>
+              <a:bodyPr/>
+              <a:lstStyle/>
+              <a:p>
+                <a:r>
+                  <a:rPr lang="ko-KR" altLang="en-US">
+                    <a:noFill/>
+                  </a:rPr>
+                  <a:t> </a:t>
+                </a:r>
+              </a:p>
+            </p:txBody>
+          </p:sp>
+        </mc:Fallback>
+      </mc:AlternateContent>
+      <mc:AlternateContent xmlns:mc="http://schemas.openxmlformats.org/markup-compatibility/2006" xmlns:a14="http://schemas.microsoft.com/office/drawing/2010/main">
+        <mc:Choice Requires="a14">
+          <p:sp>
+            <p:nvSpPr>
+              <p:cNvPr id="21" name="TextBox 20">
+                <a:extLst>
+                  <a:ext uri="{FF2B5EF4-FFF2-40B4-BE49-F238E27FC236}">
+                    <a16:creationId xmlns:a16="http://schemas.microsoft.com/office/drawing/2014/main" id="{1AD9178C-60B2-4E3B-B23B-68FE4DFF2B7A}"/>
+                  </a:ext>
+                </a:extLst>
+              </p:cNvPr>
+              <p:cNvSpPr txBox="1"/>
+              <p:nvPr/>
+            </p:nvSpPr>
+            <p:spPr>
+              <a:xfrm>
+                <a:off x="7442290" y="4015422"/>
+                <a:ext cx="281359" cy="276999"/>
+              </a:xfrm>
+              <a:prstGeom prst="rect">
+                <a:avLst/>
+              </a:prstGeom>
+              <a:noFill/>
+            </p:spPr>
+            <p:txBody>
+              <a:bodyPr wrap="none" lIns="0" tIns="0" rIns="0" bIns="0" rtlCol="0">
+                <a:spAutoFit/>
+              </a:bodyPr>
+              <a:lstStyle/>
+              <a:p>
+                <a14:m>
+                  <m:oMath xmlns:m="http://schemas.openxmlformats.org/officeDocument/2006/math">
+                    <m:r>
+                      <a:rPr lang="ko-KR" altLang="en-US" i="1" smtClean="0">
+                        <a:latin typeface="Cambria Math" panose="02040503050406030204" pitchFamily="18" charset="0"/>
+                      </a:rPr>
+                      <m:t>𝜎</m:t>
+                    </m:r>
+                  </m:oMath>
+                </a14:m>
+                <a:r>
+                  <a:rPr lang="en-US" altLang="ko-KR" dirty="0"/>
+                  <a:t>()</a:t>
+                </a:r>
+                <a:endParaRPr lang="ko-KR" altLang="en-US" dirty="0"/>
+              </a:p>
+            </p:txBody>
+          </p:sp>
+        </mc:Choice>
+        <mc:Fallback xmlns="">
+          <p:sp>
+            <p:nvSpPr>
+              <p:cNvPr id="21" name="TextBox 20">
+                <a:extLst>
+                  <a:ext uri="{FF2B5EF4-FFF2-40B4-BE49-F238E27FC236}">
+                    <a16:creationId xmlns:a16="http://schemas.microsoft.com/office/drawing/2014/main" id="{1AD9178C-60B2-4E3B-B23B-68FE4DFF2B7A}"/>
+                  </a:ext>
+                </a:extLst>
+              </p:cNvPr>
+              <p:cNvSpPr txBox="1">
+                <a:spLocks noRot="1" noChangeAspect="1" noMove="1" noResize="1" noEditPoints="1" noAdjustHandles="1" noChangeArrowheads="1" noChangeShapeType="1" noTextEdit="1"/>
+              </p:cNvSpPr>
+              <p:nvPr/>
+            </p:nvSpPr>
+            <p:spPr>
+              <a:xfrm>
+                <a:off x="7442290" y="4015422"/>
+                <a:ext cx="281359" cy="276999"/>
+              </a:xfrm>
+              <a:prstGeom prst="rect">
+                <a:avLst/>
+              </a:prstGeom>
+              <a:blipFill>
+                <a:blip r:embed="rId4"/>
+                <a:stretch>
+                  <a:fillRect l="-21739" t="-28889" r="-52174" b="-51111"/>
+                </a:stretch>
+              </a:blipFill>
+            </p:spPr>
+            <p:txBody>
+              <a:bodyPr/>
+              <a:lstStyle/>
+              <a:p>
+                <a:r>
+                  <a:rPr lang="ko-KR" altLang="en-US">
+                    <a:noFill/>
+                  </a:rPr>
+                  <a:t> </a:t>
+                </a:r>
+              </a:p>
+            </p:txBody>
+          </p:sp>
+        </mc:Fallback>
+      </mc:AlternateContent>
+      <p:sp>
+        <p:nvSpPr>
+          <p:cNvPr id="9" name="Rectangle 2">
+            <a:extLst>
+              <a:ext uri="{FF2B5EF4-FFF2-40B4-BE49-F238E27FC236}">
+                <a16:creationId xmlns:a16="http://schemas.microsoft.com/office/drawing/2014/main" id="{12A42924-4CEA-4391-93D9-282BDFD83EB1}"/>
+              </a:ext>
+            </a:extLst>
+          </p:cNvPr>
+          <p:cNvSpPr>
+            <a:spLocks noChangeArrowheads="1"/>
+          </p:cNvSpPr>
+          <p:nvPr/>
+        </p:nvSpPr>
+        <p:spPr bwMode="auto">
+          <a:xfrm>
+            <a:off x="2238946" y="1427273"/>
+            <a:ext cx="12192000" cy="457200"/>
+          </a:xfrm>
+          <a:prstGeom prst="rect">
+            <a:avLst/>
+          </a:prstGeom>
+          <a:noFill/>
+          <a:ln>
+            <a:noFill/>
+          </a:ln>
+          <a:effectLst/>
+          <a:extLst>
+            <a:ext uri="{909E8E84-426E-40DD-AFC4-6F175D3DCCD1}">
+              <a14:hiddenFill xmlns:a14="http://schemas.microsoft.com/office/drawing/2010/main">
+                <a:solidFill>
+                  <a:schemeClr val="accent1"/>
+                </a:solidFill>
+              </a14:hiddenFill>
+            </a:ext>
+            <a:ext uri="{91240B29-F687-4F45-9708-019B960494DF}">
+              <a14:hiddenLine xmlns:a14="http://schemas.microsoft.com/office/drawing/2010/main" w="9525">
+                <a:solidFill>
+                  <a:schemeClr val="tx1"/>
+                </a:solidFill>
+                <a:miter lim="800000"/>
+                <a:headEnd/>
+                <a:tailEnd/>
+              </a14:hiddenLine>
+            </a:ext>
+            <a:ext uri="{AF507438-7753-43E0-B8FC-AC1667EBCBE1}">
+              <a14:hiddenEffects xmlns:a14="http://schemas.microsoft.com/office/drawing/2010/main">
+                <a:effectLst>
+                  <a:outerShdw dist="35921" dir="2700000" algn="ctr" rotWithShape="0">
+                    <a:schemeClr val="bg2"/>
+                  </a:outerShdw>
+                </a:effectLst>
+              </a14:hiddenEffects>
+            </a:ext>
+          </a:extLst>
+        </p:spPr>
+        <p:txBody>
+          <a:bodyPr vert="horz" wrap="none" lIns="91440" tIns="45720" rIns="91440" bIns="45720" numCol="1" anchor="ctr" anchorCtr="0" compatLnSpc="1">
+            <a:prstTxWarp prst="textNoShape">
+              <a:avLst/>
+            </a:prstTxWarp>
+            <a:spAutoFit/>
+          </a:bodyPr>
+          <a:lstStyle/>
+          <a:p>
+            <a:endParaRPr lang="ko-KR" altLang="en-US"/>
+          </a:p>
+        </p:txBody>
+      </p:sp>
+      <p:pic>
+        <p:nvPicPr>
+          <p:cNvPr id="3073" name="_x341183144">
+            <a:extLst>
+              <a:ext uri="{FF2B5EF4-FFF2-40B4-BE49-F238E27FC236}">
+                <a16:creationId xmlns:a16="http://schemas.microsoft.com/office/drawing/2014/main" id="{7A8EFA5D-4AEE-4259-9F3F-8746B379C36A}"/>
+              </a:ext>
+            </a:extLst>
+          </p:cNvPr>
+          <p:cNvPicPr>
+            <a:picLocks noChangeAspect="1" noChangeArrowheads="1"/>
+          </p:cNvPicPr>
+          <p:nvPr/>
+        </p:nvPicPr>
+        <p:blipFill>
+          <a:blip r:embed="rId5">
+            <a:extLst>
+              <a:ext uri="{28A0092B-C50C-407E-A947-70E740481C1C}">
+                <a14:useLocalDpi xmlns:a14="http://schemas.microsoft.com/office/drawing/2010/main" val="0"/>
+              </a:ext>
+            </a:extLst>
+          </a:blip>
+          <a:srcRect/>
+          <a:stretch>
+            <a:fillRect/>
+          </a:stretch>
+        </p:blipFill>
+        <p:spPr bwMode="auto">
+          <a:xfrm>
+            <a:off x="2238946" y="1768717"/>
+            <a:ext cx="8386250" cy="759249"/>
+          </a:xfrm>
+          <a:prstGeom prst="rect">
+            <a:avLst/>
+          </a:prstGeom>
+          <a:noFill/>
+          <a:extLst>
+            <a:ext uri="{909E8E84-426E-40DD-AFC4-6F175D3DCCD1}">
+              <a14:hiddenFill xmlns:a14="http://schemas.microsoft.com/office/drawing/2010/main">
+                <a:solidFill>
+                  <a:srgbClr val="FFFFFF"/>
+                </a:solidFill>
+              </a14:hiddenFill>
+            </a:ext>
+          </a:extLst>
+        </p:spPr>
+      </p:pic>
+      <p:sp>
+        <p:nvSpPr>
+          <p:cNvPr id="22" name="TextBox 21">
+            <a:extLst>
+              <a:ext uri="{FF2B5EF4-FFF2-40B4-BE49-F238E27FC236}">
+                <a16:creationId xmlns:a16="http://schemas.microsoft.com/office/drawing/2014/main" id="{9C9526A6-1D6E-4E04-888A-89E5AF282064}"/>
+              </a:ext>
+            </a:extLst>
+          </p:cNvPr>
+          <p:cNvSpPr txBox="1"/>
+          <p:nvPr/>
+        </p:nvSpPr>
+        <p:spPr>
+          <a:xfrm>
+            <a:off x="8031983" y="6211767"/>
+            <a:ext cx="4517136" cy="646331"/>
+          </a:xfrm>
+          <a:prstGeom prst="rect">
+            <a:avLst/>
+          </a:prstGeom>
+          <a:noFill/>
+        </p:spPr>
+        <p:txBody>
+          <a:bodyPr wrap="square" rtlCol="0">
+            <a:spAutoFit/>
+          </a:bodyPr>
+          <a:lstStyle/>
+          <a:p>
+            <a:pPr algn="l"/>
+            <a:r>
+              <a:rPr lang="en-US" altLang="ko-KR" b="1" i="0" dirty="0" err="1">
+                <a:solidFill>
+                  <a:schemeClr val="bg1">
+                    <a:lumMod val="50000"/>
+                  </a:schemeClr>
+                </a:solidFill>
+                <a:effectLst/>
+                <a:latin typeface="-apple-system"/>
+              </a:rPr>
+              <a:t>PyTorch</a:t>
+            </a:r>
+            <a:r>
+              <a:rPr lang="en-US" altLang="ko-KR" b="1" i="0" dirty="0">
+                <a:solidFill>
+                  <a:schemeClr val="bg1">
+                    <a:lumMod val="50000"/>
+                  </a:schemeClr>
+                </a:solidFill>
+                <a:effectLst/>
+                <a:latin typeface="-apple-system"/>
+              </a:rPr>
+              <a:t> Implementation</a:t>
+            </a:r>
+          </a:p>
+          <a:p>
+            <a:r>
+              <a:rPr lang="en-US" altLang="ko-KR" dirty="0">
+                <a:solidFill>
+                  <a:schemeClr val="bg1">
+                    <a:lumMod val="50000"/>
+                  </a:schemeClr>
+                </a:solidFill>
+              </a:rPr>
+              <a:t>-</a:t>
+            </a:r>
+            <a:r>
+              <a:rPr lang="en-US" altLang="ko-KR" sz="1200" u="sng" kern="0" spc="0" dirty="0">
+                <a:solidFill>
+                  <a:schemeClr val="bg1">
+                    <a:lumMod val="50000"/>
+                  </a:schemeClr>
+                </a:solidFill>
+                <a:effectLst/>
+                <a:uFill>
+                  <a:solidFill>
+                    <a:srgbClr val="0000FF"/>
+                  </a:solidFill>
+                </a:uFill>
+                <a:latin typeface="함초롬바탕" panose="02030604000101010101" pitchFamily="18" charset="-127"/>
+                <a:ea typeface="함초롬바탕" panose="02030604000101010101" pitchFamily="18" charset="-127"/>
+              </a:rPr>
+              <a:t> https://github.com/lukasruff/Deep-SAD-PyTorch</a:t>
+            </a:r>
+            <a:endParaRPr lang="ko-KR" altLang="en-US" sz="1200" dirty="0">
+              <a:solidFill>
+                <a:schemeClr val="bg1">
+                  <a:lumMod val="50000"/>
+                </a:schemeClr>
+              </a:solidFill>
+            </a:endParaRPr>
+          </a:p>
+        </p:txBody>
+      </p:sp>
+      <p:sp>
+        <p:nvSpPr>
+          <p:cNvPr id="23" name="TextBox 22">
+            <a:extLst>
+              <a:ext uri="{FF2B5EF4-FFF2-40B4-BE49-F238E27FC236}">
+                <a16:creationId xmlns:a16="http://schemas.microsoft.com/office/drawing/2014/main" id="{7C72FB99-B86D-4E60-BECB-D48AF8DBB1D7}"/>
+              </a:ext>
+            </a:extLst>
+          </p:cNvPr>
+          <p:cNvSpPr txBox="1"/>
+          <p:nvPr/>
+        </p:nvSpPr>
+        <p:spPr>
+          <a:xfrm>
+            <a:off x="8031983" y="5508522"/>
+            <a:ext cx="5998464" cy="830997"/>
+          </a:xfrm>
+          <a:prstGeom prst="rect">
+            <a:avLst/>
+          </a:prstGeom>
+          <a:noFill/>
+        </p:spPr>
+        <p:txBody>
+          <a:bodyPr wrap="square" rtlCol="0">
+            <a:spAutoFit/>
+          </a:bodyPr>
+          <a:lstStyle/>
+          <a:p>
+            <a:r>
+              <a:rPr lang="en-US" altLang="ko-KR" b="1" dirty="0">
+                <a:solidFill>
+                  <a:schemeClr val="bg1">
+                    <a:lumMod val="50000"/>
+                  </a:schemeClr>
+                </a:solidFill>
+              </a:rPr>
+              <a:t>Paper</a:t>
+            </a:r>
+          </a:p>
+          <a:p>
+            <a:r>
+              <a:rPr lang="en-US" altLang="ko-KR" dirty="0">
+                <a:solidFill>
+                  <a:schemeClr val="bg1">
+                    <a:lumMod val="50000"/>
+                  </a:schemeClr>
+                </a:solidFill>
+              </a:rPr>
+              <a:t>- </a:t>
+            </a:r>
+            <a:r>
+              <a:rPr lang="en-US" altLang="ko-KR" sz="1200" dirty="0">
+                <a:solidFill>
+                  <a:schemeClr val="bg1">
+                    <a:lumMod val="50000"/>
+                  </a:schemeClr>
+                </a:solidFill>
+              </a:rPr>
+              <a:t>http://data.bit.uni-bonn.de/publications/ICML2018.pdf</a:t>
+            </a:r>
+            <a:endParaRPr lang="ko-KR" altLang="en-US" sz="1200" dirty="0">
+              <a:solidFill>
+                <a:schemeClr val="bg1">
+                  <a:lumMod val="50000"/>
+                </a:schemeClr>
+              </a:solidFill>
+            </a:endParaRPr>
+          </a:p>
+          <a:p>
+            <a:endParaRPr lang="ko-KR" altLang="en-US" sz="1200" dirty="0">
+              <a:solidFill>
+                <a:schemeClr val="bg1">
+                  <a:lumMod val="50000"/>
+                </a:schemeClr>
+              </a:solidFill>
+            </a:endParaRPr>
+          </a:p>
+        </p:txBody>
+      </p:sp>
+      <p:sp>
+        <p:nvSpPr>
+          <p:cNvPr id="2" name="화살표: 아래쪽 1">
+            <a:extLst>
+              <a:ext uri="{FF2B5EF4-FFF2-40B4-BE49-F238E27FC236}">
+                <a16:creationId xmlns:a16="http://schemas.microsoft.com/office/drawing/2014/main" id="{50CDA576-8EFB-4F1C-8163-07496F1F188E}"/>
+              </a:ext>
+            </a:extLst>
+          </p:cNvPr>
+          <p:cNvSpPr/>
+          <p:nvPr/>
+        </p:nvSpPr>
+        <p:spPr>
+          <a:xfrm>
+            <a:off x="1490472" y="3785616"/>
+            <a:ext cx="475488" cy="506805"/>
+          </a:xfrm>
+          <a:prstGeom prst="downArrow">
+            <a:avLst/>
+          </a:prstGeom>
+        </p:spPr>
+        <p:style>
+          <a:lnRef idx="2">
+            <a:schemeClr val="accent1">
+              <a:shade val="50000"/>
+            </a:schemeClr>
+          </a:lnRef>
+          <a:fillRef idx="1">
+            <a:schemeClr val="accent1"/>
+          </a:fillRef>
+          <a:effectRef idx="0">
+            <a:schemeClr val="accent1"/>
+          </a:effectRef>
+          <a:fontRef idx="minor">
+            <a:schemeClr val="lt1"/>
+          </a:fontRef>
+        </p:style>
+        <p:txBody>
+          <a:bodyPr rtlCol="0" anchor="ctr"/>
+          <a:lstStyle/>
+          <a:p>
+            <a:pPr algn="ctr"/>
+            <a:endParaRPr lang="ko-KR" altLang="en-US"/>
+          </a:p>
+        </p:txBody>
+      </p:sp>
+      <p:sp>
+        <p:nvSpPr>
+          <p:cNvPr id="7" name="TextBox 6">
+            <a:extLst>
+              <a:ext uri="{FF2B5EF4-FFF2-40B4-BE49-F238E27FC236}">
+                <a16:creationId xmlns:a16="http://schemas.microsoft.com/office/drawing/2014/main" id="{2CC9574B-6050-467D-82BB-B289D2BD766C}"/>
+              </a:ext>
+            </a:extLst>
+          </p:cNvPr>
+          <p:cNvSpPr txBox="1"/>
+          <p:nvPr/>
+        </p:nvSpPr>
+        <p:spPr>
+          <a:xfrm>
+            <a:off x="390937" y="4438001"/>
+            <a:ext cx="2814765" cy="369332"/>
+          </a:xfrm>
+          <a:prstGeom prst="rect">
+            <a:avLst/>
+          </a:prstGeom>
+          <a:noFill/>
+        </p:spPr>
+        <p:txBody>
+          <a:bodyPr wrap="square" rtlCol="0">
+            <a:spAutoFit/>
+          </a:bodyPr>
+          <a:lstStyle/>
+          <a:p>
+            <a:r>
+              <a:rPr lang="ko-KR" altLang="en-US" b="1" dirty="0"/>
+              <a:t>라벨 이용하는 것이 특징</a:t>
+            </a:r>
+          </a:p>
+        </p:txBody>
+      </p:sp>
+      <p:sp>
+        <p:nvSpPr>
+          <p:cNvPr id="12" name="직사각형 11">
+            <a:extLst>
+              <a:ext uri="{FF2B5EF4-FFF2-40B4-BE49-F238E27FC236}">
+                <a16:creationId xmlns:a16="http://schemas.microsoft.com/office/drawing/2014/main" id="{745F4C1C-7FC5-4FF3-BDE4-61185FB565BF}"/>
+              </a:ext>
+            </a:extLst>
+          </p:cNvPr>
+          <p:cNvSpPr/>
+          <p:nvPr/>
+        </p:nvSpPr>
+        <p:spPr>
+          <a:xfrm>
+            <a:off x="5843016" y="1768717"/>
+            <a:ext cx="3072384" cy="714723"/>
+          </a:xfrm>
+          <a:prstGeom prst="rect">
+            <a:avLst/>
+          </a:prstGeom>
+          <a:noFill/>
+          <a:ln w="28575">
+            <a:solidFill>
+              <a:srgbClr val="FF0000"/>
+            </a:solidFill>
+          </a:ln>
+        </p:spPr>
+        <p:style>
+          <a:lnRef idx="2">
+            <a:schemeClr val="accent1">
+              <a:shade val="50000"/>
+            </a:schemeClr>
+          </a:lnRef>
+          <a:fillRef idx="1">
+            <a:schemeClr val="accent1"/>
+          </a:fillRef>
+          <a:effectRef idx="0">
+            <a:schemeClr val="accent1"/>
+          </a:effectRef>
+          <a:fontRef idx="minor">
+            <a:schemeClr val="lt1"/>
+          </a:fontRef>
+        </p:style>
+        <p:txBody>
+          <a:bodyPr rtlCol="0" anchor="ctr"/>
+          <a:lstStyle/>
+          <a:p>
+            <a:pPr algn="ctr"/>
+            <a:endParaRPr lang="ko-KR" altLang="en-US"/>
+          </a:p>
+        </p:txBody>
+      </p:sp>
+      <p:sp>
+        <p:nvSpPr>
+          <p:cNvPr id="14" name="화살표: 오른쪽 13">
+            <a:extLst>
+              <a:ext uri="{FF2B5EF4-FFF2-40B4-BE49-F238E27FC236}">
+                <a16:creationId xmlns:a16="http://schemas.microsoft.com/office/drawing/2014/main" id="{90D2F71E-3694-4B35-B2E5-C655478BA51C}"/>
+              </a:ext>
+            </a:extLst>
+          </p:cNvPr>
+          <p:cNvSpPr/>
+          <p:nvPr/>
+        </p:nvSpPr>
+        <p:spPr>
+          <a:xfrm>
+            <a:off x="8699245" y="2617794"/>
+            <a:ext cx="310896" cy="399859"/>
+          </a:xfrm>
+          <a:prstGeom prst="rightArrow">
+            <a:avLst/>
+          </a:prstGeom>
+          <a:solidFill>
+            <a:schemeClr val="bg1">
+              <a:lumMod val="50000"/>
+            </a:schemeClr>
+          </a:solidFill>
+          <a:ln>
+            <a:noFill/>
+          </a:ln>
+        </p:spPr>
+        <p:style>
+          <a:lnRef idx="2">
+            <a:schemeClr val="accent1">
+              <a:shade val="50000"/>
+            </a:schemeClr>
+          </a:lnRef>
+          <a:fillRef idx="1">
+            <a:schemeClr val="accent1"/>
+          </a:fillRef>
+          <a:effectRef idx="0">
+            <a:schemeClr val="accent1"/>
+          </a:effectRef>
+          <a:fontRef idx="minor">
+            <a:schemeClr val="lt1"/>
+          </a:fontRef>
+        </p:style>
+        <p:txBody>
+          <a:bodyPr rtlCol="0" anchor="ctr"/>
+          <a:lstStyle/>
+          <a:p>
+            <a:pPr algn="ctr"/>
+            <a:endParaRPr lang="ko-KR" altLang="en-US"/>
+          </a:p>
+        </p:txBody>
+      </p:sp>
+      <mc:AlternateContent xmlns:mc="http://schemas.openxmlformats.org/markup-compatibility/2006" xmlns:a14="http://schemas.microsoft.com/office/drawing/2010/main">
+        <mc:Choice Requires="a14">
+          <p:sp>
+            <p:nvSpPr>
+              <p:cNvPr id="25" name="TextBox 24">
+                <a:extLst>
+                  <a:ext uri="{FF2B5EF4-FFF2-40B4-BE49-F238E27FC236}">
+                    <a16:creationId xmlns:a16="http://schemas.microsoft.com/office/drawing/2014/main" id="{3022F59C-537A-43A8-8CE0-5EB0C3952394}"/>
+                  </a:ext>
+                </a:extLst>
+              </p:cNvPr>
+              <p:cNvSpPr txBox="1"/>
+              <p:nvPr/>
+            </p:nvSpPr>
+            <p:spPr>
+              <a:xfrm>
+                <a:off x="9070848" y="2582534"/>
+                <a:ext cx="3628633" cy="1042786"/>
+              </a:xfrm>
+              <a:prstGeom prst="rect">
+                <a:avLst/>
+              </a:prstGeom>
+              <a:noFill/>
+            </p:spPr>
+            <p:txBody>
+              <a:bodyPr wrap="square" rtlCol="0">
+                <a:spAutoFit/>
+              </a:bodyPr>
+              <a:lstStyle/>
+              <a:p>
+                <a14:m>
+                  <m:oMath xmlns:m="http://schemas.openxmlformats.org/officeDocument/2006/math">
+                    <m:r>
+                      <a:rPr lang="ko-KR" altLang="en-US" sz="1500" i="1" smtClean="0">
+                        <a:solidFill>
+                          <a:schemeClr val="bg1">
+                            <a:lumMod val="50000"/>
+                          </a:schemeClr>
+                        </a:solidFill>
+                        <a:latin typeface="Cambria Math" panose="02040503050406030204" pitchFamily="18" charset="0"/>
+                      </a:rPr>
+                      <m:t>𝜂</m:t>
+                    </m:r>
+                  </m:oMath>
+                </a14:m>
+                <a:r>
+                  <a:rPr lang="en-US" altLang="ko-KR" sz="1500" dirty="0">
+                    <a:solidFill>
+                      <a:schemeClr val="bg1">
+                        <a:lumMod val="50000"/>
+                      </a:schemeClr>
+                    </a:solidFill>
+                  </a:rPr>
+                  <a:t> : hyperparameter that controls balance between labeled and unlabeled </a:t>
+                </a:r>
+              </a:p>
+              <a:p>
+                <a14:m>
+                  <m:oMath xmlns:m="http://schemas.openxmlformats.org/officeDocument/2006/math">
+                    <m:acc>
+                      <m:accPr>
+                        <m:chr m:val="̃"/>
+                        <m:ctrlPr>
+                          <a:rPr lang="ko-KR" altLang="en-US" sz="1500" i="1" smtClean="0">
+                            <a:solidFill>
+                              <a:schemeClr val="bg1">
+                                <a:lumMod val="50000"/>
+                              </a:schemeClr>
+                            </a:solidFill>
+                            <a:latin typeface="Cambria Math" panose="02040503050406030204" pitchFamily="18" charset="0"/>
+                          </a:rPr>
+                        </m:ctrlPr>
+                      </m:accPr>
+                      <m:e>
+                        <m:r>
+                          <a:rPr lang="en-US" altLang="ko-KR" sz="1500" b="0" i="1" smtClean="0">
+                            <a:solidFill>
+                              <a:schemeClr val="bg1">
+                                <a:lumMod val="50000"/>
+                              </a:schemeClr>
+                            </a:solidFill>
+                            <a:latin typeface="Cambria Math" panose="02040503050406030204" pitchFamily="18" charset="0"/>
+                          </a:rPr>
+                          <m:t>𝑦</m:t>
+                        </m:r>
+                      </m:e>
+                    </m:acc>
+                  </m:oMath>
+                </a14:m>
+                <a:r>
+                  <a:rPr lang="ko-KR" altLang="en-US" sz="1500" dirty="0">
+                    <a:solidFill>
+                      <a:schemeClr val="bg1">
+                        <a:lumMod val="50000"/>
+                      </a:schemeClr>
+                    </a:solidFill>
+                  </a:rPr>
+                  <a:t> </a:t>
+                </a:r>
+                <a:r>
+                  <a:rPr lang="en-US" altLang="ko-KR" sz="1500" dirty="0">
+                    <a:solidFill>
+                      <a:schemeClr val="bg1">
+                        <a:lumMod val="50000"/>
+                      </a:schemeClr>
+                    </a:solidFill>
+                  </a:rPr>
+                  <a:t>: 1 if normal, -1 if anomaly </a:t>
+                </a:r>
+                <a:endParaRPr lang="ko-KR" altLang="en-US" sz="1500" dirty="0">
+                  <a:solidFill>
+                    <a:schemeClr val="bg1">
+                      <a:lumMod val="50000"/>
+                    </a:schemeClr>
+                  </a:solidFill>
+                </a:endParaRPr>
+              </a:p>
+            </p:txBody>
+          </p:sp>
+        </mc:Choice>
+        <mc:Fallback xmlns="">
+          <p:sp>
+            <p:nvSpPr>
+              <p:cNvPr id="25" name="TextBox 24">
+                <a:extLst>
+                  <a:ext uri="{FF2B5EF4-FFF2-40B4-BE49-F238E27FC236}">
+                    <a16:creationId xmlns:a16="http://schemas.microsoft.com/office/drawing/2014/main" id="{3022F59C-537A-43A8-8CE0-5EB0C3952394}"/>
+                  </a:ext>
+                </a:extLst>
+              </p:cNvPr>
+              <p:cNvSpPr txBox="1">
+                <a:spLocks noRot="1" noChangeAspect="1" noMove="1" noResize="1" noEditPoints="1" noAdjustHandles="1" noChangeArrowheads="1" noChangeShapeType="1" noTextEdit="1"/>
+              </p:cNvSpPr>
+              <p:nvPr/>
+            </p:nvSpPr>
+            <p:spPr>
+              <a:xfrm>
+                <a:off x="9070848" y="2582534"/>
+                <a:ext cx="3628633" cy="1042786"/>
+              </a:xfrm>
+              <a:prstGeom prst="rect">
+                <a:avLst/>
+              </a:prstGeom>
+              <a:blipFill>
+                <a:blip r:embed="rId6"/>
+                <a:stretch>
+                  <a:fillRect l="-672" t="-1754" b="-2339"/>
+                </a:stretch>
+              </a:blipFill>
+            </p:spPr>
+            <p:txBody>
+              <a:bodyPr/>
+              <a:lstStyle/>
+              <a:p>
+                <a:r>
+                  <a:rPr lang="ko-KR" altLang="en-US">
+                    <a:noFill/>
+                  </a:rPr>
+                  <a:t> </a:t>
+                </a:r>
+              </a:p>
+            </p:txBody>
+          </p:sp>
+        </mc:Fallback>
+      </mc:AlternateContent>
+      <p:sp>
+        <p:nvSpPr>
+          <p:cNvPr id="27" name="TextBox 26">
+            <a:extLst>
+              <a:ext uri="{FF2B5EF4-FFF2-40B4-BE49-F238E27FC236}">
+                <a16:creationId xmlns:a16="http://schemas.microsoft.com/office/drawing/2014/main" id="{3D19D6F2-3F18-469A-AE0F-4FA3CBB58CAD}"/>
+              </a:ext>
+            </a:extLst>
+          </p:cNvPr>
+          <p:cNvSpPr txBox="1"/>
+          <p:nvPr/>
+        </p:nvSpPr>
+        <p:spPr>
+          <a:xfrm>
+            <a:off x="5986272" y="589423"/>
+            <a:ext cx="3628633" cy="1015663"/>
+          </a:xfrm>
+          <a:prstGeom prst="rect">
+            <a:avLst/>
+          </a:prstGeom>
+          <a:noFill/>
+        </p:spPr>
+        <p:txBody>
+          <a:bodyPr wrap="square" rtlCol="0">
+            <a:spAutoFit/>
+          </a:bodyPr>
+          <a:lstStyle/>
+          <a:p>
+            <a:r>
+              <a:rPr lang="en-US" altLang="ko-KR" sz="1500" dirty="0">
+                <a:solidFill>
+                  <a:schemeClr val="bg1">
+                    <a:lumMod val="50000"/>
+                  </a:schemeClr>
+                </a:solidFill>
+              </a:rPr>
+              <a:t>If outlier is close to C, loss gets large</a:t>
+            </a:r>
+          </a:p>
+          <a:p>
+            <a:r>
+              <a:rPr lang="en-US" altLang="ko-KR" sz="1500" dirty="0">
+                <a:solidFill>
+                  <a:schemeClr val="bg1">
+                    <a:lumMod val="50000"/>
+                  </a:schemeClr>
+                </a:solidFill>
+              </a:rPr>
+              <a:t>If normal point is far from C, loss gets also large</a:t>
+            </a:r>
+          </a:p>
+          <a:p>
+            <a:r>
+              <a:rPr lang="en-US" altLang="ko-KR" sz="1500" dirty="0">
+                <a:solidFill>
+                  <a:schemeClr val="bg1">
+                    <a:lumMod val="50000"/>
+                  </a:schemeClr>
+                </a:solidFill>
+              </a:rPr>
+              <a:t>  </a:t>
+            </a:r>
+            <a:endParaRPr lang="ko-KR" altLang="en-US" sz="1500" dirty="0">
+              <a:solidFill>
+                <a:schemeClr val="bg1">
+                  <a:lumMod val="50000"/>
+                </a:schemeClr>
+              </a:solidFill>
+            </a:endParaRPr>
+          </a:p>
+        </p:txBody>
+      </p:sp>
+      <p:sp>
+        <p:nvSpPr>
+          <p:cNvPr id="28" name="화살표: 오른쪽 27">
+            <a:extLst>
+              <a:ext uri="{FF2B5EF4-FFF2-40B4-BE49-F238E27FC236}">
+                <a16:creationId xmlns:a16="http://schemas.microsoft.com/office/drawing/2014/main" id="{283119F4-061C-425B-B13F-94868B296C79}"/>
+              </a:ext>
+            </a:extLst>
+          </p:cNvPr>
+          <p:cNvSpPr/>
+          <p:nvPr/>
+        </p:nvSpPr>
+        <p:spPr>
+          <a:xfrm rot="16200000">
+            <a:off x="7412753" y="1321560"/>
+            <a:ext cx="310896" cy="399859"/>
+          </a:xfrm>
+          <a:prstGeom prst="rightArrow">
+            <a:avLst/>
+          </a:prstGeom>
+          <a:solidFill>
+            <a:schemeClr val="bg1">
+              <a:lumMod val="50000"/>
+            </a:schemeClr>
+          </a:solidFill>
+          <a:ln>
+            <a:noFill/>
+          </a:ln>
+        </p:spPr>
+        <p:style>
+          <a:lnRef idx="2">
+            <a:schemeClr val="accent1">
+              <a:shade val="50000"/>
+            </a:schemeClr>
+          </a:lnRef>
+          <a:fillRef idx="1">
+            <a:schemeClr val="accent1"/>
+          </a:fillRef>
+          <a:effectRef idx="0">
+            <a:schemeClr val="accent1"/>
+          </a:effectRef>
+          <a:fontRef idx="minor">
+            <a:schemeClr val="lt1"/>
+          </a:fontRef>
+        </p:style>
+        <p:txBody>
+          <a:bodyPr rtlCol="0" anchor="ctr"/>
+          <a:lstStyle/>
+          <a:p>
+            <a:pPr algn="ctr"/>
+            <a:endParaRPr lang="ko-KR" altLang="en-US"/>
+          </a:p>
+        </p:txBody>
+      </p:sp>
+      <p:sp>
+        <p:nvSpPr>
+          <p:cNvPr id="29" name="TextBox 28">
+            <a:extLst>
+              <a:ext uri="{FF2B5EF4-FFF2-40B4-BE49-F238E27FC236}">
+                <a16:creationId xmlns:a16="http://schemas.microsoft.com/office/drawing/2014/main" id="{A5A4BF45-5151-4612-B7AF-B0C1C03BC9AD}"/>
+              </a:ext>
+            </a:extLst>
+          </p:cNvPr>
+          <p:cNvSpPr txBox="1"/>
+          <p:nvPr/>
+        </p:nvSpPr>
+        <p:spPr>
+          <a:xfrm>
+            <a:off x="3670937" y="2753409"/>
+            <a:ext cx="3913632" cy="646331"/>
+          </a:xfrm>
+          <a:prstGeom prst="rect">
+            <a:avLst/>
+          </a:prstGeom>
+          <a:noFill/>
+        </p:spPr>
+        <p:txBody>
+          <a:bodyPr wrap="square" rtlCol="0">
+            <a:spAutoFit/>
+          </a:bodyPr>
+          <a:lstStyle/>
+          <a:p>
+            <a:pPr algn="ctr"/>
+            <a:r>
+              <a:rPr lang="en-US" altLang="ko-KR" dirty="0"/>
+              <a:t>Embedded features</a:t>
+            </a:r>
+          </a:p>
+          <a:p>
+            <a:pPr algn="ctr"/>
+            <a:r>
+              <a:rPr lang="en-US" altLang="ko-KR" dirty="0"/>
+              <a:t>(by AE)</a:t>
+            </a:r>
+            <a:endParaRPr lang="ko-KR" altLang="en-US" dirty="0"/>
+          </a:p>
+        </p:txBody>
+      </p:sp>
+      <p:sp>
+        <p:nvSpPr>
+          <p:cNvPr id="30" name="왼쪽 중괄호 29">
+            <a:extLst>
+              <a:ext uri="{FF2B5EF4-FFF2-40B4-BE49-F238E27FC236}">
+                <a16:creationId xmlns:a16="http://schemas.microsoft.com/office/drawing/2014/main" id="{B87D4547-EB4B-4750-85DE-359491B16A9A}"/>
+              </a:ext>
+            </a:extLst>
+          </p:cNvPr>
+          <p:cNvSpPr/>
+          <p:nvPr/>
+        </p:nvSpPr>
+        <p:spPr>
+          <a:xfrm>
+            <a:off x="4286631" y="2838753"/>
+            <a:ext cx="201168" cy="1527048"/>
+          </a:xfrm>
+          <a:prstGeom prst="leftBrace">
+            <a:avLst/>
+          </a:prstGeom>
+        </p:spPr>
+        <p:style>
+          <a:lnRef idx="1">
+            <a:schemeClr val="accent1"/>
+          </a:lnRef>
+          <a:fillRef idx="0">
+            <a:schemeClr val="accent1"/>
+          </a:fillRef>
+          <a:effectRef idx="0">
+            <a:schemeClr val="accent1"/>
+          </a:effectRef>
+          <a:fontRef idx="minor">
+            <a:schemeClr val="tx1"/>
+          </a:fontRef>
+        </p:style>
+        <p:txBody>
+          <a:bodyPr rtlCol="0" anchor="ctr"/>
+          <a:lstStyle/>
+          <a:p>
+            <a:pPr algn="ctr"/>
+            <a:endParaRPr lang="ko-KR" altLang="en-US"/>
+          </a:p>
+        </p:txBody>
+      </p:sp>
+      <p:cxnSp>
+        <p:nvCxnSpPr>
+          <p:cNvPr id="31" name="연결선: 꺾임 30">
+            <a:extLst>
+              <a:ext uri="{FF2B5EF4-FFF2-40B4-BE49-F238E27FC236}">
+                <a16:creationId xmlns:a16="http://schemas.microsoft.com/office/drawing/2014/main" id="{7486756A-097F-4C61-BB92-B24385CB11C1}"/>
+              </a:ext>
+            </a:extLst>
+          </p:cNvPr>
+          <p:cNvCxnSpPr>
+            <a:stCxn id="30" idx="1"/>
+          </p:cNvCxnSpPr>
+          <p:nvPr/>
+        </p:nvCxnSpPr>
+        <p:spPr>
+          <a:xfrm rot="10800000" flipV="1">
+            <a:off x="3670937" y="3602277"/>
+            <a:ext cx="615694" cy="1988820"/>
+          </a:xfrm>
+          <a:prstGeom prst="bentConnector2">
+            <a:avLst/>
+          </a:prstGeom>
+          <a:ln>
+            <a:tailEnd type="triangle"/>
+          </a:ln>
+        </p:spPr>
+        <p:style>
+          <a:lnRef idx="1">
+            <a:schemeClr val="accent1"/>
+          </a:lnRef>
+          <a:fillRef idx="0">
+            <a:schemeClr val="accent1"/>
+          </a:fillRef>
+          <a:effectRef idx="0">
+            <a:schemeClr val="accent1"/>
+          </a:effectRef>
+          <a:fontRef idx="minor">
+            <a:schemeClr val="tx1"/>
+          </a:fontRef>
+        </p:style>
+      </p:cxnSp>
+      <p:sp>
+        <p:nvSpPr>
+          <p:cNvPr id="32" name="TextBox 31">
+            <a:extLst>
+              <a:ext uri="{FF2B5EF4-FFF2-40B4-BE49-F238E27FC236}">
+                <a16:creationId xmlns:a16="http://schemas.microsoft.com/office/drawing/2014/main" id="{B299283B-8188-4935-A745-E26A0D149579}"/>
+              </a:ext>
+            </a:extLst>
+          </p:cNvPr>
+          <p:cNvSpPr txBox="1"/>
+          <p:nvPr/>
+        </p:nvSpPr>
+        <p:spPr>
+          <a:xfrm>
+            <a:off x="2587371" y="5701123"/>
+            <a:ext cx="2368296" cy="369332"/>
+          </a:xfrm>
+          <a:prstGeom prst="rect">
+            <a:avLst/>
+          </a:prstGeom>
+          <a:noFill/>
+        </p:spPr>
+        <p:txBody>
+          <a:bodyPr wrap="square" rtlCol="0">
+            <a:spAutoFit/>
+          </a:bodyPr>
+          <a:lstStyle/>
+          <a:p>
+            <a:r>
+              <a:rPr lang="en-US" altLang="ko-KR" dirty="0"/>
+              <a:t>Separately trained</a:t>
+            </a:r>
+            <a:endParaRPr lang="ko-KR" altLang="en-US" dirty="0"/>
+          </a:p>
+        </p:txBody>
+      </p:sp>
+      <p:sp>
+        <p:nvSpPr>
+          <p:cNvPr id="33" name="직사각형 32">
+            <a:extLst>
+              <a:ext uri="{FF2B5EF4-FFF2-40B4-BE49-F238E27FC236}">
+                <a16:creationId xmlns:a16="http://schemas.microsoft.com/office/drawing/2014/main" id="{92BD7D5A-53CD-4D81-A2C7-13DBFACBF256}"/>
+              </a:ext>
+            </a:extLst>
+          </p:cNvPr>
+          <p:cNvSpPr/>
+          <p:nvPr/>
+        </p:nvSpPr>
+        <p:spPr>
+          <a:xfrm>
+            <a:off x="2511171" y="5701124"/>
+            <a:ext cx="2150364" cy="369332"/>
+          </a:xfrm>
+          <a:prstGeom prst="rect">
+            <a:avLst/>
+          </a:prstGeom>
+          <a:noFill/>
+          <a:ln w="28575">
+            <a:solidFill>
+              <a:srgbClr val="FF0000"/>
+            </a:solidFill>
+          </a:ln>
+        </p:spPr>
+        <p:style>
+          <a:lnRef idx="2">
+            <a:schemeClr val="accent1">
+              <a:shade val="50000"/>
+            </a:schemeClr>
+          </a:lnRef>
+          <a:fillRef idx="1">
+            <a:schemeClr val="accent1"/>
+          </a:fillRef>
+          <a:effectRef idx="0">
+            <a:schemeClr val="accent1"/>
+          </a:effectRef>
+          <a:fontRef idx="minor">
+            <a:schemeClr val="lt1"/>
+          </a:fontRef>
+        </p:style>
+        <p:txBody>
+          <a:bodyPr rtlCol="0" anchor="ctr"/>
+          <a:lstStyle/>
+          <a:p>
+            <a:pPr algn="ctr"/>
+            <a:endParaRPr lang="ko-KR" altLang="en-US" dirty="0"/>
+          </a:p>
+        </p:txBody>
+      </p:sp>
+      <p:sp>
+        <p:nvSpPr>
+          <p:cNvPr id="34" name="직사각형 33">
+            <a:extLst>
+              <a:ext uri="{FF2B5EF4-FFF2-40B4-BE49-F238E27FC236}">
+                <a16:creationId xmlns:a16="http://schemas.microsoft.com/office/drawing/2014/main" id="{2B5BE055-2BC5-44D3-BF41-8B9915A4C51F}"/>
+              </a:ext>
+            </a:extLst>
+          </p:cNvPr>
+          <p:cNvSpPr/>
+          <p:nvPr/>
+        </p:nvSpPr>
+        <p:spPr>
+          <a:xfrm>
+            <a:off x="4523992" y="2758152"/>
+            <a:ext cx="2249424" cy="646309"/>
+          </a:xfrm>
+          <a:prstGeom prst="rect">
+            <a:avLst/>
+          </a:prstGeom>
+          <a:noFill/>
+          <a:ln w="28575">
+            <a:solidFill>
+              <a:srgbClr val="FF0000"/>
+            </a:solidFill>
+          </a:ln>
+        </p:spPr>
+        <p:style>
+          <a:lnRef idx="2">
+            <a:schemeClr val="accent1">
+              <a:shade val="50000"/>
+            </a:schemeClr>
+          </a:lnRef>
+          <a:fillRef idx="1">
+            <a:schemeClr val="accent1"/>
+          </a:fillRef>
+          <a:effectRef idx="0">
+            <a:schemeClr val="accent1"/>
+          </a:effectRef>
+          <a:fontRef idx="minor">
+            <a:schemeClr val="lt1"/>
+          </a:fontRef>
+        </p:style>
+        <p:txBody>
+          <a:bodyPr rtlCol="0" anchor="ctr"/>
+          <a:lstStyle/>
+          <a:p>
+            <a:pPr algn="ctr"/>
+            <a:endParaRPr lang="ko-KR" altLang="en-US" dirty="0"/>
+          </a:p>
+        </p:txBody>
+      </p:sp>
+      <p:sp>
+        <p:nvSpPr>
+          <p:cNvPr id="35" name="화살표: 오른쪽 34">
+            <a:extLst>
+              <a:ext uri="{FF2B5EF4-FFF2-40B4-BE49-F238E27FC236}">
+                <a16:creationId xmlns:a16="http://schemas.microsoft.com/office/drawing/2014/main" id="{31E1B079-E53D-4CC8-875A-432386D18AB5}"/>
+              </a:ext>
+            </a:extLst>
+          </p:cNvPr>
+          <p:cNvSpPr/>
+          <p:nvPr/>
+        </p:nvSpPr>
+        <p:spPr>
+          <a:xfrm>
+            <a:off x="6790756" y="3207287"/>
+            <a:ext cx="521202" cy="754715"/>
+          </a:xfrm>
+          <a:prstGeom prst="rightArrow">
+            <a:avLst/>
+          </a:prstGeom>
+        </p:spPr>
+        <p:style>
+          <a:lnRef idx="2">
+            <a:schemeClr val="accent1">
+              <a:shade val="50000"/>
+            </a:schemeClr>
+          </a:lnRef>
+          <a:fillRef idx="1">
+            <a:schemeClr val="accent1"/>
+          </a:fillRef>
+          <a:effectRef idx="0">
+            <a:schemeClr val="accent1"/>
+          </a:effectRef>
+          <a:fontRef idx="minor">
+            <a:schemeClr val="lt1"/>
+          </a:fontRef>
+        </p:style>
+        <p:txBody>
+          <a:bodyPr rtlCol="0" anchor="ctr"/>
+          <a:lstStyle/>
+          <a:p>
+            <a:pPr algn="ctr"/>
+            <a:endParaRPr lang="ko-KR" altLang="en-US"/>
+          </a:p>
+        </p:txBody>
+      </p:sp>
+      <p:sp>
+        <p:nvSpPr>
+          <p:cNvPr id="36" name="TextBox 35">
+            <a:extLst>
+              <a:ext uri="{FF2B5EF4-FFF2-40B4-BE49-F238E27FC236}">
+                <a16:creationId xmlns:a16="http://schemas.microsoft.com/office/drawing/2014/main" id="{EF6CE0AB-5B78-48C1-B72E-B2064B70FB38}"/>
+              </a:ext>
+            </a:extLst>
+          </p:cNvPr>
+          <p:cNvSpPr txBox="1"/>
+          <p:nvPr/>
+        </p:nvSpPr>
+        <p:spPr>
+          <a:xfrm>
+            <a:off x="7329298" y="3252028"/>
+            <a:ext cx="1741932" cy="646331"/>
+          </a:xfrm>
+          <a:prstGeom prst="rect">
+            <a:avLst/>
+          </a:prstGeom>
+          <a:noFill/>
+        </p:spPr>
+        <p:txBody>
+          <a:bodyPr wrap="square" rtlCol="0">
+            <a:spAutoFit/>
+          </a:bodyPr>
+          <a:lstStyle/>
+          <a:p>
+            <a:r>
+              <a:rPr lang="en-US" altLang="ko-KR" b="1" dirty="0"/>
+              <a:t>Embedding</a:t>
+            </a:r>
+            <a:r>
+              <a:rPr lang="ko-KR" altLang="en-US" b="1" dirty="0"/>
+              <a:t>에 </a:t>
+            </a:r>
+            <a:endParaRPr lang="en-US" altLang="ko-KR" b="1" dirty="0"/>
+          </a:p>
+          <a:p>
+            <a:r>
+              <a:rPr lang="en-US" altLang="ko-KR" b="1" dirty="0"/>
+              <a:t>AE </a:t>
+            </a:r>
+            <a:r>
+              <a:rPr lang="ko-KR" altLang="en-US" b="1" dirty="0"/>
+              <a:t>이용</a:t>
+            </a:r>
+          </a:p>
+        </p:txBody>
+      </p:sp>
+    </p:spTree>
+    <p:extLst>
+      <p:ext uri="{BB962C8B-B14F-4D97-AF65-F5344CB8AC3E}">
+        <p14:creationId xmlns:p14="http://schemas.microsoft.com/office/powerpoint/2010/main" val="1674873343"/>
+      </p:ext>
+    </p:extLst>
+  </p:cSld>
+  <p:clrMapOvr>
+    <a:masterClrMapping/>
+  </p:clrMapOvr>
+</p:sld>
+</file>
+
 <file path=ppt/slides/slide26.xml><?xml version="1.0" encoding="utf-8"?>
 <p:sld xmlns:a="http://schemas.openxmlformats.org/drawingml/2006/main" xmlns:r="http://schemas.openxmlformats.org/officeDocument/2006/relationships" xmlns:p="http://schemas.openxmlformats.org/presentationml/2006/main">
   <p:cSld>
@@ -13649,10 +13892,10 @@
       </p:grpSpPr>
       <p:sp>
         <p:nvSpPr>
-          <p:cNvPr id="4" name="TextBox 3">
-            <a:extLst>
-              <a:ext uri="{FF2B5EF4-FFF2-40B4-BE49-F238E27FC236}">
-                <a16:creationId xmlns:a16="http://schemas.microsoft.com/office/drawing/2014/main" id="{CCF2CAB1-2ADB-4BF5-A48D-5053B8B3BABC}"/>
+          <p:cNvPr id="10" name="TextBox 9">
+            <a:extLst>
+              <a:ext uri="{FF2B5EF4-FFF2-40B4-BE49-F238E27FC236}">
+                <a16:creationId xmlns:a16="http://schemas.microsoft.com/office/drawing/2014/main" id="{26D67EAD-4F54-4DC8-A78A-8F0C5D927463}"/>
               </a:ext>
             </a:extLst>
           </p:cNvPr>
@@ -13661,8 +13904,8 @@
         </p:nvSpPr>
         <p:spPr>
           <a:xfrm>
-            <a:off x="9525740" y="186432"/>
-            <a:ext cx="4802820" cy="477054"/>
+            <a:off x="446784" y="1026312"/>
+            <a:ext cx="8627615" cy="477054"/>
           </a:xfrm>
           <a:prstGeom prst="rect">
             <a:avLst/>
@@ -13676,19 +13919,19 @@
           <a:lstStyle/>
           <a:p>
             <a:r>
-              <a:rPr lang="en-US" altLang="ko-KR" sz="2500" dirty="0"/>
-              <a:t>Anomaly based</a:t>
-            </a:r>
-            <a:endParaRPr lang="ko-KR" altLang="en-US" sz="2500" dirty="0"/>
-          </a:p>
-        </p:txBody>
-      </p:sp>
-      <p:sp>
-        <p:nvSpPr>
-          <p:cNvPr id="10" name="TextBox 9">
-            <a:extLst>
-              <a:ext uri="{FF2B5EF4-FFF2-40B4-BE49-F238E27FC236}">
-                <a16:creationId xmlns:a16="http://schemas.microsoft.com/office/drawing/2014/main" id="{26D67EAD-4F54-4DC8-A78A-8F0C5D927463}"/>
+              <a:rPr lang="en-US" altLang="ko-KR" sz="2500" b="1" dirty="0"/>
+              <a:t>Deep SAD</a:t>
+            </a:r>
+            <a:endParaRPr lang="ko-KR" altLang="en-US" sz="2500" b="1" dirty="0"/>
+          </a:p>
+        </p:txBody>
+      </p:sp>
+      <p:sp>
+        <p:nvSpPr>
+          <p:cNvPr id="4" name="TextBox 3">
+            <a:extLst>
+              <a:ext uri="{FF2B5EF4-FFF2-40B4-BE49-F238E27FC236}">
+                <a16:creationId xmlns:a16="http://schemas.microsoft.com/office/drawing/2014/main" id="{CCF2CAB1-2ADB-4BF5-A48D-5053B8B3BABC}"/>
               </a:ext>
             </a:extLst>
           </p:cNvPr>
@@ -13697,8 +13940,8 @@
         </p:nvSpPr>
         <p:spPr>
           <a:xfrm>
-            <a:off x="446784" y="1026312"/>
-            <a:ext cx="8627615" cy="477054"/>
+            <a:off x="9525740" y="186432"/>
+            <a:ext cx="4802820" cy="477054"/>
           </a:xfrm>
           <a:prstGeom prst="rect">
             <a:avLst/>
@@ -13712,92 +13955,155 @@
           <a:lstStyle/>
           <a:p>
             <a:r>
-              <a:rPr lang="en-US" altLang="ko-KR" sz="2500" b="1" dirty="0"/>
-              <a:t>One class Neural Net</a:t>
-            </a:r>
-            <a:endParaRPr lang="ko-KR" altLang="en-US" sz="2500" b="1" dirty="0"/>
+              <a:rPr lang="en-US" altLang="ko-KR" sz="2500" dirty="0"/>
+              <a:t>Anomaly based</a:t>
+            </a:r>
+            <a:endParaRPr lang="ko-KR" altLang="en-US" sz="2500" dirty="0"/>
+          </a:p>
+        </p:txBody>
+      </p:sp>
+      <p:sp>
+        <p:nvSpPr>
+          <p:cNvPr id="9" name="Rectangle 2">
+            <a:extLst>
+              <a:ext uri="{FF2B5EF4-FFF2-40B4-BE49-F238E27FC236}">
+                <a16:creationId xmlns:a16="http://schemas.microsoft.com/office/drawing/2014/main" id="{12A42924-4CEA-4391-93D9-282BDFD83EB1}"/>
+              </a:ext>
+            </a:extLst>
+          </p:cNvPr>
+          <p:cNvSpPr>
+            <a:spLocks noChangeArrowheads="1"/>
+          </p:cNvSpPr>
+          <p:nvPr/>
+        </p:nvSpPr>
+        <p:spPr bwMode="auto">
+          <a:xfrm>
+            <a:off x="-7206806" y="6550342"/>
+            <a:ext cx="12192000" cy="457200"/>
+          </a:xfrm>
+          <a:prstGeom prst="rect">
+            <a:avLst/>
+          </a:prstGeom>
+          <a:noFill/>
+          <a:ln>
+            <a:noFill/>
+          </a:ln>
+          <a:effectLst/>
+          <a:extLst>
+            <a:ext uri="{909E8E84-426E-40DD-AFC4-6F175D3DCCD1}">
+              <a14:hiddenFill xmlns:a14="http://schemas.microsoft.com/office/drawing/2010/main">
+                <a:solidFill>
+                  <a:schemeClr val="accent1"/>
+                </a:solidFill>
+              </a14:hiddenFill>
+            </a:ext>
+            <a:ext uri="{91240B29-F687-4F45-9708-019B960494DF}">
+              <a14:hiddenLine xmlns:a14="http://schemas.microsoft.com/office/drawing/2010/main" w="9525">
+                <a:solidFill>
+                  <a:schemeClr val="tx1"/>
+                </a:solidFill>
+                <a:miter lim="800000"/>
+                <a:headEnd/>
+                <a:tailEnd/>
+              </a14:hiddenLine>
+            </a:ext>
+            <a:ext uri="{AF507438-7753-43E0-B8FC-AC1667EBCBE1}">
+              <a14:hiddenEffects xmlns:a14="http://schemas.microsoft.com/office/drawing/2010/main">
+                <a:effectLst>
+                  <a:outerShdw dist="35921" dir="2700000" algn="ctr" rotWithShape="0">
+                    <a:schemeClr val="bg2"/>
+                  </a:outerShdw>
+                </a:effectLst>
+              </a14:hiddenEffects>
+            </a:ext>
+          </a:extLst>
+        </p:spPr>
+        <p:txBody>
+          <a:bodyPr vert="horz" wrap="none" lIns="91440" tIns="45720" rIns="91440" bIns="45720" numCol="1" anchor="ctr" anchorCtr="0" compatLnSpc="1">
+            <a:prstTxWarp prst="textNoShape">
+              <a:avLst/>
+            </a:prstTxWarp>
+            <a:spAutoFit/>
+          </a:bodyPr>
+          <a:lstStyle/>
+          <a:p>
+            <a:endParaRPr lang="ko-KR" altLang="en-US"/>
           </a:p>
         </p:txBody>
       </p:sp>
       <p:pic>
         <p:nvPicPr>
-          <p:cNvPr id="15" name="그림 14">
-            <a:extLst>
-              <a:ext uri="{FF2B5EF4-FFF2-40B4-BE49-F238E27FC236}">
-                <a16:creationId xmlns:a16="http://schemas.microsoft.com/office/drawing/2014/main" id="{5609D34F-EBF5-41C1-BCE6-9952213744BF}"/>
+          <p:cNvPr id="7169" name="_x341317600">
+            <a:extLst>
+              <a:ext uri="{FF2B5EF4-FFF2-40B4-BE49-F238E27FC236}">
+                <a16:creationId xmlns:a16="http://schemas.microsoft.com/office/drawing/2014/main" id="{51621656-BF7B-45BD-ACB7-252285160DC8}"/>
               </a:ext>
             </a:extLst>
           </p:cNvPr>
           <p:cNvPicPr>
-            <a:picLocks noChangeAspect="1"/>
+            <a:picLocks noChangeAspect="1" noChangeArrowheads="1"/>
           </p:cNvPicPr>
           <p:nvPr/>
         </p:nvPicPr>
         <p:blipFill>
-          <a:blip r:embed="rId2"/>
+          <a:blip r:embed="rId2">
+            <a:extLst>
+              <a:ext uri="{28A0092B-C50C-407E-A947-70E740481C1C}">
+                <a14:useLocalDpi xmlns:a14="http://schemas.microsoft.com/office/drawing/2010/main" val="0"/>
+              </a:ext>
+            </a:extLst>
+          </a:blip>
+          <a:srcRect/>
           <a:stretch>
             <a:fillRect/>
           </a:stretch>
         </p:blipFill>
-        <p:spPr>
-          <a:xfrm>
-            <a:off x="446784" y="3149287"/>
-            <a:ext cx="5082111" cy="2030005"/>
+        <p:spPr bwMode="auto">
+          <a:xfrm>
+            <a:off x="809308" y="1811099"/>
+            <a:ext cx="8385048" cy="4860469"/>
           </a:xfrm>
           <a:prstGeom prst="rect">
             <a:avLst/>
           </a:prstGeom>
+          <a:noFill/>
+          <a:extLst>
+            <a:ext uri="{909E8E84-426E-40DD-AFC4-6F175D3DCCD1}">
+              <a14:hiddenFill xmlns:a14="http://schemas.microsoft.com/office/drawing/2010/main">
+                <a:solidFill>
+                  <a:srgbClr val="FFFFFF"/>
+                </a:solidFill>
+              </a14:hiddenFill>
+            </a:ext>
+          </a:extLst>
         </p:spPr>
       </p:pic>
-      <p:pic>
-        <p:nvPicPr>
-          <p:cNvPr id="17" name="그림 16">
-            <a:extLst>
-              <a:ext uri="{FF2B5EF4-FFF2-40B4-BE49-F238E27FC236}">
-                <a16:creationId xmlns:a16="http://schemas.microsoft.com/office/drawing/2014/main" id="{38AE042C-245A-468C-BFBC-632BF35F5DCD}"/>
-              </a:ext>
-            </a:extLst>
-          </p:cNvPr>
-          <p:cNvPicPr>
-            <a:picLocks noChangeAspect="1"/>
-          </p:cNvPicPr>
-          <p:nvPr/>
-        </p:nvPicPr>
-        <p:blipFill rotWithShape="1">
-          <a:blip r:embed="rId3"/>
-          <a:srcRect l="7776"/>
-          <a:stretch/>
-        </p:blipFill>
-        <p:spPr>
-          <a:xfrm>
-            <a:off x="6385383" y="1902914"/>
-            <a:ext cx="4987059" cy="3276378"/>
+      <p:sp>
+        <p:nvSpPr>
+          <p:cNvPr id="2" name="직사각형 1">
+            <a:extLst>
+              <a:ext uri="{FF2B5EF4-FFF2-40B4-BE49-F238E27FC236}">
+                <a16:creationId xmlns:a16="http://schemas.microsoft.com/office/drawing/2014/main" id="{6DE666EB-90D6-4894-AAD9-B1E01B1E1CE3}"/>
+              </a:ext>
+            </a:extLst>
+          </p:cNvPr>
+          <p:cNvSpPr/>
+          <p:nvPr/>
+        </p:nvSpPr>
+        <p:spPr>
+          <a:xfrm>
+            <a:off x="6346190" y="4387344"/>
+            <a:ext cx="2999232" cy="2359152"/>
           </a:xfrm>
           <a:prstGeom prst="rect">
             <a:avLst/>
           </a:prstGeom>
-        </p:spPr>
-      </p:pic>
-      <p:sp>
-        <p:nvSpPr>
-          <p:cNvPr id="18" name="화살표: 오른쪽 17">
-            <a:extLst>
-              <a:ext uri="{FF2B5EF4-FFF2-40B4-BE49-F238E27FC236}">
-                <a16:creationId xmlns:a16="http://schemas.microsoft.com/office/drawing/2014/main" id="{D6297928-880C-4BAB-B443-9B1566B8265E}"/>
-              </a:ext>
-            </a:extLst>
-          </p:cNvPr>
-          <p:cNvSpPr/>
-          <p:nvPr/>
-        </p:nvSpPr>
-        <p:spPr>
-          <a:xfrm>
-            <a:off x="5528895" y="3469517"/>
-            <a:ext cx="484632" cy="738289"/>
-          </a:xfrm>
-          <a:prstGeom prst="rightArrow">
-            <a:avLst/>
-          </a:prstGeom>
+          <a:noFill/>
+          <a:ln w="38100">
+            <a:solidFill>
+              <a:srgbClr val="FF0000"/>
+            </a:solidFill>
+          </a:ln>
         </p:spPr>
         <p:style>
           <a:lnRef idx="2">
@@ -13826,82 +14132,10 @@
       </p:sp>
       <p:sp>
         <p:nvSpPr>
-          <p:cNvPr id="19" name="TextBox 18">
-            <a:extLst>
-              <a:ext uri="{FF2B5EF4-FFF2-40B4-BE49-F238E27FC236}">
-                <a16:creationId xmlns:a16="http://schemas.microsoft.com/office/drawing/2014/main" id="{36BAEEC7-F536-4D60-A010-4DF5B9E89D64}"/>
-              </a:ext>
-            </a:extLst>
-          </p:cNvPr>
-          <p:cNvSpPr txBox="1"/>
-          <p:nvPr/>
-        </p:nvSpPr>
-        <p:spPr>
-          <a:xfrm>
-            <a:off x="2250771" y="5560552"/>
-            <a:ext cx="7040880" cy="369332"/>
-          </a:xfrm>
-          <a:prstGeom prst="rect">
-            <a:avLst/>
-          </a:prstGeom>
-          <a:noFill/>
-        </p:spPr>
-        <p:txBody>
-          <a:bodyPr wrap="square" rtlCol="0">
-            <a:spAutoFit/>
-          </a:bodyPr>
-          <a:lstStyle/>
-          <a:p>
-            <a:pPr algn="ctr"/>
-            <a:r>
-              <a:rPr lang="en-US" altLang="ko-KR" b="1" dirty="0"/>
-              <a:t>AE </a:t>
-            </a:r>
-            <a:r>
-              <a:rPr lang="ko-KR" altLang="en-US" b="1" dirty="0"/>
-              <a:t>학습 후</a:t>
-            </a:r>
-            <a:r>
-              <a:rPr lang="en-US" altLang="ko-KR" dirty="0"/>
-              <a:t>, encoder </a:t>
-            </a:r>
-            <a:r>
-              <a:rPr lang="ko-KR" altLang="en-US" dirty="0" err="1"/>
-              <a:t>딴을</a:t>
-            </a:r>
-            <a:r>
-              <a:rPr lang="ko-KR" altLang="en-US" dirty="0"/>
-              <a:t> </a:t>
-            </a:r>
-            <a:r>
-              <a:rPr lang="ko-KR" altLang="en-US" b="1" dirty="0"/>
-              <a:t>전이학습</a:t>
-            </a:r>
-            <a:r>
-              <a:rPr lang="ko-KR" altLang="en-US" dirty="0"/>
-              <a:t> 하여 </a:t>
-            </a:r>
-            <a:r>
-              <a:rPr lang="en-US" altLang="ko-KR" dirty="0"/>
-              <a:t>AD</a:t>
-            </a:r>
-            <a:r>
-              <a:rPr lang="ko-KR" altLang="en-US" dirty="0"/>
-              <a:t>에 </a:t>
-            </a:r>
-            <a:r>
-              <a:rPr lang="ko-KR" altLang="en-US" b="1" dirty="0"/>
-              <a:t>이용 </a:t>
-            </a:r>
-          </a:p>
-        </p:txBody>
-      </p:sp>
-      <p:sp>
-        <p:nvSpPr>
-          <p:cNvPr id="24" name="직사각형 23">
-            <a:extLst>
-              <a:ext uri="{FF2B5EF4-FFF2-40B4-BE49-F238E27FC236}">
-                <a16:creationId xmlns:a16="http://schemas.microsoft.com/office/drawing/2014/main" id="{468C7E8C-0CD3-430D-8DFC-B8D5F58D82E8}"/>
+          <p:cNvPr id="3" name="화살표: 오른쪽 2">
+            <a:extLst>
+              <a:ext uri="{FF2B5EF4-FFF2-40B4-BE49-F238E27FC236}">
+                <a16:creationId xmlns:a16="http://schemas.microsoft.com/office/drawing/2014/main" id="{67C6A784-C6E3-451F-9EAD-EEBB846FC684}"/>
               </a:ext>
             </a:extLst>
           </p:cNvPr>
@@ -13910,18 +14144,12 @@
         </p:nvSpPr>
         <p:spPr>
           <a:xfrm>
-            <a:off x="323850" y="2590800"/>
-            <a:ext cx="5382006" cy="2686050"/>
-          </a:xfrm>
-          <a:prstGeom prst="rect">
-            <a:avLst/>
-          </a:prstGeom>
-          <a:noFill/>
-          <a:ln w="28575">
-            <a:solidFill>
-              <a:srgbClr val="FF0000"/>
-            </a:solidFill>
-          </a:ln>
+            <a:off x="9500870" y="5365752"/>
+            <a:ext cx="466344" cy="630936"/>
+          </a:xfrm>
+          <a:prstGeom prst="rightArrow">
+            <a:avLst/>
+          </a:prstGeom>
         </p:spPr>
         <p:style>
           <a:lnRef idx="2">
@@ -13950,10 +14178,10 @@
       </p:sp>
       <p:sp>
         <p:nvSpPr>
-          <p:cNvPr id="25" name="TextBox 24">
-            <a:extLst>
-              <a:ext uri="{FF2B5EF4-FFF2-40B4-BE49-F238E27FC236}">
-                <a16:creationId xmlns:a16="http://schemas.microsoft.com/office/drawing/2014/main" id="{13A85681-96D6-423B-9882-B8F165506316}"/>
+          <p:cNvPr id="5" name="TextBox 4">
+            <a:extLst>
+              <a:ext uri="{FF2B5EF4-FFF2-40B4-BE49-F238E27FC236}">
+                <a16:creationId xmlns:a16="http://schemas.microsoft.com/office/drawing/2014/main" id="{830419E6-E08C-4BA4-AE4A-E0C9764FE49E}"/>
               </a:ext>
             </a:extLst>
           </p:cNvPr>
@@ -13962,8 +14190,8 @@
         </p:nvSpPr>
         <p:spPr>
           <a:xfrm>
-            <a:off x="446783" y="2727833"/>
-            <a:ext cx="1620141" cy="369332"/>
+            <a:off x="10122662" y="5250333"/>
+            <a:ext cx="2163638" cy="861774"/>
           </a:xfrm>
           <a:prstGeom prst="rect">
             <a:avLst/>
@@ -13977,100 +14205,19 @@
           <a:lstStyle/>
           <a:p>
             <a:r>
-              <a:rPr lang="en-US" altLang="ko-KR" b="1" dirty="0"/>
-              <a:t>Pre-training</a:t>
-            </a:r>
-            <a:endParaRPr lang="ko-KR" altLang="en-US" b="1" dirty="0"/>
-          </a:p>
-        </p:txBody>
-      </p:sp>
-      <p:sp>
-        <p:nvSpPr>
-          <p:cNvPr id="11" name="직사각형 10">
-            <a:extLst>
-              <a:ext uri="{FF2B5EF4-FFF2-40B4-BE49-F238E27FC236}">
-                <a16:creationId xmlns:a16="http://schemas.microsoft.com/office/drawing/2014/main" id="{C072AF26-5108-4A3D-963C-58F0F5F599B9}"/>
-              </a:ext>
-            </a:extLst>
-          </p:cNvPr>
-          <p:cNvSpPr/>
-          <p:nvPr/>
-        </p:nvSpPr>
-        <p:spPr>
-          <a:xfrm>
-            <a:off x="6254496" y="1787068"/>
-            <a:ext cx="5523153" cy="3489782"/>
-          </a:xfrm>
-          <a:prstGeom prst="rect">
-            <a:avLst/>
-          </a:prstGeom>
-          <a:noFill/>
-          <a:ln w="28575">
-            <a:solidFill>
-              <a:srgbClr val="FF0000"/>
-            </a:solidFill>
-          </a:ln>
-        </p:spPr>
-        <p:style>
-          <a:lnRef idx="2">
-            <a:schemeClr val="accent1">
-              <a:shade val="50000"/>
-            </a:schemeClr>
-          </a:lnRef>
-          <a:fillRef idx="1">
-            <a:schemeClr val="accent1"/>
-          </a:fillRef>
-          <a:effectRef idx="0">
-            <a:schemeClr val="accent1"/>
-          </a:effectRef>
-          <a:fontRef idx="minor">
-            <a:schemeClr val="lt1"/>
-          </a:fontRef>
-        </p:style>
-        <p:txBody>
-          <a:bodyPr rtlCol="0" anchor="ctr"/>
-          <a:lstStyle/>
-          <a:p>
-            <a:pPr algn="ctr"/>
-            <a:endParaRPr lang="ko-KR" altLang="en-US"/>
-          </a:p>
-        </p:txBody>
-      </p:sp>
-      <p:sp>
-        <p:nvSpPr>
-          <p:cNvPr id="12" name="TextBox 11">
-            <a:extLst>
-              <a:ext uri="{FF2B5EF4-FFF2-40B4-BE49-F238E27FC236}">
-                <a16:creationId xmlns:a16="http://schemas.microsoft.com/office/drawing/2014/main" id="{B576494D-91F2-4968-A981-CF7D3FA665C9}"/>
-              </a:ext>
-            </a:extLst>
-          </p:cNvPr>
-          <p:cNvSpPr txBox="1"/>
-          <p:nvPr/>
-        </p:nvSpPr>
-        <p:spPr>
-          <a:xfrm>
-            <a:off x="6385383" y="1862290"/>
-            <a:ext cx="1620141" cy="369332"/>
-          </a:xfrm>
-          <a:prstGeom prst="rect">
-            <a:avLst/>
-          </a:prstGeom>
-          <a:noFill/>
-        </p:spPr>
-        <p:txBody>
-          <a:bodyPr wrap="square" rtlCol="0">
-            <a:spAutoFit/>
-          </a:bodyPr>
-          <a:lstStyle/>
-          <a:p>
-            <a:r>
-              <a:rPr lang="en-US" altLang="ko-KR" b="1" dirty="0"/>
-              <a:t>AE </a:t>
-            </a:r>
-            <a:r>
-              <a:rPr lang="ko-KR" altLang="en-US" b="1" dirty="0"/>
-              <a:t>모델</a:t>
+              <a:rPr lang="en-US" altLang="ko-KR" sz="2500" b="1" dirty="0"/>
+              <a:t>unseen</a:t>
+            </a:r>
+            <a:r>
+              <a:rPr lang="ko-KR" altLang="en-US" sz="2500" b="1" dirty="0"/>
+              <a:t>에도</a:t>
+            </a:r>
+            <a:endParaRPr lang="en-US" altLang="ko-KR" sz="2500" b="1" dirty="0"/>
+          </a:p>
+          <a:p>
+            <a:r>
+              <a:rPr lang="ko-KR" altLang="en-US" sz="2500" b="1" dirty="0"/>
+              <a:t>좋은 성능</a:t>
             </a:r>
           </a:p>
         </p:txBody>
@@ -14078,7 +14225,7 @@
     </p:spTree>
     <p:extLst>
       <p:ext uri="{BB962C8B-B14F-4D97-AF65-F5344CB8AC3E}">
-        <p14:creationId xmlns:p14="http://schemas.microsoft.com/office/powerpoint/2010/main" val="3433635496"/>
+        <p14:creationId xmlns:p14="http://schemas.microsoft.com/office/powerpoint/2010/main" val="3283572106"/>
       </p:ext>
     </p:extLst>
   </p:cSld>

--- a/fraud_detection.pptx
+++ b/fraud_detection.pptx
@@ -5,7 +5,7 @@
     <p:sldMasterId id="2147483648" r:id="rId1"/>
   </p:sldMasterIdLst>
   <p:notesMasterIdLst>
-    <p:notesMasterId r:id="rId33"/>
+    <p:notesMasterId r:id="rId32"/>
   </p:notesMasterIdLst>
   <p:sldIdLst>
     <p:sldId id="273" r:id="rId2"/>
@@ -34,28 +34,27 @@
     <p:sldId id="263" r:id="rId25"/>
     <p:sldId id="286" r:id="rId26"/>
     <p:sldId id="287" r:id="rId27"/>
-    <p:sldId id="288" r:id="rId28"/>
-    <p:sldId id="285" r:id="rId29"/>
-    <p:sldId id="289" r:id="rId30"/>
-    <p:sldId id="274" r:id="rId31"/>
-    <p:sldId id="275" r:id="rId32"/>
+    <p:sldId id="285" r:id="rId28"/>
+    <p:sldId id="289" r:id="rId29"/>
+    <p:sldId id="274" r:id="rId30"/>
+    <p:sldId id="275" r:id="rId31"/>
   </p:sldIdLst>
   <p:sldSz cx="12192000" cy="6858000"/>
   <p:notesSz cx="6858000" cy="9144000"/>
   <p:embeddedFontLst>
     <p:embeddedFont>
       <p:font typeface="Cambria Math" panose="02040503050406030204" pitchFamily="18" charset="0"/>
-      <p:regular r:id="rId34"/>
+      <p:regular r:id="rId33"/>
     </p:embeddedFont>
     <p:embeddedFont>
       <p:font typeface="맑은 고딕" panose="020B0503020000020004" pitchFamily="50" charset="-127"/>
-      <p:regular r:id="rId35"/>
-      <p:bold r:id="rId36"/>
+      <p:regular r:id="rId34"/>
+      <p:bold r:id="rId35"/>
     </p:embeddedFont>
     <p:embeddedFont>
       <p:font typeface="함초롬바탕" panose="02030604000101010101" pitchFamily="18" charset="-127"/>
-      <p:regular r:id="rId37"/>
-      <p:bold r:id="rId38"/>
+      <p:regular r:id="rId36"/>
+      <p:bold r:id="rId37"/>
     </p:embeddedFont>
   </p:embeddedFontLst>
   <p:defaultTextStyle>
@@ -200,7 +199,6 @@
             <p14:sldId id="263"/>
             <p14:sldId id="286"/>
             <p14:sldId id="287"/>
-            <p14:sldId id="288"/>
             <p14:sldId id="285"/>
             <p14:sldId id="289"/>
           </p14:sldIdLst>
@@ -229,6 +227,18 @@
     </p:ext>
   </p:extLst>
 </p:presentation>
+</file>
+
+<file path=ppt/commentAuthors.xml><?xml version="1.0" encoding="utf-8"?>
+<p:cmAuthorLst xmlns:a="http://schemas.openxmlformats.org/drawingml/2006/main" xmlns:r="http://schemas.openxmlformats.org/officeDocument/2006/relationships" xmlns:p="http://schemas.openxmlformats.org/presentationml/2006/main">
+  <p:cmAuthor id="1" name="백 주엽" initials="백주" lastIdx="1" clrIdx="0">
+    <p:extLst>
+      <p:ext uri="{19B8F6BF-5375-455C-9EA6-DF929625EA0E}">
+        <p15:presenceInfo xmlns:p15="http://schemas.microsoft.com/office/powerpoint/2012/main" userId="72cd8b72f00b9b4a" providerId="Windows Live"/>
+      </p:ext>
+    </p:extLst>
+  </p:cmAuthor>
+</p:cmAuthorLst>
 </file>
 
 <file path=ppt/notesMasters/notesMaster1.xml><?xml version="1.0" encoding="utf-8"?>
@@ -1159,90 +1169,6 @@
     <p:extLst>
       <p:ext uri="{BB962C8B-B14F-4D97-AF65-F5344CB8AC3E}">
         <p14:creationId xmlns:p14="http://schemas.microsoft.com/office/powerpoint/2010/main" val="1997878793"/>
-      </p:ext>
-    </p:extLst>
-  </p:cSld>
-  <p:clrMapOvr>
-    <a:masterClrMapping/>
-  </p:clrMapOvr>
-</p:notes>
-</file>
-
-<file path=ppt/notesSlides/notesSlide16.xml><?xml version="1.0" encoding="utf-8"?>
-<p:notes xmlns:a="http://schemas.openxmlformats.org/drawingml/2006/main" xmlns:r="http://schemas.openxmlformats.org/officeDocument/2006/relationships" xmlns:p="http://schemas.openxmlformats.org/presentationml/2006/main">
-  <p:cSld>
-    <p:spTree>
-      <p:nvGrpSpPr>
-        <p:cNvPr id="1" name=""/>
-        <p:cNvGrpSpPr/>
-        <p:nvPr/>
-      </p:nvGrpSpPr>
-      <p:grpSpPr>
-        <a:xfrm>
-          <a:off x="0" y="0"/>
-          <a:ext cx="0" cy="0"/>
-          <a:chOff x="0" y="0"/>
-          <a:chExt cx="0" cy="0"/>
-        </a:xfrm>
-      </p:grpSpPr>
-      <p:sp>
-        <p:nvSpPr>
-          <p:cNvPr id="2" name="슬라이드 이미지 개체 틀 1"/>
-          <p:cNvSpPr>
-            <a:spLocks noGrp="1" noRot="1" noChangeAspect="1"/>
-          </p:cNvSpPr>
-          <p:nvPr>
-            <p:ph type="sldImg"/>
-          </p:nvPr>
-        </p:nvSpPr>
-        <p:spPr/>
-      </p:sp>
-      <p:sp>
-        <p:nvSpPr>
-          <p:cNvPr id="3" name="슬라이드 노트 개체 틀 2"/>
-          <p:cNvSpPr>
-            <a:spLocks noGrp="1"/>
-          </p:cNvSpPr>
-          <p:nvPr>
-            <p:ph type="body" idx="1"/>
-          </p:nvPr>
-        </p:nvSpPr>
-        <p:spPr/>
-        <p:txBody>
-          <a:bodyPr/>
-          <a:lstStyle/>
-          <a:p>
-            <a:endParaRPr lang="ko-KR" altLang="en-US" dirty="0"/>
-          </a:p>
-        </p:txBody>
-      </p:sp>
-      <p:sp>
-        <p:nvSpPr>
-          <p:cNvPr id="4" name="슬라이드 번호 개체 틀 3"/>
-          <p:cNvSpPr>
-            <a:spLocks noGrp="1"/>
-          </p:cNvSpPr>
-          <p:nvPr>
-            <p:ph type="sldNum" sz="quarter" idx="5"/>
-          </p:nvPr>
-        </p:nvSpPr>
-        <p:spPr/>
-        <p:txBody>
-          <a:bodyPr/>
-          <a:lstStyle/>
-          <a:p>
-            <a:fld id="{C8F4F73D-04D1-4494-8B6B-0D3706A919E6}" type="slidenum">
-              <a:rPr lang="ko-KR" altLang="en-US" smtClean="0"/>
-              <a:t>27</a:t>
-            </a:fld>
-            <a:endParaRPr lang="ko-KR" altLang="en-US"/>
-          </a:p>
-        </p:txBody>
-      </p:sp>
-    </p:spTree>
-    <p:extLst>
-      <p:ext uri="{BB962C8B-B14F-4D97-AF65-F5344CB8AC3E}">
-        <p14:creationId xmlns:p14="http://schemas.microsoft.com/office/powerpoint/2010/main" val="3901932527"/>
       </p:ext>
     </p:extLst>
   </p:cSld>
@@ -14254,1185 +14180,6 @@
       </p:grpSpPr>
       <p:sp>
         <p:nvSpPr>
-          <p:cNvPr id="10" name="TextBox 9">
-            <a:extLst>
-              <a:ext uri="{FF2B5EF4-FFF2-40B4-BE49-F238E27FC236}">
-                <a16:creationId xmlns:a16="http://schemas.microsoft.com/office/drawing/2014/main" id="{26D67EAD-4F54-4DC8-A78A-8F0C5D927463}"/>
-              </a:ext>
-            </a:extLst>
-          </p:cNvPr>
-          <p:cNvSpPr txBox="1"/>
-          <p:nvPr/>
-        </p:nvSpPr>
-        <p:spPr>
-          <a:xfrm>
-            <a:off x="446784" y="1026312"/>
-            <a:ext cx="8627615" cy="477054"/>
-          </a:xfrm>
-          <a:prstGeom prst="rect">
-            <a:avLst/>
-          </a:prstGeom>
-          <a:noFill/>
-        </p:spPr>
-        <p:txBody>
-          <a:bodyPr wrap="square" rtlCol="0">
-            <a:spAutoFit/>
-          </a:bodyPr>
-          <a:lstStyle/>
-          <a:p>
-            <a:r>
-              <a:rPr lang="en-US" altLang="ko-KR" sz="2500" b="1" dirty="0"/>
-              <a:t>Deep SAD + AE</a:t>
-            </a:r>
-            <a:endParaRPr lang="ko-KR" altLang="en-US" sz="2500" b="1" dirty="0"/>
-          </a:p>
-        </p:txBody>
-      </p:sp>
-      <p:sp>
-        <p:nvSpPr>
-          <p:cNvPr id="4" name="TextBox 3">
-            <a:extLst>
-              <a:ext uri="{FF2B5EF4-FFF2-40B4-BE49-F238E27FC236}">
-                <a16:creationId xmlns:a16="http://schemas.microsoft.com/office/drawing/2014/main" id="{CCF2CAB1-2ADB-4BF5-A48D-5053B8B3BABC}"/>
-              </a:ext>
-            </a:extLst>
-          </p:cNvPr>
-          <p:cNvSpPr txBox="1"/>
-          <p:nvPr/>
-        </p:nvSpPr>
-        <p:spPr>
-          <a:xfrm>
-            <a:off x="9525740" y="186432"/>
-            <a:ext cx="4802820" cy="477054"/>
-          </a:xfrm>
-          <a:prstGeom prst="rect">
-            <a:avLst/>
-          </a:prstGeom>
-          <a:noFill/>
-        </p:spPr>
-        <p:txBody>
-          <a:bodyPr wrap="square" rtlCol="0">
-            <a:spAutoFit/>
-          </a:bodyPr>
-          <a:lstStyle/>
-          <a:p>
-            <a:r>
-              <a:rPr lang="en-US" altLang="ko-KR" sz="2500" dirty="0"/>
-              <a:t>Anomaly based</a:t>
-            </a:r>
-            <a:endParaRPr lang="ko-KR" altLang="en-US" sz="2500" dirty="0"/>
-          </a:p>
-        </p:txBody>
-      </p:sp>
-      <p:sp>
-        <p:nvSpPr>
-          <p:cNvPr id="3" name="TextBox 2">
-            <a:extLst>
-              <a:ext uri="{FF2B5EF4-FFF2-40B4-BE49-F238E27FC236}">
-                <a16:creationId xmlns:a16="http://schemas.microsoft.com/office/drawing/2014/main" id="{58DB7CC7-CA16-408D-91FC-EE5FB1468F6C}"/>
-              </a:ext>
-            </a:extLst>
-          </p:cNvPr>
-          <p:cNvSpPr txBox="1"/>
-          <p:nvPr/>
-        </p:nvSpPr>
-        <p:spPr>
-          <a:xfrm>
-            <a:off x="3654554" y="2831592"/>
-            <a:ext cx="3913632" cy="646331"/>
-          </a:xfrm>
-          <a:prstGeom prst="rect">
-            <a:avLst/>
-          </a:prstGeom>
-          <a:noFill/>
-        </p:spPr>
-        <p:txBody>
-          <a:bodyPr wrap="square" rtlCol="0">
-            <a:spAutoFit/>
-          </a:bodyPr>
-          <a:lstStyle/>
-          <a:p>
-            <a:pPr algn="ctr"/>
-            <a:r>
-              <a:rPr lang="en-US" altLang="ko-KR" dirty="0"/>
-              <a:t>Embedded features</a:t>
-            </a:r>
-          </a:p>
-          <a:p>
-            <a:pPr algn="ctr"/>
-            <a:r>
-              <a:rPr lang="en-US" altLang="ko-KR" dirty="0"/>
-              <a:t>(by AE)</a:t>
-            </a:r>
-            <a:endParaRPr lang="ko-KR" altLang="en-US" dirty="0"/>
-          </a:p>
-        </p:txBody>
-      </p:sp>
-      <p:sp>
-        <p:nvSpPr>
-          <p:cNvPr id="11" name="TextBox 10">
-            <a:extLst>
-              <a:ext uri="{FF2B5EF4-FFF2-40B4-BE49-F238E27FC236}">
-                <a16:creationId xmlns:a16="http://schemas.microsoft.com/office/drawing/2014/main" id="{A1F155FE-CA1B-47CC-8CF9-33C2D1E60366}"/>
-              </a:ext>
-            </a:extLst>
-          </p:cNvPr>
-          <p:cNvSpPr txBox="1"/>
-          <p:nvPr/>
-        </p:nvSpPr>
-        <p:spPr>
-          <a:xfrm>
-            <a:off x="3654554" y="4159818"/>
-            <a:ext cx="3913632" cy="369332"/>
-          </a:xfrm>
-          <a:prstGeom prst="rect">
-            <a:avLst/>
-          </a:prstGeom>
-          <a:noFill/>
-        </p:spPr>
-        <p:txBody>
-          <a:bodyPr wrap="square" rtlCol="0">
-            <a:spAutoFit/>
-          </a:bodyPr>
-          <a:lstStyle/>
-          <a:p>
-            <a:pPr algn="ctr"/>
-            <a:r>
-              <a:rPr lang="en-US" altLang="ko-KR" dirty="0"/>
-              <a:t>OC SVM(or SVDD)</a:t>
-            </a:r>
-            <a:endParaRPr lang="ko-KR" altLang="en-US" dirty="0"/>
-          </a:p>
-        </p:txBody>
-      </p:sp>
-      <p:cxnSp>
-        <p:nvCxnSpPr>
-          <p:cNvPr id="15" name="직선 화살표 연결선 14">
-            <a:extLst>
-              <a:ext uri="{FF2B5EF4-FFF2-40B4-BE49-F238E27FC236}">
-                <a16:creationId xmlns:a16="http://schemas.microsoft.com/office/drawing/2014/main" id="{2854EC83-E6B1-438F-A07A-1F07D5559D62}"/>
-              </a:ext>
-            </a:extLst>
-          </p:cNvPr>
-          <p:cNvCxnSpPr/>
-          <p:nvPr/>
-        </p:nvCxnSpPr>
-        <p:spPr>
-          <a:xfrm>
-            <a:off x="3076575" y="3076575"/>
-            <a:ext cx="1085850" cy="0"/>
-          </a:xfrm>
-          <a:prstGeom prst="straightConnector1">
-            <a:avLst/>
-          </a:prstGeom>
-          <a:ln>
-            <a:tailEnd type="triangle"/>
-          </a:ln>
-        </p:spPr>
-        <p:style>
-          <a:lnRef idx="1">
-            <a:schemeClr val="accent1"/>
-          </a:lnRef>
-          <a:fillRef idx="0">
-            <a:schemeClr val="accent1"/>
-          </a:fillRef>
-          <a:effectRef idx="0">
-            <a:schemeClr val="accent1"/>
-          </a:effectRef>
-          <a:fontRef idx="minor">
-            <a:schemeClr val="tx1"/>
-          </a:fontRef>
-        </p:style>
-      </p:cxnSp>
-      <p:cxnSp>
-        <p:nvCxnSpPr>
-          <p:cNvPr id="16" name="직선 화살표 연결선 15">
-            <a:extLst>
-              <a:ext uri="{FF2B5EF4-FFF2-40B4-BE49-F238E27FC236}">
-                <a16:creationId xmlns:a16="http://schemas.microsoft.com/office/drawing/2014/main" id="{A4A3374E-E40C-4093-AB16-3DE6299ADA34}"/>
-              </a:ext>
-            </a:extLst>
-          </p:cNvPr>
-          <p:cNvCxnSpPr>
-            <a:cxnSpLocks/>
-            <a:stCxn id="3" idx="2"/>
-          </p:cNvCxnSpPr>
-          <p:nvPr/>
-        </p:nvCxnSpPr>
-        <p:spPr>
-          <a:xfrm>
-            <a:off x="5611370" y="3477923"/>
-            <a:ext cx="0" cy="681895"/>
-          </a:xfrm>
-          <a:prstGeom prst="straightConnector1">
-            <a:avLst/>
-          </a:prstGeom>
-          <a:ln>
-            <a:tailEnd type="triangle"/>
-          </a:ln>
-        </p:spPr>
-        <p:style>
-          <a:lnRef idx="1">
-            <a:schemeClr val="accent1"/>
-          </a:lnRef>
-          <a:fillRef idx="0">
-            <a:schemeClr val="accent1"/>
-          </a:fillRef>
-          <a:effectRef idx="0">
-            <a:schemeClr val="accent1"/>
-          </a:effectRef>
-          <a:fontRef idx="minor">
-            <a:schemeClr val="tx1"/>
-          </a:fontRef>
-        </p:style>
-      </p:cxnSp>
-      <p:cxnSp>
-        <p:nvCxnSpPr>
-          <p:cNvPr id="17" name="직선 화살표 연결선 16">
-            <a:extLst>
-              <a:ext uri="{FF2B5EF4-FFF2-40B4-BE49-F238E27FC236}">
-                <a16:creationId xmlns:a16="http://schemas.microsoft.com/office/drawing/2014/main" id="{30E177C1-A557-4FD6-BEAC-3BED036BB43D}"/>
-              </a:ext>
-            </a:extLst>
-          </p:cNvPr>
-          <p:cNvCxnSpPr/>
-          <p:nvPr/>
-        </p:nvCxnSpPr>
-        <p:spPr>
-          <a:xfrm>
-            <a:off x="6970778" y="4371975"/>
-            <a:ext cx="1085850" cy="0"/>
-          </a:xfrm>
-          <a:prstGeom prst="straightConnector1">
-            <a:avLst/>
-          </a:prstGeom>
-          <a:ln>
-            <a:tailEnd type="triangle"/>
-          </a:ln>
-        </p:spPr>
-        <p:style>
-          <a:lnRef idx="1">
-            <a:schemeClr val="accent1"/>
-          </a:lnRef>
-          <a:fillRef idx="0">
-            <a:schemeClr val="accent1"/>
-          </a:fillRef>
-          <a:effectRef idx="0">
-            <a:schemeClr val="accent1"/>
-          </a:effectRef>
-          <a:fontRef idx="minor">
-            <a:schemeClr val="tx1"/>
-          </a:fontRef>
-        </p:style>
-      </p:cxnSp>
-      <p:sp>
-        <p:nvSpPr>
-          <p:cNvPr id="20" name="TextBox 19">
-            <a:extLst>
-              <a:ext uri="{FF2B5EF4-FFF2-40B4-BE49-F238E27FC236}">
-                <a16:creationId xmlns:a16="http://schemas.microsoft.com/office/drawing/2014/main" id="{BC65BE10-3DEA-4BEB-A113-2664F6AC81DD}"/>
-              </a:ext>
-            </a:extLst>
-          </p:cNvPr>
-          <p:cNvSpPr txBox="1"/>
-          <p:nvPr/>
-        </p:nvSpPr>
-        <p:spPr>
-          <a:xfrm>
-            <a:off x="-158496" y="2831592"/>
-            <a:ext cx="3913632" cy="646331"/>
-          </a:xfrm>
-          <a:prstGeom prst="rect">
-            <a:avLst/>
-          </a:prstGeom>
-          <a:noFill/>
-        </p:spPr>
-        <p:txBody>
-          <a:bodyPr wrap="square" rtlCol="0">
-            <a:spAutoFit/>
-          </a:bodyPr>
-          <a:lstStyle/>
-          <a:p>
-            <a:pPr algn="ctr"/>
-            <a:r>
-              <a:rPr lang="en-US" altLang="ko-KR" dirty="0"/>
-              <a:t>X :  880 features</a:t>
-            </a:r>
-          </a:p>
-          <a:p>
-            <a:pPr algn="ctr"/>
-            <a:r>
-              <a:rPr lang="en-US" altLang="ko-KR" dirty="0"/>
-              <a:t>Y : available label </a:t>
-            </a:r>
-            <a:endParaRPr lang="ko-KR" altLang="en-US" dirty="0"/>
-          </a:p>
-        </p:txBody>
-      </p:sp>
-      <p:sp>
-        <p:nvSpPr>
-          <p:cNvPr id="19" name="TextBox 18">
-            <a:extLst>
-              <a:ext uri="{FF2B5EF4-FFF2-40B4-BE49-F238E27FC236}">
-                <a16:creationId xmlns:a16="http://schemas.microsoft.com/office/drawing/2014/main" id="{2632C9B2-5C9A-40AA-A6BE-A39E934D105D}"/>
-              </a:ext>
-            </a:extLst>
-          </p:cNvPr>
-          <p:cNvSpPr txBox="1"/>
-          <p:nvPr/>
-        </p:nvSpPr>
-        <p:spPr>
-          <a:xfrm>
-            <a:off x="839788" y="1911339"/>
-            <a:ext cx="1536192" cy="384048"/>
-          </a:xfrm>
-          <a:prstGeom prst="rect">
-            <a:avLst/>
-          </a:prstGeom>
-          <a:noFill/>
-        </p:spPr>
-        <p:txBody>
-          <a:bodyPr wrap="square" rtlCol="0">
-            <a:spAutoFit/>
-          </a:bodyPr>
-          <a:lstStyle/>
-          <a:p>
-            <a:r>
-              <a:rPr lang="en-US" altLang="ko-KR" dirty="0"/>
-              <a:t>Objective : - </a:t>
-            </a:r>
-            <a:endParaRPr lang="ko-KR" altLang="en-US" dirty="0"/>
-          </a:p>
-        </p:txBody>
-      </p:sp>
-      <mc:AlternateContent xmlns:mc="http://schemas.openxmlformats.org/markup-compatibility/2006" xmlns:a14="http://schemas.microsoft.com/office/drawing/2010/main">
-        <mc:Choice Requires="a14">
-          <p:sp>
-            <p:nvSpPr>
-              <p:cNvPr id="18" name="TextBox 17">
-                <a:extLst>
-                  <a:ext uri="{FF2B5EF4-FFF2-40B4-BE49-F238E27FC236}">
-                    <a16:creationId xmlns:a16="http://schemas.microsoft.com/office/drawing/2014/main" id="{DE802C8A-CF57-4E62-B498-E25BE8E80958}"/>
-                  </a:ext>
-                </a:extLst>
-              </p:cNvPr>
-              <p:cNvSpPr txBox="1"/>
-              <p:nvPr/>
-            </p:nvSpPr>
-            <p:spPr>
-              <a:xfrm>
-                <a:off x="7044431" y="4153922"/>
-                <a:ext cx="3913632" cy="374526"/>
-              </a:xfrm>
-              <a:prstGeom prst="rect">
-                <a:avLst/>
-              </a:prstGeom>
-              <a:noFill/>
-            </p:spPr>
-            <p:txBody>
-              <a:bodyPr wrap="square" rtlCol="0">
-                <a:spAutoFit/>
-              </a:bodyPr>
-              <a:lstStyle/>
-              <a:p>
-                <a:pPr algn="ctr"/>
-                <a:r>
-                  <a:rPr lang="en-US" altLang="ko-KR" dirty="0"/>
-                  <a:t>score </a:t>
-                </a:r>
-                <a14:m>
-                  <m:oMath xmlns:m="http://schemas.openxmlformats.org/officeDocument/2006/math">
-                    <m:r>
-                      <a:rPr lang="en-US" altLang="ko-KR" i="1" smtClean="0">
-                        <a:latin typeface="Cambria Math" panose="02040503050406030204" pitchFamily="18" charset="0"/>
-                        <a:ea typeface="Cambria Math" panose="02040503050406030204" pitchFamily="18" charset="0"/>
-                      </a:rPr>
-                      <m:t>∈</m:t>
-                    </m:r>
-                    <m:r>
-                      <a:rPr lang="en-US" altLang="ko-KR" b="0" i="1" smtClean="0">
-                        <a:latin typeface="Cambria Math" panose="02040503050406030204" pitchFamily="18" charset="0"/>
-                        <a:ea typeface="Cambria Math" panose="02040503050406030204" pitchFamily="18" charset="0"/>
-                      </a:rPr>
-                      <m:t> </m:t>
-                    </m:r>
-                  </m:oMath>
-                </a14:m>
-                <a:r>
-                  <a:rPr lang="en-US" altLang="ko-KR" dirty="0"/>
-                  <a:t>(0,1)</a:t>
-                </a:r>
-                <a:endParaRPr lang="ko-KR" altLang="en-US" dirty="0"/>
-              </a:p>
-            </p:txBody>
-          </p:sp>
-        </mc:Choice>
-        <mc:Fallback xmlns="">
-          <p:sp>
-            <p:nvSpPr>
-              <p:cNvPr id="18" name="TextBox 17">
-                <a:extLst>
-                  <a:ext uri="{FF2B5EF4-FFF2-40B4-BE49-F238E27FC236}">
-                    <a16:creationId xmlns:a16="http://schemas.microsoft.com/office/drawing/2014/main" id="{DE802C8A-CF57-4E62-B498-E25BE8E80958}"/>
-                  </a:ext>
-                </a:extLst>
-              </p:cNvPr>
-              <p:cNvSpPr txBox="1">
-                <a:spLocks noRot="1" noChangeAspect="1" noMove="1" noResize="1" noEditPoints="1" noAdjustHandles="1" noChangeArrowheads="1" noChangeShapeType="1" noTextEdit="1"/>
-              </p:cNvSpPr>
-              <p:nvPr/>
-            </p:nvSpPr>
-            <p:spPr>
-              <a:xfrm>
-                <a:off x="7044431" y="4153922"/>
-                <a:ext cx="3913632" cy="374526"/>
-              </a:xfrm>
-              <a:prstGeom prst="rect">
-                <a:avLst/>
-              </a:prstGeom>
-              <a:blipFill>
-                <a:blip r:embed="rId3"/>
-                <a:stretch>
-                  <a:fillRect t="-8065" b="-22581"/>
-                </a:stretch>
-              </a:blipFill>
-            </p:spPr>
-            <p:txBody>
-              <a:bodyPr/>
-              <a:lstStyle/>
-              <a:p>
-                <a:r>
-                  <a:rPr lang="ko-KR" altLang="en-US">
-                    <a:noFill/>
-                  </a:rPr>
-                  <a:t> </a:t>
-                </a:r>
-              </a:p>
-            </p:txBody>
-          </p:sp>
-        </mc:Fallback>
-      </mc:AlternateContent>
-      <mc:AlternateContent xmlns:mc="http://schemas.openxmlformats.org/markup-compatibility/2006" xmlns:a14="http://schemas.microsoft.com/office/drawing/2010/main">
-        <mc:Choice Requires="a14">
-          <p:sp>
-            <p:nvSpPr>
-              <p:cNvPr id="21" name="TextBox 20">
-                <a:extLst>
-                  <a:ext uri="{FF2B5EF4-FFF2-40B4-BE49-F238E27FC236}">
-                    <a16:creationId xmlns:a16="http://schemas.microsoft.com/office/drawing/2014/main" id="{1AD9178C-60B2-4E3B-B23B-68FE4DFF2B7A}"/>
-                  </a:ext>
-                </a:extLst>
-              </p:cNvPr>
-              <p:cNvSpPr txBox="1"/>
-              <p:nvPr/>
-            </p:nvSpPr>
-            <p:spPr>
-              <a:xfrm>
-                <a:off x="7442290" y="4015422"/>
-                <a:ext cx="281359" cy="276999"/>
-              </a:xfrm>
-              <a:prstGeom prst="rect">
-                <a:avLst/>
-              </a:prstGeom>
-              <a:noFill/>
-            </p:spPr>
-            <p:txBody>
-              <a:bodyPr wrap="none" lIns="0" tIns="0" rIns="0" bIns="0" rtlCol="0">
-                <a:spAutoFit/>
-              </a:bodyPr>
-              <a:lstStyle/>
-              <a:p>
-                <a14:m>
-                  <m:oMath xmlns:m="http://schemas.openxmlformats.org/officeDocument/2006/math">
-                    <m:r>
-                      <a:rPr lang="ko-KR" altLang="en-US" i="1" smtClean="0">
-                        <a:latin typeface="Cambria Math" panose="02040503050406030204" pitchFamily="18" charset="0"/>
-                      </a:rPr>
-                      <m:t>𝜎</m:t>
-                    </m:r>
-                  </m:oMath>
-                </a14:m>
-                <a:r>
-                  <a:rPr lang="en-US" altLang="ko-KR" dirty="0"/>
-                  <a:t>()</a:t>
-                </a:r>
-                <a:endParaRPr lang="ko-KR" altLang="en-US" dirty="0"/>
-              </a:p>
-            </p:txBody>
-          </p:sp>
-        </mc:Choice>
-        <mc:Fallback xmlns="">
-          <p:sp>
-            <p:nvSpPr>
-              <p:cNvPr id="21" name="TextBox 20">
-                <a:extLst>
-                  <a:ext uri="{FF2B5EF4-FFF2-40B4-BE49-F238E27FC236}">
-                    <a16:creationId xmlns:a16="http://schemas.microsoft.com/office/drawing/2014/main" id="{1AD9178C-60B2-4E3B-B23B-68FE4DFF2B7A}"/>
-                  </a:ext>
-                </a:extLst>
-              </p:cNvPr>
-              <p:cNvSpPr txBox="1">
-                <a:spLocks noRot="1" noChangeAspect="1" noMove="1" noResize="1" noEditPoints="1" noAdjustHandles="1" noChangeArrowheads="1" noChangeShapeType="1" noTextEdit="1"/>
-              </p:cNvSpPr>
-              <p:nvPr/>
-            </p:nvSpPr>
-            <p:spPr>
-              <a:xfrm>
-                <a:off x="7442290" y="4015422"/>
-                <a:ext cx="281359" cy="276999"/>
-              </a:xfrm>
-              <a:prstGeom prst="rect">
-                <a:avLst/>
-              </a:prstGeom>
-              <a:blipFill>
-                <a:blip r:embed="rId4"/>
-                <a:stretch>
-                  <a:fillRect l="-21739" t="-28889" r="-52174" b="-51111"/>
-                </a:stretch>
-              </a:blipFill>
-            </p:spPr>
-            <p:txBody>
-              <a:bodyPr/>
-              <a:lstStyle/>
-              <a:p>
-                <a:r>
-                  <a:rPr lang="ko-KR" altLang="en-US">
-                    <a:noFill/>
-                  </a:rPr>
-                  <a:t> </a:t>
-                </a:r>
-              </a:p>
-            </p:txBody>
-          </p:sp>
-        </mc:Fallback>
-      </mc:AlternateContent>
-      <p:sp>
-        <p:nvSpPr>
-          <p:cNvPr id="9" name="Rectangle 2">
-            <a:extLst>
-              <a:ext uri="{FF2B5EF4-FFF2-40B4-BE49-F238E27FC236}">
-                <a16:creationId xmlns:a16="http://schemas.microsoft.com/office/drawing/2014/main" id="{12A42924-4CEA-4391-93D9-282BDFD83EB1}"/>
-              </a:ext>
-            </a:extLst>
-          </p:cNvPr>
-          <p:cNvSpPr>
-            <a:spLocks noChangeArrowheads="1"/>
-          </p:cNvSpPr>
-          <p:nvPr/>
-        </p:nvSpPr>
-        <p:spPr bwMode="auto">
-          <a:xfrm>
-            <a:off x="2238946" y="1427273"/>
-            <a:ext cx="12192000" cy="457200"/>
-          </a:xfrm>
-          <a:prstGeom prst="rect">
-            <a:avLst/>
-          </a:prstGeom>
-          <a:noFill/>
-          <a:ln>
-            <a:noFill/>
-          </a:ln>
-          <a:effectLst/>
-          <a:extLst>
-            <a:ext uri="{909E8E84-426E-40DD-AFC4-6F175D3DCCD1}">
-              <a14:hiddenFill xmlns:a14="http://schemas.microsoft.com/office/drawing/2010/main">
-                <a:solidFill>
-                  <a:schemeClr val="accent1"/>
-                </a:solidFill>
-              </a14:hiddenFill>
-            </a:ext>
-            <a:ext uri="{91240B29-F687-4F45-9708-019B960494DF}">
-              <a14:hiddenLine xmlns:a14="http://schemas.microsoft.com/office/drawing/2010/main" w="9525">
-                <a:solidFill>
-                  <a:schemeClr val="tx1"/>
-                </a:solidFill>
-                <a:miter lim="800000"/>
-                <a:headEnd/>
-                <a:tailEnd/>
-              </a14:hiddenLine>
-            </a:ext>
-            <a:ext uri="{AF507438-7753-43E0-B8FC-AC1667EBCBE1}">
-              <a14:hiddenEffects xmlns:a14="http://schemas.microsoft.com/office/drawing/2010/main">
-                <a:effectLst>
-                  <a:outerShdw dist="35921" dir="2700000" algn="ctr" rotWithShape="0">
-                    <a:schemeClr val="bg2"/>
-                  </a:outerShdw>
-                </a:effectLst>
-              </a14:hiddenEffects>
-            </a:ext>
-          </a:extLst>
-        </p:spPr>
-        <p:txBody>
-          <a:bodyPr vert="horz" wrap="none" lIns="91440" tIns="45720" rIns="91440" bIns="45720" numCol="1" anchor="ctr" anchorCtr="0" compatLnSpc="1">
-            <a:prstTxWarp prst="textNoShape">
-              <a:avLst/>
-            </a:prstTxWarp>
-            <a:spAutoFit/>
-          </a:bodyPr>
-          <a:lstStyle/>
-          <a:p>
-            <a:endParaRPr lang="ko-KR" altLang="en-US"/>
-          </a:p>
-        </p:txBody>
-      </p:sp>
-      <p:sp>
-        <p:nvSpPr>
-          <p:cNvPr id="22" name="TextBox 21">
-            <a:extLst>
-              <a:ext uri="{FF2B5EF4-FFF2-40B4-BE49-F238E27FC236}">
-                <a16:creationId xmlns:a16="http://schemas.microsoft.com/office/drawing/2014/main" id="{9C9526A6-1D6E-4E04-888A-89E5AF282064}"/>
-              </a:ext>
-            </a:extLst>
-          </p:cNvPr>
-          <p:cNvSpPr txBox="1"/>
-          <p:nvPr/>
-        </p:nvSpPr>
-        <p:spPr>
-          <a:xfrm>
-            <a:off x="8031983" y="6211767"/>
-            <a:ext cx="4517136" cy="646331"/>
-          </a:xfrm>
-          <a:prstGeom prst="rect">
-            <a:avLst/>
-          </a:prstGeom>
-          <a:noFill/>
-        </p:spPr>
-        <p:txBody>
-          <a:bodyPr wrap="square" rtlCol="0">
-            <a:spAutoFit/>
-          </a:bodyPr>
-          <a:lstStyle/>
-          <a:p>
-            <a:pPr algn="l"/>
-            <a:r>
-              <a:rPr lang="en-US" altLang="ko-KR" b="1" i="0" dirty="0" err="1">
-                <a:solidFill>
-                  <a:schemeClr val="bg1">
-                    <a:lumMod val="50000"/>
-                  </a:schemeClr>
-                </a:solidFill>
-                <a:effectLst/>
-                <a:latin typeface="-apple-system"/>
-              </a:rPr>
-              <a:t>PyTorch</a:t>
-            </a:r>
-            <a:r>
-              <a:rPr lang="en-US" altLang="ko-KR" b="1" i="0" dirty="0">
-                <a:solidFill>
-                  <a:schemeClr val="bg1">
-                    <a:lumMod val="50000"/>
-                  </a:schemeClr>
-                </a:solidFill>
-                <a:effectLst/>
-                <a:latin typeface="-apple-system"/>
-              </a:rPr>
-              <a:t> Implementation</a:t>
-            </a:r>
-          </a:p>
-          <a:p>
-            <a:r>
-              <a:rPr lang="en-US" altLang="ko-KR" dirty="0">
-                <a:solidFill>
-                  <a:schemeClr val="bg1">
-                    <a:lumMod val="50000"/>
-                  </a:schemeClr>
-                </a:solidFill>
-              </a:rPr>
-              <a:t>-</a:t>
-            </a:r>
-            <a:r>
-              <a:rPr lang="en-US" altLang="ko-KR" sz="1200" u="sng" kern="0" spc="0" dirty="0">
-                <a:solidFill>
-                  <a:schemeClr val="bg1">
-                    <a:lumMod val="50000"/>
-                  </a:schemeClr>
-                </a:solidFill>
-                <a:effectLst/>
-                <a:uFill>
-                  <a:solidFill>
-                    <a:srgbClr val="0000FF"/>
-                  </a:solidFill>
-                </a:uFill>
-                <a:latin typeface="함초롬바탕" panose="02030604000101010101" pitchFamily="18" charset="-127"/>
-                <a:ea typeface="함초롬바탕" panose="02030604000101010101" pitchFamily="18" charset="-127"/>
-              </a:rPr>
-              <a:t> https://github.com/lukasruff/Deep-SAD-PyTorch</a:t>
-            </a:r>
-            <a:endParaRPr lang="ko-KR" altLang="en-US" sz="1200" dirty="0">
-              <a:solidFill>
-                <a:schemeClr val="bg1">
-                  <a:lumMod val="50000"/>
-                </a:schemeClr>
-              </a:solidFill>
-            </a:endParaRPr>
-          </a:p>
-        </p:txBody>
-      </p:sp>
-      <p:sp>
-        <p:nvSpPr>
-          <p:cNvPr id="23" name="TextBox 22">
-            <a:extLst>
-              <a:ext uri="{FF2B5EF4-FFF2-40B4-BE49-F238E27FC236}">
-                <a16:creationId xmlns:a16="http://schemas.microsoft.com/office/drawing/2014/main" id="{7C72FB99-B86D-4E60-BECB-D48AF8DBB1D7}"/>
-              </a:ext>
-            </a:extLst>
-          </p:cNvPr>
-          <p:cNvSpPr txBox="1"/>
-          <p:nvPr/>
-        </p:nvSpPr>
-        <p:spPr>
-          <a:xfrm>
-            <a:off x="8031983" y="5508522"/>
-            <a:ext cx="5998464" cy="830997"/>
-          </a:xfrm>
-          <a:prstGeom prst="rect">
-            <a:avLst/>
-          </a:prstGeom>
-          <a:noFill/>
-        </p:spPr>
-        <p:txBody>
-          <a:bodyPr wrap="square" rtlCol="0">
-            <a:spAutoFit/>
-          </a:bodyPr>
-          <a:lstStyle/>
-          <a:p>
-            <a:r>
-              <a:rPr lang="en-US" altLang="ko-KR" b="1" dirty="0">
-                <a:solidFill>
-                  <a:schemeClr val="bg1">
-                    <a:lumMod val="50000"/>
-                  </a:schemeClr>
-                </a:solidFill>
-              </a:rPr>
-              <a:t>Paper</a:t>
-            </a:r>
-          </a:p>
-          <a:p>
-            <a:r>
-              <a:rPr lang="en-US" altLang="ko-KR" dirty="0">
-                <a:solidFill>
-                  <a:schemeClr val="bg1">
-                    <a:lumMod val="50000"/>
-                  </a:schemeClr>
-                </a:solidFill>
-              </a:rPr>
-              <a:t>- </a:t>
-            </a:r>
-            <a:r>
-              <a:rPr lang="en-US" altLang="ko-KR" sz="1200" dirty="0">
-                <a:solidFill>
-                  <a:schemeClr val="bg1">
-                    <a:lumMod val="50000"/>
-                  </a:schemeClr>
-                </a:solidFill>
-              </a:rPr>
-              <a:t>http://data.bit.uni-bonn.de/publications/ICML2018.pdf</a:t>
-            </a:r>
-            <a:endParaRPr lang="ko-KR" altLang="en-US" sz="1200" dirty="0">
-              <a:solidFill>
-                <a:schemeClr val="bg1">
-                  <a:lumMod val="50000"/>
-                </a:schemeClr>
-              </a:solidFill>
-            </a:endParaRPr>
-          </a:p>
-          <a:p>
-            <a:endParaRPr lang="ko-KR" altLang="en-US" sz="1200" dirty="0">
-              <a:solidFill>
-                <a:schemeClr val="bg1">
-                  <a:lumMod val="50000"/>
-                </a:schemeClr>
-              </a:solidFill>
-            </a:endParaRPr>
-          </a:p>
-        </p:txBody>
-      </p:sp>
-      <p:sp>
-        <p:nvSpPr>
-          <p:cNvPr id="2" name="직사각형 1">
-            <a:extLst>
-              <a:ext uri="{FF2B5EF4-FFF2-40B4-BE49-F238E27FC236}">
-                <a16:creationId xmlns:a16="http://schemas.microsoft.com/office/drawing/2014/main" id="{81247265-28AB-4149-918B-FC94A85117D2}"/>
-              </a:ext>
-            </a:extLst>
-          </p:cNvPr>
-          <p:cNvSpPr/>
-          <p:nvPr/>
-        </p:nvSpPr>
-        <p:spPr>
-          <a:xfrm>
-            <a:off x="4507992" y="2831592"/>
-            <a:ext cx="2249424" cy="646309"/>
-          </a:xfrm>
-          <a:prstGeom prst="rect">
-            <a:avLst/>
-          </a:prstGeom>
-          <a:noFill/>
-          <a:ln w="28575">
-            <a:solidFill>
-              <a:srgbClr val="FF0000"/>
-            </a:solidFill>
-          </a:ln>
-        </p:spPr>
-        <p:style>
-          <a:lnRef idx="2">
-            <a:schemeClr val="accent1">
-              <a:shade val="50000"/>
-            </a:schemeClr>
-          </a:lnRef>
-          <a:fillRef idx="1">
-            <a:schemeClr val="accent1"/>
-          </a:fillRef>
-          <a:effectRef idx="0">
-            <a:schemeClr val="accent1"/>
-          </a:effectRef>
-          <a:fontRef idx="minor">
-            <a:schemeClr val="lt1"/>
-          </a:fontRef>
-        </p:style>
-        <p:txBody>
-          <a:bodyPr rtlCol="0" anchor="ctr"/>
-          <a:lstStyle/>
-          <a:p>
-            <a:pPr algn="ctr"/>
-            <a:endParaRPr lang="ko-KR" altLang="en-US" dirty="0"/>
-          </a:p>
-        </p:txBody>
-      </p:sp>
-      <p:sp>
-        <p:nvSpPr>
-          <p:cNvPr id="24" name="TextBox 23">
-            <a:extLst>
-              <a:ext uri="{FF2B5EF4-FFF2-40B4-BE49-F238E27FC236}">
-                <a16:creationId xmlns:a16="http://schemas.microsoft.com/office/drawing/2014/main" id="{B579C12F-D8C7-46EA-9E5C-946531C97865}"/>
-              </a:ext>
-            </a:extLst>
-          </p:cNvPr>
-          <p:cNvSpPr txBox="1"/>
-          <p:nvPr/>
-        </p:nvSpPr>
-        <p:spPr>
-          <a:xfrm>
-            <a:off x="6847835" y="2902362"/>
-            <a:ext cx="2368296" cy="369332"/>
-          </a:xfrm>
-          <a:prstGeom prst="rect">
-            <a:avLst/>
-          </a:prstGeom>
-          <a:noFill/>
-        </p:spPr>
-        <p:txBody>
-          <a:bodyPr wrap="square" rtlCol="0">
-            <a:spAutoFit/>
-          </a:bodyPr>
-          <a:lstStyle/>
-          <a:p>
-            <a:r>
-              <a:rPr lang="en-US" altLang="ko-KR" dirty="0"/>
-              <a:t>Pre-trained</a:t>
-            </a:r>
-            <a:endParaRPr lang="ko-KR" altLang="en-US" dirty="0"/>
-          </a:p>
-        </p:txBody>
-      </p:sp>
-      <p:sp>
-        <p:nvSpPr>
-          <p:cNvPr id="25" name="왼쪽 중괄호 24">
-            <a:extLst>
-              <a:ext uri="{FF2B5EF4-FFF2-40B4-BE49-F238E27FC236}">
-                <a16:creationId xmlns:a16="http://schemas.microsoft.com/office/drawing/2014/main" id="{A1EB0A65-4461-4627-A06D-5F7FB2365DEA}"/>
-              </a:ext>
-            </a:extLst>
-          </p:cNvPr>
-          <p:cNvSpPr/>
-          <p:nvPr/>
-        </p:nvSpPr>
-        <p:spPr>
-          <a:xfrm>
-            <a:off x="4270248" y="2916936"/>
-            <a:ext cx="201168" cy="1527048"/>
-          </a:xfrm>
-          <a:prstGeom prst="leftBrace">
-            <a:avLst/>
-          </a:prstGeom>
-        </p:spPr>
-        <p:style>
-          <a:lnRef idx="1">
-            <a:schemeClr val="accent1"/>
-          </a:lnRef>
-          <a:fillRef idx="0">
-            <a:schemeClr val="accent1"/>
-          </a:fillRef>
-          <a:effectRef idx="0">
-            <a:schemeClr val="accent1"/>
-          </a:effectRef>
-          <a:fontRef idx="minor">
-            <a:schemeClr val="tx1"/>
-          </a:fontRef>
-        </p:style>
-        <p:txBody>
-          <a:bodyPr rtlCol="0" anchor="ctr"/>
-          <a:lstStyle/>
-          <a:p>
-            <a:pPr algn="ctr"/>
-            <a:endParaRPr lang="ko-KR" altLang="en-US"/>
-          </a:p>
-        </p:txBody>
-      </p:sp>
-      <p:cxnSp>
-        <p:nvCxnSpPr>
-          <p:cNvPr id="26" name="연결선: 꺾임 25">
-            <a:extLst>
-              <a:ext uri="{FF2B5EF4-FFF2-40B4-BE49-F238E27FC236}">
-                <a16:creationId xmlns:a16="http://schemas.microsoft.com/office/drawing/2014/main" id="{AC9CA4D9-2CFE-4C75-829E-EB8158037017}"/>
-              </a:ext>
-            </a:extLst>
-          </p:cNvPr>
-          <p:cNvCxnSpPr>
-            <a:stCxn id="25" idx="1"/>
-          </p:cNvCxnSpPr>
-          <p:nvPr/>
-        </p:nvCxnSpPr>
-        <p:spPr>
-          <a:xfrm rot="10800000" flipV="1">
-            <a:off x="3654554" y="3680460"/>
-            <a:ext cx="615694" cy="1988820"/>
-          </a:xfrm>
-          <a:prstGeom prst="bentConnector2">
-            <a:avLst/>
-          </a:prstGeom>
-          <a:ln>
-            <a:tailEnd type="triangle"/>
-          </a:ln>
-        </p:spPr>
-        <p:style>
-          <a:lnRef idx="1">
-            <a:schemeClr val="accent1"/>
-          </a:lnRef>
-          <a:fillRef idx="0">
-            <a:schemeClr val="accent1"/>
-          </a:fillRef>
-          <a:effectRef idx="0">
-            <a:schemeClr val="accent1"/>
-          </a:effectRef>
-          <a:fontRef idx="minor">
-            <a:schemeClr val="tx1"/>
-          </a:fontRef>
-        </p:style>
-      </p:cxnSp>
-      <p:sp>
-        <p:nvSpPr>
-          <p:cNvPr id="27" name="TextBox 26">
-            <a:extLst>
-              <a:ext uri="{FF2B5EF4-FFF2-40B4-BE49-F238E27FC236}">
-                <a16:creationId xmlns:a16="http://schemas.microsoft.com/office/drawing/2014/main" id="{775CCB51-4E90-4F8F-82AC-1EAA87F4D19A}"/>
-              </a:ext>
-            </a:extLst>
-          </p:cNvPr>
-          <p:cNvSpPr txBox="1"/>
-          <p:nvPr/>
-        </p:nvSpPr>
-        <p:spPr>
-          <a:xfrm>
-            <a:off x="2570988" y="5779306"/>
-            <a:ext cx="2368296" cy="369332"/>
-          </a:xfrm>
-          <a:prstGeom prst="rect">
-            <a:avLst/>
-          </a:prstGeom>
-          <a:noFill/>
-        </p:spPr>
-        <p:txBody>
-          <a:bodyPr wrap="square" rtlCol="0">
-            <a:spAutoFit/>
-          </a:bodyPr>
-          <a:lstStyle/>
-          <a:p>
-            <a:r>
-              <a:rPr lang="en-US" altLang="ko-KR" dirty="0"/>
-              <a:t>Separately trained</a:t>
-            </a:r>
-            <a:endParaRPr lang="ko-KR" altLang="en-US" dirty="0"/>
-          </a:p>
-        </p:txBody>
-      </p:sp>
-      <p:sp>
-        <p:nvSpPr>
-          <p:cNvPr id="28" name="직사각형 27">
-            <a:extLst>
-              <a:ext uri="{FF2B5EF4-FFF2-40B4-BE49-F238E27FC236}">
-                <a16:creationId xmlns:a16="http://schemas.microsoft.com/office/drawing/2014/main" id="{F1834A60-13C1-42E7-AA11-AD3EF4D1146C}"/>
-              </a:ext>
-            </a:extLst>
-          </p:cNvPr>
-          <p:cNvSpPr/>
-          <p:nvPr/>
-        </p:nvSpPr>
-        <p:spPr>
-          <a:xfrm>
-            <a:off x="2494788" y="5779307"/>
-            <a:ext cx="2150364" cy="369332"/>
-          </a:xfrm>
-          <a:prstGeom prst="rect">
-            <a:avLst/>
-          </a:prstGeom>
-          <a:noFill/>
-          <a:ln w="28575">
-            <a:solidFill>
-              <a:srgbClr val="FF0000"/>
-            </a:solidFill>
-          </a:ln>
-        </p:spPr>
-        <p:style>
-          <a:lnRef idx="2">
-            <a:schemeClr val="accent1">
-              <a:shade val="50000"/>
-            </a:schemeClr>
-          </a:lnRef>
-          <a:fillRef idx="1">
-            <a:schemeClr val="accent1"/>
-          </a:fillRef>
-          <a:effectRef idx="0">
-            <a:schemeClr val="accent1"/>
-          </a:effectRef>
-          <a:fontRef idx="minor">
-            <a:schemeClr val="lt1"/>
-          </a:fontRef>
-        </p:style>
-        <p:txBody>
-          <a:bodyPr rtlCol="0" anchor="ctr"/>
-          <a:lstStyle/>
-          <a:p>
-            <a:pPr algn="ctr"/>
-            <a:endParaRPr lang="ko-KR" altLang="en-US" dirty="0"/>
-          </a:p>
-        </p:txBody>
-      </p:sp>
-      <p:sp>
-        <p:nvSpPr>
-          <p:cNvPr id="29" name="화살표: 오른쪽 28">
-            <a:extLst>
-              <a:ext uri="{FF2B5EF4-FFF2-40B4-BE49-F238E27FC236}">
-                <a16:creationId xmlns:a16="http://schemas.microsoft.com/office/drawing/2014/main" id="{402F257C-09EA-492F-B963-C06D3514629D}"/>
-              </a:ext>
-            </a:extLst>
-          </p:cNvPr>
-          <p:cNvSpPr/>
-          <p:nvPr/>
-        </p:nvSpPr>
-        <p:spPr>
-          <a:xfrm>
-            <a:off x="8430768" y="2831592"/>
-            <a:ext cx="521202" cy="754715"/>
-          </a:xfrm>
-          <a:prstGeom prst="rightArrow">
-            <a:avLst/>
-          </a:prstGeom>
-        </p:spPr>
-        <p:style>
-          <a:lnRef idx="2">
-            <a:schemeClr val="accent1">
-              <a:shade val="50000"/>
-            </a:schemeClr>
-          </a:lnRef>
-          <a:fillRef idx="1">
-            <a:schemeClr val="accent1"/>
-          </a:fillRef>
-          <a:effectRef idx="0">
-            <a:schemeClr val="accent1"/>
-          </a:effectRef>
-          <a:fontRef idx="minor">
-            <a:schemeClr val="lt1"/>
-          </a:fontRef>
-        </p:style>
-        <p:txBody>
-          <a:bodyPr rtlCol="0" anchor="ctr"/>
-          <a:lstStyle/>
-          <a:p>
-            <a:pPr algn="ctr"/>
-            <a:endParaRPr lang="ko-KR" altLang="en-US"/>
-          </a:p>
-        </p:txBody>
-      </p:sp>
-      <p:sp>
-        <p:nvSpPr>
-          <p:cNvPr id="30" name="TextBox 29">
-            <a:extLst>
-              <a:ext uri="{FF2B5EF4-FFF2-40B4-BE49-F238E27FC236}">
-                <a16:creationId xmlns:a16="http://schemas.microsoft.com/office/drawing/2014/main" id="{E020AC00-9C4E-4F13-8F7A-64C6D2EA6EB3}"/>
-              </a:ext>
-            </a:extLst>
-          </p:cNvPr>
-          <p:cNvSpPr txBox="1"/>
-          <p:nvPr/>
-        </p:nvSpPr>
-        <p:spPr>
-          <a:xfrm>
-            <a:off x="9216131" y="2918400"/>
-            <a:ext cx="1741932" cy="646331"/>
-          </a:xfrm>
-          <a:prstGeom prst="rect">
-            <a:avLst/>
-          </a:prstGeom>
-          <a:noFill/>
-        </p:spPr>
-        <p:txBody>
-          <a:bodyPr wrap="square" rtlCol="0">
-            <a:spAutoFit/>
-          </a:bodyPr>
-          <a:lstStyle/>
-          <a:p>
-            <a:r>
-              <a:rPr lang="en-US" altLang="ko-KR" b="1" dirty="0"/>
-              <a:t>AE</a:t>
-            </a:r>
-            <a:r>
-              <a:rPr lang="ko-KR" altLang="en-US" b="1" dirty="0"/>
-              <a:t>와 </a:t>
-            </a:r>
-            <a:r>
-              <a:rPr lang="en-US" altLang="ko-KR" b="1" dirty="0"/>
-              <a:t>SAD</a:t>
-            </a:r>
-            <a:r>
-              <a:rPr lang="ko-KR" altLang="en-US" b="1" dirty="0"/>
-              <a:t>를 결합</a:t>
-            </a:r>
-          </a:p>
-        </p:txBody>
-      </p:sp>
-    </p:spTree>
-    <p:extLst>
-      <p:ext uri="{BB962C8B-B14F-4D97-AF65-F5344CB8AC3E}">
-        <p14:creationId xmlns:p14="http://schemas.microsoft.com/office/powerpoint/2010/main" val="1825633498"/>
-      </p:ext>
-    </p:extLst>
-  </p:cSld>
-  <p:clrMapOvr>
-    <a:masterClrMapping/>
-  </p:clrMapOvr>
-</p:sld>
-</file>
-
-<file path=ppt/slides/slide28.xml><?xml version="1.0" encoding="utf-8"?>
-<p:sld xmlns:a="http://schemas.openxmlformats.org/drawingml/2006/main" xmlns:r="http://schemas.openxmlformats.org/officeDocument/2006/relationships" xmlns:p="http://schemas.openxmlformats.org/presentationml/2006/main">
-  <p:cSld>
-    <p:spTree>
-      <p:nvGrpSpPr>
-        <p:cNvPr id="1" name=""/>
-        <p:cNvGrpSpPr/>
-        <p:nvPr/>
-      </p:nvGrpSpPr>
-      <p:grpSpPr>
-        <a:xfrm>
-          <a:off x="0" y="0"/>
-          <a:ext cx="0" cy="0"/>
-          <a:chOff x="0" y="0"/>
-          <a:chExt cx="0" cy="0"/>
-        </a:xfrm>
-      </p:grpSpPr>
-      <p:sp>
-        <p:nvSpPr>
           <p:cNvPr id="14" name="TextBox 13">
             <a:extLst>
               <a:ext uri="{FF2B5EF4-FFF2-40B4-BE49-F238E27FC236}">
@@ -15518,14 +14265,14 @@
           <p:nvPr>
             <p:extLst>
               <p:ext uri="{D42A27DB-BD31-4B8C-83A1-F6EECF244321}">
-                <p14:modId xmlns:p14="http://schemas.microsoft.com/office/powerpoint/2010/main" val="25024423"/>
+                <p14:modId xmlns:p14="http://schemas.microsoft.com/office/powerpoint/2010/main" val="2808942990"/>
               </p:ext>
             </p:extLst>
           </p:nvPr>
         </p:nvGraphicFramePr>
         <p:xfrm>
-          <a:off x="836942" y="1794044"/>
-          <a:ext cx="10518116" cy="4719230"/>
+          <a:off x="839788" y="1547156"/>
+          <a:ext cx="10518116" cy="4911219"/>
         </p:xfrm>
         <a:graphic>
           <a:graphicData uri="http://schemas.openxmlformats.org/drawingml/2006/table">
@@ -15747,14 +14494,35 @@
                       <a:pPr algn="ctr" latinLnBrk="1"/>
                       <a:r>
                         <a:rPr lang="en-US" altLang="ko-KR" sz="1600" b="0" dirty="0"/>
-                        <a:t>NN feature extractor + </a:t>
+                        <a:t>NN feature extractor</a:t>
                       </a:r>
                     </a:p>
                     <a:p>
                       <a:pPr algn="ctr" latinLnBrk="1"/>
                       <a:r>
                         <a:rPr lang="en-US" altLang="ko-KR" sz="1600" b="0" dirty="0"/>
-                        <a:t>SVM</a:t>
+                        <a:t> + </a:t>
+                      </a:r>
+                    </a:p>
+                    <a:p>
+                      <a:pPr algn="ctr" latinLnBrk="1"/>
+                      <a:r>
+                        <a:rPr lang="en-US" altLang="ko-KR" sz="1600" b="0" dirty="0"/>
+                        <a:t>SVDD</a:t>
+                      </a:r>
+                    </a:p>
+                    <a:p>
+                      <a:pPr algn="ctr" latinLnBrk="1"/>
+                      <a:r>
+                        <a:rPr lang="en-US" altLang="ko-KR" sz="1600" b="0" dirty="0"/>
+                        <a:t>+</a:t>
+                      </a:r>
+                    </a:p>
+                    <a:p>
+                      <a:pPr algn="ctr" latinLnBrk="1"/>
+                      <a:r>
+                        <a:rPr lang="en-US" altLang="ko-KR" sz="1600" b="0" dirty="0"/>
+                        <a:t>jointly learn</a:t>
                       </a:r>
                       <a:endParaRPr lang="ko-KR" altLang="en-US" sz="1600" b="0" dirty="0"/>
                     </a:p>
@@ -15767,7 +14535,88 @@
                   </a:ext>
                 </a:extLst>
               </a:tr>
-              <a:tr h="783371">
+              <a:tr h="1147729">
+                <a:tc>
+                  <a:txBody>
+                    <a:bodyPr/>
+                    <a:lstStyle/>
+                    <a:p>
+                      <a:pPr algn="l" latinLnBrk="1"/>
+                      <a:r>
+                        <a:rPr lang="en-US" altLang="ko-KR" sz="1600" b="0" dirty="0"/>
+                        <a:t>OC-neural net</a:t>
+                      </a:r>
+                      <a:endParaRPr lang="ko-KR" altLang="en-US" sz="1600" b="0" dirty="0"/>
+                    </a:p>
+                  </a:txBody>
+                  <a:tcPr anchor="ctr"/>
+                </a:tc>
+                <a:tc>
+                  <a:txBody>
+                    <a:bodyPr/>
+                    <a:lstStyle/>
+                    <a:p>
+                      <a:pPr algn="ctr" latinLnBrk="1"/>
+                      <a:r>
+                        <a:rPr lang="en-US" altLang="ko-KR" sz="1600" b="0" dirty="0"/>
+                        <a:t>Deep</a:t>
+                      </a:r>
+                      <a:endParaRPr lang="ko-KR" altLang="en-US" sz="1600" b="0" dirty="0"/>
+                    </a:p>
+                  </a:txBody>
+                  <a:tcPr anchor="ctr"/>
+                </a:tc>
+                <a:tc>
+                  <a:txBody>
+                    <a:bodyPr/>
+                    <a:lstStyle/>
+                    <a:p>
+                      <a:pPr algn="ctr" latinLnBrk="1"/>
+                      <a:r>
+                        <a:rPr lang="en-US" altLang="ko-KR" sz="1600" b="0" dirty="0"/>
+                        <a:t>N</a:t>
+                      </a:r>
+                      <a:endParaRPr lang="ko-KR" altLang="en-US" sz="1600" b="0" dirty="0"/>
+                    </a:p>
+                  </a:txBody>
+                  <a:tcPr anchor="ctr"/>
+                </a:tc>
+                <a:tc>
+                  <a:txBody>
+                    <a:bodyPr/>
+                    <a:lstStyle/>
+                    <a:p>
+                      <a:pPr algn="ctr" latinLnBrk="1"/>
+                      <a:r>
+                        <a:rPr lang="en-US" altLang="ko-KR" sz="1600" b="0" dirty="0"/>
+                        <a:t>AE</a:t>
+                      </a:r>
+                    </a:p>
+                    <a:p>
+                      <a:pPr algn="ctr" latinLnBrk="1"/>
+                      <a:r>
+                        <a:rPr lang="en-US" altLang="ko-KR" sz="1600" b="0" dirty="0"/>
+                        <a:t>+</a:t>
+                      </a:r>
+                    </a:p>
+                    <a:p>
+                      <a:pPr algn="ctr" latinLnBrk="1"/>
+                      <a:r>
+                        <a:rPr lang="en-US" altLang="ko-KR" sz="1600" b="0" dirty="0"/>
+                        <a:t>NN classifier </a:t>
+                      </a:r>
+                      <a:endParaRPr lang="ko-KR" altLang="en-US" sz="1600" b="0" dirty="0"/>
+                    </a:p>
+                  </a:txBody>
+                  <a:tcPr anchor="ctr"/>
+                </a:tc>
+                <a:extLst>
+                  <a:ext uri="{0D108BD9-81ED-4DB2-BD59-A6C34878D82A}">
+                    <a16:rowId xmlns:a16="http://schemas.microsoft.com/office/drawing/2014/main" val="681619149"/>
+                  </a:ext>
+                </a:extLst>
+              </a:tr>
+              <a:tr h="1147729">
                 <a:tc>
                   <a:txBody>
                     <a:bodyPr/>
@@ -15901,7 +14750,53 @@
                       </a:pPr>
                       <a:r>
                         <a:rPr lang="en-US" altLang="ko-KR" sz="1600" b="1" dirty="0"/>
-                        <a:t>Deep SVDD</a:t>
+                        <a:t>AE</a:t>
+                      </a:r>
+                    </a:p>
+                    <a:p>
+                      <a:pPr marL="0" marR="0" lvl="0" indent="0" algn="ctr" defTabSz="914400" rtl="0" eaLnBrk="1" fontAlgn="auto" latinLnBrk="1" hangingPunct="1">
+                        <a:lnSpc>
+                          <a:spcPct val="100000"/>
+                        </a:lnSpc>
+                        <a:spcBef>
+                          <a:spcPts val="0"/>
+                        </a:spcBef>
+                        <a:spcAft>
+                          <a:spcPts val="0"/>
+                        </a:spcAft>
+                        <a:buClrTx/>
+                        <a:buSzTx/>
+                        <a:buFontTx/>
+                        <a:buNone/>
+                        <a:tabLst/>
+                        <a:defRPr/>
+                      </a:pPr>
+                      <a:r>
+                        <a:rPr lang="en-US" altLang="ko-KR" sz="1600" b="1" dirty="0"/>
+                        <a:t>+</a:t>
+                      </a:r>
+                    </a:p>
+                    <a:p>
+                      <a:pPr marL="0" marR="0" lvl="0" indent="0" algn="ctr" defTabSz="914400" rtl="0" eaLnBrk="1" fontAlgn="auto" latinLnBrk="1" hangingPunct="1">
+                        <a:lnSpc>
+                          <a:spcPct val="100000"/>
+                        </a:lnSpc>
+                        <a:spcBef>
+                          <a:spcPts val="0"/>
+                        </a:spcBef>
+                        <a:spcAft>
+                          <a:spcPts val="0"/>
+                        </a:spcAft>
+                        <a:buClrTx/>
+                        <a:buSzTx/>
+                        <a:buFontTx/>
+                        <a:buNone/>
+                        <a:tabLst/>
+                        <a:defRPr/>
+                      </a:pPr>
+                      <a:r>
+                        <a:rPr lang="en-US" altLang="ko-KR" sz="1600" b="1" dirty="0"/>
+                        <a:t>SVDD</a:t>
                       </a:r>
                       <a:endParaRPr lang="ko-KR" altLang="en-US" sz="1600" b="1" dirty="0"/>
                     </a:p>
@@ -15981,351 +14876,7 @@
                 </a:tc>
                 <a:extLst>
                   <a:ext uri="{0D108BD9-81ED-4DB2-BD59-A6C34878D82A}">
-                    <a16:rowId xmlns:a16="http://schemas.microsoft.com/office/drawing/2014/main" val="1637646191"/>
-                  </a:ext>
-                </a:extLst>
-              </a:tr>
-              <a:tr h="783371">
-                <a:tc>
-                  <a:txBody>
-                    <a:bodyPr/>
-                    <a:lstStyle/>
-                    <a:p>
-                      <a:pPr marL="0" marR="0" lvl="0" indent="0" algn="l" defTabSz="914400" rtl="0" eaLnBrk="1" fontAlgn="auto" latinLnBrk="1" hangingPunct="1">
-                        <a:lnSpc>
-                          <a:spcPct val="100000"/>
-                        </a:lnSpc>
-                        <a:spcBef>
-                          <a:spcPts val="0"/>
-                        </a:spcBef>
-                        <a:spcAft>
-                          <a:spcPts val="0"/>
-                        </a:spcAft>
-                        <a:buClrTx/>
-                        <a:buSzTx/>
-                        <a:buFontTx/>
-                        <a:buNone/>
-                        <a:tabLst/>
-                        <a:defRPr/>
-                      </a:pPr>
-                      <a:r>
-                        <a:rPr lang="en-US" altLang="ko-KR" sz="1600" b="1" dirty="0"/>
-                        <a:t>Deep SAD</a:t>
-                      </a:r>
-                      <a:endParaRPr lang="ko-KR" altLang="en-US" sz="1600" b="1" dirty="0"/>
-                    </a:p>
-                    <a:p>
-                      <a:pPr algn="l" latinLnBrk="1"/>
-                      <a:r>
-                        <a:rPr lang="en-US" altLang="ko-KR" sz="1600" b="1" dirty="0"/>
-                        <a:t>+AE</a:t>
-                      </a:r>
-                      <a:endParaRPr lang="ko-KR" altLang="en-US" sz="1600" b="1" dirty="0"/>
-                    </a:p>
-                  </a:txBody>
-                  <a:tcPr anchor="ctr"/>
-                </a:tc>
-                <a:tc>
-                  <a:txBody>
-                    <a:bodyPr/>
-                    <a:lstStyle/>
-                    <a:p>
-                      <a:pPr marL="0" marR="0" lvl="0" indent="0" algn="ctr" defTabSz="914400" rtl="0" eaLnBrk="1" fontAlgn="auto" latinLnBrk="1" hangingPunct="1">
-                        <a:lnSpc>
-                          <a:spcPct val="100000"/>
-                        </a:lnSpc>
-                        <a:spcBef>
-                          <a:spcPts val="0"/>
-                        </a:spcBef>
-                        <a:spcAft>
-                          <a:spcPts val="0"/>
-                        </a:spcAft>
-                        <a:buClrTx/>
-                        <a:buSzTx/>
-                        <a:buFontTx/>
-                        <a:buNone/>
-                        <a:tabLst/>
-                        <a:defRPr/>
-                      </a:pPr>
-                      <a:r>
-                        <a:rPr lang="en-US" altLang="ko-KR" sz="1600" b="1" kern="1200" dirty="0">
-                          <a:solidFill>
-                            <a:schemeClr val="dk1"/>
-                          </a:solidFill>
-                          <a:effectLst/>
-                          <a:latin typeface="+mn-lt"/>
-                          <a:ea typeface="+mn-ea"/>
-                          <a:cs typeface="+mn-cs"/>
-                        </a:rPr>
-                        <a:t>Deep</a:t>
-                      </a:r>
-                      <a:endParaRPr lang="ko-KR" altLang="en-US" sz="1600" b="1" kern="1200" dirty="0">
-                        <a:solidFill>
-                          <a:schemeClr val="dk1"/>
-                        </a:solidFill>
-                        <a:effectLst/>
-                        <a:latin typeface="+mn-lt"/>
-                        <a:ea typeface="+mn-ea"/>
-                        <a:cs typeface="+mn-cs"/>
-                      </a:endParaRPr>
-                    </a:p>
-                    <a:p>
-                      <a:pPr marL="0" marR="0" lvl="0" indent="0" algn="ctr" defTabSz="914400" rtl="0" eaLnBrk="1" fontAlgn="auto" latinLnBrk="1" hangingPunct="1">
-                        <a:lnSpc>
-                          <a:spcPct val="100000"/>
-                        </a:lnSpc>
-                        <a:spcBef>
-                          <a:spcPts val="0"/>
-                        </a:spcBef>
-                        <a:spcAft>
-                          <a:spcPts val="0"/>
-                        </a:spcAft>
-                        <a:buClrTx/>
-                        <a:buSzTx/>
-                        <a:buFontTx/>
-                        <a:buNone/>
-                        <a:tabLst/>
-                        <a:defRPr/>
-                      </a:pPr>
-                      <a:endParaRPr lang="ko-KR" altLang="en-US" sz="1600" b="1" kern="1200" dirty="0">
-                        <a:solidFill>
-                          <a:schemeClr val="dk1"/>
-                        </a:solidFill>
-                        <a:effectLst/>
-                        <a:latin typeface="+mn-lt"/>
-                        <a:ea typeface="+mn-ea"/>
-                        <a:cs typeface="+mn-cs"/>
-                      </a:endParaRPr>
-                    </a:p>
-                  </a:txBody>
-                  <a:tcPr anchor="ctr"/>
-                </a:tc>
-                <a:tc>
-                  <a:txBody>
-                    <a:bodyPr/>
-                    <a:lstStyle/>
-                    <a:p>
-                      <a:pPr marL="0" marR="0" lvl="0" indent="0" algn="ctr" defTabSz="914400" rtl="0" eaLnBrk="1" fontAlgn="auto" latinLnBrk="1" hangingPunct="1">
-                        <a:lnSpc>
-                          <a:spcPct val="100000"/>
-                        </a:lnSpc>
-                        <a:spcBef>
-                          <a:spcPts val="0"/>
-                        </a:spcBef>
-                        <a:spcAft>
-                          <a:spcPts val="0"/>
-                        </a:spcAft>
-                        <a:buClrTx/>
-                        <a:buSzTx/>
-                        <a:buFontTx/>
-                        <a:buNone/>
-                        <a:tabLst/>
-                        <a:defRPr/>
-                      </a:pPr>
-                      <a:r>
-                        <a:rPr lang="en-US" altLang="ko-KR" sz="1600" b="1" kern="1200" dirty="0">
-                          <a:solidFill>
-                            <a:schemeClr val="dk1"/>
-                          </a:solidFill>
-                          <a:effectLst/>
-                          <a:latin typeface="+mn-lt"/>
-                          <a:ea typeface="+mn-ea"/>
-                          <a:cs typeface="+mn-cs"/>
-                        </a:rPr>
-                        <a:t>Y</a:t>
-                      </a:r>
-                      <a:endParaRPr lang="ko-KR" altLang="en-US" sz="1600" b="1" kern="1200" dirty="0">
-                        <a:solidFill>
-                          <a:schemeClr val="dk1"/>
-                        </a:solidFill>
-                        <a:effectLst/>
-                        <a:latin typeface="+mn-lt"/>
-                        <a:ea typeface="+mn-ea"/>
-                        <a:cs typeface="+mn-cs"/>
-                      </a:endParaRPr>
-                    </a:p>
-                  </a:txBody>
-                  <a:tcPr anchor="ctr"/>
-                </a:tc>
-                <a:tc>
-                  <a:txBody>
-                    <a:bodyPr/>
-                    <a:lstStyle/>
-                    <a:p>
-                      <a:pPr marL="0" marR="0" lvl="0" indent="0" algn="ctr" defTabSz="914400" rtl="0" eaLnBrk="1" fontAlgn="auto" latinLnBrk="1" hangingPunct="1">
-                        <a:lnSpc>
-                          <a:spcPct val="100000"/>
-                        </a:lnSpc>
-                        <a:spcBef>
-                          <a:spcPts val="0"/>
-                        </a:spcBef>
-                        <a:spcAft>
-                          <a:spcPts val="0"/>
-                        </a:spcAft>
-                        <a:buClrTx/>
-                        <a:buSzTx/>
-                        <a:buFontTx/>
-                        <a:buNone/>
-                        <a:tabLst/>
-                        <a:defRPr/>
-                      </a:pPr>
-                      <a:r>
-                        <a:rPr lang="en-US" altLang="ko-KR" sz="1600" b="1" dirty="0"/>
-                        <a:t>Deep SAD</a:t>
-                      </a:r>
-                      <a:endParaRPr lang="ko-KR" altLang="en-US" sz="1600" b="1" dirty="0"/>
-                    </a:p>
-                    <a:p>
-                      <a:pPr marL="0" marR="0" lvl="0" indent="0" algn="ctr" defTabSz="914400" rtl="0" eaLnBrk="1" fontAlgn="auto" latinLnBrk="1" hangingPunct="1">
-                        <a:lnSpc>
-                          <a:spcPct val="100000"/>
-                        </a:lnSpc>
-                        <a:spcBef>
-                          <a:spcPts val="0"/>
-                        </a:spcBef>
-                        <a:spcAft>
-                          <a:spcPts val="0"/>
-                        </a:spcAft>
-                        <a:buClrTx/>
-                        <a:buSzTx/>
-                        <a:buFontTx/>
-                        <a:buNone/>
-                        <a:tabLst/>
-                        <a:defRPr/>
-                      </a:pPr>
-                      <a:r>
-                        <a:rPr lang="en-US" altLang="ko-KR" sz="1600" b="1" kern="1200" dirty="0">
-                          <a:solidFill>
-                            <a:schemeClr val="dk1"/>
-                          </a:solidFill>
-                          <a:effectLst/>
-                          <a:latin typeface="+mn-lt"/>
-                          <a:ea typeface="+mn-ea"/>
-                          <a:cs typeface="+mn-cs"/>
-                        </a:rPr>
-                        <a:t>+</a:t>
-                      </a:r>
-                    </a:p>
-                    <a:p>
-                      <a:pPr marL="0" marR="0" lvl="0" indent="0" algn="ctr" defTabSz="914400" rtl="0" eaLnBrk="1" fontAlgn="auto" latinLnBrk="1" hangingPunct="1">
-                        <a:lnSpc>
-                          <a:spcPct val="100000"/>
-                        </a:lnSpc>
-                        <a:spcBef>
-                          <a:spcPts val="0"/>
-                        </a:spcBef>
-                        <a:spcAft>
-                          <a:spcPts val="0"/>
-                        </a:spcAft>
-                        <a:buClrTx/>
-                        <a:buSzTx/>
-                        <a:buFontTx/>
-                        <a:buNone/>
-                        <a:tabLst/>
-                        <a:defRPr/>
-                      </a:pPr>
-                      <a:r>
-                        <a:rPr lang="en-US" altLang="ko-KR" sz="1600" b="1" kern="1200" dirty="0">
-                          <a:solidFill>
-                            <a:schemeClr val="dk1"/>
-                          </a:solidFill>
-                          <a:effectLst/>
-                          <a:latin typeface="+mn-lt"/>
-                          <a:ea typeface="+mn-ea"/>
-                          <a:cs typeface="+mn-cs"/>
-                        </a:rPr>
-                        <a:t>AE</a:t>
-                      </a:r>
-                      <a:endParaRPr lang="ko-KR" altLang="en-US" sz="1600" b="1" kern="1200" dirty="0">
-                        <a:solidFill>
-                          <a:schemeClr val="dk1"/>
-                        </a:solidFill>
-                        <a:effectLst/>
-                        <a:latin typeface="+mn-lt"/>
-                        <a:ea typeface="+mn-ea"/>
-                        <a:cs typeface="+mn-cs"/>
-                      </a:endParaRPr>
-                    </a:p>
-                  </a:txBody>
-                  <a:tcPr anchor="ctr"/>
-                </a:tc>
-                <a:extLst>
-                  <a:ext uri="{0D108BD9-81ED-4DB2-BD59-A6C34878D82A}">
-                    <a16:rowId xmlns:a16="http://schemas.microsoft.com/office/drawing/2014/main" val="2114268634"/>
-                  </a:ext>
-                </a:extLst>
-              </a:tr>
-              <a:tr h="1147729">
-                <a:tc>
-                  <a:txBody>
-                    <a:bodyPr/>
-                    <a:lstStyle/>
-                    <a:p>
-                      <a:pPr algn="l" latinLnBrk="1"/>
-                      <a:r>
-                        <a:rPr lang="en-US" altLang="ko-KR" sz="1600" b="0" dirty="0"/>
-                        <a:t>OC-neural net</a:t>
-                      </a:r>
-                      <a:endParaRPr lang="ko-KR" altLang="en-US" sz="1600" b="0" dirty="0"/>
-                    </a:p>
-                  </a:txBody>
-                  <a:tcPr anchor="ctr"/>
-                </a:tc>
-                <a:tc>
-                  <a:txBody>
-                    <a:bodyPr/>
-                    <a:lstStyle/>
-                    <a:p>
-                      <a:pPr algn="ctr" latinLnBrk="1"/>
-                      <a:r>
-                        <a:rPr lang="en-US" altLang="ko-KR" sz="1600" b="0" dirty="0"/>
-                        <a:t>Deep</a:t>
-                      </a:r>
-                      <a:endParaRPr lang="ko-KR" altLang="en-US" sz="1600" b="0" dirty="0"/>
-                    </a:p>
-                  </a:txBody>
-                  <a:tcPr anchor="ctr"/>
-                </a:tc>
-                <a:tc>
-                  <a:txBody>
-                    <a:bodyPr/>
-                    <a:lstStyle/>
-                    <a:p>
-                      <a:pPr algn="ctr" latinLnBrk="1"/>
-                      <a:r>
-                        <a:rPr lang="en-US" altLang="ko-KR" sz="1600" b="0" dirty="0"/>
-                        <a:t>N</a:t>
-                      </a:r>
-                      <a:endParaRPr lang="ko-KR" altLang="en-US" sz="1600" b="0" dirty="0"/>
-                    </a:p>
-                  </a:txBody>
-                  <a:tcPr anchor="ctr"/>
-                </a:tc>
-                <a:tc>
-                  <a:txBody>
-                    <a:bodyPr/>
-                    <a:lstStyle/>
-                    <a:p>
-                      <a:pPr algn="ctr" latinLnBrk="1"/>
-                      <a:r>
-                        <a:rPr lang="en-US" altLang="ko-KR" sz="1600" b="0" dirty="0"/>
-                        <a:t>Fully NN</a:t>
-                      </a:r>
-                    </a:p>
-                    <a:p>
-                      <a:pPr algn="ctr" latinLnBrk="1"/>
-                      <a:r>
-                        <a:rPr lang="en-US" altLang="ko-KR" sz="1600" b="0" dirty="0"/>
-                        <a:t>Use AE </a:t>
-                      </a:r>
-                      <a:endParaRPr lang="ko-KR" altLang="en-US" sz="1600" b="0" dirty="0"/>
-                    </a:p>
-                  </a:txBody>
-                  <a:tcPr anchor="ctr"/>
-                </a:tc>
-                <a:extLst>
-                  <a:ext uri="{0D108BD9-81ED-4DB2-BD59-A6C34878D82A}">
-                    <a16:rowId xmlns:a16="http://schemas.microsoft.com/office/drawing/2014/main" val="681619149"/>
+                    <a16:rowId xmlns:a16="http://schemas.microsoft.com/office/drawing/2014/main" val="1519251919"/>
                   </a:ext>
                 </a:extLst>
               </a:tr>
@@ -16416,7 +14967,7 @@
         </p:nvSpPr>
         <p:spPr>
           <a:xfrm>
-            <a:off x="915464" y="2240280"/>
+            <a:off x="915464" y="2057400"/>
             <a:ext cx="9755584" cy="529290"/>
           </a:xfrm>
           <a:prstGeom prst="rect">
@@ -16468,8 +15019,8 @@
         </p:nvSpPr>
         <p:spPr>
           <a:xfrm>
-            <a:off x="915464" y="3768238"/>
-            <a:ext cx="9755584" cy="1535281"/>
+            <a:off x="915464" y="5175504"/>
+            <a:ext cx="10002472" cy="1216152"/>
           </a:xfrm>
           <a:prstGeom prst="rect">
             <a:avLst/>
@@ -16519,7 +15070,7 @@
 </p:sld>
 </file>
 
-<file path=ppt/slides/slide29.xml><?xml version="1.0" encoding="utf-8"?>
+<file path=ppt/slides/slide28.xml><?xml version="1.0" encoding="utf-8"?>
 <p:sld xmlns:a="http://schemas.openxmlformats.org/drawingml/2006/main" xmlns:r="http://schemas.openxmlformats.org/officeDocument/2006/relationships" xmlns:p="http://schemas.openxmlformats.org/presentationml/2006/main">
   <p:cSld>
     <p:spTree>
@@ -16811,6 +15362,72 @@
 </p:sld>
 </file>
 
+<file path=ppt/slides/slide29.xml><?xml version="1.0" encoding="utf-8"?>
+<p:sld xmlns:a="http://schemas.openxmlformats.org/drawingml/2006/main" xmlns:r="http://schemas.openxmlformats.org/officeDocument/2006/relationships" xmlns:p="http://schemas.openxmlformats.org/presentationml/2006/main">
+  <p:cSld>
+    <p:spTree>
+      <p:nvGrpSpPr>
+        <p:cNvPr id="1" name=""/>
+        <p:cNvGrpSpPr/>
+        <p:nvPr/>
+      </p:nvGrpSpPr>
+      <p:grpSpPr>
+        <a:xfrm>
+          <a:off x="0" y="0"/>
+          <a:ext cx="0" cy="0"/>
+          <a:chOff x="0" y="0"/>
+          <a:chExt cx="0" cy="0"/>
+        </a:xfrm>
+      </p:grpSpPr>
+      <p:sp>
+        <p:nvSpPr>
+          <p:cNvPr id="4" name="TextBox 3">
+            <a:extLst>
+              <a:ext uri="{FF2B5EF4-FFF2-40B4-BE49-F238E27FC236}">
+                <a16:creationId xmlns:a16="http://schemas.microsoft.com/office/drawing/2014/main" id="{CCF2CAB1-2ADB-4BF5-A48D-5053B8B3BABC}"/>
+              </a:ext>
+            </a:extLst>
+          </p:cNvPr>
+          <p:cNvSpPr txBox="1"/>
+          <p:nvPr/>
+        </p:nvSpPr>
+        <p:spPr>
+          <a:xfrm>
+            <a:off x="1202738" y="2603739"/>
+            <a:ext cx="8531811" cy="861774"/>
+          </a:xfrm>
+          <a:prstGeom prst="rect">
+            <a:avLst/>
+          </a:prstGeom>
+          <a:noFill/>
+        </p:spPr>
+        <p:txBody>
+          <a:bodyPr wrap="square" rtlCol="0">
+            <a:spAutoFit/>
+          </a:bodyPr>
+          <a:lstStyle/>
+          <a:p>
+            <a:r>
+              <a:rPr lang="en-US" altLang="ko-KR" sz="5000" b="1" dirty="0"/>
+              <a:t>Next step</a:t>
+            </a:r>
+            <a:endParaRPr lang="ko-KR" altLang="en-US" sz="5000" b="1" dirty="0"/>
+          </a:p>
+        </p:txBody>
+      </p:sp>
+    </p:spTree>
+    <p:extLst>
+      <p:ext uri="{BB962C8B-B14F-4D97-AF65-F5344CB8AC3E}">
+        <p14:creationId xmlns:p14="http://schemas.microsoft.com/office/powerpoint/2010/main" val="1619169665"/>
+      </p:ext>
+    </p:extLst>
+  </p:cSld>
+  <p:clrMapOvr>
+    <a:masterClrMapping/>
+  </p:clrMapOvr>
+</p:sld>
+</file>
+
 <file path=ppt/slides/slide3.xml><?xml version="1.0" encoding="utf-8"?>
 <p:sld xmlns:a="http://schemas.openxmlformats.org/drawingml/2006/main" xmlns:r="http://schemas.openxmlformats.org/officeDocument/2006/relationships" xmlns:p="http://schemas.openxmlformats.org/presentationml/2006/main">
   <p:cSld>
@@ -16878,72 +15495,6 @@
 </file>
 
 <file path=ppt/slides/slide30.xml><?xml version="1.0" encoding="utf-8"?>
-<p:sld xmlns:a="http://schemas.openxmlformats.org/drawingml/2006/main" xmlns:r="http://schemas.openxmlformats.org/officeDocument/2006/relationships" xmlns:p="http://schemas.openxmlformats.org/presentationml/2006/main">
-  <p:cSld>
-    <p:spTree>
-      <p:nvGrpSpPr>
-        <p:cNvPr id="1" name=""/>
-        <p:cNvGrpSpPr/>
-        <p:nvPr/>
-      </p:nvGrpSpPr>
-      <p:grpSpPr>
-        <a:xfrm>
-          <a:off x="0" y="0"/>
-          <a:ext cx="0" cy="0"/>
-          <a:chOff x="0" y="0"/>
-          <a:chExt cx="0" cy="0"/>
-        </a:xfrm>
-      </p:grpSpPr>
-      <p:sp>
-        <p:nvSpPr>
-          <p:cNvPr id="4" name="TextBox 3">
-            <a:extLst>
-              <a:ext uri="{FF2B5EF4-FFF2-40B4-BE49-F238E27FC236}">
-                <a16:creationId xmlns:a16="http://schemas.microsoft.com/office/drawing/2014/main" id="{CCF2CAB1-2ADB-4BF5-A48D-5053B8B3BABC}"/>
-              </a:ext>
-            </a:extLst>
-          </p:cNvPr>
-          <p:cNvSpPr txBox="1"/>
-          <p:nvPr/>
-        </p:nvSpPr>
-        <p:spPr>
-          <a:xfrm>
-            <a:off x="1202738" y="2603739"/>
-            <a:ext cx="8531811" cy="861774"/>
-          </a:xfrm>
-          <a:prstGeom prst="rect">
-            <a:avLst/>
-          </a:prstGeom>
-          <a:noFill/>
-        </p:spPr>
-        <p:txBody>
-          <a:bodyPr wrap="square" rtlCol="0">
-            <a:spAutoFit/>
-          </a:bodyPr>
-          <a:lstStyle/>
-          <a:p>
-            <a:r>
-              <a:rPr lang="en-US" altLang="ko-KR" sz="5000" b="1" dirty="0"/>
-              <a:t>Next step</a:t>
-            </a:r>
-            <a:endParaRPr lang="ko-KR" altLang="en-US" sz="5000" b="1" dirty="0"/>
-          </a:p>
-        </p:txBody>
-      </p:sp>
-    </p:spTree>
-    <p:extLst>
-      <p:ext uri="{BB962C8B-B14F-4D97-AF65-F5344CB8AC3E}">
-        <p14:creationId xmlns:p14="http://schemas.microsoft.com/office/powerpoint/2010/main" val="1619169665"/>
-      </p:ext>
-    </p:extLst>
-  </p:cSld>
-  <p:clrMapOvr>
-    <a:masterClrMapping/>
-  </p:clrMapOvr>
-</p:sld>
-</file>
-
-<file path=ppt/slides/slide31.xml><?xml version="1.0" encoding="utf-8"?>
 <p:sld xmlns:a="http://schemas.openxmlformats.org/drawingml/2006/main" xmlns:r="http://schemas.openxmlformats.org/officeDocument/2006/relationships" xmlns:p="http://schemas.openxmlformats.org/presentationml/2006/main">
   <p:cSld>
     <p:spTree>
